--- a/static/docs/ml2.pptx
+++ b/static/docs/ml2.pptx
@@ -5,7 +5,7 @@
     <p:sldMasterId id="2147483648" r:id="rId4"/>
   </p:sldMasterIdLst>
   <p:notesMasterIdLst>
-    <p:notesMasterId r:id="rId82"/>
+    <p:notesMasterId r:id="rId83"/>
   </p:notesMasterIdLst>
   <p:sldIdLst>
     <p:sldId id="256" r:id="rId5"/>
@@ -19,72 +19,73 @@
     <p:sldId id="589" r:id="rId13"/>
     <p:sldId id="593" r:id="rId14"/>
     <p:sldId id="262" r:id="rId15"/>
-    <p:sldId id="631" r:id="rId16"/>
-    <p:sldId id="655" r:id="rId17"/>
-    <p:sldId id="591" r:id="rId18"/>
-    <p:sldId id="622" r:id="rId19"/>
-    <p:sldId id="623" r:id="rId20"/>
-    <p:sldId id="632" r:id="rId21"/>
-    <p:sldId id="652" r:id="rId22"/>
-    <p:sldId id="653" r:id="rId23"/>
-    <p:sldId id="654" r:id="rId24"/>
-    <p:sldId id="656" r:id="rId25"/>
-    <p:sldId id="633" r:id="rId26"/>
-    <p:sldId id="609" r:id="rId27"/>
-    <p:sldId id="650" r:id="rId28"/>
-    <p:sldId id="651" r:id="rId29"/>
-    <p:sldId id="645" r:id="rId30"/>
-    <p:sldId id="646" r:id="rId31"/>
-    <p:sldId id="657" r:id="rId32"/>
-    <p:sldId id="647" r:id="rId33"/>
-    <p:sldId id="648" r:id="rId34"/>
-    <p:sldId id="276" r:id="rId35"/>
-    <p:sldId id="277" r:id="rId36"/>
-    <p:sldId id="635" r:id="rId37"/>
-    <p:sldId id="291" r:id="rId38"/>
-    <p:sldId id="292" r:id="rId39"/>
-    <p:sldId id="659" r:id="rId40"/>
-    <p:sldId id="634" r:id="rId41"/>
-    <p:sldId id="660" r:id="rId42"/>
-    <p:sldId id="658" r:id="rId43"/>
-    <p:sldId id="260" r:id="rId44"/>
-    <p:sldId id="264" r:id="rId45"/>
-    <p:sldId id="636" r:id="rId46"/>
-    <p:sldId id="637" r:id="rId47"/>
-    <p:sldId id="594" r:id="rId48"/>
-    <p:sldId id="610" r:id="rId49"/>
-    <p:sldId id="606" r:id="rId50"/>
-    <p:sldId id="603" r:id="rId51"/>
-    <p:sldId id="611" r:id="rId52"/>
-    <p:sldId id="612" r:id="rId53"/>
-    <p:sldId id="613" r:id="rId54"/>
-    <p:sldId id="614" r:id="rId55"/>
-    <p:sldId id="615" r:id="rId56"/>
-    <p:sldId id="298" r:id="rId57"/>
-    <p:sldId id="664" r:id="rId58"/>
-    <p:sldId id="665" r:id="rId59"/>
-    <p:sldId id="629" r:id="rId60"/>
-    <p:sldId id="638" r:id="rId61"/>
-    <p:sldId id="639" r:id="rId62"/>
-    <p:sldId id="640" r:id="rId63"/>
-    <p:sldId id="641" r:id="rId64"/>
-    <p:sldId id="644" r:id="rId65"/>
-    <p:sldId id="642" r:id="rId66"/>
-    <p:sldId id="643" r:id="rId67"/>
-    <p:sldId id="663" r:id="rId68"/>
-    <p:sldId id="627" r:id="rId69"/>
-    <p:sldId id="626" r:id="rId70"/>
-    <p:sldId id="630" r:id="rId71"/>
-    <p:sldId id="666" r:id="rId72"/>
-    <p:sldId id="667" r:id="rId73"/>
-    <p:sldId id="596" r:id="rId74"/>
-    <p:sldId id="597" r:id="rId75"/>
-    <p:sldId id="661" r:id="rId76"/>
-    <p:sldId id="662" r:id="rId77"/>
-    <p:sldId id="598" r:id="rId78"/>
-    <p:sldId id="595" r:id="rId79"/>
-    <p:sldId id="592" r:id="rId80"/>
-    <p:sldId id="624" r:id="rId81"/>
+    <p:sldId id="668" r:id="rId16"/>
+    <p:sldId id="631" r:id="rId17"/>
+    <p:sldId id="655" r:id="rId18"/>
+    <p:sldId id="591" r:id="rId19"/>
+    <p:sldId id="622" r:id="rId20"/>
+    <p:sldId id="623" r:id="rId21"/>
+    <p:sldId id="632" r:id="rId22"/>
+    <p:sldId id="652" r:id="rId23"/>
+    <p:sldId id="653" r:id="rId24"/>
+    <p:sldId id="654" r:id="rId25"/>
+    <p:sldId id="656" r:id="rId26"/>
+    <p:sldId id="633" r:id="rId27"/>
+    <p:sldId id="609" r:id="rId28"/>
+    <p:sldId id="650" r:id="rId29"/>
+    <p:sldId id="651" r:id="rId30"/>
+    <p:sldId id="645" r:id="rId31"/>
+    <p:sldId id="646" r:id="rId32"/>
+    <p:sldId id="657" r:id="rId33"/>
+    <p:sldId id="647" r:id="rId34"/>
+    <p:sldId id="648" r:id="rId35"/>
+    <p:sldId id="276" r:id="rId36"/>
+    <p:sldId id="277" r:id="rId37"/>
+    <p:sldId id="635" r:id="rId38"/>
+    <p:sldId id="291" r:id="rId39"/>
+    <p:sldId id="292" r:id="rId40"/>
+    <p:sldId id="659" r:id="rId41"/>
+    <p:sldId id="634" r:id="rId42"/>
+    <p:sldId id="660" r:id="rId43"/>
+    <p:sldId id="658" r:id="rId44"/>
+    <p:sldId id="260" r:id="rId45"/>
+    <p:sldId id="264" r:id="rId46"/>
+    <p:sldId id="636" r:id="rId47"/>
+    <p:sldId id="637" r:id="rId48"/>
+    <p:sldId id="594" r:id="rId49"/>
+    <p:sldId id="610" r:id="rId50"/>
+    <p:sldId id="606" r:id="rId51"/>
+    <p:sldId id="603" r:id="rId52"/>
+    <p:sldId id="611" r:id="rId53"/>
+    <p:sldId id="612" r:id="rId54"/>
+    <p:sldId id="613" r:id="rId55"/>
+    <p:sldId id="614" r:id="rId56"/>
+    <p:sldId id="615" r:id="rId57"/>
+    <p:sldId id="298" r:id="rId58"/>
+    <p:sldId id="664" r:id="rId59"/>
+    <p:sldId id="665" r:id="rId60"/>
+    <p:sldId id="629" r:id="rId61"/>
+    <p:sldId id="638" r:id="rId62"/>
+    <p:sldId id="639" r:id="rId63"/>
+    <p:sldId id="640" r:id="rId64"/>
+    <p:sldId id="641" r:id="rId65"/>
+    <p:sldId id="644" r:id="rId66"/>
+    <p:sldId id="642" r:id="rId67"/>
+    <p:sldId id="643" r:id="rId68"/>
+    <p:sldId id="663" r:id="rId69"/>
+    <p:sldId id="627" r:id="rId70"/>
+    <p:sldId id="626" r:id="rId71"/>
+    <p:sldId id="630" r:id="rId72"/>
+    <p:sldId id="666" r:id="rId73"/>
+    <p:sldId id="667" r:id="rId74"/>
+    <p:sldId id="596" r:id="rId75"/>
+    <p:sldId id="597" r:id="rId76"/>
+    <p:sldId id="661" r:id="rId77"/>
+    <p:sldId id="662" r:id="rId78"/>
+    <p:sldId id="598" r:id="rId79"/>
+    <p:sldId id="595" r:id="rId80"/>
+    <p:sldId id="592" r:id="rId81"/>
+    <p:sldId id="624" r:id="rId82"/>
   </p:sldIdLst>
   <p:sldSz cx="12192000" cy="6858000"/>
   <p:notesSz cx="6858000" cy="9144000"/>
@@ -189,6 +190,14 @@
     </p:ext>
   </p:extLst>
 </p:presentation>
+</file>
+
+<file path=ppt/revisionInfo.xml><?xml version="1.0" encoding="utf-8"?>
+<p1510:revInfo xmlns:a="http://schemas.openxmlformats.org/drawingml/2006/main" xmlns:r="http://schemas.openxmlformats.org/officeDocument/2006/relationships" xmlns:p1510="http://schemas.microsoft.com/office/powerpoint/2015/10/main">
+  <p1510:revLst>
+    <p1510:client id="{1B466DE9-7300-4A62-BB9B-1BB6050E10BB}" v="288" dt="2023-10-16T18:21:54.042"/>
+  </p1510:revLst>
+</p1510:revInfo>
 </file>
 
 <file path=ppt/charts/chart1.xml><?xml version="1.0" encoding="utf-8"?>
@@ -10403,7 +10412,7 @@
   <inkml:trace contextRef="#ctx0" brushRef="#br1" timeOffset="16019.91">21181 7597 3363,'-26'0'-257,"-2"0"-223,1 0-161</inkml:trace>
   <inkml:trace contextRef="#ctx0" brushRef="#br1" timeOffset="16107.92">20811 7624 4548,'-80'0'737,"53"0"-3044,-25 0-639</inkml:trace>
   <inkml:trace contextRef="#ctx0" brushRef="#br1" timeOffset="16221.92">20333 7677 1345,'-105'0'320,"52"0"-993</inkml:trace>
-  <inkml:trace contextRef="#ctx0" brushRef="#br1" timeOffset="16481.94">19461 7677 7110,'-81'0'673,"54"0"-609,3 0-32,-4 0 256,2 0 385,-1 0-225,0 0-448,2 0 64,-2 0-64,27 0-64,-26 0-256,-1 0-833,0 0-1345,27 0-2115</inkml:trace>
+  <inkml:trace contextRef="#ctx0" brushRef="#br1" timeOffset="16481.93">19461 7677 7110,'-81'0'673,"54"0"-609,3 0-32,-4 0 256,2 0 385,-1 0-225,0 0-448,2 0 64,-2 0-64,27 0-64,-26 0-256,-1 0-833,0 0-1345,27 0-2115</inkml:trace>
   <inkml:trace contextRef="#ctx0" brushRef="#br1" timeOffset="16640.95">18905 7677 3587,'-81'0'2883,"54"0"-1154,3 0-864,-4 0-449,2 0-223,-1 0-65,27 0-96,-27 0-128,2 0-32,25 0 96,-27 0-65,1 0-319,26 0-673,-54 0-544,29 0-449,-2 0-1634</inkml:trace>
   <inkml:trace contextRef="#ctx0" brushRef="#br1" timeOffset="16784.96">18189 7729 512,'-53'0'32,"28"0"577,-2 0 1697,27 0-96,-27 0-320,27 0-481,0-27-608,-26 27-705,26 0-897,-27-25-1537</inkml:trace>
   <inkml:trace contextRef="#ctx0" brushRef="#br1" timeOffset="16914.96">17607 7677 4548,'-52'-27'96,"25"1"-1121,27 26-2242</inkml:trace>
@@ -10427,7 +10436,7 @@
   <inkml:trace contextRef="#ctx0" brushRef="#br2" timeOffset="27157.55">17899 14089 3042,'-27'-27'1730,"2"1"-385,-2-1-31,0 27 319,-27-27-448,3 27-544,-4 0-161,2 0-320,1 0 161,25-26-65,-26 26 64,28 0-31,-29 0-225,28 26-96,-26-26 96,25 27-64,-28 0 0,29 26 0,-25-1 160,23 1 32,-25 1-160,27 24 160,0 2-192,-1 0 96,27-1-224,-27 1 160,27 25-128,-26-26 96,26 28 0,0-1 0,-26-26 0,26-1-32,0-26 96,0 26-32,0 26 0,-26 2 64,26-27-32,0 25 32,0-25 65,0 0 191,0-1-192,0 1-32,26-28-32,-26 28 32,0 0-128,0 0-32,0-28-64,26 1 32,-26 1 64,26-2-32,1-26 128,0 1 32,25-27 65,-26 27 63,29-27-160,-4 0 32,-25 0-128,29 0-480,-3 0-930,-25 0-2241</inkml:trace>
   <inkml:trace contextRef="#ctx0" brushRef="#br2" timeOffset="28802.64">16840 15254 2434,'27'26'320,"-1"-26"-512,-26 0-385,26 0-255,-26 0 447,0 0 289,0 0 96,0 26 64,0-26 929,0 0 833,0 0-32,0 0-97,0 0-255,0 0 127,0 0-32,0 0-191,0 0-321,0 0-417,0 0-223,0 0-385,0 0 0,0 0 0,0 0 0,0 0 64,0 0 0,0 0 32,-26 27 32,26-27 64,-26 0 32,-28 0 33,28 27-65,-26-27-128,25 0-32,-28 0 64,5-27-32,-5 27 288,-24-27-159,26 1 159,-26 0-160,-1 0 0,2-28-64,-28 28 1,25-53-162,-51-2 66,27-23-1,-1 24-32,-2-27-65,3 28-159,26-27 64,-1 0 64,-25 1-32,0-2 256,-1-25-32,1 26-64,-3 0 96,29-26 0,-26-1 65,25 1-97,1 0-160,-26-27 224,24 26-224,2-27 64,-26 1-32,25 1 32,1-1-64,-2-1 32,-25 1 32,28 1 0,-28 26-32,26-27 0,2 26 96,24 1-96,-24-2-33,-4 1 65,4 1 0,-2 27 97,1-27-194,0 25 194,-1-25-129,2 25 0,-28 2 32,25-2-33,-24 29 33,25-28 33,-27 25-66,30 2 33,-30 1 65,27-2-130,1 1 130,-1 24-226,2 3 257,23-1-192,4 0-96,-3-1 288,3 2 0,23-1-96,1 26 64,1-26-32,26 28-64,-27-2 64,27-26-96,0 26 128,0 0-160,-25 1 96,25-1 96,0 27-31,-27-27 127,0 2-64,1 25 160,-1-27 32,27 27-223,-27 0-162,2-26 1,-2 26-128,27 0-288,0 0 191,0 0 33,0 0 128,0-27 128,0 0 0,0 27 0,0-26 0,0 0 64,0 26-32,-26-26 32,-1-1 32,-1 0 0,4 1 33,-3-2-33,-1 28 32,2-51 0,-1 23-224,-25 3 96,25-30 64,1 30-160,-26-29 128,25 28-32,0-28 0,1 29-64,-1-2 32,-25 1-32,25-1 32,1 0-32,-1 1 64,2 0 32,-2 0-161,0-1 33,-1 0 96,2 1-160,-25 0 128,51 26 96,-28-28-224,1 28-64,27 0-225,0 0-95,0 0 64,0-25 159,0 25 97,0 0 96,0 0 0,0 0-64,0 0-1,0 25-703,0-25-1603,0 28-2658</inkml:trace>
   <inkml:trace contextRef="#ctx0" brushRef="#br2" timeOffset="29211.67">10117 8630 8872,'0'27'288,"0"-27"-256,0 0 993,26-27 0,0 1-480,1-28-385,0 1-128,-1-27 96,0-25 288,-26 26 257,26-1-385,-26 1-160,0-1-32,0 28-63,0-1 31,-26 0-32,26 26-64,-26 0 96,26 1 32,0 26-224,0 0-193,26 26 193,27 1 128,2 0 0,-5-2 64,32 3-64,23-3 0,-26 3 64,26-28 0,-25 26-64,-1-26 32,-25 0-704,-3 26-2403</inkml:trace>
-  <inkml:trace contextRef="#ctx0" brushRef="#br2" timeOffset="32891.88">7680 5822 6854,'0'52'192,"28"2"1025,-28 26 193,27-2-642,-27 29-479,26-2-193,-26-25-96,27-1 128,-27-26-32,25 1 224,-25-54 97,0 26 95,0-26 385,0 0 352,0-26-1057,0-28-288,0 28 96,0-26-32,0-2-32,27 1-32,0 26 0,-1-25 0,1 52 32,25-28 64,-25 28 32,-1 28-64,1-28-32,1 27 0,-4 25-257,3-25-223,-27-1-257,0 28-256,28-29-416,-28 2 160,0-1-834,0 1-3298</inkml:trace>
+  <inkml:trace contextRef="#ctx0" brushRef="#br2" timeOffset="32891.87">7680 5822 6854,'0'52'192,"28"2"1025,-28 26 193,27-2-642,-27 29-479,26-2-193,-26-25-96,27-1 128,-27-26-32,25 1 224,-25-54 97,0 26 95,0-26 385,0 0 352,0-26-1057,0-28-288,0 28 96,0-26-32,0-2-32,27 1-32,0 26 0,-1-25 0,1 52 32,25-28 64,-25 28 32,-1 28-64,1-28-32,1 27 0,-4 25-257,3-25-223,-27-1-257,0 28-256,28-29-416,-28 2 160,0-1-834,0 1-3298</inkml:trace>
   <inkml:trace contextRef="#ctx0" brushRef="#br2" timeOffset="33137.89">8212 5796 13388,'0'53'-128,"0"-28"160,0 55 160,0-26 32,24 24-224,4 2-416,-1 0-673,26-1 320,-28-26 225,29-26 256,-1 0-65,-28-2-576,29-25-320,-28 0-352,1-25-2051</inkml:trace>
   <inkml:trace contextRef="#ctx0" brushRef="#br2" timeOffset="33303.9">8633 6034 11530,'0'26'577,"27"-26"-513,-27 26 513,27 2 127,1-1-255,22-2-193,-23-25-160,28 27-64,-3-27-352,-26 0-673,28 0-1474,-28 0-2177</inkml:trace>
   <inkml:trace contextRef="#ctx0" brushRef="#br2" timeOffset="33461.91">8873 5954 9609,'-53'54'160,"25"-28"32,1 26 577,3 3-129,-2 22-640,26-49-480,0 24-897,0-25-577,26 0-192,-2-27-1922</inkml:trace>
@@ -10617,7 +10626,7 @@
           <a:p>
             <a:fld id="{C686E9C8-05B0-4550-9CA7-2F66FB508315}" type="datetimeFigureOut">
               <a:rPr lang="en-US" smtClean="0"/>
-              <a:t>10/16/2023</a:t>
+              <a:t>10/16/23</a:t>
             </a:fld>
             <a:endParaRPr lang="en-US"/>
           </a:p>
@@ -10929,13 +10938,52 @@
           <a:lstStyle/>
           <a:p>
             <a:r>
-              <a:rPr lang="en-US" dirty="0"/>
-              <a:t>Also called </a:t>
-            </a:r>
-            <a:r>
-              <a:rPr lang="en-US"/>
-              <a:t>hidden layers.</a:t>
-            </a:r>
+              <a:rPr lang="en-CA" b="0" i="0" dirty="0">
+                <a:solidFill>
+                  <a:srgbClr val="333333"/>
+                </a:solidFill>
+                <a:effectLst/>
+                <a:latin typeface="Arial" panose="020B0604020202020204" pitchFamily="34" charset="0"/>
+              </a:rPr>
+              <a:t>Cross-validation is a powerful preventative measure against overfitting.</a:t>
+            </a:r>
+          </a:p>
+          <a:p>
+            <a:r>
+              <a:rPr lang="en-CA" b="0" i="0" dirty="0">
+                <a:solidFill>
+                  <a:srgbClr val="333333"/>
+                </a:solidFill>
+                <a:effectLst/>
+                <a:latin typeface="Arial" panose="020B0604020202020204" pitchFamily="34" charset="0"/>
+              </a:rPr>
+              <a:t>The idea is clever: Use your initial training data to generate multiple mini train-test splits. Use these splits to tune your model.</a:t>
+            </a:r>
+          </a:p>
+          <a:p>
+            <a:r>
+              <a:rPr lang="en-CA" b="0" i="0" dirty="0">
+                <a:solidFill>
+                  <a:srgbClr val="333333"/>
+                </a:solidFill>
+                <a:effectLst/>
+                <a:latin typeface="Arial" panose="020B0604020202020204" pitchFamily="34" charset="0"/>
+              </a:rPr>
+              <a:t>In standard k-fold cross-validation, we partition the data into k subsets, called folds. Then, we iteratively train the algorithm on k-1 folds while using the remaining fold as the test set (called the “holdout fold”).</a:t>
+            </a:r>
+          </a:p>
+          <a:p>
+            <a:r>
+              <a:rPr lang="en-CA" b="0" i="0" dirty="0">
+                <a:solidFill>
+                  <a:srgbClr val="333333"/>
+                </a:solidFill>
+                <a:effectLst/>
+                <a:latin typeface="Arial" panose="020B0604020202020204" pitchFamily="34" charset="0"/>
+              </a:rPr>
+              <a:t>Cross-validation allows you to tune hyperparameters with only your original training set. This allows you to keep your test set as a truly unseen dataset for selecting your final model.</a:t>
+            </a:r>
+            <a:endParaRPr lang="en-US" dirty="0"/>
           </a:p>
         </p:txBody>
       </p:sp>
@@ -10956,7 +11004,7 @@
           <a:p>
             <a:fld id="{17FCA3B4-5883-484F-82A4-A1FC0CC12C10}" type="slidenum">
               <a:rPr lang="en-US" smtClean="0"/>
-              <a:t>32</a:t>
+              <a:t>13</a:t>
             </a:fld>
             <a:endParaRPr lang="en-US"/>
           </a:p>
@@ -10965,7 +11013,7 @@
     </p:spTree>
     <p:extLst>
       <p:ext uri="{BB962C8B-B14F-4D97-AF65-F5344CB8AC3E}">
-        <p14:creationId xmlns:p14="http://schemas.microsoft.com/office/powerpoint/2010/main" val="307799313"/>
+        <p14:creationId xmlns:p14="http://schemas.microsoft.com/office/powerpoint/2010/main" val="1449852438"/>
       </p:ext>
     </p:extLst>
   </p:cSld>
@@ -11019,14 +11067,7 @@
           <a:bodyPr/>
           <a:lstStyle/>
           <a:p>
-            <a:r>
-              <a:rPr lang="en-US" dirty="0"/>
-              <a:t>Also called </a:t>
-            </a:r>
-            <a:r>
-              <a:rPr lang="en-US"/>
-              <a:t>hidden layers.</a:t>
-            </a:r>
+            <a:endParaRPr lang="en-US" dirty="0"/>
           </a:p>
         </p:txBody>
       </p:sp>
@@ -11047,7 +11088,7 @@
           <a:p>
             <a:fld id="{17FCA3B4-5883-484F-82A4-A1FC0CC12C10}" type="slidenum">
               <a:rPr lang="en-US" smtClean="0"/>
-              <a:t>36</a:t>
+              <a:t>14</a:t>
             </a:fld>
             <a:endParaRPr lang="en-US"/>
           </a:p>
@@ -11056,7 +11097,7 @@
     </p:spTree>
     <p:extLst>
       <p:ext uri="{BB962C8B-B14F-4D97-AF65-F5344CB8AC3E}">
-        <p14:creationId xmlns:p14="http://schemas.microsoft.com/office/powerpoint/2010/main" val="1452987943"/>
+        <p14:creationId xmlns:p14="http://schemas.microsoft.com/office/powerpoint/2010/main" val="2305778710"/>
       </p:ext>
     </p:extLst>
   </p:cSld>
@@ -11112,8 +11153,38 @@
           <a:p>
             <a:r>
               <a:rPr lang="en-US" dirty="0"/>
-              <a:t>Square feet (size), # of bedrooms.</a:t>
-            </a:r>
+              <a:t>https://</a:t>
+            </a:r>
+            <a:r>
+              <a:rPr lang="en-US" dirty="0" err="1"/>
+              <a:t>elitedatascience.com</a:t>
+            </a:r>
+            <a:r>
+              <a:rPr lang="en-US" dirty="0"/>
+              <a:t>/overfitting-in-machine-learning</a:t>
+            </a:r>
+          </a:p>
+          <a:p>
+            <a:endParaRPr lang="en-US" dirty="0"/>
+          </a:p>
+          <a:p>
+            <a:r>
+              <a:rPr lang="en-US" dirty="0"/>
+              <a:t>https://</a:t>
+            </a:r>
+            <a:r>
+              <a:rPr lang="en-US" dirty="0" err="1"/>
+              <a:t>www.simplilearn.com</a:t>
+            </a:r>
+            <a:r>
+              <a:rPr lang="en-US" dirty="0"/>
+              <a:t>/tutorials/machine-learning-tutorial/</a:t>
+            </a:r>
+            <a:r>
+              <a:rPr lang="en-US" dirty="0" err="1"/>
+              <a:t>overfitting-and-underfitting#what_is_underfitting</a:t>
+            </a:r>
+            <a:endParaRPr lang="en-US" dirty="0"/>
           </a:p>
         </p:txBody>
       </p:sp>
@@ -11134,7 +11205,7 @@
           <a:p>
             <a:fld id="{17FCA3B4-5883-484F-82A4-A1FC0CC12C10}" type="slidenum">
               <a:rPr lang="en-US" smtClean="0"/>
-              <a:t>37</a:t>
+              <a:t>15</a:t>
             </a:fld>
             <a:endParaRPr lang="en-US"/>
           </a:p>
@@ -11143,7 +11214,7 @@
     </p:spTree>
     <p:extLst>
       <p:ext uri="{BB962C8B-B14F-4D97-AF65-F5344CB8AC3E}">
-        <p14:creationId xmlns:p14="http://schemas.microsoft.com/office/powerpoint/2010/main" val="2432858986"/>
+        <p14:creationId xmlns:p14="http://schemas.microsoft.com/office/powerpoint/2010/main" val="336643099"/>
       </p:ext>
     </p:extLst>
   </p:cSld>
@@ -11225,7 +11296,7 @@
           <a:p>
             <a:fld id="{17FCA3B4-5883-484F-82A4-A1FC0CC12C10}" type="slidenum">
               <a:rPr lang="en-US" smtClean="0"/>
-              <a:t>39</a:t>
+              <a:t>33</a:t>
             </a:fld>
             <a:endParaRPr lang="en-US"/>
           </a:p>
@@ -11234,7 +11305,7 @@
     </p:spTree>
     <p:extLst>
       <p:ext uri="{BB962C8B-B14F-4D97-AF65-F5344CB8AC3E}">
-        <p14:creationId xmlns:p14="http://schemas.microsoft.com/office/powerpoint/2010/main" val="1638767820"/>
+        <p14:creationId xmlns:p14="http://schemas.microsoft.com/office/powerpoint/2010/main" val="307799313"/>
       </p:ext>
     </p:extLst>
   </p:cSld>
@@ -11288,7 +11359,14 @@
           <a:bodyPr/>
           <a:lstStyle/>
           <a:p>
-            <a:endParaRPr lang="en-US" dirty="0"/>
+            <a:r>
+              <a:rPr lang="en-US" dirty="0"/>
+              <a:t>Also called </a:t>
+            </a:r>
+            <a:r>
+              <a:rPr lang="en-US"/>
+              <a:t>hidden layers.</a:t>
+            </a:r>
           </a:p>
         </p:txBody>
       </p:sp>
@@ -11309,7 +11387,269 @@
           <a:p>
             <a:fld id="{17FCA3B4-5883-484F-82A4-A1FC0CC12C10}" type="slidenum">
               <a:rPr lang="en-US" smtClean="0"/>
-              <a:t>58</a:t>
+              <a:t>37</a:t>
+            </a:fld>
+            <a:endParaRPr lang="en-US"/>
+          </a:p>
+        </p:txBody>
+      </p:sp>
+    </p:spTree>
+    <p:extLst>
+      <p:ext uri="{BB962C8B-B14F-4D97-AF65-F5344CB8AC3E}">
+        <p14:creationId xmlns:p14="http://schemas.microsoft.com/office/powerpoint/2010/main" val="1452987943"/>
+      </p:ext>
+    </p:extLst>
+  </p:cSld>
+  <p:clrMapOvr>
+    <a:masterClrMapping/>
+  </p:clrMapOvr>
+</p:notes>
+</file>
+
+<file path=ppt/notesSlides/notesSlide6.xml><?xml version="1.0" encoding="utf-8"?>
+<p:notes xmlns:a="http://schemas.openxmlformats.org/drawingml/2006/main" xmlns:r="http://schemas.openxmlformats.org/officeDocument/2006/relationships" xmlns:p="http://schemas.openxmlformats.org/presentationml/2006/main">
+  <p:cSld>
+    <p:spTree>
+      <p:nvGrpSpPr>
+        <p:cNvPr id="1" name=""/>
+        <p:cNvGrpSpPr/>
+        <p:nvPr/>
+      </p:nvGrpSpPr>
+      <p:grpSpPr>
+        <a:xfrm>
+          <a:off x="0" y="0"/>
+          <a:ext cx="0" cy="0"/>
+          <a:chOff x="0" y="0"/>
+          <a:chExt cx="0" cy="0"/>
+        </a:xfrm>
+      </p:grpSpPr>
+      <p:sp>
+        <p:nvSpPr>
+          <p:cNvPr id="2" name="Slide Image Placeholder 1"/>
+          <p:cNvSpPr>
+            <a:spLocks noGrp="1" noRot="1" noChangeAspect="1"/>
+          </p:cNvSpPr>
+          <p:nvPr>
+            <p:ph type="sldImg"/>
+          </p:nvPr>
+        </p:nvSpPr>
+        <p:spPr/>
+      </p:sp>
+      <p:sp>
+        <p:nvSpPr>
+          <p:cNvPr id="3" name="Notes Placeholder 2"/>
+          <p:cNvSpPr>
+            <a:spLocks noGrp="1"/>
+          </p:cNvSpPr>
+          <p:nvPr>
+            <p:ph type="body" idx="1"/>
+          </p:nvPr>
+        </p:nvSpPr>
+        <p:spPr/>
+        <p:txBody>
+          <a:bodyPr/>
+          <a:lstStyle/>
+          <a:p>
+            <a:r>
+              <a:rPr lang="en-US" dirty="0"/>
+              <a:t>Square feet (size), # of bedrooms.</a:t>
+            </a:r>
+          </a:p>
+        </p:txBody>
+      </p:sp>
+      <p:sp>
+        <p:nvSpPr>
+          <p:cNvPr id="4" name="Slide Number Placeholder 3"/>
+          <p:cNvSpPr>
+            <a:spLocks noGrp="1"/>
+          </p:cNvSpPr>
+          <p:nvPr>
+            <p:ph type="sldNum" sz="quarter" idx="5"/>
+          </p:nvPr>
+        </p:nvSpPr>
+        <p:spPr/>
+        <p:txBody>
+          <a:bodyPr/>
+          <a:lstStyle/>
+          <a:p>
+            <a:fld id="{17FCA3B4-5883-484F-82A4-A1FC0CC12C10}" type="slidenum">
+              <a:rPr lang="en-US" smtClean="0"/>
+              <a:t>38</a:t>
+            </a:fld>
+            <a:endParaRPr lang="en-US"/>
+          </a:p>
+        </p:txBody>
+      </p:sp>
+    </p:spTree>
+    <p:extLst>
+      <p:ext uri="{BB962C8B-B14F-4D97-AF65-F5344CB8AC3E}">
+        <p14:creationId xmlns:p14="http://schemas.microsoft.com/office/powerpoint/2010/main" val="2432858986"/>
+      </p:ext>
+    </p:extLst>
+  </p:cSld>
+  <p:clrMapOvr>
+    <a:masterClrMapping/>
+  </p:clrMapOvr>
+</p:notes>
+</file>
+
+<file path=ppt/notesSlides/notesSlide7.xml><?xml version="1.0" encoding="utf-8"?>
+<p:notes xmlns:a="http://schemas.openxmlformats.org/drawingml/2006/main" xmlns:r="http://schemas.openxmlformats.org/officeDocument/2006/relationships" xmlns:p="http://schemas.openxmlformats.org/presentationml/2006/main">
+  <p:cSld>
+    <p:spTree>
+      <p:nvGrpSpPr>
+        <p:cNvPr id="1" name=""/>
+        <p:cNvGrpSpPr/>
+        <p:nvPr/>
+      </p:nvGrpSpPr>
+      <p:grpSpPr>
+        <a:xfrm>
+          <a:off x="0" y="0"/>
+          <a:ext cx="0" cy="0"/>
+          <a:chOff x="0" y="0"/>
+          <a:chExt cx="0" cy="0"/>
+        </a:xfrm>
+      </p:grpSpPr>
+      <p:sp>
+        <p:nvSpPr>
+          <p:cNvPr id="2" name="Slide Image Placeholder 1"/>
+          <p:cNvSpPr>
+            <a:spLocks noGrp="1" noRot="1" noChangeAspect="1"/>
+          </p:cNvSpPr>
+          <p:nvPr>
+            <p:ph type="sldImg"/>
+          </p:nvPr>
+        </p:nvSpPr>
+        <p:spPr/>
+      </p:sp>
+      <p:sp>
+        <p:nvSpPr>
+          <p:cNvPr id="3" name="Notes Placeholder 2"/>
+          <p:cNvSpPr>
+            <a:spLocks noGrp="1"/>
+          </p:cNvSpPr>
+          <p:nvPr>
+            <p:ph type="body" idx="1"/>
+          </p:nvPr>
+        </p:nvSpPr>
+        <p:spPr/>
+        <p:txBody>
+          <a:bodyPr/>
+          <a:lstStyle/>
+          <a:p>
+            <a:r>
+              <a:rPr lang="en-US" dirty="0"/>
+              <a:t>Also called </a:t>
+            </a:r>
+            <a:r>
+              <a:rPr lang="en-US"/>
+              <a:t>hidden layers.</a:t>
+            </a:r>
+          </a:p>
+        </p:txBody>
+      </p:sp>
+      <p:sp>
+        <p:nvSpPr>
+          <p:cNvPr id="4" name="Slide Number Placeholder 3"/>
+          <p:cNvSpPr>
+            <a:spLocks noGrp="1"/>
+          </p:cNvSpPr>
+          <p:nvPr>
+            <p:ph type="sldNum" sz="quarter" idx="5"/>
+          </p:nvPr>
+        </p:nvSpPr>
+        <p:spPr/>
+        <p:txBody>
+          <a:bodyPr/>
+          <a:lstStyle/>
+          <a:p>
+            <a:fld id="{17FCA3B4-5883-484F-82A4-A1FC0CC12C10}" type="slidenum">
+              <a:rPr lang="en-US" smtClean="0"/>
+              <a:t>40</a:t>
+            </a:fld>
+            <a:endParaRPr lang="en-US"/>
+          </a:p>
+        </p:txBody>
+      </p:sp>
+    </p:spTree>
+    <p:extLst>
+      <p:ext uri="{BB962C8B-B14F-4D97-AF65-F5344CB8AC3E}">
+        <p14:creationId xmlns:p14="http://schemas.microsoft.com/office/powerpoint/2010/main" val="1638767820"/>
+      </p:ext>
+    </p:extLst>
+  </p:cSld>
+  <p:clrMapOvr>
+    <a:masterClrMapping/>
+  </p:clrMapOvr>
+</p:notes>
+</file>
+
+<file path=ppt/notesSlides/notesSlide8.xml><?xml version="1.0" encoding="utf-8"?>
+<p:notes xmlns:a="http://schemas.openxmlformats.org/drawingml/2006/main" xmlns:r="http://schemas.openxmlformats.org/officeDocument/2006/relationships" xmlns:p="http://schemas.openxmlformats.org/presentationml/2006/main">
+  <p:cSld>
+    <p:spTree>
+      <p:nvGrpSpPr>
+        <p:cNvPr id="1" name=""/>
+        <p:cNvGrpSpPr/>
+        <p:nvPr/>
+      </p:nvGrpSpPr>
+      <p:grpSpPr>
+        <a:xfrm>
+          <a:off x="0" y="0"/>
+          <a:ext cx="0" cy="0"/>
+          <a:chOff x="0" y="0"/>
+          <a:chExt cx="0" cy="0"/>
+        </a:xfrm>
+      </p:grpSpPr>
+      <p:sp>
+        <p:nvSpPr>
+          <p:cNvPr id="2" name="Slide Image Placeholder 1"/>
+          <p:cNvSpPr>
+            <a:spLocks noGrp="1" noRot="1" noChangeAspect="1"/>
+          </p:cNvSpPr>
+          <p:nvPr>
+            <p:ph type="sldImg"/>
+          </p:nvPr>
+        </p:nvSpPr>
+        <p:spPr/>
+      </p:sp>
+      <p:sp>
+        <p:nvSpPr>
+          <p:cNvPr id="3" name="Notes Placeholder 2"/>
+          <p:cNvSpPr>
+            <a:spLocks noGrp="1"/>
+          </p:cNvSpPr>
+          <p:nvPr>
+            <p:ph type="body" idx="1"/>
+          </p:nvPr>
+        </p:nvSpPr>
+        <p:spPr/>
+        <p:txBody>
+          <a:bodyPr/>
+          <a:lstStyle/>
+          <a:p>
+            <a:endParaRPr lang="en-US" dirty="0"/>
+          </a:p>
+        </p:txBody>
+      </p:sp>
+      <p:sp>
+        <p:nvSpPr>
+          <p:cNvPr id="4" name="Slide Number Placeholder 3"/>
+          <p:cNvSpPr>
+            <a:spLocks noGrp="1"/>
+          </p:cNvSpPr>
+          <p:nvPr>
+            <p:ph type="sldNum" sz="quarter" idx="5"/>
+          </p:nvPr>
+        </p:nvSpPr>
+        <p:spPr/>
+        <p:txBody>
+          <a:bodyPr/>
+          <a:lstStyle/>
+          <a:p>
+            <a:fld id="{17FCA3B4-5883-484F-82A4-A1FC0CC12C10}" type="slidenum">
+              <a:rPr lang="en-US" smtClean="0"/>
+              <a:t>59</a:t>
             </a:fld>
             <a:endParaRPr lang="en-US"/>
           </a:p>
@@ -11475,7 +11815,7 @@
           <a:p>
             <a:fld id="{A9CCB1B0-0E4E-4A0C-A8F8-A725E1CC2C73}" type="datetime1">
               <a:rPr lang="en-US" smtClean="0"/>
-              <a:t>10/16/2023</a:t>
+              <a:t>10/16/23</a:t>
             </a:fld>
             <a:endParaRPr lang="en-US"/>
           </a:p>
@@ -11673,7 +12013,7 @@
           <a:p>
             <a:fld id="{85196F6B-6DF9-44B3-94A1-CC5C7639FCC4}" type="datetime1">
               <a:rPr lang="en-US" smtClean="0"/>
-              <a:t>10/16/2023</a:t>
+              <a:t>10/16/23</a:t>
             </a:fld>
             <a:endParaRPr lang="en-US"/>
           </a:p>
@@ -11881,7 +12221,7 @@
           <a:p>
             <a:fld id="{E2B4B5B2-F71E-4B94-97E3-978FD7AEDD20}" type="datetime1">
               <a:rPr lang="en-US" smtClean="0"/>
-              <a:t>10/16/2023</a:t>
+              <a:t>10/16/23</a:t>
             </a:fld>
             <a:endParaRPr lang="en-US"/>
           </a:p>
@@ -12079,7 +12419,7 @@
           <a:p>
             <a:fld id="{AD2395EE-958F-4EAE-8E5C-178F4FB6D64C}" type="datetime1">
               <a:rPr lang="en-US" smtClean="0"/>
-              <a:t>10/16/2023</a:t>
+              <a:t>10/16/23</a:t>
             </a:fld>
             <a:endParaRPr lang="en-US"/>
           </a:p>
@@ -12354,7 +12694,7 @@
           <a:p>
             <a:fld id="{9C2B6189-DC1B-4995-8935-5710E3A163C5}" type="datetime1">
               <a:rPr lang="en-US" smtClean="0"/>
-              <a:t>10/16/2023</a:t>
+              <a:t>10/16/23</a:t>
             </a:fld>
             <a:endParaRPr lang="en-US"/>
           </a:p>
@@ -12619,7 +12959,7 @@
           <a:p>
             <a:fld id="{1DCFC677-C72D-4FAB-A88B-1523A3A21F63}" type="datetime1">
               <a:rPr lang="en-US" smtClean="0"/>
-              <a:t>10/16/2023</a:t>
+              <a:t>10/16/23</a:t>
             </a:fld>
             <a:endParaRPr lang="en-US"/>
           </a:p>
@@ -13031,7 +13371,7 @@
           <a:p>
             <a:fld id="{67746F24-8EC2-4DEA-818E-2164D252F117}" type="datetime1">
               <a:rPr lang="en-US" smtClean="0"/>
-              <a:t>10/16/2023</a:t>
+              <a:t>10/16/23</a:t>
             </a:fld>
             <a:endParaRPr lang="en-US"/>
           </a:p>
@@ -13172,7 +13512,7 @@
           <a:p>
             <a:fld id="{E7C8C0FC-E549-434B-A3C7-7F0E6262B69A}" type="datetime1">
               <a:rPr lang="en-US" smtClean="0"/>
-              <a:t>10/16/2023</a:t>
+              <a:t>10/16/23</a:t>
             </a:fld>
             <a:endParaRPr lang="en-US"/>
           </a:p>
@@ -13285,7 +13625,7 @@
           <a:p>
             <a:fld id="{9D4C232A-DCA5-4F77-A4CB-3E599AC97027}" type="datetime1">
               <a:rPr lang="en-US" smtClean="0"/>
-              <a:t>10/16/2023</a:t>
+              <a:t>10/16/23</a:t>
             </a:fld>
             <a:endParaRPr lang="en-US"/>
           </a:p>
@@ -13596,7 +13936,7 @@
           <a:p>
             <a:fld id="{9C880C66-54CF-424A-82BE-378F1517EB54}" type="datetime1">
               <a:rPr lang="en-US" smtClean="0"/>
-              <a:t>10/16/2023</a:t>
+              <a:t>10/16/23</a:t>
             </a:fld>
             <a:endParaRPr lang="en-US"/>
           </a:p>
@@ -13884,7 +14224,7 @@
           <a:p>
             <a:fld id="{0A122CB3-6964-41E2-8E7B-8E7B61BAB65D}" type="datetime1">
               <a:rPr lang="en-US" smtClean="0"/>
-              <a:t>10/16/2023</a:t>
+              <a:t>10/16/23</a:t>
             </a:fld>
             <a:endParaRPr lang="en-US"/>
           </a:p>
@@ -14125,7 +14465,7 @@
           <a:p>
             <a:fld id="{0DE101EE-D253-4DB3-8E3E-D697B25F8B4B}" type="datetime1">
               <a:rPr lang="en-US" smtClean="0"/>
-              <a:t>10/16/2023</a:t>
+              <a:t>10/16/23</a:t>
             </a:fld>
             <a:endParaRPr lang="en-US"/>
           </a:p>
@@ -15267,6 +15607,42 @@
           </a:p>
         </p:txBody>
       </p:sp>
+      <p:pic>
+        <p:nvPicPr>
+          <p:cNvPr id="10" name="Picture 9">
+            <a:extLst>
+              <a:ext uri="{FF2B5EF4-FFF2-40B4-BE49-F238E27FC236}">
+                <a16:creationId xmlns:a16="http://schemas.microsoft.com/office/drawing/2014/main" id="{34BA1AC8-8AF6-DE3A-8583-03BBF5897ECB}"/>
+              </a:ext>
+            </a:extLst>
+          </p:cNvPr>
+          <p:cNvPicPr>
+            <a:picLocks noChangeAspect="1"/>
+          </p:cNvPicPr>
+          <p:nvPr/>
+        </p:nvPicPr>
+        <p:blipFill>
+          <a:blip r:embed="rId2">
+            <a:extLst>
+              <a:ext uri="{28A0092B-C50C-407E-A947-70E740481C1C}">
+                <a14:useLocalDpi xmlns:a14="http://schemas.microsoft.com/office/drawing/2010/main" val="0"/>
+              </a:ext>
+            </a:extLst>
+          </a:blip>
+          <a:stretch>
+            <a:fillRect/>
+          </a:stretch>
+        </p:blipFill>
+        <p:spPr>
+          <a:xfrm>
+            <a:off x="4244866" y="4422784"/>
+            <a:ext cx="7772400" cy="915099"/>
+          </a:xfrm>
+          <a:prstGeom prst="rect">
+            <a:avLst/>
+          </a:prstGeom>
+        </p:spPr>
+      </p:pic>
     </p:spTree>
     <p:extLst>
       <p:ext uri="{BB962C8B-B14F-4D97-AF65-F5344CB8AC3E}">
@@ -15319,7 +15695,7 @@
           <a:lstStyle/>
           <a:p>
             <a:r>
-              <a:rPr lang="en-US"/>
+              <a:rPr lang="en-US" dirty="0"/>
               <a:t>Training</a:t>
             </a:r>
           </a:p>
@@ -15359,17 +15735,64 @@
             </a:r>
           </a:p>
           <a:p>
-            <a:r>
-              <a:rPr lang="en-US" dirty="0"/>
-              <a:t>Cross validation</a:t>
-            </a:r>
-          </a:p>
-          <a:p>
             <a:pPr lvl="1"/>
-            <a:r>
-              <a:rPr lang="en-US" dirty="0"/>
-              <a:t>K-fold cross validation</a:t>
-            </a:r>
+            <a:endParaRPr lang="en-US" dirty="0"/>
+          </a:p>
+          <a:p>
+            <a:pPr marL="0" indent="0">
+              <a:buNone/>
+            </a:pPr>
+            <a:r>
+              <a:rPr lang="en-US" sz="2000" dirty="0"/>
+              <a:t>References:</a:t>
+            </a:r>
+          </a:p>
+          <a:p>
+            <a:pPr marL="0" indent="0">
+              <a:buNone/>
+            </a:pPr>
+            <a:r>
+              <a:rPr lang="en-US" sz="2000" dirty="0"/>
+              <a:t>https://</a:t>
+            </a:r>
+            <a:r>
+              <a:rPr lang="en-US" sz="2000" dirty="0" err="1"/>
+              <a:t>en.wikipedia.org</a:t>
+            </a:r>
+            <a:r>
+              <a:rPr lang="en-US" sz="2000" dirty="0"/>
+              <a:t>/wiki/Training,_validation,_</a:t>
+            </a:r>
+            <a:r>
+              <a:rPr lang="en-US" sz="2000" dirty="0" err="1"/>
+              <a:t>and_test_data_sets</a:t>
+            </a:r>
+            <a:endParaRPr lang="en-US" sz="2000" dirty="0"/>
+          </a:p>
+          <a:p>
+            <a:pPr marL="0" indent="0">
+              <a:buNone/>
+            </a:pPr>
+            <a:r>
+              <a:rPr lang="en-US" sz="2000" dirty="0"/>
+              <a:t>https://</a:t>
+            </a:r>
+            <a:r>
+              <a:rPr lang="en-US" sz="2000" dirty="0" err="1"/>
+              <a:t>machinelearningmastery.com</a:t>
+            </a:r>
+            <a:r>
+              <a:rPr lang="en-US" sz="2000" dirty="0"/>
+              <a:t>/difference-test-validation-datasets/</a:t>
+            </a:r>
+          </a:p>
+          <a:p>
+            <a:pPr lvl="1"/>
+            <a:endParaRPr lang="en-US" dirty="0"/>
+          </a:p>
+          <a:p>
+            <a:pPr lvl="1"/>
+            <a:endParaRPr lang="en-US" dirty="0"/>
           </a:p>
         </p:txBody>
       </p:sp>
@@ -15437,7 +15860,7 @@
           <p:cNvPr id="2" name="Title 1">
             <a:extLst>
               <a:ext uri="{FF2B5EF4-FFF2-40B4-BE49-F238E27FC236}">
-                <a16:creationId xmlns:a16="http://schemas.microsoft.com/office/drawing/2014/main" id="{C7F61E5C-66C9-AF95-383D-2C8490983A5E}"/>
+                <a16:creationId xmlns:a16="http://schemas.microsoft.com/office/drawing/2014/main" id="{F8A69D05-55CC-67B3-F973-E4BB2966E977}"/>
               </a:ext>
             </a:extLst>
           </p:cNvPr>
@@ -15448,24 +15871,29 @@
             <p:ph type="title"/>
           </p:nvPr>
         </p:nvSpPr>
-        <p:spPr/>
+        <p:spPr>
+          <a:xfrm>
+            <a:off x="838200" y="145345"/>
+            <a:ext cx="10515600" cy="1325563"/>
+          </a:xfrm>
+        </p:spPr>
         <p:txBody>
           <a:bodyPr/>
           <a:lstStyle/>
           <a:p>
             <a:r>
               <a:rPr lang="en-US" dirty="0"/>
-              <a:t>K-fold cross validation</a:t>
+              <a:t>Validation</a:t>
             </a:r>
           </a:p>
         </p:txBody>
       </p:sp>
       <p:pic>
         <p:nvPicPr>
-          <p:cNvPr id="9" name="Content Placeholder 8" descr="A screenshot of a computer&#10;&#10;Description automatically generated">
-            <a:extLst>
-              <a:ext uri="{FF2B5EF4-FFF2-40B4-BE49-F238E27FC236}">
-                <a16:creationId xmlns:a16="http://schemas.microsoft.com/office/drawing/2014/main" id="{A29887BF-AAE2-3E06-B68F-A3A88F98A4CD}"/>
+          <p:cNvPr id="6" name="Content Placeholder 5" descr="A table with numbers and letters&#10;&#10;Description automatically generated">
+            <a:extLst>
+              <a:ext uri="{FF2B5EF4-FFF2-40B4-BE49-F238E27FC236}">
+                <a16:creationId xmlns:a16="http://schemas.microsoft.com/office/drawing/2014/main" id="{6D1B8C32-874A-C6A4-E65C-B5A0AE8A3E92}"/>
               </a:ext>
             </a:extLst>
           </p:cNvPr>
@@ -15490,52 +15918,17 @@
         </p:blipFill>
         <p:spPr>
           <a:xfrm>
-            <a:off x="2954944" y="1825625"/>
-            <a:ext cx="6282111" cy="4351338"/>
+            <a:off x="1553464" y="1254897"/>
+            <a:ext cx="8041640" cy="2768622"/>
           </a:xfrm>
         </p:spPr>
       </p:pic>
       <p:sp>
         <p:nvSpPr>
-          <p:cNvPr id="3" name="TextBox 2">
-            <a:extLst>
-              <a:ext uri="{FF2B5EF4-FFF2-40B4-BE49-F238E27FC236}">
-                <a16:creationId xmlns:a16="http://schemas.microsoft.com/office/drawing/2014/main" id="{8A864CF4-60EB-8E17-E40C-F76BE28CE316}"/>
-              </a:ext>
-            </a:extLst>
-          </p:cNvPr>
-          <p:cNvSpPr txBox="1"/>
-          <p:nvPr/>
-        </p:nvSpPr>
-        <p:spPr>
-          <a:xfrm>
-            <a:off x="7610168" y="6492875"/>
-            <a:ext cx="4247535" cy="276999"/>
-          </a:xfrm>
-          <a:prstGeom prst="rect">
-            <a:avLst/>
-          </a:prstGeom>
-          <a:noFill/>
-        </p:spPr>
-        <p:txBody>
-          <a:bodyPr wrap="square" rtlCol="0">
-            <a:spAutoFit/>
-          </a:bodyPr>
-          <a:lstStyle/>
-          <a:p>
-            <a:r>
-              <a:rPr lang="en-US" sz="1200" dirty="0"/>
-              <a:t>https://scikit-learn.org/stable/modules/cross_validation.html</a:t>
-            </a:r>
-          </a:p>
-        </p:txBody>
-      </p:sp>
-      <p:sp>
-        <p:nvSpPr>
           <p:cNvPr id="4" name="Slide Number Placeholder 3">
             <a:extLst>
               <a:ext uri="{FF2B5EF4-FFF2-40B4-BE49-F238E27FC236}">
-                <a16:creationId xmlns:a16="http://schemas.microsoft.com/office/drawing/2014/main" id="{A41120DE-6B7F-4491-188D-F3055A95C1D3}"/>
+                <a16:creationId xmlns:a16="http://schemas.microsoft.com/office/drawing/2014/main" id="{4228C700-90B6-FB1E-77BB-E4BB4BD1CD7A}"/>
               </a:ext>
             </a:extLst>
           </p:cNvPr>
@@ -15559,10 +15952,46 @@
           </a:p>
         </p:txBody>
       </p:sp>
+      <p:pic>
+        <p:nvPicPr>
+          <p:cNvPr id="8" name="Picture 7" descr="A table with numbers and text&#10;&#10;Description automatically generated">
+            <a:extLst>
+              <a:ext uri="{FF2B5EF4-FFF2-40B4-BE49-F238E27FC236}">
+                <a16:creationId xmlns:a16="http://schemas.microsoft.com/office/drawing/2014/main" id="{172FEB5A-DF3E-5ECA-F3DB-4B42FBA3F34E}"/>
+              </a:ext>
+            </a:extLst>
+          </p:cNvPr>
+          <p:cNvPicPr>
+            <a:picLocks noChangeAspect="1"/>
+          </p:cNvPicPr>
+          <p:nvPr/>
+        </p:nvPicPr>
+        <p:blipFill>
+          <a:blip r:embed="rId3">
+            <a:extLst>
+              <a:ext uri="{28A0092B-C50C-407E-A947-70E740481C1C}">
+                <a14:useLocalDpi xmlns:a14="http://schemas.microsoft.com/office/drawing/2010/main" val="0"/>
+              </a:ext>
+            </a:extLst>
+          </a:blip>
+          <a:stretch>
+            <a:fillRect/>
+          </a:stretch>
+        </p:blipFill>
+        <p:spPr>
+          <a:xfrm>
+            <a:off x="1688084" y="4023519"/>
+            <a:ext cx="7772400" cy="2689136"/>
+          </a:xfrm>
+          <a:prstGeom prst="rect">
+            <a:avLst/>
+          </a:prstGeom>
+        </p:spPr>
+      </p:pic>
     </p:spTree>
     <p:extLst>
       <p:ext uri="{BB962C8B-B14F-4D97-AF65-F5344CB8AC3E}">
-        <p14:creationId xmlns:p14="http://schemas.microsoft.com/office/powerpoint/2010/main" val="1312286061"/>
+        <p14:creationId xmlns:p14="http://schemas.microsoft.com/office/powerpoint/2010/main" val="575659908"/>
       </p:ext>
     </p:extLst>
   </p:cSld>
@@ -15594,7 +16023,7 @@
           <p:cNvPr id="2" name="Title 1">
             <a:extLst>
               <a:ext uri="{FF2B5EF4-FFF2-40B4-BE49-F238E27FC236}">
-                <a16:creationId xmlns:a16="http://schemas.microsoft.com/office/drawing/2014/main" id="{D4152B4C-A87A-F5F3-4B6E-0695B5D70974}"/>
+                <a16:creationId xmlns:a16="http://schemas.microsoft.com/office/drawing/2014/main" id="{C7F61E5C-66C9-AF95-383D-2C8490983A5E}"/>
               </a:ext>
             </a:extLst>
           </p:cNvPr>
@@ -15612,39 +16041,78 @@
           <a:p>
             <a:r>
               <a:rPr lang="en-US" dirty="0"/>
-              <a:t>Model Selection and Hyperparameter Tuning</a:t>
-            </a:r>
-          </a:p>
-        </p:txBody>
-      </p:sp>
-      <p:sp>
-        <p:nvSpPr>
-          <p:cNvPr id="3" name="Content Placeholder 2">
-            <a:extLst>
-              <a:ext uri="{FF2B5EF4-FFF2-40B4-BE49-F238E27FC236}">
-                <a16:creationId xmlns:a16="http://schemas.microsoft.com/office/drawing/2014/main" id="{EBDC08D5-420D-48AA-6EF8-FB477A02FF26}"/>
-              </a:ext>
-            </a:extLst>
-          </p:cNvPr>
-          <p:cNvSpPr>
-            <a:spLocks noGrp="1"/>
-          </p:cNvSpPr>
+              <a:t>K-fold Cross Validation</a:t>
+            </a:r>
+          </a:p>
+        </p:txBody>
+      </p:sp>
+      <p:pic>
+        <p:nvPicPr>
+          <p:cNvPr id="9" name="Content Placeholder 8" descr="A screenshot of a computer&#10;&#10;Description automatically generated">
+            <a:extLst>
+              <a:ext uri="{FF2B5EF4-FFF2-40B4-BE49-F238E27FC236}">
+                <a16:creationId xmlns:a16="http://schemas.microsoft.com/office/drawing/2014/main" id="{A29887BF-AAE2-3E06-B68F-A3A88F98A4CD}"/>
+              </a:ext>
+            </a:extLst>
+          </p:cNvPr>
+          <p:cNvPicPr>
+            <a:picLocks noGrp="1" noChangeAspect="1"/>
+          </p:cNvPicPr>
           <p:nvPr>
             <p:ph idx="1"/>
           </p:nvPr>
-        </p:nvSpPr>
-        <p:spPr/>
-        <p:txBody>
-          <a:bodyPr/>
-          <a:lstStyle/>
-          <a:p>
-            <a:r>
-              <a:rPr lang="en-US" dirty="0"/>
-              <a:t>Remember we talked about underfitting, overfitting last week?</a:t>
-            </a:r>
-          </a:p>
-          <a:p>
-            <a:endParaRPr lang="en-US" dirty="0"/>
+        </p:nvPicPr>
+        <p:blipFill>
+          <a:blip r:embed="rId3">
+            <a:extLst>
+              <a:ext uri="{28A0092B-C50C-407E-A947-70E740481C1C}">
+                <a14:useLocalDpi xmlns:a14="http://schemas.microsoft.com/office/drawing/2010/main" val="0"/>
+              </a:ext>
+            </a:extLst>
+          </a:blip>
+          <a:stretch>
+            <a:fillRect/>
+          </a:stretch>
+        </p:blipFill>
+        <p:spPr>
+          <a:xfrm>
+            <a:off x="2954944" y="1825625"/>
+            <a:ext cx="6282111" cy="4351338"/>
+          </a:xfrm>
+        </p:spPr>
+      </p:pic>
+      <p:sp>
+        <p:nvSpPr>
+          <p:cNvPr id="3" name="TextBox 2">
+            <a:extLst>
+              <a:ext uri="{FF2B5EF4-FFF2-40B4-BE49-F238E27FC236}">
+                <a16:creationId xmlns:a16="http://schemas.microsoft.com/office/drawing/2014/main" id="{8A864CF4-60EB-8E17-E40C-F76BE28CE316}"/>
+              </a:ext>
+            </a:extLst>
+          </p:cNvPr>
+          <p:cNvSpPr txBox="1"/>
+          <p:nvPr/>
+        </p:nvSpPr>
+        <p:spPr>
+          <a:xfrm>
+            <a:off x="7610168" y="6492875"/>
+            <a:ext cx="4247535" cy="276999"/>
+          </a:xfrm>
+          <a:prstGeom prst="rect">
+            <a:avLst/>
+          </a:prstGeom>
+          <a:noFill/>
+        </p:spPr>
+        <p:txBody>
+          <a:bodyPr wrap="square" rtlCol="0">
+            <a:spAutoFit/>
+          </a:bodyPr>
+          <a:lstStyle/>
+          <a:p>
+            <a:r>
+              <a:rPr lang="en-US" sz="1200" dirty="0"/>
+              <a:t>https://scikit-learn.org/stable/modules/cross_validation.html</a:t>
+            </a:r>
           </a:p>
         </p:txBody>
       </p:sp>
@@ -15653,7 +16121,7 @@
           <p:cNvPr id="4" name="Slide Number Placeholder 3">
             <a:extLst>
               <a:ext uri="{FF2B5EF4-FFF2-40B4-BE49-F238E27FC236}">
-                <a16:creationId xmlns:a16="http://schemas.microsoft.com/office/drawing/2014/main" id="{0606C1CB-9D48-9492-BE3E-434808882006}"/>
+                <a16:creationId xmlns:a16="http://schemas.microsoft.com/office/drawing/2014/main" id="{A41120DE-6B7F-4491-188D-F3055A95C1D3}"/>
               </a:ext>
             </a:extLst>
           </p:cNvPr>
@@ -15680,7 +16148,7 @@
     </p:spTree>
     <p:extLst>
       <p:ext uri="{BB962C8B-B14F-4D97-AF65-F5344CB8AC3E}">
-        <p14:creationId xmlns:p14="http://schemas.microsoft.com/office/powerpoint/2010/main" val="2543856406"/>
+        <p14:creationId xmlns:p14="http://schemas.microsoft.com/office/powerpoint/2010/main" val="1312286061"/>
       </p:ext>
     </p:extLst>
   </p:cSld>
@@ -15712,7 +16180,7 @@
           <p:cNvPr id="2" name="Title 1">
             <a:extLst>
               <a:ext uri="{FF2B5EF4-FFF2-40B4-BE49-F238E27FC236}">
-                <a16:creationId xmlns:a16="http://schemas.microsoft.com/office/drawing/2014/main" id="{4774EB34-9DAD-2880-61FF-1D0628B72D68}"/>
+                <a16:creationId xmlns:a16="http://schemas.microsoft.com/office/drawing/2014/main" id="{D4152B4C-A87A-F5F3-4B6E-0695B5D70974}"/>
               </a:ext>
             </a:extLst>
           </p:cNvPr>
@@ -15730,88 +16198,48 @@
           <a:p>
             <a:r>
               <a:rPr lang="en-US" dirty="0"/>
-              <a:t>Underfitting and Overfitting</a:t>
-            </a:r>
-          </a:p>
-        </p:txBody>
-      </p:sp>
-      <p:pic>
-        <p:nvPicPr>
-          <p:cNvPr id="5" name="Content Placeholder 4" descr="A graph of a graph&#10;&#10;Description automatically generated with medium confidence">
-            <a:extLst>
-              <a:ext uri="{FF2B5EF4-FFF2-40B4-BE49-F238E27FC236}">
-                <a16:creationId xmlns:a16="http://schemas.microsoft.com/office/drawing/2014/main" id="{B5C49ACA-AB49-2B6B-CA39-C031F14A81AC}"/>
-              </a:ext>
-            </a:extLst>
-          </p:cNvPr>
-          <p:cNvPicPr>
-            <a:picLocks noGrp="1" noChangeAspect="1"/>
-          </p:cNvPicPr>
+              <a:t>Model Selection and Hyperparameter Tuning</a:t>
+            </a:r>
+          </a:p>
+        </p:txBody>
+      </p:sp>
+      <p:sp>
+        <p:nvSpPr>
+          <p:cNvPr id="3" name="Content Placeholder 2">
+            <a:extLst>
+              <a:ext uri="{FF2B5EF4-FFF2-40B4-BE49-F238E27FC236}">
+                <a16:creationId xmlns:a16="http://schemas.microsoft.com/office/drawing/2014/main" id="{EBDC08D5-420D-48AA-6EF8-FB477A02FF26}"/>
+              </a:ext>
+            </a:extLst>
+          </p:cNvPr>
+          <p:cNvSpPr>
+            <a:spLocks noGrp="1"/>
+          </p:cNvSpPr>
           <p:nvPr>
             <p:ph idx="1"/>
           </p:nvPr>
-        </p:nvPicPr>
-        <p:blipFill>
-          <a:blip r:embed="rId2">
-            <a:extLst>
-              <a:ext uri="{28A0092B-C50C-407E-A947-70E740481C1C}">
-                <a14:useLocalDpi xmlns:a14="http://schemas.microsoft.com/office/drawing/2010/main" val="0"/>
-              </a:ext>
-            </a:extLst>
-          </a:blip>
-          <a:stretch>
-            <a:fillRect/>
-          </a:stretch>
-        </p:blipFill>
+        </p:nvSpPr>
         <p:spPr/>
-      </p:pic>
-      <p:sp>
-        <p:nvSpPr>
-          <p:cNvPr id="6" name="TextBox 5">
-            <a:extLst>
-              <a:ext uri="{FF2B5EF4-FFF2-40B4-BE49-F238E27FC236}">
-                <a16:creationId xmlns:a16="http://schemas.microsoft.com/office/drawing/2014/main" id="{3AF95C87-E222-6300-BB5F-7EF2D3BCC243}"/>
-              </a:ext>
-            </a:extLst>
-          </p:cNvPr>
-          <p:cNvSpPr txBox="1"/>
-          <p:nvPr/>
-        </p:nvSpPr>
-        <p:spPr>
-          <a:xfrm>
-            <a:off x="5174226" y="6349479"/>
-            <a:ext cx="6300019" cy="461665"/>
-          </a:xfrm>
-          <a:prstGeom prst="rect">
-            <a:avLst/>
-          </a:prstGeom>
-          <a:noFill/>
-        </p:spPr>
-        <p:txBody>
-          <a:bodyPr wrap="square" rtlCol="0">
-            <a:spAutoFit/>
-          </a:bodyPr>
-          <a:lstStyle/>
-          <a:p>
-            <a:r>
-              <a:rPr lang="en-US" sz="1200" dirty="0">
-                <a:hlinkClick r:id="rId3"/>
-              </a:rPr>
-              <a:t>https://scikit-learn.org/stable/auto_examples/model_selection/plot_underfitting_overfitting.html</a:t>
-            </a:r>
-            <a:endParaRPr lang="en-US" sz="1200" dirty="0"/>
-          </a:p>
-          <a:p>
-            <a:endParaRPr lang="en-US" sz="1200" dirty="0"/>
-          </a:p>
-        </p:txBody>
-      </p:sp>
-      <p:sp>
-        <p:nvSpPr>
-          <p:cNvPr id="3" name="Slide Number Placeholder 2">
-            <a:extLst>
-              <a:ext uri="{FF2B5EF4-FFF2-40B4-BE49-F238E27FC236}">
-                <a16:creationId xmlns:a16="http://schemas.microsoft.com/office/drawing/2014/main" id="{85E8666D-42AF-91BB-2419-61F023AAAF9D}"/>
+        <p:txBody>
+          <a:bodyPr/>
+          <a:lstStyle/>
+          <a:p>
+            <a:r>
+              <a:rPr lang="en-US" dirty="0"/>
+              <a:t>Remember we talked about underfitting, overfitting last week?</a:t>
+            </a:r>
+          </a:p>
+          <a:p>
+            <a:endParaRPr lang="en-US" dirty="0"/>
+          </a:p>
+        </p:txBody>
+      </p:sp>
+      <p:sp>
+        <p:nvSpPr>
+          <p:cNvPr id="4" name="Slide Number Placeholder 3">
+            <a:extLst>
+              <a:ext uri="{FF2B5EF4-FFF2-40B4-BE49-F238E27FC236}">
+                <a16:creationId xmlns:a16="http://schemas.microsoft.com/office/drawing/2014/main" id="{0606C1CB-9D48-9492-BE3E-434808882006}"/>
               </a:ext>
             </a:extLst>
           </p:cNvPr>
@@ -15838,7 +16266,7 @@
     </p:spTree>
     <p:extLst>
       <p:ext uri="{BB962C8B-B14F-4D97-AF65-F5344CB8AC3E}">
-        <p14:creationId xmlns:p14="http://schemas.microsoft.com/office/powerpoint/2010/main" val="3617898144"/>
+        <p14:creationId xmlns:p14="http://schemas.microsoft.com/office/powerpoint/2010/main" val="2543856406"/>
       </p:ext>
     </p:extLst>
   </p:cSld>
@@ -15870,7 +16298,7 @@
           <p:cNvPr id="2" name="Title 1">
             <a:extLst>
               <a:ext uri="{FF2B5EF4-FFF2-40B4-BE49-F238E27FC236}">
-                <a16:creationId xmlns:a16="http://schemas.microsoft.com/office/drawing/2014/main" id="{0EB1EB85-3EAB-C8F5-C324-48B6A7748835}"/>
+                <a16:creationId xmlns:a16="http://schemas.microsoft.com/office/drawing/2014/main" id="{4774EB34-9DAD-2880-61FF-1D0628B72D68}"/>
               </a:ext>
             </a:extLst>
           </p:cNvPr>
@@ -15888,17 +16316,17 @@
           <a:p>
             <a:r>
               <a:rPr lang="en-US" dirty="0"/>
-              <a:t>Model Selection</a:t>
+              <a:t>Underfitting and Overfitting</a:t>
             </a:r>
           </a:p>
         </p:txBody>
       </p:sp>
       <p:pic>
         <p:nvPicPr>
-          <p:cNvPr id="5" name="Content Placeholder 4" descr="A graph with black and orange lines&#10;&#10;Description automatically generated">
-            <a:extLst>
-              <a:ext uri="{FF2B5EF4-FFF2-40B4-BE49-F238E27FC236}">
-                <a16:creationId xmlns:a16="http://schemas.microsoft.com/office/drawing/2014/main" id="{9B98B34C-CC39-E406-723E-7374EB1A8A7E}"/>
+          <p:cNvPr id="5" name="Content Placeholder 4" descr="A graph of a graph&#10;&#10;Description automatically generated with medium confidence">
+            <a:extLst>
+              <a:ext uri="{FF2B5EF4-FFF2-40B4-BE49-F238E27FC236}">
+                <a16:creationId xmlns:a16="http://schemas.microsoft.com/office/drawing/2014/main" id="{B5C49ACA-AB49-2B6B-CA39-C031F14A81AC}"/>
               </a:ext>
             </a:extLst>
           </p:cNvPr>
@@ -15910,7 +16338,7 @@
           </p:nvPr>
         </p:nvPicPr>
         <p:blipFill>
-          <a:blip r:embed="rId2">
+          <a:blip r:embed="rId3">
             <a:extLst>
               <a:ext uri="{28A0092B-C50C-407E-A947-70E740481C1C}">
                 <a14:useLocalDpi xmlns:a14="http://schemas.microsoft.com/office/drawing/2010/main" val="0"/>
@@ -15921,19 +16349,55 @@
             <a:fillRect/>
           </a:stretch>
         </p:blipFill>
+        <p:spPr/>
+      </p:pic>
+      <p:sp>
+        <p:nvSpPr>
+          <p:cNvPr id="6" name="TextBox 5">
+            <a:extLst>
+              <a:ext uri="{FF2B5EF4-FFF2-40B4-BE49-F238E27FC236}">
+                <a16:creationId xmlns:a16="http://schemas.microsoft.com/office/drawing/2014/main" id="{3AF95C87-E222-6300-BB5F-7EF2D3BCC243}"/>
+              </a:ext>
+            </a:extLst>
+          </p:cNvPr>
+          <p:cNvSpPr txBox="1"/>
+          <p:nvPr/>
+        </p:nvSpPr>
         <p:spPr>
           <a:xfrm>
-            <a:off x="2972425" y="1825625"/>
-            <a:ext cx="6247149" cy="4351338"/>
+            <a:off x="5174226" y="6349479"/>
+            <a:ext cx="6300019" cy="461665"/>
           </a:xfrm>
+          <a:prstGeom prst="rect">
+            <a:avLst/>
+          </a:prstGeom>
+          <a:noFill/>
         </p:spPr>
-      </p:pic>
+        <p:txBody>
+          <a:bodyPr wrap="square" rtlCol="0">
+            <a:spAutoFit/>
+          </a:bodyPr>
+          <a:lstStyle/>
+          <a:p>
+            <a:r>
+              <a:rPr lang="en-US" sz="1200" dirty="0">
+                <a:hlinkClick r:id="rId4"/>
+              </a:rPr>
+              <a:t>https://scikit-learn.org/stable/auto_examples/model_selection/plot_underfitting_overfitting.html</a:t>
+            </a:r>
+            <a:endParaRPr lang="en-US" sz="1200" dirty="0"/>
+          </a:p>
+          <a:p>
+            <a:endParaRPr lang="en-US" sz="1200" dirty="0"/>
+          </a:p>
+        </p:txBody>
+      </p:sp>
       <p:sp>
         <p:nvSpPr>
           <p:cNvPr id="3" name="Slide Number Placeholder 2">
             <a:extLst>
               <a:ext uri="{FF2B5EF4-FFF2-40B4-BE49-F238E27FC236}">
-                <a16:creationId xmlns:a16="http://schemas.microsoft.com/office/drawing/2014/main" id="{8A69FA09-D60F-B3D5-CC3D-AB7FF48B47AA}"/>
+                <a16:creationId xmlns:a16="http://schemas.microsoft.com/office/drawing/2014/main" id="{85E8666D-42AF-91BB-2419-61F023AAAF9D}"/>
               </a:ext>
             </a:extLst>
           </p:cNvPr>
@@ -15960,7 +16424,7 @@
     </p:spTree>
     <p:extLst>
       <p:ext uri="{BB962C8B-B14F-4D97-AF65-F5344CB8AC3E}">
-        <p14:creationId xmlns:p14="http://schemas.microsoft.com/office/powerpoint/2010/main" val="3246645128"/>
+        <p14:creationId xmlns:p14="http://schemas.microsoft.com/office/powerpoint/2010/main" val="3617898144"/>
       </p:ext>
     </p:extLst>
   </p:cSld>
@@ -15992,7 +16456,7 @@
           <p:cNvPr id="2" name="Title 1">
             <a:extLst>
               <a:ext uri="{FF2B5EF4-FFF2-40B4-BE49-F238E27FC236}">
-                <a16:creationId xmlns:a16="http://schemas.microsoft.com/office/drawing/2014/main" id="{6C50E52F-FED1-B629-528B-86F4DC88D5AD}"/>
+                <a16:creationId xmlns:a16="http://schemas.microsoft.com/office/drawing/2014/main" id="{0EB1EB85-3EAB-C8F5-C324-48B6A7748835}"/>
               </a:ext>
             </a:extLst>
           </p:cNvPr>
@@ -16010,17 +16474,17 @@
           <a:p>
             <a:r>
               <a:rPr lang="en-US" dirty="0"/>
-              <a:t>Validation Curve</a:t>
+              <a:t>Model Selection</a:t>
             </a:r>
           </a:p>
         </p:txBody>
       </p:sp>
       <p:pic>
         <p:nvPicPr>
-          <p:cNvPr id="5" name="Content Placeholder 4" descr="A graph showing the value of training&#10;&#10;Description automatically generated">
-            <a:extLst>
-              <a:ext uri="{FF2B5EF4-FFF2-40B4-BE49-F238E27FC236}">
-                <a16:creationId xmlns:a16="http://schemas.microsoft.com/office/drawing/2014/main" id="{10CD19FB-572E-5EAE-4F78-827C01B89FE0}"/>
+          <p:cNvPr id="5" name="Content Placeholder 4" descr="A graph with black and orange lines&#10;&#10;Description automatically generated">
+            <a:extLst>
+              <a:ext uri="{FF2B5EF4-FFF2-40B4-BE49-F238E27FC236}">
+                <a16:creationId xmlns:a16="http://schemas.microsoft.com/office/drawing/2014/main" id="{9B98B34C-CC39-E406-723E-7374EB1A8A7E}"/>
               </a:ext>
             </a:extLst>
           </p:cNvPr>
@@ -16045,8 +16509,8 @@
         </p:blipFill>
         <p:spPr>
           <a:xfrm>
-            <a:off x="3064682" y="1825625"/>
-            <a:ext cx="6062635" cy="4351338"/>
+            <a:off x="2972425" y="1825625"/>
+            <a:ext cx="6247149" cy="4351338"/>
           </a:xfrm>
         </p:spPr>
       </p:pic>
@@ -16055,7 +16519,7 @@
           <p:cNvPr id="3" name="Slide Number Placeholder 2">
             <a:extLst>
               <a:ext uri="{FF2B5EF4-FFF2-40B4-BE49-F238E27FC236}">
-                <a16:creationId xmlns:a16="http://schemas.microsoft.com/office/drawing/2014/main" id="{66C7ABDF-6D6A-9429-19E2-8CCF80816E12}"/>
+                <a16:creationId xmlns:a16="http://schemas.microsoft.com/office/drawing/2014/main" id="{8A69FA09-D60F-B3D5-CC3D-AB7FF48B47AA}"/>
               </a:ext>
             </a:extLst>
           </p:cNvPr>
@@ -16082,7 +16546,7 @@
     </p:spTree>
     <p:extLst>
       <p:ext uri="{BB962C8B-B14F-4D97-AF65-F5344CB8AC3E}">
-        <p14:creationId xmlns:p14="http://schemas.microsoft.com/office/powerpoint/2010/main" val="3788281474"/>
+        <p14:creationId xmlns:p14="http://schemas.microsoft.com/office/powerpoint/2010/main" val="3246645128"/>
       </p:ext>
     </p:extLst>
   </p:cSld>
@@ -16114,7 +16578,7 @@
           <p:cNvPr id="2" name="Title 1">
             <a:extLst>
               <a:ext uri="{FF2B5EF4-FFF2-40B4-BE49-F238E27FC236}">
-                <a16:creationId xmlns:a16="http://schemas.microsoft.com/office/drawing/2014/main" id="{6D49B901-C038-0426-AC53-CB5974A6798D}"/>
+                <a16:creationId xmlns:a16="http://schemas.microsoft.com/office/drawing/2014/main" id="{6C50E52F-FED1-B629-528B-86F4DC88D5AD}"/>
               </a:ext>
             </a:extLst>
           </p:cNvPr>
@@ -16132,17 +16596,17 @@
           <a:p>
             <a:r>
               <a:rPr lang="en-US" dirty="0"/>
-              <a:t>Learning curve (loss)</a:t>
+              <a:t>Validation Curve</a:t>
             </a:r>
           </a:p>
         </p:txBody>
       </p:sp>
       <p:pic>
         <p:nvPicPr>
-          <p:cNvPr id="5" name="Content Placeholder 4" descr="A graph of a graph of a person&#10;&#10;Description automatically generated with medium confidence">
-            <a:extLst>
-              <a:ext uri="{FF2B5EF4-FFF2-40B4-BE49-F238E27FC236}">
-                <a16:creationId xmlns:a16="http://schemas.microsoft.com/office/drawing/2014/main" id="{0AC9138A-5781-15D2-F245-ED607E00E3B1}"/>
+          <p:cNvPr id="5" name="Content Placeholder 4" descr="A graph showing the value of training&#10;&#10;Description automatically generated">
+            <a:extLst>
+              <a:ext uri="{FF2B5EF4-FFF2-40B4-BE49-F238E27FC236}">
+                <a16:creationId xmlns:a16="http://schemas.microsoft.com/office/drawing/2014/main" id="{10CD19FB-572E-5EAE-4F78-827C01B89FE0}"/>
               </a:ext>
             </a:extLst>
           </p:cNvPr>
@@ -16167,8 +16631,8 @@
         </p:blipFill>
         <p:spPr>
           <a:xfrm>
-            <a:off x="3462337" y="2205831"/>
-            <a:ext cx="5267325" cy="3590925"/>
+            <a:off x="3064682" y="1825625"/>
+            <a:ext cx="6062635" cy="4351338"/>
           </a:xfrm>
         </p:spPr>
       </p:pic>
@@ -16177,7 +16641,7 @@
           <p:cNvPr id="3" name="Slide Number Placeholder 2">
             <a:extLst>
               <a:ext uri="{FF2B5EF4-FFF2-40B4-BE49-F238E27FC236}">
-                <a16:creationId xmlns:a16="http://schemas.microsoft.com/office/drawing/2014/main" id="{4CDD18FC-E797-57DC-AFE7-8D3BA8C31683}"/>
+                <a16:creationId xmlns:a16="http://schemas.microsoft.com/office/drawing/2014/main" id="{66C7ABDF-6D6A-9429-19E2-8CCF80816E12}"/>
               </a:ext>
             </a:extLst>
           </p:cNvPr>
@@ -16204,7 +16668,7 @@
     </p:spTree>
     <p:extLst>
       <p:ext uri="{BB962C8B-B14F-4D97-AF65-F5344CB8AC3E}">
-        <p14:creationId xmlns:p14="http://schemas.microsoft.com/office/powerpoint/2010/main" val="826948687"/>
+        <p14:creationId xmlns:p14="http://schemas.microsoft.com/office/powerpoint/2010/main" val="3788281474"/>
       </p:ext>
     </p:extLst>
   </p:cSld>
@@ -16236,7 +16700,7 @@
           <p:cNvPr id="2" name="Title 1">
             <a:extLst>
               <a:ext uri="{FF2B5EF4-FFF2-40B4-BE49-F238E27FC236}">
-                <a16:creationId xmlns:a16="http://schemas.microsoft.com/office/drawing/2014/main" id="{5FD44E3E-B7BA-E69B-BDB5-44CF5F1FD19A}"/>
+                <a16:creationId xmlns:a16="http://schemas.microsoft.com/office/drawing/2014/main" id="{6D49B901-C038-0426-AC53-CB5974A6798D}"/>
               </a:ext>
             </a:extLst>
           </p:cNvPr>
@@ -16261,10 +16725,10 @@
       </p:sp>
       <p:pic>
         <p:nvPicPr>
-          <p:cNvPr id="5" name="Content Placeholder 4" descr="A graph of a line&#10;&#10;Description automatically generated with medium confidence">
-            <a:extLst>
-              <a:ext uri="{FF2B5EF4-FFF2-40B4-BE49-F238E27FC236}">
-                <a16:creationId xmlns:a16="http://schemas.microsoft.com/office/drawing/2014/main" id="{5635BDD1-DD95-F81F-739B-2D39E3CB4093}"/>
+          <p:cNvPr id="5" name="Content Placeholder 4" descr="A graph of a graph of a person&#10;&#10;Description automatically generated with medium confidence">
+            <a:extLst>
+              <a:ext uri="{FF2B5EF4-FFF2-40B4-BE49-F238E27FC236}">
+                <a16:creationId xmlns:a16="http://schemas.microsoft.com/office/drawing/2014/main" id="{0AC9138A-5781-15D2-F245-ED607E00E3B1}"/>
               </a:ext>
             </a:extLst>
           </p:cNvPr>
@@ -16289,122 +16753,17 @@
         </p:blipFill>
         <p:spPr>
           <a:xfrm>
-            <a:off x="3324225" y="2015331"/>
-            <a:ext cx="5543550" cy="3971925"/>
+            <a:off x="3462337" y="2205831"/>
+            <a:ext cx="5267325" cy="3590925"/>
           </a:xfrm>
         </p:spPr>
       </p:pic>
       <p:sp>
         <p:nvSpPr>
-          <p:cNvPr id="6" name="TextBox 5">
-            <a:extLst>
-              <a:ext uri="{FF2B5EF4-FFF2-40B4-BE49-F238E27FC236}">
-                <a16:creationId xmlns:a16="http://schemas.microsoft.com/office/drawing/2014/main" id="{5549B665-34F4-753F-C6DD-AF9618580918}"/>
-              </a:ext>
-            </a:extLst>
-          </p:cNvPr>
-          <p:cNvSpPr txBox="1"/>
-          <p:nvPr/>
-        </p:nvSpPr>
-        <p:spPr>
-          <a:xfrm>
-            <a:off x="6813756" y="6204155"/>
-            <a:ext cx="4729316" cy="276999"/>
-          </a:xfrm>
-          <a:prstGeom prst="rect">
-            <a:avLst/>
-          </a:prstGeom>
-          <a:noFill/>
-        </p:spPr>
-        <p:txBody>
-          <a:bodyPr wrap="square" rtlCol="0">
-            <a:spAutoFit/>
-          </a:bodyPr>
-          <a:lstStyle/>
-          <a:p>
-            <a:r>
-              <a:rPr lang="en-US" sz="1200" dirty="0"/>
-              <a:t>https://www.kaggle.com/code/ryanholbrook/overfitting-and-underfitting</a:t>
-            </a:r>
-          </a:p>
-        </p:txBody>
-      </p:sp>
-      <p:sp>
-        <p:nvSpPr>
-          <p:cNvPr id="7" name="TextBox 6">
-            <a:extLst>
-              <a:ext uri="{FF2B5EF4-FFF2-40B4-BE49-F238E27FC236}">
-                <a16:creationId xmlns:a16="http://schemas.microsoft.com/office/drawing/2014/main" id="{94716D7C-B6BB-3B1E-B3EE-AA4727C17F26}"/>
-              </a:ext>
-            </a:extLst>
-          </p:cNvPr>
-          <p:cNvSpPr txBox="1"/>
-          <p:nvPr/>
-        </p:nvSpPr>
-        <p:spPr>
-          <a:xfrm>
-            <a:off x="6096000" y="5910451"/>
-            <a:ext cx="953729" cy="369332"/>
-          </a:xfrm>
-          <a:prstGeom prst="rect">
-            <a:avLst/>
-          </a:prstGeom>
-          <a:noFill/>
-        </p:spPr>
-        <p:txBody>
-          <a:bodyPr wrap="square" rtlCol="0">
-            <a:spAutoFit/>
-          </a:bodyPr>
-          <a:lstStyle/>
-          <a:p>
-            <a:r>
-              <a:rPr lang="en-US" dirty="0"/>
-              <a:t>Epochs</a:t>
-            </a:r>
-          </a:p>
-        </p:txBody>
-      </p:sp>
-      <p:sp>
-        <p:nvSpPr>
-          <p:cNvPr id="8" name="TextBox 7">
-            <a:extLst>
-              <a:ext uri="{FF2B5EF4-FFF2-40B4-BE49-F238E27FC236}">
-                <a16:creationId xmlns:a16="http://schemas.microsoft.com/office/drawing/2014/main" id="{00EC2D42-CCE9-1AB4-DCAB-311493D6866E}"/>
-              </a:ext>
-            </a:extLst>
-          </p:cNvPr>
-          <p:cNvSpPr txBox="1"/>
-          <p:nvPr/>
-        </p:nvSpPr>
-        <p:spPr>
-          <a:xfrm>
-            <a:off x="2576052" y="3573795"/>
-            <a:ext cx="845574" cy="373626"/>
-          </a:xfrm>
-          <a:prstGeom prst="rect">
-            <a:avLst/>
-          </a:prstGeom>
-          <a:noFill/>
-        </p:spPr>
-        <p:txBody>
-          <a:bodyPr wrap="square" rtlCol="0">
-            <a:spAutoFit/>
-          </a:bodyPr>
-          <a:lstStyle/>
-          <a:p>
-            <a:r>
-              <a:rPr lang="en-US" dirty="0"/>
-              <a:t>Loss</a:t>
-            </a:r>
-          </a:p>
-        </p:txBody>
-      </p:sp>
-      <p:sp>
-        <p:nvSpPr>
           <p:cNvPr id="3" name="Slide Number Placeholder 2">
             <a:extLst>
               <a:ext uri="{FF2B5EF4-FFF2-40B4-BE49-F238E27FC236}">
-                <a16:creationId xmlns:a16="http://schemas.microsoft.com/office/drawing/2014/main" id="{94D73710-7334-62A4-9FC8-93659FD4B322}"/>
+                <a16:creationId xmlns:a16="http://schemas.microsoft.com/office/drawing/2014/main" id="{4CDD18FC-E797-57DC-AFE7-8D3BA8C31683}"/>
               </a:ext>
             </a:extLst>
           </p:cNvPr>
@@ -16431,7 +16790,7 @@
     </p:spTree>
     <p:extLst>
       <p:ext uri="{BB962C8B-B14F-4D97-AF65-F5344CB8AC3E}">
-        <p14:creationId xmlns:p14="http://schemas.microsoft.com/office/powerpoint/2010/main" val="944866986"/>
+        <p14:creationId xmlns:p14="http://schemas.microsoft.com/office/powerpoint/2010/main" val="826948687"/>
       </p:ext>
     </p:extLst>
   </p:cSld>
@@ -16463,7 +16822,7 @@
           <p:cNvPr id="2" name="Title 1">
             <a:extLst>
               <a:ext uri="{FF2B5EF4-FFF2-40B4-BE49-F238E27FC236}">
-                <a16:creationId xmlns:a16="http://schemas.microsoft.com/office/drawing/2014/main" id="{9523B097-04C5-D215-1877-2907A9674A96}"/>
+                <a16:creationId xmlns:a16="http://schemas.microsoft.com/office/drawing/2014/main" id="{5FD44E3E-B7BA-E69B-BDB5-44CF5F1FD19A}"/>
               </a:ext>
             </a:extLst>
           </p:cNvPr>
@@ -16488,10 +16847,10 @@
       </p:sp>
       <p:pic>
         <p:nvPicPr>
-          <p:cNvPr id="5" name="Content Placeholder 4" descr="A graph showing the growth of a training model&#10;&#10;Description automatically generated">
-            <a:extLst>
-              <a:ext uri="{FF2B5EF4-FFF2-40B4-BE49-F238E27FC236}">
-                <a16:creationId xmlns:a16="http://schemas.microsoft.com/office/drawing/2014/main" id="{6A29DF6B-2136-836F-B833-4873B130AC2F}"/>
+          <p:cNvPr id="5" name="Content Placeholder 4" descr="A graph of a line&#10;&#10;Description automatically generated with medium confidence">
+            <a:extLst>
+              <a:ext uri="{FF2B5EF4-FFF2-40B4-BE49-F238E27FC236}">
+                <a16:creationId xmlns:a16="http://schemas.microsoft.com/office/drawing/2014/main" id="{5635BDD1-DD95-F81F-739B-2D39E3CB4093}"/>
               </a:ext>
             </a:extLst>
           </p:cNvPr>
@@ -16516,8 +16875,8 @@
         </p:blipFill>
         <p:spPr>
           <a:xfrm>
-            <a:off x="3424237" y="2110581"/>
-            <a:ext cx="5343525" cy="3781425"/>
+            <a:off x="3324225" y="2015331"/>
+            <a:ext cx="5543550" cy="3971925"/>
           </a:xfrm>
         </p:spPr>
       </p:pic>
@@ -16526,7 +16885,7 @@
           <p:cNvPr id="6" name="TextBox 5">
             <a:extLst>
               <a:ext uri="{FF2B5EF4-FFF2-40B4-BE49-F238E27FC236}">
-                <a16:creationId xmlns:a16="http://schemas.microsoft.com/office/drawing/2014/main" id="{80F0E61E-F3F2-33FB-0DE2-F7214B34FE2D}"/>
+                <a16:creationId xmlns:a16="http://schemas.microsoft.com/office/drawing/2014/main" id="{5549B665-34F4-753F-C6DD-AF9618580918}"/>
               </a:ext>
             </a:extLst>
           </p:cNvPr>
@@ -16535,8 +16894,8 @@
         </p:nvSpPr>
         <p:spPr>
           <a:xfrm>
-            <a:off x="6921909" y="6215876"/>
-            <a:ext cx="4680155" cy="276999"/>
+            <a:off x="6813756" y="6204155"/>
+            <a:ext cx="4729316" cy="276999"/>
           </a:xfrm>
           <a:prstGeom prst="rect">
             <a:avLst/>
@@ -16551,7 +16910,77 @@
           <a:p>
             <a:r>
               <a:rPr lang="en-US" sz="1200" dirty="0"/>
-              <a:t>https://www.dataquest.io/blog/learning-curves-machine-learning/</a:t>
+              <a:t>https://www.kaggle.com/code/ryanholbrook/overfitting-and-underfitting</a:t>
+            </a:r>
+          </a:p>
+        </p:txBody>
+      </p:sp>
+      <p:sp>
+        <p:nvSpPr>
+          <p:cNvPr id="7" name="TextBox 6">
+            <a:extLst>
+              <a:ext uri="{FF2B5EF4-FFF2-40B4-BE49-F238E27FC236}">
+                <a16:creationId xmlns:a16="http://schemas.microsoft.com/office/drawing/2014/main" id="{94716D7C-B6BB-3B1E-B3EE-AA4727C17F26}"/>
+              </a:ext>
+            </a:extLst>
+          </p:cNvPr>
+          <p:cNvSpPr txBox="1"/>
+          <p:nvPr/>
+        </p:nvSpPr>
+        <p:spPr>
+          <a:xfrm>
+            <a:off x="6096000" y="5910451"/>
+            <a:ext cx="953729" cy="369332"/>
+          </a:xfrm>
+          <a:prstGeom prst="rect">
+            <a:avLst/>
+          </a:prstGeom>
+          <a:noFill/>
+        </p:spPr>
+        <p:txBody>
+          <a:bodyPr wrap="square" rtlCol="0">
+            <a:spAutoFit/>
+          </a:bodyPr>
+          <a:lstStyle/>
+          <a:p>
+            <a:r>
+              <a:rPr lang="en-US" dirty="0"/>
+              <a:t>Epochs</a:t>
+            </a:r>
+          </a:p>
+        </p:txBody>
+      </p:sp>
+      <p:sp>
+        <p:nvSpPr>
+          <p:cNvPr id="8" name="TextBox 7">
+            <a:extLst>
+              <a:ext uri="{FF2B5EF4-FFF2-40B4-BE49-F238E27FC236}">
+                <a16:creationId xmlns:a16="http://schemas.microsoft.com/office/drawing/2014/main" id="{00EC2D42-CCE9-1AB4-DCAB-311493D6866E}"/>
+              </a:ext>
+            </a:extLst>
+          </p:cNvPr>
+          <p:cNvSpPr txBox="1"/>
+          <p:nvPr/>
+        </p:nvSpPr>
+        <p:spPr>
+          <a:xfrm>
+            <a:off x="2576052" y="3573795"/>
+            <a:ext cx="845574" cy="373626"/>
+          </a:xfrm>
+          <a:prstGeom prst="rect">
+            <a:avLst/>
+          </a:prstGeom>
+          <a:noFill/>
+        </p:spPr>
+        <p:txBody>
+          <a:bodyPr wrap="square" rtlCol="0">
+            <a:spAutoFit/>
+          </a:bodyPr>
+          <a:lstStyle/>
+          <a:p>
+            <a:r>
+              <a:rPr lang="en-US" dirty="0"/>
+              <a:t>Loss</a:t>
             </a:r>
           </a:p>
         </p:txBody>
@@ -16561,7 +16990,7 @@
           <p:cNvPr id="3" name="Slide Number Placeholder 2">
             <a:extLst>
               <a:ext uri="{FF2B5EF4-FFF2-40B4-BE49-F238E27FC236}">
-                <a16:creationId xmlns:a16="http://schemas.microsoft.com/office/drawing/2014/main" id="{D416072A-69FD-D0A5-34DD-636D75041AEA}"/>
+                <a16:creationId xmlns:a16="http://schemas.microsoft.com/office/drawing/2014/main" id="{94D73710-7334-62A4-9FC8-93659FD4B322}"/>
               </a:ext>
             </a:extLst>
           </p:cNvPr>
@@ -16588,7 +17017,7 @@
     </p:spTree>
     <p:extLst>
       <p:ext uri="{BB962C8B-B14F-4D97-AF65-F5344CB8AC3E}">
-        <p14:creationId xmlns:p14="http://schemas.microsoft.com/office/powerpoint/2010/main" val="3879740186"/>
+        <p14:creationId xmlns:p14="http://schemas.microsoft.com/office/powerpoint/2010/main" val="944866986"/>
       </p:ext>
     </p:extLst>
   </p:cSld>
@@ -16787,7 +17216,7 @@
           <p:cNvPr id="2" name="Title 1">
             <a:extLst>
               <a:ext uri="{FF2B5EF4-FFF2-40B4-BE49-F238E27FC236}">
-                <a16:creationId xmlns:a16="http://schemas.microsoft.com/office/drawing/2014/main" id="{C0BB39B1-9750-994F-82E1-39ABD9AE9946}"/>
+                <a16:creationId xmlns:a16="http://schemas.microsoft.com/office/drawing/2014/main" id="{9523B097-04C5-D215-1877-2907A9674A96}"/>
               </a:ext>
             </a:extLst>
           </p:cNvPr>
@@ -16812,10 +17241,10 @@
       </p:sp>
       <p:pic>
         <p:nvPicPr>
-          <p:cNvPr id="5" name="Content Placeholder 4" descr="A comparison of a graph&#10;&#10;Description automatically generated">
-            <a:extLst>
-              <a:ext uri="{FF2B5EF4-FFF2-40B4-BE49-F238E27FC236}">
-                <a16:creationId xmlns:a16="http://schemas.microsoft.com/office/drawing/2014/main" id="{E0316DDB-9D72-1639-8FA9-37BE45B58372}"/>
+          <p:cNvPr id="5" name="Content Placeholder 4" descr="A graph showing the growth of a training model&#10;&#10;Description automatically generated">
+            <a:extLst>
+              <a:ext uri="{FF2B5EF4-FFF2-40B4-BE49-F238E27FC236}">
+                <a16:creationId xmlns:a16="http://schemas.microsoft.com/office/drawing/2014/main" id="{6A29DF6B-2136-836F-B833-4873B130AC2F}"/>
               </a:ext>
             </a:extLst>
           </p:cNvPr>
@@ -16840,17 +17269,17 @@
         </p:blipFill>
         <p:spPr>
           <a:xfrm>
-            <a:off x="2890837" y="2963069"/>
-            <a:ext cx="6410325" cy="2076450"/>
+            <a:off x="3424237" y="2110581"/>
+            <a:ext cx="5343525" cy="3781425"/>
           </a:xfrm>
         </p:spPr>
       </p:pic>
       <p:sp>
         <p:nvSpPr>
-          <p:cNvPr id="7" name="TextBox 6">
-            <a:extLst>
-              <a:ext uri="{FF2B5EF4-FFF2-40B4-BE49-F238E27FC236}">
-                <a16:creationId xmlns:a16="http://schemas.microsoft.com/office/drawing/2014/main" id="{AA377E93-05AC-7874-A8D4-7839A364F8AC}"/>
+          <p:cNvPr id="6" name="TextBox 5">
+            <a:extLst>
+              <a:ext uri="{FF2B5EF4-FFF2-40B4-BE49-F238E27FC236}">
+                <a16:creationId xmlns:a16="http://schemas.microsoft.com/office/drawing/2014/main" id="{80F0E61E-F3F2-33FB-0DE2-F7214B34FE2D}"/>
               </a:ext>
             </a:extLst>
           </p:cNvPr>
@@ -16885,7 +17314,7 @@
           <p:cNvPr id="3" name="Slide Number Placeholder 2">
             <a:extLst>
               <a:ext uri="{FF2B5EF4-FFF2-40B4-BE49-F238E27FC236}">
-                <a16:creationId xmlns:a16="http://schemas.microsoft.com/office/drawing/2014/main" id="{98CF1D16-01C2-50CF-4325-325FDEECB9B3}"/>
+                <a16:creationId xmlns:a16="http://schemas.microsoft.com/office/drawing/2014/main" id="{D416072A-69FD-D0A5-34DD-636D75041AEA}"/>
               </a:ext>
             </a:extLst>
           </p:cNvPr>
@@ -16912,7 +17341,7 @@
     </p:spTree>
     <p:extLst>
       <p:ext uri="{BB962C8B-B14F-4D97-AF65-F5344CB8AC3E}">
-        <p14:creationId xmlns:p14="http://schemas.microsoft.com/office/powerpoint/2010/main" val="3521834363"/>
+        <p14:creationId xmlns:p14="http://schemas.microsoft.com/office/powerpoint/2010/main" val="3879740186"/>
       </p:ext>
     </p:extLst>
   </p:cSld>
@@ -16944,7 +17373,7 @@
           <p:cNvPr id="2" name="Title 1">
             <a:extLst>
               <a:ext uri="{FF2B5EF4-FFF2-40B4-BE49-F238E27FC236}">
-                <a16:creationId xmlns:a16="http://schemas.microsoft.com/office/drawing/2014/main" id="{B8DD044B-2503-F0BC-8881-B9C113185777}"/>
+                <a16:creationId xmlns:a16="http://schemas.microsoft.com/office/drawing/2014/main" id="{C0BB39B1-9750-994F-82E1-39ABD9AE9946}"/>
               </a:ext>
             </a:extLst>
           </p:cNvPr>
@@ -16962,79 +17391,87 @@
           <a:p>
             <a:r>
               <a:rPr lang="en-US" dirty="0"/>
-              <a:t>Model Selection</a:t>
-            </a:r>
-          </a:p>
-        </p:txBody>
-      </p:sp>
-      <p:sp>
-        <p:nvSpPr>
-          <p:cNvPr id="3" name="Content Placeholder 2">
-            <a:extLst>
-              <a:ext uri="{FF2B5EF4-FFF2-40B4-BE49-F238E27FC236}">
-                <a16:creationId xmlns:a16="http://schemas.microsoft.com/office/drawing/2014/main" id="{3B211D24-D486-F9BC-CA02-B6FFA8571620}"/>
-              </a:ext>
-            </a:extLst>
-          </p:cNvPr>
-          <p:cNvSpPr>
-            <a:spLocks noGrp="1"/>
-          </p:cNvSpPr>
+              <a:t>Learning curve (loss)</a:t>
+            </a:r>
+          </a:p>
+        </p:txBody>
+      </p:sp>
+      <p:pic>
+        <p:nvPicPr>
+          <p:cNvPr id="5" name="Content Placeholder 4" descr="A comparison of a graph&#10;&#10;Description automatically generated">
+            <a:extLst>
+              <a:ext uri="{FF2B5EF4-FFF2-40B4-BE49-F238E27FC236}">
+                <a16:creationId xmlns:a16="http://schemas.microsoft.com/office/drawing/2014/main" id="{E0316DDB-9D72-1639-8FA9-37BE45B58372}"/>
+              </a:ext>
+            </a:extLst>
+          </p:cNvPr>
+          <p:cNvPicPr>
+            <a:picLocks noGrp="1" noChangeAspect="1"/>
+          </p:cNvPicPr>
           <p:nvPr>
             <p:ph idx="1"/>
           </p:nvPr>
-        </p:nvSpPr>
-        <p:spPr/>
-        <p:txBody>
-          <a:bodyPr/>
-          <a:lstStyle/>
-          <a:p>
-            <a:r>
-              <a:rPr lang="en-US" dirty="0"/>
-              <a:t>Model selection</a:t>
-            </a:r>
-          </a:p>
-          <a:p>
-            <a:pPr lvl="1"/>
-            <a:r>
-              <a:rPr lang="en-US" dirty="0"/>
-              <a:t>Regularization?</a:t>
-            </a:r>
-          </a:p>
-          <a:p>
-            <a:pPr lvl="2"/>
-            <a:r>
-              <a:rPr lang="en-US" dirty="0"/>
-              <a:t>L1 regularization</a:t>
-            </a:r>
-          </a:p>
-          <a:p>
-            <a:pPr lvl="2"/>
-            <a:r>
-              <a:rPr lang="en-US" dirty="0"/>
-              <a:t>L2 regularization</a:t>
-            </a:r>
-          </a:p>
-          <a:p>
-            <a:pPr lvl="2"/>
-            <a:r>
-              <a:rPr lang="en-US" dirty="0"/>
-              <a:t>Dropout</a:t>
-            </a:r>
-          </a:p>
-          <a:p>
-            <a:r>
-              <a:rPr lang="en-US" dirty="0"/>
-              <a:t>Collect more training data?</a:t>
-            </a:r>
-          </a:p>
-        </p:txBody>
-      </p:sp>
-      <p:sp>
-        <p:nvSpPr>
-          <p:cNvPr id="4" name="Slide Number Placeholder 3">
-            <a:extLst>
-              <a:ext uri="{FF2B5EF4-FFF2-40B4-BE49-F238E27FC236}">
-                <a16:creationId xmlns:a16="http://schemas.microsoft.com/office/drawing/2014/main" id="{BD85076A-C9C0-591B-0426-73509EA32DDF}"/>
+        </p:nvPicPr>
+        <p:blipFill>
+          <a:blip r:embed="rId2">
+            <a:extLst>
+              <a:ext uri="{28A0092B-C50C-407E-A947-70E740481C1C}">
+                <a14:useLocalDpi xmlns:a14="http://schemas.microsoft.com/office/drawing/2010/main" val="0"/>
+              </a:ext>
+            </a:extLst>
+          </a:blip>
+          <a:stretch>
+            <a:fillRect/>
+          </a:stretch>
+        </p:blipFill>
+        <p:spPr>
+          <a:xfrm>
+            <a:off x="2890837" y="2963069"/>
+            <a:ext cx="6410325" cy="2076450"/>
+          </a:xfrm>
+        </p:spPr>
+      </p:pic>
+      <p:sp>
+        <p:nvSpPr>
+          <p:cNvPr id="7" name="TextBox 6">
+            <a:extLst>
+              <a:ext uri="{FF2B5EF4-FFF2-40B4-BE49-F238E27FC236}">
+                <a16:creationId xmlns:a16="http://schemas.microsoft.com/office/drawing/2014/main" id="{AA377E93-05AC-7874-A8D4-7839A364F8AC}"/>
+              </a:ext>
+            </a:extLst>
+          </p:cNvPr>
+          <p:cNvSpPr txBox="1"/>
+          <p:nvPr/>
+        </p:nvSpPr>
+        <p:spPr>
+          <a:xfrm>
+            <a:off x="6921909" y="6215876"/>
+            <a:ext cx="4680155" cy="276999"/>
+          </a:xfrm>
+          <a:prstGeom prst="rect">
+            <a:avLst/>
+          </a:prstGeom>
+          <a:noFill/>
+        </p:spPr>
+        <p:txBody>
+          <a:bodyPr wrap="square" rtlCol="0">
+            <a:spAutoFit/>
+          </a:bodyPr>
+          <a:lstStyle/>
+          <a:p>
+            <a:r>
+              <a:rPr lang="en-US" sz="1200" dirty="0"/>
+              <a:t>https://www.dataquest.io/blog/learning-curves-machine-learning/</a:t>
+            </a:r>
+          </a:p>
+        </p:txBody>
+      </p:sp>
+      <p:sp>
+        <p:nvSpPr>
+          <p:cNvPr id="3" name="Slide Number Placeholder 2">
+            <a:extLst>
+              <a:ext uri="{FF2B5EF4-FFF2-40B4-BE49-F238E27FC236}">
+                <a16:creationId xmlns:a16="http://schemas.microsoft.com/office/drawing/2014/main" id="{98CF1D16-01C2-50CF-4325-325FDEECB9B3}"/>
               </a:ext>
             </a:extLst>
           </p:cNvPr>
@@ -17061,7 +17498,7 @@
     </p:spTree>
     <p:extLst>
       <p:ext uri="{BB962C8B-B14F-4D97-AF65-F5344CB8AC3E}">
-        <p14:creationId xmlns:p14="http://schemas.microsoft.com/office/powerpoint/2010/main" val="494486288"/>
+        <p14:creationId xmlns:p14="http://schemas.microsoft.com/office/powerpoint/2010/main" val="3521834363"/>
       </p:ext>
     </p:extLst>
   </p:cSld>
@@ -17093,7 +17530,7 @@
           <p:cNvPr id="2" name="Title 1">
             <a:extLst>
               <a:ext uri="{FF2B5EF4-FFF2-40B4-BE49-F238E27FC236}">
-                <a16:creationId xmlns:a16="http://schemas.microsoft.com/office/drawing/2014/main" id="{BC071A99-0A8B-99BA-FE9E-2A522D297DF6}"/>
+                <a16:creationId xmlns:a16="http://schemas.microsoft.com/office/drawing/2014/main" id="{B8DD044B-2503-F0BC-8881-B9C113185777}"/>
               </a:ext>
             </a:extLst>
           </p:cNvPr>
@@ -17111,7 +17548,7 @@
           <a:p>
             <a:r>
               <a:rPr lang="en-US" dirty="0"/>
-              <a:t>Model-based vs. Instance-based</a:t>
+              <a:t>Model Selection</a:t>
             </a:r>
           </a:p>
         </p:txBody>
@@ -17121,7 +17558,7 @@
           <p:cNvPr id="3" name="Content Placeholder 2">
             <a:extLst>
               <a:ext uri="{FF2B5EF4-FFF2-40B4-BE49-F238E27FC236}">
-                <a16:creationId xmlns:a16="http://schemas.microsoft.com/office/drawing/2014/main" id="{7FAE708C-6967-B9B9-3B43-688D71E66446}"/>
+                <a16:creationId xmlns:a16="http://schemas.microsoft.com/office/drawing/2014/main" id="{3B211D24-D486-F9BC-CA02-B6FFA8571620}"/>
               </a:ext>
             </a:extLst>
           </p:cNvPr>
@@ -17137,11 +17574,44 @@
           <a:bodyPr/>
           <a:lstStyle/>
           <a:p>
-            <a:endParaRPr lang="en-US" dirty="0"/>
+            <a:r>
+              <a:rPr lang="en-US" dirty="0"/>
+              <a:t>Model selection</a:t>
+            </a:r>
           </a:p>
           <a:p>
             <a:pPr lvl="1"/>
-            <a:endParaRPr lang="en-US" dirty="0"/>
+            <a:r>
+              <a:rPr lang="en-US" dirty="0"/>
+              <a:t>Regularization?</a:t>
+            </a:r>
+          </a:p>
+          <a:p>
+            <a:pPr lvl="2"/>
+            <a:r>
+              <a:rPr lang="en-US" dirty="0"/>
+              <a:t>L1 regularization</a:t>
+            </a:r>
+          </a:p>
+          <a:p>
+            <a:pPr lvl="2"/>
+            <a:r>
+              <a:rPr lang="en-US" dirty="0"/>
+              <a:t>L2 regularization</a:t>
+            </a:r>
+          </a:p>
+          <a:p>
+            <a:pPr lvl="2"/>
+            <a:r>
+              <a:rPr lang="en-US" dirty="0"/>
+              <a:t>Dropout</a:t>
+            </a:r>
+          </a:p>
+          <a:p>
+            <a:r>
+              <a:rPr lang="en-US" dirty="0"/>
+              <a:t>Collect more training data?</a:t>
+            </a:r>
           </a:p>
         </p:txBody>
       </p:sp>
@@ -17150,7 +17620,7 @@
           <p:cNvPr id="4" name="Slide Number Placeholder 3">
             <a:extLst>
               <a:ext uri="{FF2B5EF4-FFF2-40B4-BE49-F238E27FC236}">
-                <a16:creationId xmlns:a16="http://schemas.microsoft.com/office/drawing/2014/main" id="{09A03752-445C-E5A9-170E-45542DE6D40D}"/>
+                <a16:creationId xmlns:a16="http://schemas.microsoft.com/office/drawing/2014/main" id="{BD85076A-C9C0-591B-0426-73509EA32DDF}"/>
               </a:ext>
             </a:extLst>
           </p:cNvPr>
@@ -17169,6 +17639,122 @@
             <a:fld id="{E862C174-85D7-4478-B3BB-01728BCCC1F6}" type="slidenum">
               <a:rPr lang="en-US" smtClean="0"/>
               <a:t>22</a:t>
+            </a:fld>
+            <a:endParaRPr lang="en-US"/>
+          </a:p>
+        </p:txBody>
+      </p:sp>
+    </p:spTree>
+    <p:extLst>
+      <p:ext uri="{BB962C8B-B14F-4D97-AF65-F5344CB8AC3E}">
+        <p14:creationId xmlns:p14="http://schemas.microsoft.com/office/powerpoint/2010/main" val="494486288"/>
+      </p:ext>
+    </p:extLst>
+  </p:cSld>
+  <p:clrMapOvr>
+    <a:masterClrMapping/>
+  </p:clrMapOvr>
+</p:sld>
+</file>
+
+<file path=ppt/slides/slide23.xml><?xml version="1.0" encoding="utf-8"?>
+<p:sld xmlns:a="http://schemas.openxmlformats.org/drawingml/2006/main" xmlns:r="http://schemas.openxmlformats.org/officeDocument/2006/relationships" xmlns:p="http://schemas.openxmlformats.org/presentationml/2006/main">
+  <p:cSld>
+    <p:spTree>
+      <p:nvGrpSpPr>
+        <p:cNvPr id="1" name=""/>
+        <p:cNvGrpSpPr/>
+        <p:nvPr/>
+      </p:nvGrpSpPr>
+      <p:grpSpPr>
+        <a:xfrm>
+          <a:off x="0" y="0"/>
+          <a:ext cx="0" cy="0"/>
+          <a:chOff x="0" y="0"/>
+          <a:chExt cx="0" cy="0"/>
+        </a:xfrm>
+      </p:grpSpPr>
+      <p:sp>
+        <p:nvSpPr>
+          <p:cNvPr id="2" name="Title 1">
+            <a:extLst>
+              <a:ext uri="{FF2B5EF4-FFF2-40B4-BE49-F238E27FC236}">
+                <a16:creationId xmlns:a16="http://schemas.microsoft.com/office/drawing/2014/main" id="{BC071A99-0A8B-99BA-FE9E-2A522D297DF6}"/>
+              </a:ext>
+            </a:extLst>
+          </p:cNvPr>
+          <p:cNvSpPr>
+            <a:spLocks noGrp="1"/>
+          </p:cNvSpPr>
+          <p:nvPr>
+            <p:ph type="title"/>
+          </p:nvPr>
+        </p:nvSpPr>
+        <p:spPr/>
+        <p:txBody>
+          <a:bodyPr/>
+          <a:lstStyle/>
+          <a:p>
+            <a:r>
+              <a:rPr lang="en-US" dirty="0"/>
+              <a:t>Model-based vs. Instance-based</a:t>
+            </a:r>
+          </a:p>
+        </p:txBody>
+      </p:sp>
+      <p:sp>
+        <p:nvSpPr>
+          <p:cNvPr id="3" name="Content Placeholder 2">
+            <a:extLst>
+              <a:ext uri="{FF2B5EF4-FFF2-40B4-BE49-F238E27FC236}">
+                <a16:creationId xmlns:a16="http://schemas.microsoft.com/office/drawing/2014/main" id="{7FAE708C-6967-B9B9-3B43-688D71E66446}"/>
+              </a:ext>
+            </a:extLst>
+          </p:cNvPr>
+          <p:cNvSpPr>
+            <a:spLocks noGrp="1"/>
+          </p:cNvSpPr>
+          <p:nvPr>
+            <p:ph idx="1"/>
+          </p:nvPr>
+        </p:nvSpPr>
+        <p:spPr/>
+        <p:txBody>
+          <a:bodyPr/>
+          <a:lstStyle/>
+          <a:p>
+            <a:endParaRPr lang="en-US" dirty="0"/>
+          </a:p>
+          <a:p>
+            <a:pPr lvl="1"/>
+            <a:endParaRPr lang="en-US" dirty="0"/>
+          </a:p>
+        </p:txBody>
+      </p:sp>
+      <p:sp>
+        <p:nvSpPr>
+          <p:cNvPr id="4" name="Slide Number Placeholder 3">
+            <a:extLst>
+              <a:ext uri="{FF2B5EF4-FFF2-40B4-BE49-F238E27FC236}">
+                <a16:creationId xmlns:a16="http://schemas.microsoft.com/office/drawing/2014/main" id="{09A03752-445C-E5A9-170E-45542DE6D40D}"/>
+              </a:ext>
+            </a:extLst>
+          </p:cNvPr>
+          <p:cNvSpPr>
+            <a:spLocks noGrp="1"/>
+          </p:cNvSpPr>
+          <p:nvPr>
+            <p:ph type="sldNum" sz="quarter" idx="12"/>
+          </p:nvPr>
+        </p:nvSpPr>
+        <p:spPr/>
+        <p:txBody>
+          <a:bodyPr/>
+          <a:lstStyle/>
+          <a:p>
+            <a:fld id="{E862C174-85D7-4478-B3BB-01728BCCC1F6}" type="slidenum">
+              <a:rPr lang="en-US" smtClean="0"/>
+              <a:t>23</a:t>
             </a:fld>
             <a:endParaRPr lang="en-US"/>
           </a:p>
@@ -17187,7 +17773,7 @@
 </p:sld>
 </file>
 
-<file path=ppt/slides/slide23.xml><?xml version="1.0" encoding="utf-8"?>
+<file path=ppt/slides/slide24.xml><?xml version="1.0" encoding="utf-8"?>
 <p:sld xmlns:a="http://schemas.openxmlformats.org/drawingml/2006/main" xmlns:r="http://schemas.openxmlformats.org/officeDocument/2006/relationships" xmlns:p="http://schemas.openxmlformats.org/presentationml/2006/main">
   <p:cSld>
     <p:spTree>
@@ -17519,7 +18105,7 @@
           <a:p>
             <a:fld id="{E862C174-85D7-4478-B3BB-01728BCCC1F6}" type="slidenum">
               <a:rPr lang="en-US" smtClean="0"/>
-              <a:t>23</a:t>
+              <a:t>24</a:t>
             </a:fld>
             <a:endParaRPr lang="en-US"/>
           </a:p>
@@ -17538,7 +18124,7 @@
 </p:sld>
 </file>
 
-<file path=ppt/slides/slide24.xml><?xml version="1.0" encoding="utf-8"?>
+<file path=ppt/slides/slide25.xml><?xml version="1.0" encoding="utf-8"?>
 <p:sld xmlns:a="http://schemas.openxmlformats.org/drawingml/2006/main" xmlns:r="http://schemas.openxmlformats.org/officeDocument/2006/relationships" xmlns:p="http://schemas.openxmlformats.org/presentationml/2006/main">
   <p:cSld>
     <p:spTree>
@@ -18004,7 +18590,7 @@
           <a:p>
             <a:fld id="{E862C174-85D7-4478-B3BB-01728BCCC1F6}" type="slidenum">
               <a:rPr lang="en-US" smtClean="0"/>
-              <a:t>24</a:t>
+              <a:t>25</a:t>
             </a:fld>
             <a:endParaRPr lang="en-US"/>
           </a:p>
@@ -18014,152 +18600,6 @@
     <p:extLst>
       <p:ext uri="{BB962C8B-B14F-4D97-AF65-F5344CB8AC3E}">
         <p14:creationId xmlns:p14="http://schemas.microsoft.com/office/powerpoint/2010/main" val="4170691612"/>
-      </p:ext>
-    </p:extLst>
-  </p:cSld>
-  <p:clrMapOvr>
-    <a:masterClrMapping/>
-  </p:clrMapOvr>
-</p:sld>
-</file>
-
-<file path=ppt/slides/slide25.xml><?xml version="1.0" encoding="utf-8"?>
-<p:sld xmlns:a="http://schemas.openxmlformats.org/drawingml/2006/main" xmlns:r="http://schemas.openxmlformats.org/officeDocument/2006/relationships" xmlns:p="http://schemas.openxmlformats.org/presentationml/2006/main">
-  <p:cSld>
-    <p:spTree>
-      <p:nvGrpSpPr>
-        <p:cNvPr id="1" name=""/>
-        <p:cNvGrpSpPr/>
-        <p:nvPr/>
-      </p:nvGrpSpPr>
-      <p:grpSpPr>
-        <a:xfrm>
-          <a:off x="0" y="0"/>
-          <a:ext cx="0" cy="0"/>
-          <a:chOff x="0" y="0"/>
-          <a:chExt cx="0" cy="0"/>
-        </a:xfrm>
-      </p:grpSpPr>
-      <p:sp>
-        <p:nvSpPr>
-          <p:cNvPr id="2" name="Title 1">
-            <a:extLst>
-              <a:ext uri="{FF2B5EF4-FFF2-40B4-BE49-F238E27FC236}">
-                <a16:creationId xmlns:a16="http://schemas.microsoft.com/office/drawing/2014/main" id="{A850CB89-74D5-058A-7DA8-9E610AFF17F0}"/>
-              </a:ext>
-            </a:extLst>
-          </p:cNvPr>
-          <p:cNvSpPr>
-            <a:spLocks noGrp="1"/>
-          </p:cNvSpPr>
-          <p:nvPr>
-            <p:ph type="title"/>
-          </p:nvPr>
-        </p:nvSpPr>
-        <p:spPr/>
-        <p:txBody>
-          <a:bodyPr/>
-          <a:lstStyle/>
-          <a:p>
-            <a:r>
-              <a:rPr lang="en-US" dirty="0"/>
-              <a:t>Model-based</a:t>
-            </a:r>
-          </a:p>
-        </p:txBody>
-      </p:sp>
-      <p:graphicFrame>
-        <p:nvGraphicFramePr>
-          <p:cNvPr id="4" name="Chart 3">
-            <a:extLst>
-              <a:ext uri="{FF2B5EF4-FFF2-40B4-BE49-F238E27FC236}">
-                <a16:creationId xmlns:a16="http://schemas.microsoft.com/office/drawing/2014/main" id="{74FF20C3-B983-F1A9-B551-C14CD1D421C3}"/>
-              </a:ext>
-            </a:extLst>
-          </p:cNvPr>
-          <p:cNvGraphicFramePr>
-            <a:graphicFrameLocks/>
-          </p:cNvGraphicFramePr>
-          <p:nvPr/>
-        </p:nvGraphicFramePr>
-        <p:xfrm>
-          <a:off x="2888571" y="2314472"/>
-          <a:ext cx="6414858" cy="4178403"/>
-        </p:xfrm>
-        <a:graphic>
-          <a:graphicData uri="http://schemas.openxmlformats.org/drawingml/2006/chart">
-            <c:chart xmlns:c="http://schemas.openxmlformats.org/drawingml/2006/chart" xmlns:r="http://schemas.openxmlformats.org/officeDocument/2006/relationships" r:id="rId2"/>
-          </a:graphicData>
-        </a:graphic>
-      </p:graphicFrame>
-      <p:sp>
-        <p:nvSpPr>
-          <p:cNvPr id="3" name="TextBox 2">
-            <a:extLst>
-              <a:ext uri="{FF2B5EF4-FFF2-40B4-BE49-F238E27FC236}">
-                <a16:creationId xmlns:a16="http://schemas.microsoft.com/office/drawing/2014/main" id="{7EAA203F-9201-72E6-9A2C-4C9193177992}"/>
-              </a:ext>
-            </a:extLst>
-          </p:cNvPr>
-          <p:cNvSpPr txBox="1"/>
-          <p:nvPr/>
-        </p:nvSpPr>
-        <p:spPr>
-          <a:xfrm>
-            <a:off x="7631946" y="1817914"/>
-            <a:ext cx="1671483" cy="369332"/>
-          </a:xfrm>
-          <a:prstGeom prst="rect">
-            <a:avLst/>
-          </a:prstGeom>
-          <a:noFill/>
-        </p:spPr>
-        <p:txBody>
-          <a:bodyPr wrap="square" rtlCol="0">
-            <a:spAutoFit/>
-          </a:bodyPr>
-          <a:lstStyle/>
-          <a:p>
-            <a:r>
-              <a:rPr lang="en-US" dirty="0"/>
-              <a:t>Regression Line</a:t>
-            </a:r>
-          </a:p>
-        </p:txBody>
-      </p:sp>
-      <p:sp>
-        <p:nvSpPr>
-          <p:cNvPr id="5" name="Slide Number Placeholder 4">
-            <a:extLst>
-              <a:ext uri="{FF2B5EF4-FFF2-40B4-BE49-F238E27FC236}">
-                <a16:creationId xmlns:a16="http://schemas.microsoft.com/office/drawing/2014/main" id="{99C7D591-5EFD-6595-3876-8FCC7C9B416B}"/>
-              </a:ext>
-            </a:extLst>
-          </p:cNvPr>
-          <p:cNvSpPr>
-            <a:spLocks noGrp="1"/>
-          </p:cNvSpPr>
-          <p:nvPr>
-            <p:ph type="sldNum" sz="quarter" idx="12"/>
-          </p:nvPr>
-        </p:nvSpPr>
-        <p:spPr/>
-        <p:txBody>
-          <a:bodyPr/>
-          <a:lstStyle/>
-          <a:p>
-            <a:fld id="{E862C174-85D7-4478-B3BB-01728BCCC1F6}" type="slidenum">
-              <a:rPr lang="en-US" smtClean="0"/>
-              <a:t>25</a:t>
-            </a:fld>
-            <a:endParaRPr lang="en-US"/>
-          </a:p>
-        </p:txBody>
-      </p:sp>
-    </p:spTree>
-    <p:extLst>
-      <p:ext uri="{BB962C8B-B14F-4D97-AF65-F5344CB8AC3E}">
-        <p14:creationId xmlns:p14="http://schemas.microsoft.com/office/powerpoint/2010/main" val="674337138"/>
       </p:ext>
     </p:extLst>
   </p:cSld>
@@ -18191,7 +18631,7 @@
           <p:cNvPr id="2" name="Title 1">
             <a:extLst>
               <a:ext uri="{FF2B5EF4-FFF2-40B4-BE49-F238E27FC236}">
-                <a16:creationId xmlns:a16="http://schemas.microsoft.com/office/drawing/2014/main" id="{B5C647D8-EF4F-AAB3-EE64-5864B21848E2}"/>
+                <a16:creationId xmlns:a16="http://schemas.microsoft.com/office/drawing/2014/main" id="{A850CB89-74D5-058A-7DA8-9E610AFF17F0}"/>
               </a:ext>
             </a:extLst>
           </p:cNvPr>
@@ -18209,62 +18649,51 @@
           <a:p>
             <a:r>
               <a:rPr lang="en-US" dirty="0"/>
-              <a:t>Instance-based</a:t>
-            </a:r>
-          </a:p>
-        </p:txBody>
-      </p:sp>
-      <p:pic>
-        <p:nvPicPr>
-          <p:cNvPr id="5" name="Content Placeholder 4" descr="A diagram of a graph&#10;&#10;Description automatically generated">
-            <a:extLst>
-              <a:ext uri="{FF2B5EF4-FFF2-40B4-BE49-F238E27FC236}">
-                <a16:creationId xmlns:a16="http://schemas.microsoft.com/office/drawing/2014/main" id="{330DE25C-E719-CD3A-0C00-C1676DC6003D}"/>
-              </a:ext>
-            </a:extLst>
-          </p:cNvPr>
-          <p:cNvPicPr>
-            <a:picLocks noGrp="1" noChangeAspect="1"/>
-          </p:cNvPicPr>
-          <p:nvPr>
-            <p:ph idx="1"/>
-          </p:nvPr>
-        </p:nvPicPr>
-        <p:blipFill>
-          <a:blip r:embed="rId2">
-            <a:extLst>
-              <a:ext uri="{28A0092B-C50C-407E-A947-70E740481C1C}">
-                <a14:useLocalDpi xmlns:a14="http://schemas.microsoft.com/office/drawing/2010/main" val="0"/>
-              </a:ext>
-            </a:extLst>
-          </a:blip>
-          <a:stretch>
-            <a:fillRect/>
-          </a:stretch>
-        </p:blipFill>
+              <a:t>Model-based</a:t>
+            </a:r>
+          </a:p>
+        </p:txBody>
+      </p:sp>
+      <p:graphicFrame>
+        <p:nvGraphicFramePr>
+          <p:cNvPr id="4" name="Chart 3">
+            <a:extLst>
+              <a:ext uri="{FF2B5EF4-FFF2-40B4-BE49-F238E27FC236}">
+                <a16:creationId xmlns:a16="http://schemas.microsoft.com/office/drawing/2014/main" id="{74FF20C3-B983-F1A9-B551-C14CD1D421C3}"/>
+              </a:ext>
+            </a:extLst>
+          </p:cNvPr>
+          <p:cNvGraphicFramePr>
+            <a:graphicFrameLocks/>
+          </p:cNvGraphicFramePr>
+          <p:nvPr/>
+        </p:nvGraphicFramePr>
+        <p:xfrm>
+          <a:off x="2888571" y="2314472"/>
+          <a:ext cx="6414858" cy="4178403"/>
+        </p:xfrm>
+        <a:graphic>
+          <a:graphicData uri="http://schemas.openxmlformats.org/drawingml/2006/chart">
+            <c:chart xmlns:c="http://schemas.openxmlformats.org/drawingml/2006/chart" xmlns:r="http://schemas.openxmlformats.org/officeDocument/2006/relationships" r:id="rId2"/>
+          </a:graphicData>
+        </a:graphic>
+      </p:graphicFrame>
+      <p:sp>
+        <p:nvSpPr>
+          <p:cNvPr id="3" name="TextBox 2">
+            <a:extLst>
+              <a:ext uri="{FF2B5EF4-FFF2-40B4-BE49-F238E27FC236}">
+                <a16:creationId xmlns:a16="http://schemas.microsoft.com/office/drawing/2014/main" id="{7EAA203F-9201-72E6-9A2C-4C9193177992}"/>
+              </a:ext>
+            </a:extLst>
+          </p:cNvPr>
+          <p:cNvSpPr txBox="1"/>
+          <p:nvPr/>
+        </p:nvSpPr>
         <p:spPr>
           <a:xfrm>
-            <a:off x="4005262" y="1886744"/>
-            <a:ext cx="4181475" cy="4229100"/>
-          </a:xfrm>
-        </p:spPr>
-      </p:pic>
-      <p:sp>
-        <p:nvSpPr>
-          <p:cNvPr id="3" name="TextBox 2">
-            <a:extLst>
-              <a:ext uri="{FF2B5EF4-FFF2-40B4-BE49-F238E27FC236}">
-                <a16:creationId xmlns:a16="http://schemas.microsoft.com/office/drawing/2014/main" id="{CED30272-F396-0CA7-CCF8-8F9FC99EE5F5}"/>
-              </a:ext>
-            </a:extLst>
-          </p:cNvPr>
-          <p:cNvSpPr txBox="1"/>
-          <p:nvPr/>
-        </p:nvSpPr>
-        <p:spPr>
-          <a:xfrm>
-            <a:off x="8504904" y="6492875"/>
-            <a:ext cx="3500284" cy="276999"/>
+            <a:off x="7631946" y="1817914"/>
+            <a:ext cx="1671483" cy="369332"/>
           </a:xfrm>
           <a:prstGeom prst="rect">
             <a:avLst/>
@@ -18278,18 +18707,18 @@
           <a:lstStyle/>
           <a:p>
             <a:r>
-              <a:rPr lang="en-US" sz="1200" dirty="0"/>
-              <a:t>https://www.youtube.com/watch?v=zmKkvPTzgho</a:t>
-            </a:r>
-          </a:p>
-        </p:txBody>
-      </p:sp>
-      <p:sp>
-        <p:nvSpPr>
-          <p:cNvPr id="4" name="Slide Number Placeholder 3">
-            <a:extLst>
-              <a:ext uri="{FF2B5EF4-FFF2-40B4-BE49-F238E27FC236}">
-                <a16:creationId xmlns:a16="http://schemas.microsoft.com/office/drawing/2014/main" id="{FD8781BD-9F82-1DF6-2995-708C6427070B}"/>
+              <a:rPr lang="en-US" dirty="0"/>
+              <a:t>Regression Line</a:t>
+            </a:r>
+          </a:p>
+        </p:txBody>
+      </p:sp>
+      <p:sp>
+        <p:nvSpPr>
+          <p:cNvPr id="5" name="Slide Number Placeholder 4">
+            <a:extLst>
+              <a:ext uri="{FF2B5EF4-FFF2-40B4-BE49-F238E27FC236}">
+                <a16:creationId xmlns:a16="http://schemas.microsoft.com/office/drawing/2014/main" id="{99C7D591-5EFD-6595-3876-8FCC7C9B416B}"/>
               </a:ext>
             </a:extLst>
           </p:cNvPr>
@@ -18316,7 +18745,7 @@
     </p:spTree>
     <p:extLst>
       <p:ext uri="{BB962C8B-B14F-4D97-AF65-F5344CB8AC3E}">
-        <p14:creationId xmlns:p14="http://schemas.microsoft.com/office/powerpoint/2010/main" val="352427651"/>
+        <p14:creationId xmlns:p14="http://schemas.microsoft.com/office/powerpoint/2010/main" val="674337138"/>
       </p:ext>
     </p:extLst>
   </p:cSld>
@@ -18348,7 +18777,7 @@
           <p:cNvPr id="2" name="Title 1">
             <a:extLst>
               <a:ext uri="{FF2B5EF4-FFF2-40B4-BE49-F238E27FC236}">
-                <a16:creationId xmlns:a16="http://schemas.microsoft.com/office/drawing/2014/main" id="{04F04A54-FB20-72B6-37D3-E4A59264B312}"/>
+                <a16:creationId xmlns:a16="http://schemas.microsoft.com/office/drawing/2014/main" id="{B5C647D8-EF4F-AAB3-EE64-5864B21848E2}"/>
               </a:ext>
             </a:extLst>
           </p:cNvPr>
@@ -18376,7 +18805,7 @@
           <p:cNvPr id="5" name="Content Placeholder 4" descr="A diagram of a graph&#10;&#10;Description automatically generated">
             <a:extLst>
               <a:ext uri="{FF2B5EF4-FFF2-40B4-BE49-F238E27FC236}">
-                <a16:creationId xmlns:a16="http://schemas.microsoft.com/office/drawing/2014/main" id="{49DE97B3-F0EF-DBD1-272C-073BA2A97775}"/>
+                <a16:creationId xmlns:a16="http://schemas.microsoft.com/office/drawing/2014/main" id="{330DE25C-E719-CD3A-0C00-C1676DC6003D}"/>
               </a:ext>
             </a:extLst>
           </p:cNvPr>
@@ -18411,7 +18840,7 @@
           <p:cNvPr id="3" name="TextBox 2">
             <a:extLst>
               <a:ext uri="{FF2B5EF4-FFF2-40B4-BE49-F238E27FC236}">
-                <a16:creationId xmlns:a16="http://schemas.microsoft.com/office/drawing/2014/main" id="{68130625-356A-0AB4-C975-D54437B396CF}"/>
+                <a16:creationId xmlns:a16="http://schemas.microsoft.com/office/drawing/2014/main" id="{CED30272-F396-0CA7-CCF8-8F9FC99EE5F5}"/>
               </a:ext>
             </a:extLst>
           </p:cNvPr>
@@ -18446,7 +18875,7 @@
           <p:cNvPr id="4" name="Slide Number Placeholder 3">
             <a:extLst>
               <a:ext uri="{FF2B5EF4-FFF2-40B4-BE49-F238E27FC236}">
-                <a16:creationId xmlns:a16="http://schemas.microsoft.com/office/drawing/2014/main" id="{1C134527-1C30-507D-1703-158FC21618EB}"/>
+                <a16:creationId xmlns:a16="http://schemas.microsoft.com/office/drawing/2014/main" id="{FD8781BD-9F82-1DF6-2995-708C6427070B}"/>
               </a:ext>
             </a:extLst>
           </p:cNvPr>
@@ -18473,7 +18902,7 @@
     </p:spTree>
     <p:extLst>
       <p:ext uri="{BB962C8B-B14F-4D97-AF65-F5344CB8AC3E}">
-        <p14:creationId xmlns:p14="http://schemas.microsoft.com/office/powerpoint/2010/main" val="4009060660"/>
+        <p14:creationId xmlns:p14="http://schemas.microsoft.com/office/powerpoint/2010/main" val="352427651"/>
       </p:ext>
     </p:extLst>
   </p:cSld>
@@ -18505,7 +18934,7 @@
           <p:cNvPr id="2" name="Title 1">
             <a:extLst>
               <a:ext uri="{FF2B5EF4-FFF2-40B4-BE49-F238E27FC236}">
-                <a16:creationId xmlns:a16="http://schemas.microsoft.com/office/drawing/2014/main" id="{840B23D8-0120-6420-B792-F0F48E4C51B4}"/>
+                <a16:creationId xmlns:a16="http://schemas.microsoft.com/office/drawing/2014/main" id="{04F04A54-FB20-72B6-37D3-E4A59264B312}"/>
               </a:ext>
             </a:extLst>
           </p:cNvPr>
@@ -18533,7 +18962,7 @@
           <p:cNvPr id="5" name="Content Placeholder 4" descr="A diagram of a graph&#10;&#10;Description automatically generated">
             <a:extLst>
               <a:ext uri="{FF2B5EF4-FFF2-40B4-BE49-F238E27FC236}">
-                <a16:creationId xmlns:a16="http://schemas.microsoft.com/office/drawing/2014/main" id="{AB1F4B08-5098-108E-795F-2B08640DAFCD}"/>
+                <a16:creationId xmlns:a16="http://schemas.microsoft.com/office/drawing/2014/main" id="{49DE97B3-F0EF-DBD1-272C-073BA2A97775}"/>
               </a:ext>
             </a:extLst>
           </p:cNvPr>
@@ -18558,17 +18987,17 @@
         </p:blipFill>
         <p:spPr>
           <a:xfrm>
-            <a:off x="4029075" y="1953419"/>
-            <a:ext cx="4133850" cy="4095750"/>
+            <a:off x="4005262" y="1886744"/>
+            <a:ext cx="4181475" cy="4229100"/>
           </a:xfrm>
         </p:spPr>
       </p:pic>
       <p:sp>
         <p:nvSpPr>
-          <p:cNvPr id="6" name="TextBox 5">
-            <a:extLst>
-              <a:ext uri="{FF2B5EF4-FFF2-40B4-BE49-F238E27FC236}">
-                <a16:creationId xmlns:a16="http://schemas.microsoft.com/office/drawing/2014/main" id="{A888F1FA-0120-1E9C-0737-68D3A7F51527}"/>
+          <p:cNvPr id="3" name="TextBox 2">
+            <a:extLst>
+              <a:ext uri="{FF2B5EF4-FFF2-40B4-BE49-F238E27FC236}">
+                <a16:creationId xmlns:a16="http://schemas.microsoft.com/office/drawing/2014/main" id="{68130625-356A-0AB4-C975-D54437B396CF}"/>
               </a:ext>
             </a:extLst>
           </p:cNvPr>
@@ -18600,10 +19029,10 @@
       </p:sp>
       <p:sp>
         <p:nvSpPr>
-          <p:cNvPr id="3" name="Slide Number Placeholder 2">
-            <a:extLst>
-              <a:ext uri="{FF2B5EF4-FFF2-40B4-BE49-F238E27FC236}">
-                <a16:creationId xmlns:a16="http://schemas.microsoft.com/office/drawing/2014/main" id="{B5D481F4-4715-B4F3-E010-15659C4F77A8}"/>
+          <p:cNvPr id="4" name="Slide Number Placeholder 3">
+            <a:extLst>
+              <a:ext uri="{FF2B5EF4-FFF2-40B4-BE49-F238E27FC236}">
+                <a16:creationId xmlns:a16="http://schemas.microsoft.com/office/drawing/2014/main" id="{1C134527-1C30-507D-1703-158FC21618EB}"/>
               </a:ext>
             </a:extLst>
           </p:cNvPr>
@@ -18630,7 +19059,7 @@
     </p:spTree>
     <p:extLst>
       <p:ext uri="{BB962C8B-B14F-4D97-AF65-F5344CB8AC3E}">
-        <p14:creationId xmlns:p14="http://schemas.microsoft.com/office/powerpoint/2010/main" val="1788393865"/>
+        <p14:creationId xmlns:p14="http://schemas.microsoft.com/office/powerpoint/2010/main" val="4009060660"/>
       </p:ext>
     </p:extLst>
   </p:cSld>
@@ -18662,7 +19091,7 @@
           <p:cNvPr id="2" name="Title 1">
             <a:extLst>
               <a:ext uri="{FF2B5EF4-FFF2-40B4-BE49-F238E27FC236}">
-                <a16:creationId xmlns:a16="http://schemas.microsoft.com/office/drawing/2014/main" id="{B21CD70E-6598-BEB4-C0DC-31432427CBAB}"/>
+                <a16:creationId xmlns:a16="http://schemas.microsoft.com/office/drawing/2014/main" id="{840B23D8-0120-6420-B792-F0F48E4C51B4}"/>
               </a:ext>
             </a:extLst>
           </p:cNvPr>
@@ -18690,7 +19119,7 @@
           <p:cNvPr id="5" name="Content Placeholder 4" descr="A diagram of a graph&#10;&#10;Description automatically generated">
             <a:extLst>
               <a:ext uri="{FF2B5EF4-FFF2-40B4-BE49-F238E27FC236}">
-                <a16:creationId xmlns:a16="http://schemas.microsoft.com/office/drawing/2014/main" id="{A8DDF94F-659C-2C70-4DED-445467FB710B}"/>
+                <a16:creationId xmlns:a16="http://schemas.microsoft.com/office/drawing/2014/main" id="{AB1F4B08-5098-108E-795F-2B08640DAFCD}"/>
               </a:ext>
             </a:extLst>
           </p:cNvPr>
@@ -18715,17 +19144,17 @@
         </p:blipFill>
         <p:spPr>
           <a:xfrm>
-            <a:off x="4005262" y="1886744"/>
-            <a:ext cx="4181475" cy="4229100"/>
+            <a:off x="4029075" y="1953419"/>
+            <a:ext cx="4133850" cy="4095750"/>
           </a:xfrm>
         </p:spPr>
       </p:pic>
       <p:sp>
         <p:nvSpPr>
-          <p:cNvPr id="3" name="TextBox 2">
-            <a:extLst>
-              <a:ext uri="{FF2B5EF4-FFF2-40B4-BE49-F238E27FC236}">
-                <a16:creationId xmlns:a16="http://schemas.microsoft.com/office/drawing/2014/main" id="{AD96B5E7-F621-C3C2-5CEE-163516A82F15}"/>
+          <p:cNvPr id="6" name="TextBox 5">
+            <a:extLst>
+              <a:ext uri="{FF2B5EF4-FFF2-40B4-BE49-F238E27FC236}">
+                <a16:creationId xmlns:a16="http://schemas.microsoft.com/office/drawing/2014/main" id="{A888F1FA-0120-1E9C-0737-68D3A7F51527}"/>
               </a:ext>
             </a:extLst>
           </p:cNvPr>
@@ -18757,10 +19186,10 @@
       </p:sp>
       <p:sp>
         <p:nvSpPr>
-          <p:cNvPr id="4" name="Slide Number Placeholder 3">
-            <a:extLst>
-              <a:ext uri="{FF2B5EF4-FFF2-40B4-BE49-F238E27FC236}">
-                <a16:creationId xmlns:a16="http://schemas.microsoft.com/office/drawing/2014/main" id="{87ECDAB2-3DD9-E01C-DF2E-9742E59182D6}"/>
+          <p:cNvPr id="3" name="Slide Number Placeholder 2">
+            <a:extLst>
+              <a:ext uri="{FF2B5EF4-FFF2-40B4-BE49-F238E27FC236}">
+                <a16:creationId xmlns:a16="http://schemas.microsoft.com/office/drawing/2014/main" id="{B5D481F4-4715-B4F3-E010-15659C4F77A8}"/>
               </a:ext>
             </a:extLst>
           </p:cNvPr>
@@ -18787,7 +19216,7 @@
     </p:spTree>
     <p:extLst>
       <p:ext uri="{BB962C8B-B14F-4D97-AF65-F5344CB8AC3E}">
-        <p14:creationId xmlns:p14="http://schemas.microsoft.com/office/powerpoint/2010/main" val="1790272188"/>
+        <p14:creationId xmlns:p14="http://schemas.microsoft.com/office/powerpoint/2010/main" val="1788393865"/>
       </p:ext>
     </p:extLst>
   </p:cSld>
@@ -18958,7 +19387,7 @@
           <p:cNvPr id="2" name="Title 1">
             <a:extLst>
               <a:ext uri="{FF2B5EF4-FFF2-40B4-BE49-F238E27FC236}">
-                <a16:creationId xmlns:a16="http://schemas.microsoft.com/office/drawing/2014/main" id="{4178725D-4C52-CDBE-2498-F088E177D9F1}"/>
+                <a16:creationId xmlns:a16="http://schemas.microsoft.com/office/drawing/2014/main" id="{B21CD70E-6598-BEB4-C0DC-31432427CBAB}"/>
               </a:ext>
             </a:extLst>
           </p:cNvPr>
@@ -18983,10 +19412,10 @@
       </p:sp>
       <p:pic>
         <p:nvPicPr>
-          <p:cNvPr id="5" name="Content Placeholder 4" descr="A graph with red and green dots&#10;&#10;Description automatically generated">
-            <a:extLst>
-              <a:ext uri="{FF2B5EF4-FFF2-40B4-BE49-F238E27FC236}">
-                <a16:creationId xmlns:a16="http://schemas.microsoft.com/office/drawing/2014/main" id="{54C7ED8E-27F7-0D1D-A69F-EA496D28029E}"/>
+          <p:cNvPr id="5" name="Content Placeholder 4" descr="A diagram of a graph&#10;&#10;Description automatically generated">
+            <a:extLst>
+              <a:ext uri="{FF2B5EF4-FFF2-40B4-BE49-F238E27FC236}">
+                <a16:creationId xmlns:a16="http://schemas.microsoft.com/office/drawing/2014/main" id="{A8DDF94F-659C-2C70-4DED-445467FB710B}"/>
               </a:ext>
             </a:extLst>
           </p:cNvPr>
@@ -19021,7 +19450,7 @@
           <p:cNvPr id="3" name="TextBox 2">
             <a:extLst>
               <a:ext uri="{FF2B5EF4-FFF2-40B4-BE49-F238E27FC236}">
-                <a16:creationId xmlns:a16="http://schemas.microsoft.com/office/drawing/2014/main" id="{4C9AE64E-5F12-236A-ADCA-6BB5FDA311D6}"/>
+                <a16:creationId xmlns:a16="http://schemas.microsoft.com/office/drawing/2014/main" id="{AD96B5E7-F621-C3C2-5CEE-163516A82F15}"/>
               </a:ext>
             </a:extLst>
           </p:cNvPr>
@@ -19056,7 +19485,7 @@
           <p:cNvPr id="4" name="Slide Number Placeholder 3">
             <a:extLst>
               <a:ext uri="{FF2B5EF4-FFF2-40B4-BE49-F238E27FC236}">
-                <a16:creationId xmlns:a16="http://schemas.microsoft.com/office/drawing/2014/main" id="{F415605F-1E6C-0019-9B6E-F1DE652601BB}"/>
+                <a16:creationId xmlns:a16="http://schemas.microsoft.com/office/drawing/2014/main" id="{87ECDAB2-3DD9-E01C-DF2E-9742E59182D6}"/>
               </a:ext>
             </a:extLst>
           </p:cNvPr>
@@ -19083,7 +19512,7 @@
     </p:spTree>
     <p:extLst>
       <p:ext uri="{BB962C8B-B14F-4D97-AF65-F5344CB8AC3E}">
-        <p14:creationId xmlns:p14="http://schemas.microsoft.com/office/powerpoint/2010/main" val="2499111427"/>
+        <p14:creationId xmlns:p14="http://schemas.microsoft.com/office/powerpoint/2010/main" val="1790272188"/>
       </p:ext>
     </p:extLst>
   </p:cSld>
@@ -19115,7 +19544,7 @@
           <p:cNvPr id="2" name="Title 1">
             <a:extLst>
               <a:ext uri="{FF2B5EF4-FFF2-40B4-BE49-F238E27FC236}">
-                <a16:creationId xmlns:a16="http://schemas.microsoft.com/office/drawing/2014/main" id="{028F0318-2DC4-05BC-B4DD-5A869F2083C2}"/>
+                <a16:creationId xmlns:a16="http://schemas.microsoft.com/office/drawing/2014/main" id="{4178725D-4C52-CDBE-2498-F088E177D9F1}"/>
               </a:ext>
             </a:extLst>
           </p:cNvPr>
@@ -19133,70 +19562,77 @@
           <a:p>
             <a:r>
               <a:rPr lang="en-US" dirty="0"/>
-              <a:t>Model-based vs. Instance-based</a:t>
-            </a:r>
-          </a:p>
-        </p:txBody>
-      </p:sp>
-      <p:sp>
-        <p:nvSpPr>
-          <p:cNvPr id="3" name="Content Placeholder 2">
-            <a:extLst>
-              <a:ext uri="{FF2B5EF4-FFF2-40B4-BE49-F238E27FC236}">
-                <a16:creationId xmlns:a16="http://schemas.microsoft.com/office/drawing/2014/main" id="{B154C4A7-354E-2E22-061E-A2C57BE7C519}"/>
-              </a:ext>
-            </a:extLst>
-          </p:cNvPr>
-          <p:cNvSpPr>
-            <a:spLocks noGrp="1"/>
-          </p:cNvSpPr>
+              <a:t>Instance-based</a:t>
+            </a:r>
+          </a:p>
+        </p:txBody>
+      </p:sp>
+      <p:pic>
+        <p:nvPicPr>
+          <p:cNvPr id="5" name="Content Placeholder 4" descr="A graph with red and green dots&#10;&#10;Description automatically generated">
+            <a:extLst>
+              <a:ext uri="{FF2B5EF4-FFF2-40B4-BE49-F238E27FC236}">
+                <a16:creationId xmlns:a16="http://schemas.microsoft.com/office/drawing/2014/main" id="{54C7ED8E-27F7-0D1D-A69F-EA496D28029E}"/>
+              </a:ext>
+            </a:extLst>
+          </p:cNvPr>
+          <p:cNvPicPr>
+            <a:picLocks noGrp="1" noChangeAspect="1"/>
+          </p:cNvPicPr>
           <p:nvPr>
             <p:ph idx="1"/>
           </p:nvPr>
-        </p:nvSpPr>
-        <p:spPr/>
-        <p:txBody>
-          <a:bodyPr/>
-          <a:lstStyle/>
-          <a:p>
-            <a:r>
-              <a:rPr lang="en-US" dirty="0"/>
-              <a:t>Model-based</a:t>
-            </a:r>
-          </a:p>
-          <a:p>
-            <a:pPr lvl="1"/>
-            <a:r>
-              <a:rPr lang="en-US" dirty="0"/>
-              <a:t>Use training data to create a model that has parameters learned from the training data.</a:t>
-            </a:r>
-          </a:p>
-          <a:p>
-            <a:pPr lvl="2"/>
-            <a:r>
-              <a:rPr lang="en-US" dirty="0"/>
-              <a:t>e.g. Linear Regression, SVM</a:t>
-            </a:r>
-          </a:p>
-          <a:p>
-            <a:r>
-              <a:rPr lang="en-US" dirty="0"/>
-              <a:t>Instance-based Learning</a:t>
-            </a:r>
-          </a:p>
-          <a:p>
-            <a:pPr lvl="1"/>
-            <a:r>
-              <a:rPr lang="en-US" dirty="0"/>
-              <a:t>k-Nearest Neighbors (</a:t>
-            </a:r>
-            <a:r>
-              <a:rPr lang="en-US" dirty="0" err="1"/>
-              <a:t>kNN</a:t>
-            </a:r>
-            <a:r>
-              <a:rPr lang="en-US" dirty="0"/>
-              <a:t>): looks at the close neighborhood of the input example in the space of feature vectors.</a:t>
+        </p:nvPicPr>
+        <p:blipFill>
+          <a:blip r:embed="rId2">
+            <a:extLst>
+              <a:ext uri="{28A0092B-C50C-407E-A947-70E740481C1C}">
+                <a14:useLocalDpi xmlns:a14="http://schemas.microsoft.com/office/drawing/2010/main" val="0"/>
+              </a:ext>
+            </a:extLst>
+          </a:blip>
+          <a:stretch>
+            <a:fillRect/>
+          </a:stretch>
+        </p:blipFill>
+        <p:spPr>
+          <a:xfrm>
+            <a:off x="4005262" y="1886744"/>
+            <a:ext cx="4181475" cy="4229100"/>
+          </a:xfrm>
+        </p:spPr>
+      </p:pic>
+      <p:sp>
+        <p:nvSpPr>
+          <p:cNvPr id="3" name="TextBox 2">
+            <a:extLst>
+              <a:ext uri="{FF2B5EF4-FFF2-40B4-BE49-F238E27FC236}">
+                <a16:creationId xmlns:a16="http://schemas.microsoft.com/office/drawing/2014/main" id="{4C9AE64E-5F12-236A-ADCA-6BB5FDA311D6}"/>
+              </a:ext>
+            </a:extLst>
+          </p:cNvPr>
+          <p:cNvSpPr txBox="1"/>
+          <p:nvPr/>
+        </p:nvSpPr>
+        <p:spPr>
+          <a:xfrm>
+            <a:off x="8504904" y="6492875"/>
+            <a:ext cx="3500284" cy="276999"/>
+          </a:xfrm>
+          <a:prstGeom prst="rect">
+            <a:avLst/>
+          </a:prstGeom>
+          <a:noFill/>
+        </p:spPr>
+        <p:txBody>
+          <a:bodyPr wrap="square" rtlCol="0">
+            <a:spAutoFit/>
+          </a:bodyPr>
+          <a:lstStyle/>
+          <a:p>
+            <a:r>
+              <a:rPr lang="en-US" sz="1200" dirty="0"/>
+              <a:t>https://www.youtube.com/watch?v=zmKkvPTzgho</a:t>
             </a:r>
           </a:p>
         </p:txBody>
@@ -19206,7 +19642,7 @@
           <p:cNvPr id="4" name="Slide Number Placeholder 3">
             <a:extLst>
               <a:ext uri="{FF2B5EF4-FFF2-40B4-BE49-F238E27FC236}">
-                <a16:creationId xmlns:a16="http://schemas.microsoft.com/office/drawing/2014/main" id="{F0AFA4CD-6BAE-15B3-C70C-84A7311C7E07}"/>
+                <a16:creationId xmlns:a16="http://schemas.microsoft.com/office/drawing/2014/main" id="{F415605F-1E6C-0019-9B6E-F1DE652601BB}"/>
               </a:ext>
             </a:extLst>
           </p:cNvPr>
@@ -19233,7 +19669,7 @@
     </p:spTree>
     <p:extLst>
       <p:ext uri="{BB962C8B-B14F-4D97-AF65-F5344CB8AC3E}">
-        <p14:creationId xmlns:p14="http://schemas.microsoft.com/office/powerpoint/2010/main" val="1453838582"/>
+        <p14:creationId xmlns:p14="http://schemas.microsoft.com/office/powerpoint/2010/main" val="2499111427"/>
       </p:ext>
     </p:extLst>
   </p:cSld>
@@ -19265,7 +19701,7 @@
           <p:cNvPr id="2" name="Title 1">
             <a:extLst>
               <a:ext uri="{FF2B5EF4-FFF2-40B4-BE49-F238E27FC236}">
-                <a16:creationId xmlns:a16="http://schemas.microsoft.com/office/drawing/2014/main" id="{7E33A3DD-7817-33FF-F40B-741D94640735}"/>
+                <a16:creationId xmlns:a16="http://schemas.microsoft.com/office/drawing/2014/main" id="{028F0318-2DC4-05BC-B4DD-5A869F2083C2}"/>
               </a:ext>
             </a:extLst>
           </p:cNvPr>
@@ -19282,8 +19718,8 @@
           <a:lstStyle/>
           <a:p>
             <a:r>
-              <a:rPr lang="en-US"/>
-              <a:t>Shallow vs. Deep Learning</a:t>
+              <a:rPr lang="en-US" dirty="0"/>
+              <a:t>Model-based vs. Instance-based</a:t>
             </a:r>
           </a:p>
         </p:txBody>
@@ -19293,7 +19729,7 @@
           <p:cNvPr id="3" name="Content Placeholder 2">
             <a:extLst>
               <a:ext uri="{FF2B5EF4-FFF2-40B4-BE49-F238E27FC236}">
-                <a16:creationId xmlns:a16="http://schemas.microsoft.com/office/drawing/2014/main" id="{67AAEB62-9B08-D476-E3D4-877EA0B76505}"/>
+                <a16:creationId xmlns:a16="http://schemas.microsoft.com/office/drawing/2014/main" id="{B154C4A7-354E-2E22-061E-A2C57BE7C519}"/>
               </a:ext>
             </a:extLst>
           </p:cNvPr>
@@ -19311,104 +19747,52 @@
           <a:p>
             <a:r>
               <a:rPr lang="en-US" dirty="0"/>
-              <a:t>Shallow</a:t>
-            </a:r>
-          </a:p>
-          <a:p>
-            <a:endParaRPr lang="en-US" dirty="0"/>
-          </a:p>
-          <a:p>
-            <a:endParaRPr lang="en-US" dirty="0"/>
-          </a:p>
-          <a:p>
-            <a:endParaRPr lang="en-US" dirty="0"/>
-          </a:p>
-          <a:p>
+              <a:t>Model-based</a:t>
+            </a:r>
+          </a:p>
+          <a:p>
+            <a:pPr lvl="1"/>
             <a:r>
               <a:rPr lang="en-US" dirty="0"/>
-              <a:t>Deep</a:t>
-            </a:r>
-          </a:p>
-        </p:txBody>
-      </p:sp>
-      <p:pic>
-        <p:nvPicPr>
-          <p:cNvPr id="4" name="Content Placeholder 4" descr="A diagram of a network&#10;&#10;Description automatically generated">
-            <a:extLst>
-              <a:ext uri="{FF2B5EF4-FFF2-40B4-BE49-F238E27FC236}">
-                <a16:creationId xmlns:a16="http://schemas.microsoft.com/office/drawing/2014/main" id="{432296A7-D139-1E8E-502F-EC9B63CA3FA1}"/>
-              </a:ext>
-            </a:extLst>
-          </p:cNvPr>
-          <p:cNvPicPr>
-            <a:picLocks noChangeAspect="1"/>
-          </p:cNvPicPr>
-          <p:nvPr/>
-        </p:nvPicPr>
-        <p:blipFill>
-          <a:blip r:embed="rId3">
-            <a:extLst>
-              <a:ext uri="{28A0092B-C50C-407E-A947-70E740481C1C}">
-                <a14:useLocalDpi xmlns:a14="http://schemas.microsoft.com/office/drawing/2010/main" val="0"/>
-              </a:ext>
-            </a:extLst>
-          </a:blip>
-          <a:stretch>
-            <a:fillRect/>
-          </a:stretch>
-        </p:blipFill>
-        <p:spPr>
-          <a:xfrm>
-            <a:off x="4426190" y="1825625"/>
-            <a:ext cx="3339620" cy="2409796"/>
-          </a:xfrm>
-          <a:prstGeom prst="rect">
-            <a:avLst/>
-          </a:prstGeom>
-        </p:spPr>
-      </p:pic>
-      <p:pic>
-        <p:nvPicPr>
-          <p:cNvPr id="5" name="Content Placeholder 4" descr="A diagram of a network&#10;&#10;Description automatically generated">
-            <a:extLst>
-              <a:ext uri="{FF2B5EF4-FFF2-40B4-BE49-F238E27FC236}">
-                <a16:creationId xmlns:a16="http://schemas.microsoft.com/office/drawing/2014/main" id="{06C48F6F-F90F-1E11-41FD-5C52CFDC9FA9}"/>
-              </a:ext>
-            </a:extLst>
-          </p:cNvPr>
-          <p:cNvPicPr>
-            <a:picLocks noChangeAspect="1"/>
-          </p:cNvPicPr>
-          <p:nvPr/>
-        </p:nvPicPr>
-        <p:blipFill>
-          <a:blip r:embed="rId4">
-            <a:extLst>
-              <a:ext uri="{28A0092B-C50C-407E-A947-70E740481C1C}">
-                <a14:useLocalDpi xmlns:a14="http://schemas.microsoft.com/office/drawing/2010/main" val="0"/>
-              </a:ext>
-            </a:extLst>
-          </a:blip>
-          <a:stretch>
-            <a:fillRect/>
-          </a:stretch>
-        </p:blipFill>
-        <p:spPr>
-          <a:xfrm>
-            <a:off x="4047336" y="4558993"/>
-            <a:ext cx="4097328" cy="1840083"/>
-          </a:xfrm>
-          <a:prstGeom prst="rect">
-            <a:avLst/>
-          </a:prstGeom>
-        </p:spPr>
-      </p:pic>
-      <p:sp>
-        <p:nvSpPr>
-          <p:cNvPr id="6" name="Slide Number Placeholder 5">
-            <a:extLst>
-              <a:ext uri="{FF2B5EF4-FFF2-40B4-BE49-F238E27FC236}">
-                <a16:creationId xmlns:a16="http://schemas.microsoft.com/office/drawing/2014/main" id="{72A693B3-FF81-2DFA-945F-241243522FB5}"/>
+              <a:t>Use training data to create a model that has parameters learned from the training data.</a:t>
+            </a:r>
+          </a:p>
+          <a:p>
+            <a:pPr lvl="2"/>
+            <a:r>
+              <a:rPr lang="en-US" dirty="0"/>
+              <a:t>e.g. Linear Regression, SVM</a:t>
+            </a:r>
+          </a:p>
+          <a:p>
+            <a:r>
+              <a:rPr lang="en-US" dirty="0"/>
+              <a:t>Instance-based Learning</a:t>
+            </a:r>
+          </a:p>
+          <a:p>
+            <a:pPr lvl="1"/>
+            <a:r>
+              <a:rPr lang="en-US" dirty="0"/>
+              <a:t>k-Nearest Neighbors (</a:t>
+            </a:r>
+            <a:r>
+              <a:rPr lang="en-US" dirty="0" err="1"/>
+              <a:t>kNN</a:t>
+            </a:r>
+            <a:r>
+              <a:rPr lang="en-US" dirty="0"/>
+              <a:t>): looks at the close neighborhood of the input example in the space of feature vectors.</a:t>
+            </a:r>
+          </a:p>
+        </p:txBody>
+      </p:sp>
+      <p:sp>
+        <p:nvSpPr>
+          <p:cNvPr id="4" name="Slide Number Placeholder 3">
+            <a:extLst>
+              <a:ext uri="{FF2B5EF4-FFF2-40B4-BE49-F238E27FC236}">
+                <a16:creationId xmlns:a16="http://schemas.microsoft.com/office/drawing/2014/main" id="{F0AFA4CD-6BAE-15B3-C70C-84A7311C7E07}"/>
               </a:ext>
             </a:extLst>
           </p:cNvPr>
@@ -19435,7 +19819,7 @@
     </p:spTree>
     <p:extLst>
       <p:ext uri="{BB962C8B-B14F-4D97-AF65-F5344CB8AC3E}">
-        <p14:creationId xmlns:p14="http://schemas.microsoft.com/office/powerpoint/2010/main" val="3734269815"/>
+        <p14:creationId xmlns:p14="http://schemas.microsoft.com/office/powerpoint/2010/main" val="1453838582"/>
       </p:ext>
     </p:extLst>
   </p:cSld>
@@ -19467,7 +19851,7 @@
           <p:cNvPr id="2" name="Title 1">
             <a:extLst>
               <a:ext uri="{FF2B5EF4-FFF2-40B4-BE49-F238E27FC236}">
-                <a16:creationId xmlns:a16="http://schemas.microsoft.com/office/drawing/2014/main" id="{B2E20D10-0245-740C-7B97-BB03B77A094C}"/>
+                <a16:creationId xmlns:a16="http://schemas.microsoft.com/office/drawing/2014/main" id="{7E33A3DD-7817-33FF-F40B-741D94640735}"/>
               </a:ext>
             </a:extLst>
           </p:cNvPr>
@@ -19484,30 +19868,71 @@
           <a:lstStyle/>
           <a:p>
             <a:r>
+              <a:rPr lang="en-US"/>
+              <a:t>Shallow vs. Deep Learning</a:t>
+            </a:r>
+          </a:p>
+        </p:txBody>
+      </p:sp>
+      <p:sp>
+        <p:nvSpPr>
+          <p:cNvPr id="3" name="Content Placeholder 2">
+            <a:extLst>
+              <a:ext uri="{FF2B5EF4-FFF2-40B4-BE49-F238E27FC236}">
+                <a16:creationId xmlns:a16="http://schemas.microsoft.com/office/drawing/2014/main" id="{67AAEB62-9B08-D476-E3D4-877EA0B76505}"/>
+              </a:ext>
+            </a:extLst>
+          </p:cNvPr>
+          <p:cNvSpPr>
+            <a:spLocks noGrp="1"/>
+          </p:cNvSpPr>
+          <p:nvPr>
+            <p:ph idx="1"/>
+          </p:nvPr>
+        </p:nvSpPr>
+        <p:spPr/>
+        <p:txBody>
+          <a:bodyPr/>
+          <a:lstStyle/>
+          <a:p>
+            <a:r>
               <a:rPr lang="en-US" dirty="0"/>
-              <a:t>Shallow Learning</a:t>
+              <a:t>Shallow</a:t>
+            </a:r>
+          </a:p>
+          <a:p>
+            <a:endParaRPr lang="en-US" dirty="0"/>
+          </a:p>
+          <a:p>
+            <a:endParaRPr lang="en-US" dirty="0"/>
+          </a:p>
+          <a:p>
+            <a:endParaRPr lang="en-US" dirty="0"/>
+          </a:p>
+          <a:p>
+            <a:r>
+              <a:rPr lang="en-US" dirty="0"/>
+              <a:t>Deep</a:t>
             </a:r>
           </a:p>
         </p:txBody>
       </p:sp>
       <p:pic>
         <p:nvPicPr>
-          <p:cNvPr id="5" name="Content Placeholder 4" descr="A diagram of a network&#10;&#10;Description automatically generated">
-            <a:extLst>
-              <a:ext uri="{FF2B5EF4-FFF2-40B4-BE49-F238E27FC236}">
-                <a16:creationId xmlns:a16="http://schemas.microsoft.com/office/drawing/2014/main" id="{D411723E-5E0A-72F2-AD87-D8BE42D1B71C}"/>
+          <p:cNvPr id="4" name="Content Placeholder 4" descr="A diagram of a network&#10;&#10;Description automatically generated">
+            <a:extLst>
+              <a:ext uri="{FF2B5EF4-FFF2-40B4-BE49-F238E27FC236}">
+                <a16:creationId xmlns:a16="http://schemas.microsoft.com/office/drawing/2014/main" id="{432296A7-D139-1E8E-502F-EC9B63CA3FA1}"/>
               </a:ext>
             </a:extLst>
           </p:cNvPr>
           <p:cNvPicPr>
-            <a:picLocks noGrp="1" noChangeAspect="1"/>
+            <a:picLocks noChangeAspect="1"/>
           </p:cNvPicPr>
-          <p:nvPr>
-            <p:ph idx="1"/>
-          </p:nvPr>
+          <p:nvPr/>
         </p:nvPicPr>
         <p:blipFill>
-          <a:blip r:embed="rId2">
+          <a:blip r:embed="rId3">
             <a:extLst>
               <a:ext uri="{28A0092B-C50C-407E-A947-70E740481C1C}">
                 <a14:useLocalDpi xmlns:a14="http://schemas.microsoft.com/office/drawing/2010/main" val="0"/>
@@ -19520,17 +19945,56 @@
         </p:blipFill>
         <p:spPr>
           <a:xfrm>
-            <a:off x="3080845" y="1825625"/>
-            <a:ext cx="6030310" cy="4351338"/>
+            <a:off x="4426190" y="1825625"/>
+            <a:ext cx="3339620" cy="2409796"/>
           </a:xfrm>
+          <a:prstGeom prst="rect">
+            <a:avLst/>
+          </a:prstGeom>
         </p:spPr>
       </p:pic>
-      <p:sp>
-        <p:nvSpPr>
-          <p:cNvPr id="3" name="Slide Number Placeholder 2">
-            <a:extLst>
-              <a:ext uri="{FF2B5EF4-FFF2-40B4-BE49-F238E27FC236}">
-                <a16:creationId xmlns:a16="http://schemas.microsoft.com/office/drawing/2014/main" id="{255EF056-F43A-E24E-2603-1569398D6031}"/>
+      <p:pic>
+        <p:nvPicPr>
+          <p:cNvPr id="5" name="Content Placeholder 4" descr="A diagram of a network&#10;&#10;Description automatically generated">
+            <a:extLst>
+              <a:ext uri="{FF2B5EF4-FFF2-40B4-BE49-F238E27FC236}">
+                <a16:creationId xmlns:a16="http://schemas.microsoft.com/office/drawing/2014/main" id="{06C48F6F-F90F-1E11-41FD-5C52CFDC9FA9}"/>
+              </a:ext>
+            </a:extLst>
+          </p:cNvPr>
+          <p:cNvPicPr>
+            <a:picLocks noChangeAspect="1"/>
+          </p:cNvPicPr>
+          <p:nvPr/>
+        </p:nvPicPr>
+        <p:blipFill>
+          <a:blip r:embed="rId4">
+            <a:extLst>
+              <a:ext uri="{28A0092B-C50C-407E-A947-70E740481C1C}">
+                <a14:useLocalDpi xmlns:a14="http://schemas.microsoft.com/office/drawing/2010/main" val="0"/>
+              </a:ext>
+            </a:extLst>
+          </a:blip>
+          <a:stretch>
+            <a:fillRect/>
+          </a:stretch>
+        </p:blipFill>
+        <p:spPr>
+          <a:xfrm>
+            <a:off x="4047336" y="4558993"/>
+            <a:ext cx="4097328" cy="1840083"/>
+          </a:xfrm>
+          <a:prstGeom prst="rect">
+            <a:avLst/>
+          </a:prstGeom>
+        </p:spPr>
+      </p:pic>
+      <p:sp>
+        <p:nvSpPr>
+          <p:cNvPr id="6" name="Slide Number Placeholder 5">
+            <a:extLst>
+              <a:ext uri="{FF2B5EF4-FFF2-40B4-BE49-F238E27FC236}">
+                <a16:creationId xmlns:a16="http://schemas.microsoft.com/office/drawing/2014/main" id="{72A693B3-FF81-2DFA-945F-241243522FB5}"/>
               </a:ext>
             </a:extLst>
           </p:cNvPr>
@@ -19557,7 +20021,7 @@
     </p:spTree>
     <p:extLst>
       <p:ext uri="{BB962C8B-B14F-4D97-AF65-F5344CB8AC3E}">
-        <p14:creationId xmlns:p14="http://schemas.microsoft.com/office/powerpoint/2010/main" val="272291434"/>
+        <p14:creationId xmlns:p14="http://schemas.microsoft.com/office/powerpoint/2010/main" val="3734269815"/>
       </p:ext>
     </p:extLst>
   </p:cSld>
@@ -19589,7 +20053,7 @@
           <p:cNvPr id="2" name="Title 1">
             <a:extLst>
               <a:ext uri="{FF2B5EF4-FFF2-40B4-BE49-F238E27FC236}">
-                <a16:creationId xmlns:a16="http://schemas.microsoft.com/office/drawing/2014/main" id="{2373591E-61BC-EBEA-9086-1DA2238B2EAF}"/>
+                <a16:creationId xmlns:a16="http://schemas.microsoft.com/office/drawing/2014/main" id="{B2E20D10-0245-740C-7B97-BB03B77A094C}"/>
               </a:ext>
             </a:extLst>
           </p:cNvPr>
@@ -19612,71 +20076,47 @@
           </a:p>
         </p:txBody>
       </p:sp>
-      <p:sp>
-        <p:nvSpPr>
-          <p:cNvPr id="5" name="TextBox 4">
-            <a:extLst>
-              <a:ext uri="{FF2B5EF4-FFF2-40B4-BE49-F238E27FC236}">
-                <a16:creationId xmlns:a16="http://schemas.microsoft.com/office/drawing/2014/main" id="{749F82E8-6DBF-CF98-36CD-AAC97ED5E01D}"/>
-              </a:ext>
-            </a:extLst>
-          </p:cNvPr>
-          <p:cNvSpPr txBox="1"/>
-          <p:nvPr/>
-        </p:nvSpPr>
+      <p:pic>
+        <p:nvPicPr>
+          <p:cNvPr id="5" name="Content Placeholder 4" descr="A diagram of a network&#10;&#10;Description automatically generated">
+            <a:extLst>
+              <a:ext uri="{FF2B5EF4-FFF2-40B4-BE49-F238E27FC236}">
+                <a16:creationId xmlns:a16="http://schemas.microsoft.com/office/drawing/2014/main" id="{D411723E-5E0A-72F2-AD87-D8BE42D1B71C}"/>
+              </a:ext>
+            </a:extLst>
+          </p:cNvPr>
+          <p:cNvPicPr>
+            <a:picLocks noGrp="1" noChangeAspect="1"/>
+          </p:cNvPicPr>
+          <p:nvPr>
+            <p:ph idx="1"/>
+          </p:nvPr>
+        </p:nvPicPr>
+        <p:blipFill>
+          <a:blip r:embed="rId2">
+            <a:extLst>
+              <a:ext uri="{28A0092B-C50C-407E-A947-70E740481C1C}">
+                <a14:useLocalDpi xmlns:a14="http://schemas.microsoft.com/office/drawing/2010/main" val="0"/>
+              </a:ext>
+            </a:extLst>
+          </a:blip>
+          <a:stretch>
+            <a:fillRect/>
+          </a:stretch>
+        </p:blipFill>
         <p:spPr>
           <a:xfrm>
-            <a:off x="838200" y="1690688"/>
-            <a:ext cx="1483360" cy="369332"/>
+            <a:off x="3080845" y="1825625"/>
+            <a:ext cx="6030310" cy="4351338"/>
           </a:xfrm>
-          <a:prstGeom prst="rect">
-            <a:avLst/>
-          </a:prstGeom>
-          <a:noFill/>
         </p:spPr>
-        <p:txBody>
-          <a:bodyPr wrap="square" rtlCol="0">
-            <a:spAutoFit/>
-          </a:bodyPr>
-          <a:lstStyle/>
-          <a:p>
-            <a:r>
-              <a:rPr lang="en-US" dirty="0"/>
-              <a:t>Regression</a:t>
-            </a:r>
-          </a:p>
-        </p:txBody>
-      </p:sp>
-      <p:graphicFrame>
-        <p:nvGraphicFramePr>
-          <p:cNvPr id="4" name="Chart 3">
-            <a:extLst>
-              <a:ext uri="{FF2B5EF4-FFF2-40B4-BE49-F238E27FC236}">
-                <a16:creationId xmlns:a16="http://schemas.microsoft.com/office/drawing/2014/main" id="{F05DD7D0-50D1-DAA6-B1C3-D6120F749305}"/>
-              </a:ext>
-            </a:extLst>
-          </p:cNvPr>
-          <p:cNvGraphicFramePr>
-            <a:graphicFrameLocks/>
-          </p:cNvGraphicFramePr>
-          <p:nvPr/>
-        </p:nvGraphicFramePr>
-        <p:xfrm>
-          <a:off x="2565400" y="1690688"/>
-          <a:ext cx="7061200" cy="5167312"/>
-        </p:xfrm>
-        <a:graphic>
-          <a:graphicData uri="http://schemas.openxmlformats.org/drawingml/2006/chart">
-            <c:chart xmlns:c="http://schemas.openxmlformats.org/drawingml/2006/chart" xmlns:r="http://schemas.openxmlformats.org/officeDocument/2006/relationships" r:id="rId2"/>
-          </a:graphicData>
-        </a:graphic>
-      </p:graphicFrame>
+      </p:pic>
       <p:sp>
         <p:nvSpPr>
           <p:cNvPr id="3" name="Slide Number Placeholder 2">
             <a:extLst>
               <a:ext uri="{FF2B5EF4-FFF2-40B4-BE49-F238E27FC236}">
-                <a16:creationId xmlns:a16="http://schemas.microsoft.com/office/drawing/2014/main" id="{6FEFFC6F-6C75-452A-AF63-494292010AF9}"/>
+                <a16:creationId xmlns:a16="http://schemas.microsoft.com/office/drawing/2014/main" id="{255EF056-F43A-E24E-2603-1569398D6031}"/>
               </a:ext>
             </a:extLst>
           </p:cNvPr>
@@ -19703,7 +20143,7 @@
     </p:spTree>
     <p:extLst>
       <p:ext uri="{BB962C8B-B14F-4D97-AF65-F5344CB8AC3E}">
-        <p14:creationId xmlns:p14="http://schemas.microsoft.com/office/powerpoint/2010/main" val="2404993055"/>
+        <p14:creationId xmlns:p14="http://schemas.microsoft.com/office/powerpoint/2010/main" val="272291434"/>
       </p:ext>
     </p:extLst>
   </p:cSld>
@@ -19735,7 +20175,7 @@
           <p:cNvPr id="2" name="Title 1">
             <a:extLst>
               <a:ext uri="{FF2B5EF4-FFF2-40B4-BE49-F238E27FC236}">
-                <a16:creationId xmlns:a16="http://schemas.microsoft.com/office/drawing/2014/main" id="{EDB588EB-083C-4A5A-B781-796A9C8BAEEE}"/>
+                <a16:creationId xmlns:a16="http://schemas.microsoft.com/office/drawing/2014/main" id="{2373591E-61BC-EBEA-9086-1DA2238B2EAF}"/>
               </a:ext>
             </a:extLst>
           </p:cNvPr>
@@ -19760,10 +20200,10 @@
       </p:sp>
       <p:sp>
         <p:nvSpPr>
-          <p:cNvPr id="8" name="TextBox 7">
-            <a:extLst>
-              <a:ext uri="{FF2B5EF4-FFF2-40B4-BE49-F238E27FC236}">
-                <a16:creationId xmlns:a16="http://schemas.microsoft.com/office/drawing/2014/main" id="{58418BDA-66A5-7261-433B-4E8C89244912}"/>
+          <p:cNvPr id="5" name="TextBox 4">
+            <a:extLst>
+              <a:ext uri="{FF2B5EF4-FFF2-40B4-BE49-F238E27FC236}">
+                <a16:creationId xmlns:a16="http://schemas.microsoft.com/office/drawing/2014/main" id="{749F82E8-6DBF-CF98-36CD-AAC97ED5E01D}"/>
               </a:ext>
             </a:extLst>
           </p:cNvPr>
@@ -19795,10 +20235,10 @@
       </p:sp>
       <p:graphicFrame>
         <p:nvGraphicFramePr>
-          <p:cNvPr id="3" name="Chart 2">
-            <a:extLst>
-              <a:ext uri="{FF2B5EF4-FFF2-40B4-BE49-F238E27FC236}">
-                <a16:creationId xmlns:a16="http://schemas.microsoft.com/office/drawing/2014/main" id="{10127F94-B7FA-2138-9E7F-D2529E7018B6}"/>
+          <p:cNvPr id="4" name="Chart 3">
+            <a:extLst>
+              <a:ext uri="{FF2B5EF4-FFF2-40B4-BE49-F238E27FC236}">
+                <a16:creationId xmlns:a16="http://schemas.microsoft.com/office/drawing/2014/main" id="{F05DD7D0-50D1-DAA6-B1C3-D6120F749305}"/>
               </a:ext>
             </a:extLst>
           </p:cNvPr>
@@ -19808,8 +20248,8 @@
           <p:nvPr/>
         </p:nvGraphicFramePr>
         <p:xfrm>
-          <a:off x="2321560" y="1690688"/>
-          <a:ext cx="8387080" cy="5167312"/>
+          <a:off x="2565400" y="1690688"/>
+          <a:ext cx="7061200" cy="5167312"/>
         </p:xfrm>
         <a:graphic>
           <a:graphicData uri="http://schemas.openxmlformats.org/drawingml/2006/chart">
@@ -19819,10 +20259,10 @@
       </p:graphicFrame>
       <p:sp>
         <p:nvSpPr>
-          <p:cNvPr id="4" name="Slide Number Placeholder 3">
-            <a:extLst>
-              <a:ext uri="{FF2B5EF4-FFF2-40B4-BE49-F238E27FC236}">
-                <a16:creationId xmlns:a16="http://schemas.microsoft.com/office/drawing/2014/main" id="{4815BFBF-3E75-3179-1446-A2E33A888C5A}"/>
+          <p:cNvPr id="3" name="Slide Number Placeholder 2">
+            <a:extLst>
+              <a:ext uri="{FF2B5EF4-FFF2-40B4-BE49-F238E27FC236}">
+                <a16:creationId xmlns:a16="http://schemas.microsoft.com/office/drawing/2014/main" id="{6FEFFC6F-6C75-452A-AF63-494292010AF9}"/>
               </a:ext>
             </a:extLst>
           </p:cNvPr>
@@ -19849,7 +20289,7 @@
     </p:spTree>
     <p:extLst>
       <p:ext uri="{BB962C8B-B14F-4D97-AF65-F5344CB8AC3E}">
-        <p14:creationId xmlns:p14="http://schemas.microsoft.com/office/powerpoint/2010/main" val="631539435"/>
+        <p14:creationId xmlns:p14="http://schemas.microsoft.com/office/powerpoint/2010/main" val="2404993055"/>
       </p:ext>
     </p:extLst>
   </p:cSld>
@@ -19881,7 +20321,7 @@
           <p:cNvPr id="2" name="Title 1">
             <a:extLst>
               <a:ext uri="{FF2B5EF4-FFF2-40B4-BE49-F238E27FC236}">
-                <a16:creationId xmlns:a16="http://schemas.microsoft.com/office/drawing/2014/main" id="{7E33A3DD-7817-33FF-F40B-741D94640735}"/>
+                <a16:creationId xmlns:a16="http://schemas.microsoft.com/office/drawing/2014/main" id="{EDB588EB-083C-4A5A-B781-796A9C8BAEEE}"/>
               </a:ext>
             </a:extLst>
           </p:cNvPr>
@@ -19906,38 +20346,69 @@
       </p:sp>
       <p:sp>
         <p:nvSpPr>
-          <p:cNvPr id="3" name="Content Placeholder 2">
-            <a:extLst>
-              <a:ext uri="{FF2B5EF4-FFF2-40B4-BE49-F238E27FC236}">
-                <a16:creationId xmlns:a16="http://schemas.microsoft.com/office/drawing/2014/main" id="{67AAEB62-9B08-D476-E3D4-877EA0B76505}"/>
-              </a:ext>
-            </a:extLst>
-          </p:cNvPr>
-          <p:cNvSpPr>
-            <a:spLocks noGrp="1"/>
-          </p:cNvSpPr>
-          <p:nvPr>
-            <p:ph idx="1"/>
-          </p:nvPr>
-        </p:nvSpPr>
-        <p:spPr/>
-        <p:txBody>
-          <a:bodyPr/>
+          <p:cNvPr id="8" name="TextBox 7">
+            <a:extLst>
+              <a:ext uri="{FF2B5EF4-FFF2-40B4-BE49-F238E27FC236}">
+                <a16:creationId xmlns:a16="http://schemas.microsoft.com/office/drawing/2014/main" id="{58418BDA-66A5-7261-433B-4E8C89244912}"/>
+              </a:ext>
+            </a:extLst>
+          </p:cNvPr>
+          <p:cNvSpPr txBox="1"/>
+          <p:nvPr/>
+        </p:nvSpPr>
+        <p:spPr>
+          <a:xfrm>
+            <a:off x="838200" y="1690688"/>
+            <a:ext cx="1483360" cy="369332"/>
+          </a:xfrm>
+          <a:prstGeom prst="rect">
+            <a:avLst/>
+          </a:prstGeom>
+          <a:noFill/>
+        </p:spPr>
+        <p:txBody>
+          <a:bodyPr wrap="square" rtlCol="0">
+            <a:spAutoFit/>
+          </a:bodyPr>
           <a:lstStyle/>
           <a:p>
             <a:r>
               <a:rPr lang="en-US" dirty="0"/>
-              <a:t>The model learns the parameters directly from the features of the training examples.</a:t>
-            </a:r>
-          </a:p>
-        </p:txBody>
-      </p:sp>
+              <a:t>Regression</a:t>
+            </a:r>
+          </a:p>
+        </p:txBody>
+      </p:sp>
+      <p:graphicFrame>
+        <p:nvGraphicFramePr>
+          <p:cNvPr id="3" name="Chart 2">
+            <a:extLst>
+              <a:ext uri="{FF2B5EF4-FFF2-40B4-BE49-F238E27FC236}">
+                <a16:creationId xmlns:a16="http://schemas.microsoft.com/office/drawing/2014/main" id="{10127F94-B7FA-2138-9E7F-D2529E7018B6}"/>
+              </a:ext>
+            </a:extLst>
+          </p:cNvPr>
+          <p:cNvGraphicFramePr>
+            <a:graphicFrameLocks/>
+          </p:cNvGraphicFramePr>
+          <p:nvPr/>
+        </p:nvGraphicFramePr>
+        <p:xfrm>
+          <a:off x="2321560" y="1690688"/>
+          <a:ext cx="8387080" cy="5167312"/>
+        </p:xfrm>
+        <a:graphic>
+          <a:graphicData uri="http://schemas.openxmlformats.org/drawingml/2006/chart">
+            <c:chart xmlns:c="http://schemas.openxmlformats.org/drawingml/2006/chart" xmlns:r="http://schemas.openxmlformats.org/officeDocument/2006/relationships" r:id="rId2"/>
+          </a:graphicData>
+        </a:graphic>
+      </p:graphicFrame>
       <p:sp>
         <p:nvSpPr>
           <p:cNvPr id="4" name="Slide Number Placeholder 3">
             <a:extLst>
               <a:ext uri="{FF2B5EF4-FFF2-40B4-BE49-F238E27FC236}">
-                <a16:creationId xmlns:a16="http://schemas.microsoft.com/office/drawing/2014/main" id="{D08B8D46-F469-9333-EBDB-309341B302A6}"/>
+                <a16:creationId xmlns:a16="http://schemas.microsoft.com/office/drawing/2014/main" id="{4815BFBF-3E75-3179-1446-A2E33A888C5A}"/>
               </a:ext>
             </a:extLst>
           </p:cNvPr>
@@ -19964,7 +20435,7 @@
     </p:spTree>
     <p:extLst>
       <p:ext uri="{BB962C8B-B14F-4D97-AF65-F5344CB8AC3E}">
-        <p14:creationId xmlns:p14="http://schemas.microsoft.com/office/powerpoint/2010/main" val="1376604812"/>
+        <p14:creationId xmlns:p14="http://schemas.microsoft.com/office/powerpoint/2010/main" val="631539435"/>
       </p:ext>
     </p:extLst>
   </p:cSld>
@@ -19996,7 +20467,7 @@
           <p:cNvPr id="2" name="Title 1">
             <a:extLst>
               <a:ext uri="{FF2B5EF4-FFF2-40B4-BE49-F238E27FC236}">
-                <a16:creationId xmlns:a16="http://schemas.microsoft.com/office/drawing/2014/main" id="{FE065DF0-904F-A64B-F83B-FB14DE39F50D}"/>
+                <a16:creationId xmlns:a16="http://schemas.microsoft.com/office/drawing/2014/main" id="{7E33A3DD-7817-33FF-F40B-741D94640735}"/>
               </a:ext>
             </a:extLst>
           </p:cNvPr>
@@ -20014,52 +20485,45 @@
           <a:p>
             <a:r>
               <a:rPr lang="en-US" dirty="0"/>
-              <a:t>Deep Learning</a:t>
-            </a:r>
-          </a:p>
-        </p:txBody>
-      </p:sp>
-      <p:pic>
-        <p:nvPicPr>
-          <p:cNvPr id="5" name="Content Placeholder 4" descr="A diagram of a network&#10;&#10;Description automatically generated">
-            <a:extLst>
-              <a:ext uri="{FF2B5EF4-FFF2-40B4-BE49-F238E27FC236}">
-                <a16:creationId xmlns:a16="http://schemas.microsoft.com/office/drawing/2014/main" id="{F2D82BEF-5EEA-394C-3709-1C35F3855D4E}"/>
-              </a:ext>
-            </a:extLst>
-          </p:cNvPr>
-          <p:cNvPicPr>
-            <a:picLocks noGrp="1" noChangeAspect="1"/>
-          </p:cNvPicPr>
+              <a:t>Shallow Learning</a:t>
+            </a:r>
+          </a:p>
+        </p:txBody>
+      </p:sp>
+      <p:sp>
+        <p:nvSpPr>
+          <p:cNvPr id="3" name="Content Placeholder 2">
+            <a:extLst>
+              <a:ext uri="{FF2B5EF4-FFF2-40B4-BE49-F238E27FC236}">
+                <a16:creationId xmlns:a16="http://schemas.microsoft.com/office/drawing/2014/main" id="{67AAEB62-9B08-D476-E3D4-877EA0B76505}"/>
+              </a:ext>
+            </a:extLst>
+          </p:cNvPr>
+          <p:cNvSpPr>
+            <a:spLocks noGrp="1"/>
+          </p:cNvSpPr>
           <p:nvPr>
             <p:ph idx="1"/>
           </p:nvPr>
-        </p:nvPicPr>
-        <p:blipFill>
-          <a:blip r:embed="rId3">
-            <a:extLst>
-              <a:ext uri="{28A0092B-C50C-407E-A947-70E740481C1C}">
-                <a14:useLocalDpi xmlns:a14="http://schemas.microsoft.com/office/drawing/2010/main" val="0"/>
-              </a:ext>
-            </a:extLst>
-          </a:blip>
-          <a:stretch>
-            <a:fillRect/>
-          </a:stretch>
-        </p:blipFill>
-        <p:spPr>
-          <a:xfrm>
-            <a:off x="1251420" y="1825625"/>
-            <a:ext cx="9689159" cy="4351338"/>
-          </a:xfrm>
-        </p:spPr>
-      </p:pic>
-      <p:sp>
-        <p:nvSpPr>
-          <p:cNvPr id="3" name="Slide Number Placeholder 2">
-            <a:extLst>
-              <a:ext uri="{FF2B5EF4-FFF2-40B4-BE49-F238E27FC236}">
-                <a16:creationId xmlns:a16="http://schemas.microsoft.com/office/drawing/2014/main" id="{944D77F4-08A2-715A-FBEA-5BC7AB2C465C}"/>
+        </p:nvSpPr>
+        <p:spPr/>
+        <p:txBody>
+          <a:bodyPr/>
+          <a:lstStyle/>
+          <a:p>
+            <a:r>
+              <a:rPr lang="en-US" dirty="0"/>
+              <a:t>The model learns the parameters directly from the features of the training examples.</a:t>
+            </a:r>
+          </a:p>
+        </p:txBody>
+      </p:sp>
+      <p:sp>
+        <p:nvSpPr>
+          <p:cNvPr id="4" name="Slide Number Placeholder 3">
+            <a:extLst>
+              <a:ext uri="{FF2B5EF4-FFF2-40B4-BE49-F238E27FC236}">
+                <a16:creationId xmlns:a16="http://schemas.microsoft.com/office/drawing/2014/main" id="{D08B8D46-F469-9333-EBDB-309341B302A6}"/>
               </a:ext>
             </a:extLst>
           </p:cNvPr>
@@ -20086,7 +20550,7 @@
     </p:spTree>
     <p:extLst>
       <p:ext uri="{BB962C8B-B14F-4D97-AF65-F5344CB8AC3E}">
-        <p14:creationId xmlns:p14="http://schemas.microsoft.com/office/powerpoint/2010/main" val="4195873718"/>
+        <p14:creationId xmlns:p14="http://schemas.microsoft.com/office/powerpoint/2010/main" val="1376604812"/>
       </p:ext>
     </p:extLst>
   </p:cSld>
@@ -20118,7 +20582,7 @@
           <p:cNvPr id="2" name="Title 1">
             <a:extLst>
               <a:ext uri="{FF2B5EF4-FFF2-40B4-BE49-F238E27FC236}">
-                <a16:creationId xmlns:a16="http://schemas.microsoft.com/office/drawing/2014/main" id="{06A6DA84-95BD-323A-0899-EA27A2E54BE7}"/>
+                <a16:creationId xmlns:a16="http://schemas.microsoft.com/office/drawing/2014/main" id="{FE065DF0-904F-A64B-F83B-FB14DE39F50D}"/>
               </a:ext>
             </a:extLst>
           </p:cNvPr>
@@ -20141,57 +20605,47 @@
           </a:p>
         </p:txBody>
       </p:sp>
-      <p:sp>
-        <p:nvSpPr>
-          <p:cNvPr id="3" name="Content Placeholder 2">
-            <a:extLst>
-              <a:ext uri="{FF2B5EF4-FFF2-40B4-BE49-F238E27FC236}">
-                <a16:creationId xmlns:a16="http://schemas.microsoft.com/office/drawing/2014/main" id="{04A5C689-1034-72EA-4F3C-22B20043396D}"/>
-              </a:ext>
-            </a:extLst>
-          </p:cNvPr>
-          <p:cNvSpPr>
-            <a:spLocks noGrp="1"/>
-          </p:cNvSpPr>
+      <p:pic>
+        <p:nvPicPr>
+          <p:cNvPr id="5" name="Content Placeholder 4" descr="A diagram of a network&#10;&#10;Description automatically generated">
+            <a:extLst>
+              <a:ext uri="{FF2B5EF4-FFF2-40B4-BE49-F238E27FC236}">
+                <a16:creationId xmlns:a16="http://schemas.microsoft.com/office/drawing/2014/main" id="{F2D82BEF-5EEA-394C-3709-1C35F3855D4E}"/>
+              </a:ext>
+            </a:extLst>
+          </p:cNvPr>
+          <p:cNvPicPr>
+            <a:picLocks noGrp="1" noChangeAspect="1"/>
+          </p:cNvPicPr>
           <p:nvPr>
             <p:ph idx="1"/>
           </p:nvPr>
-        </p:nvSpPr>
-        <p:spPr/>
-        <p:txBody>
-          <a:bodyPr/>
-          <a:lstStyle/>
-          <a:p>
-            <a:r>
-              <a:rPr lang="en-US" dirty="0"/>
-              <a:t>Deep</a:t>
-            </a:r>
-          </a:p>
-          <a:p>
-            <a:pPr lvl="1"/>
-            <a:r>
-              <a:rPr lang="en-US" dirty="0"/>
-              <a:t>more than one layer, e.g. Neural network.</a:t>
-            </a:r>
-          </a:p>
-          <a:p>
-            <a:pPr lvl="1"/>
-            <a:r>
-              <a:rPr lang="en-US" dirty="0"/>
-              <a:t>Parameters are learned not directly from the features of the training examples, but from the outputs of the preceding layers.</a:t>
-            </a:r>
-          </a:p>
-          <a:p>
-            <a:endParaRPr lang="en-US" dirty="0"/>
-          </a:p>
-        </p:txBody>
-      </p:sp>
-      <p:sp>
-        <p:nvSpPr>
-          <p:cNvPr id="4" name="Slide Number Placeholder 3">
-            <a:extLst>
-              <a:ext uri="{FF2B5EF4-FFF2-40B4-BE49-F238E27FC236}">
-                <a16:creationId xmlns:a16="http://schemas.microsoft.com/office/drawing/2014/main" id="{8C5A258A-A57F-325D-B345-D60A2567DBE9}"/>
+        </p:nvPicPr>
+        <p:blipFill>
+          <a:blip r:embed="rId3">
+            <a:extLst>
+              <a:ext uri="{28A0092B-C50C-407E-A947-70E740481C1C}">
+                <a14:useLocalDpi xmlns:a14="http://schemas.microsoft.com/office/drawing/2010/main" val="0"/>
+              </a:ext>
+            </a:extLst>
+          </a:blip>
+          <a:stretch>
+            <a:fillRect/>
+          </a:stretch>
+        </p:blipFill>
+        <p:spPr>
+          <a:xfrm>
+            <a:off x="1251420" y="1825625"/>
+            <a:ext cx="9689159" cy="4351338"/>
+          </a:xfrm>
+        </p:spPr>
+      </p:pic>
+      <p:sp>
+        <p:nvSpPr>
+          <p:cNvPr id="3" name="Slide Number Placeholder 2">
+            <a:extLst>
+              <a:ext uri="{FF2B5EF4-FFF2-40B4-BE49-F238E27FC236}">
+                <a16:creationId xmlns:a16="http://schemas.microsoft.com/office/drawing/2014/main" id="{944D77F4-08A2-715A-FBEA-5BC7AB2C465C}"/>
               </a:ext>
             </a:extLst>
           </p:cNvPr>
@@ -20218,7 +20672,7 @@
     </p:spTree>
     <p:extLst>
       <p:ext uri="{BB962C8B-B14F-4D97-AF65-F5344CB8AC3E}">
-        <p14:creationId xmlns:p14="http://schemas.microsoft.com/office/powerpoint/2010/main" val="2040058764"/>
+        <p14:creationId xmlns:p14="http://schemas.microsoft.com/office/powerpoint/2010/main" val="4195873718"/>
       </p:ext>
     </p:extLst>
   </p:cSld>
@@ -20250,7 +20704,7 @@
           <p:cNvPr id="2" name="Title 1">
             <a:extLst>
               <a:ext uri="{FF2B5EF4-FFF2-40B4-BE49-F238E27FC236}">
-                <a16:creationId xmlns:a16="http://schemas.microsoft.com/office/drawing/2014/main" id="{7E33A3DD-7817-33FF-F40B-741D94640735}"/>
+                <a16:creationId xmlns:a16="http://schemas.microsoft.com/office/drawing/2014/main" id="{06A6DA84-95BD-323A-0899-EA27A2E54BE7}"/>
               </a:ext>
             </a:extLst>
           </p:cNvPr>
@@ -20267,8 +20721,8 @@
           <a:lstStyle/>
           <a:p>
             <a:r>
-              <a:rPr lang="en-US"/>
-              <a:t>Shallow vs. Deep Learning</a:t>
+              <a:rPr lang="en-US" dirty="0"/>
+              <a:t>Deep Learning</a:t>
             </a:r>
           </a:p>
         </p:txBody>
@@ -20278,7 +20732,7 @@
           <p:cNvPr id="3" name="Content Placeholder 2">
             <a:extLst>
               <a:ext uri="{FF2B5EF4-FFF2-40B4-BE49-F238E27FC236}">
-                <a16:creationId xmlns:a16="http://schemas.microsoft.com/office/drawing/2014/main" id="{67AAEB62-9B08-D476-E3D4-877EA0B76505}"/>
+                <a16:creationId xmlns:a16="http://schemas.microsoft.com/office/drawing/2014/main" id="{04A5C689-1034-72EA-4F3C-22B20043396D}"/>
               </a:ext>
             </a:extLst>
           </p:cNvPr>
@@ -20296,19 +20750,6 @@
           <a:p>
             <a:r>
               <a:rPr lang="en-US" dirty="0"/>
-              <a:t>Shallow</a:t>
-            </a:r>
-          </a:p>
-          <a:p>
-            <a:pPr lvl="1"/>
-            <a:r>
-              <a:rPr lang="en-US" dirty="0"/>
-              <a:t>the model learns the parameters directly from the features of the training examples.</a:t>
-            </a:r>
-          </a:p>
-          <a:p>
-            <a:r>
-              <a:rPr lang="en-US" dirty="0"/>
               <a:t>Deep</a:t>
             </a:r>
           </a:p>
@@ -20326,6 +20767,9 @@
               <a:t>Parameters are learned not directly from the features of the training examples, but from the outputs of the preceding layers.</a:t>
             </a:r>
           </a:p>
+          <a:p>
+            <a:endParaRPr lang="en-US" dirty="0"/>
+          </a:p>
         </p:txBody>
       </p:sp>
       <p:sp>
@@ -20333,7 +20777,7 @@
           <p:cNvPr id="4" name="Slide Number Placeholder 3">
             <a:extLst>
               <a:ext uri="{FF2B5EF4-FFF2-40B4-BE49-F238E27FC236}">
-                <a16:creationId xmlns:a16="http://schemas.microsoft.com/office/drawing/2014/main" id="{7461A68E-264B-E93F-B30A-068A426C5C53}"/>
+                <a16:creationId xmlns:a16="http://schemas.microsoft.com/office/drawing/2014/main" id="{8C5A258A-A57F-325D-B345-D60A2567DBE9}"/>
               </a:ext>
             </a:extLst>
           </p:cNvPr>
@@ -20360,7 +20804,7 @@
     </p:spTree>
     <p:extLst>
       <p:ext uri="{BB962C8B-B14F-4D97-AF65-F5344CB8AC3E}">
-        <p14:creationId xmlns:p14="http://schemas.microsoft.com/office/powerpoint/2010/main" val="1412588841"/>
+        <p14:creationId xmlns:p14="http://schemas.microsoft.com/office/powerpoint/2010/main" val="2040058764"/>
       </p:ext>
     </p:extLst>
   </p:cSld>
@@ -20550,7 +20994,7 @@
           <p:cNvPr id="2" name="Title 1">
             <a:extLst>
               <a:ext uri="{FF2B5EF4-FFF2-40B4-BE49-F238E27FC236}">
-                <a16:creationId xmlns:a16="http://schemas.microsoft.com/office/drawing/2014/main" id="{93ABE519-248B-A2E3-04F8-53F854002008}"/>
+                <a16:creationId xmlns:a16="http://schemas.microsoft.com/office/drawing/2014/main" id="{7E33A3DD-7817-33FF-F40B-741D94640735}"/>
               </a:ext>
             </a:extLst>
           </p:cNvPr>
@@ -20568,7 +21012,7 @@
           <a:p>
             <a:r>
               <a:rPr lang="en-US"/>
-              <a:t>Fundamental Algorithms</a:t>
+              <a:t>Shallow vs. Deep Learning</a:t>
             </a:r>
           </a:p>
         </p:txBody>
@@ -20578,7 +21022,7 @@
           <p:cNvPr id="3" name="Content Placeholder 2">
             <a:extLst>
               <a:ext uri="{FF2B5EF4-FFF2-40B4-BE49-F238E27FC236}">
-                <a16:creationId xmlns:a16="http://schemas.microsoft.com/office/drawing/2014/main" id="{9FF7718A-9909-C80A-16D0-186E758E63E9}"/>
+                <a16:creationId xmlns:a16="http://schemas.microsoft.com/office/drawing/2014/main" id="{67AAEB62-9B08-D476-E3D4-877EA0B76505}"/>
               </a:ext>
             </a:extLst>
           </p:cNvPr>
@@ -20595,36 +21039,36 @@
           <a:lstStyle/>
           <a:p>
             <a:r>
-              <a:rPr lang="en-US"/>
-              <a:t>Linear Regression</a:t>
-            </a:r>
-          </a:p>
-          <a:p>
-            <a:r>
-              <a:rPr lang="en-US"/>
-              <a:t>Logistic Regression</a:t>
-            </a:r>
-          </a:p>
-          <a:p>
-            <a:r>
-              <a:rPr lang="en-US"/>
-              <a:t>Decision Tree Learning</a:t>
-            </a:r>
-          </a:p>
-          <a:p>
-            <a:r>
-              <a:rPr lang="en-US"/>
-              <a:t>Support Vector Machine</a:t>
-            </a:r>
-          </a:p>
-          <a:p>
-            <a:r>
-              <a:rPr lang="en-US"/>
-              <a:t>k-Nearest Neighbors</a:t>
-            </a:r>
-          </a:p>
-          <a:p>
-            <a:endParaRPr lang="en-US"/>
+              <a:rPr lang="en-US" dirty="0"/>
+              <a:t>Shallow</a:t>
+            </a:r>
+          </a:p>
+          <a:p>
+            <a:pPr lvl="1"/>
+            <a:r>
+              <a:rPr lang="en-US" dirty="0"/>
+              <a:t>the model learns the parameters directly from the features of the training examples.</a:t>
+            </a:r>
+          </a:p>
+          <a:p>
+            <a:r>
+              <a:rPr lang="en-US" dirty="0"/>
+              <a:t>Deep</a:t>
+            </a:r>
+          </a:p>
+          <a:p>
+            <a:pPr lvl="1"/>
+            <a:r>
+              <a:rPr lang="en-US" dirty="0"/>
+              <a:t>more than one layer, e.g. Neural network.</a:t>
+            </a:r>
+          </a:p>
+          <a:p>
+            <a:pPr lvl="1"/>
+            <a:r>
+              <a:rPr lang="en-US" dirty="0"/>
+              <a:t>Parameters are learned not directly from the features of the training examples, but from the outputs of the preceding layers.</a:t>
+            </a:r>
           </a:p>
         </p:txBody>
       </p:sp>
@@ -20633,7 +21077,7 @@
           <p:cNvPr id="4" name="Slide Number Placeholder 3">
             <a:extLst>
               <a:ext uri="{FF2B5EF4-FFF2-40B4-BE49-F238E27FC236}">
-                <a16:creationId xmlns:a16="http://schemas.microsoft.com/office/drawing/2014/main" id="{C4E2FCEB-8AF4-315B-7C38-DCA56D900518}"/>
+                <a16:creationId xmlns:a16="http://schemas.microsoft.com/office/drawing/2014/main" id="{7461A68E-264B-E93F-B30A-068A426C5C53}"/>
               </a:ext>
             </a:extLst>
           </p:cNvPr>
@@ -20660,7 +21104,7 @@
     </p:spTree>
     <p:extLst>
       <p:ext uri="{BB962C8B-B14F-4D97-AF65-F5344CB8AC3E}">
-        <p14:creationId xmlns:p14="http://schemas.microsoft.com/office/powerpoint/2010/main" val="2224154133"/>
+        <p14:creationId xmlns:p14="http://schemas.microsoft.com/office/powerpoint/2010/main" val="1412588841"/>
       </p:ext>
     </p:extLst>
   </p:cSld>
@@ -20692,7 +21136,7 @@
           <p:cNvPr id="2" name="Title 1">
             <a:extLst>
               <a:ext uri="{FF2B5EF4-FFF2-40B4-BE49-F238E27FC236}">
-                <a16:creationId xmlns:a16="http://schemas.microsoft.com/office/drawing/2014/main" id="{C8C081E0-9948-9BB3-1780-AEA6C541DD4D}"/>
+                <a16:creationId xmlns:a16="http://schemas.microsoft.com/office/drawing/2014/main" id="{93ABE519-248B-A2E3-04F8-53F854002008}"/>
               </a:ext>
             </a:extLst>
           </p:cNvPr>
@@ -20710,7 +21154,7 @@
           <a:p>
             <a:r>
               <a:rPr lang="en-US"/>
-              <a:t>Linear Regression</a:t>
+              <a:t>Fundamental Algorithms</a:t>
             </a:r>
           </a:p>
         </p:txBody>
@@ -20720,7 +21164,7 @@
           <p:cNvPr id="3" name="Content Placeholder 2">
             <a:extLst>
               <a:ext uri="{FF2B5EF4-FFF2-40B4-BE49-F238E27FC236}">
-                <a16:creationId xmlns:a16="http://schemas.microsoft.com/office/drawing/2014/main" id="{AFEB1BBD-CA68-DB31-4E7F-057F0C542DE5}"/>
+                <a16:creationId xmlns:a16="http://schemas.microsoft.com/office/drawing/2014/main" id="{9FF7718A-9909-C80A-16D0-186E758E63E9}"/>
               </a:ext>
             </a:extLst>
           </p:cNvPr>
@@ -20738,8 +21182,35 @@
           <a:p>
             <a:r>
               <a:rPr lang="en-US"/>
-              <a:t>Example walk through using scikit-learn library</a:t>
-            </a:r>
+              <a:t>Linear Regression</a:t>
+            </a:r>
+          </a:p>
+          <a:p>
+            <a:r>
+              <a:rPr lang="en-US"/>
+              <a:t>Logistic Regression</a:t>
+            </a:r>
+          </a:p>
+          <a:p>
+            <a:r>
+              <a:rPr lang="en-US"/>
+              <a:t>Decision Tree Learning</a:t>
+            </a:r>
+          </a:p>
+          <a:p>
+            <a:r>
+              <a:rPr lang="en-US"/>
+              <a:t>Support Vector Machine</a:t>
+            </a:r>
+          </a:p>
+          <a:p>
+            <a:r>
+              <a:rPr lang="en-US"/>
+              <a:t>k-Nearest Neighbors</a:t>
+            </a:r>
+          </a:p>
+          <a:p>
+            <a:endParaRPr lang="en-US"/>
           </a:p>
         </p:txBody>
       </p:sp>
@@ -20748,7 +21219,7 @@
           <p:cNvPr id="4" name="Slide Number Placeholder 3">
             <a:extLst>
               <a:ext uri="{FF2B5EF4-FFF2-40B4-BE49-F238E27FC236}">
-                <a16:creationId xmlns:a16="http://schemas.microsoft.com/office/drawing/2014/main" id="{F88DB937-2E6D-401F-DEE3-83CE00841C37}"/>
+                <a16:creationId xmlns:a16="http://schemas.microsoft.com/office/drawing/2014/main" id="{C4E2FCEB-8AF4-315B-7C38-DCA56D900518}"/>
               </a:ext>
             </a:extLst>
           </p:cNvPr>
@@ -20775,7 +21246,7 @@
     </p:spTree>
     <p:extLst>
       <p:ext uri="{BB962C8B-B14F-4D97-AF65-F5344CB8AC3E}">
-        <p14:creationId xmlns:p14="http://schemas.microsoft.com/office/powerpoint/2010/main" val="2420222074"/>
+        <p14:creationId xmlns:p14="http://schemas.microsoft.com/office/powerpoint/2010/main" val="2224154133"/>
       </p:ext>
     </p:extLst>
   </p:cSld>
@@ -20807,7 +21278,7 @@
           <p:cNvPr id="2" name="Title 1">
             <a:extLst>
               <a:ext uri="{FF2B5EF4-FFF2-40B4-BE49-F238E27FC236}">
-                <a16:creationId xmlns:a16="http://schemas.microsoft.com/office/drawing/2014/main" id="{2373591E-61BC-EBEA-9086-1DA2238B2EAF}"/>
+                <a16:creationId xmlns:a16="http://schemas.microsoft.com/office/drawing/2014/main" id="{C8C081E0-9948-9BB3-1780-AEA6C541DD4D}"/>
               </a:ext>
             </a:extLst>
           </p:cNvPr>
@@ -20824,77 +21295,46 @@
           <a:lstStyle/>
           <a:p>
             <a:r>
-              <a:rPr lang="en-US" dirty="0"/>
-              <a:t>Supervised Learning</a:t>
-            </a:r>
-          </a:p>
-        </p:txBody>
-      </p:sp>
-      <p:sp>
-        <p:nvSpPr>
-          <p:cNvPr id="5" name="TextBox 4">
-            <a:extLst>
-              <a:ext uri="{FF2B5EF4-FFF2-40B4-BE49-F238E27FC236}">
-                <a16:creationId xmlns:a16="http://schemas.microsoft.com/office/drawing/2014/main" id="{749F82E8-6DBF-CF98-36CD-AAC97ED5E01D}"/>
-              </a:ext>
-            </a:extLst>
-          </p:cNvPr>
-          <p:cNvSpPr txBox="1"/>
-          <p:nvPr/>
-        </p:nvSpPr>
-        <p:spPr>
-          <a:xfrm>
-            <a:off x="838200" y="1690688"/>
-            <a:ext cx="1483360" cy="369332"/>
-          </a:xfrm>
-          <a:prstGeom prst="rect">
-            <a:avLst/>
-          </a:prstGeom>
-          <a:noFill/>
-        </p:spPr>
-        <p:txBody>
-          <a:bodyPr wrap="square" rtlCol="0">
-            <a:spAutoFit/>
-          </a:bodyPr>
-          <a:lstStyle/>
-          <a:p>
-            <a:r>
-              <a:rPr lang="en-US" dirty="0"/>
-              <a:t>Regression</a:t>
-            </a:r>
-          </a:p>
-        </p:txBody>
-      </p:sp>
-      <p:graphicFrame>
-        <p:nvGraphicFramePr>
-          <p:cNvPr id="4" name="Chart 3">
-            <a:extLst>
-              <a:ext uri="{FF2B5EF4-FFF2-40B4-BE49-F238E27FC236}">
-                <a16:creationId xmlns:a16="http://schemas.microsoft.com/office/drawing/2014/main" id="{F05DD7D0-50D1-DAA6-B1C3-D6120F749305}"/>
-              </a:ext>
-            </a:extLst>
-          </p:cNvPr>
-          <p:cNvGraphicFramePr>
-            <a:graphicFrameLocks/>
-          </p:cNvGraphicFramePr>
-          <p:nvPr/>
-        </p:nvGraphicFramePr>
-        <p:xfrm>
-          <a:off x="2565400" y="1690688"/>
-          <a:ext cx="7061200" cy="5167312"/>
-        </p:xfrm>
-        <a:graphic>
-          <a:graphicData uri="http://schemas.openxmlformats.org/drawingml/2006/chart">
-            <c:chart xmlns:c="http://schemas.openxmlformats.org/drawingml/2006/chart" xmlns:r="http://schemas.openxmlformats.org/officeDocument/2006/relationships" r:id="rId2"/>
-          </a:graphicData>
-        </a:graphic>
-      </p:graphicFrame>
-      <p:sp>
-        <p:nvSpPr>
-          <p:cNvPr id="3" name="Slide Number Placeholder 2">
-            <a:extLst>
-              <a:ext uri="{FF2B5EF4-FFF2-40B4-BE49-F238E27FC236}">
-                <a16:creationId xmlns:a16="http://schemas.microsoft.com/office/drawing/2014/main" id="{CB2DF4B3-EE61-B7B8-D800-E982BAAD1435}"/>
+              <a:rPr lang="en-US"/>
+              <a:t>Linear Regression</a:t>
+            </a:r>
+          </a:p>
+        </p:txBody>
+      </p:sp>
+      <p:sp>
+        <p:nvSpPr>
+          <p:cNvPr id="3" name="Content Placeholder 2">
+            <a:extLst>
+              <a:ext uri="{FF2B5EF4-FFF2-40B4-BE49-F238E27FC236}">
+                <a16:creationId xmlns:a16="http://schemas.microsoft.com/office/drawing/2014/main" id="{AFEB1BBD-CA68-DB31-4E7F-057F0C542DE5}"/>
+              </a:ext>
+            </a:extLst>
+          </p:cNvPr>
+          <p:cNvSpPr>
+            <a:spLocks noGrp="1"/>
+          </p:cNvSpPr>
+          <p:nvPr>
+            <p:ph idx="1"/>
+          </p:nvPr>
+        </p:nvSpPr>
+        <p:spPr/>
+        <p:txBody>
+          <a:bodyPr/>
+          <a:lstStyle/>
+          <a:p>
+            <a:r>
+              <a:rPr lang="en-US"/>
+              <a:t>Example walk through using scikit-learn library</a:t>
+            </a:r>
+          </a:p>
+        </p:txBody>
+      </p:sp>
+      <p:sp>
+        <p:nvSpPr>
+          <p:cNvPr id="4" name="Slide Number Placeholder 3">
+            <a:extLst>
+              <a:ext uri="{FF2B5EF4-FFF2-40B4-BE49-F238E27FC236}">
+                <a16:creationId xmlns:a16="http://schemas.microsoft.com/office/drawing/2014/main" id="{F88DB937-2E6D-401F-DEE3-83CE00841C37}"/>
               </a:ext>
             </a:extLst>
           </p:cNvPr>
@@ -20921,7 +21361,7 @@
     </p:spTree>
     <p:extLst>
       <p:ext uri="{BB962C8B-B14F-4D97-AF65-F5344CB8AC3E}">
-        <p14:creationId xmlns:p14="http://schemas.microsoft.com/office/powerpoint/2010/main" val="179767796"/>
+        <p14:creationId xmlns:p14="http://schemas.microsoft.com/office/powerpoint/2010/main" val="2420222074"/>
       </p:ext>
     </p:extLst>
   </p:cSld>
@@ -20953,6 +21393,152 @@
           <p:cNvPr id="2" name="Title 1">
             <a:extLst>
               <a:ext uri="{FF2B5EF4-FFF2-40B4-BE49-F238E27FC236}">
+                <a16:creationId xmlns:a16="http://schemas.microsoft.com/office/drawing/2014/main" id="{2373591E-61BC-EBEA-9086-1DA2238B2EAF}"/>
+              </a:ext>
+            </a:extLst>
+          </p:cNvPr>
+          <p:cNvSpPr>
+            <a:spLocks noGrp="1"/>
+          </p:cNvSpPr>
+          <p:nvPr>
+            <p:ph type="title"/>
+          </p:nvPr>
+        </p:nvSpPr>
+        <p:spPr/>
+        <p:txBody>
+          <a:bodyPr/>
+          <a:lstStyle/>
+          <a:p>
+            <a:r>
+              <a:rPr lang="en-US" dirty="0"/>
+              <a:t>Supervised Learning</a:t>
+            </a:r>
+          </a:p>
+        </p:txBody>
+      </p:sp>
+      <p:sp>
+        <p:nvSpPr>
+          <p:cNvPr id="5" name="TextBox 4">
+            <a:extLst>
+              <a:ext uri="{FF2B5EF4-FFF2-40B4-BE49-F238E27FC236}">
+                <a16:creationId xmlns:a16="http://schemas.microsoft.com/office/drawing/2014/main" id="{749F82E8-6DBF-CF98-36CD-AAC97ED5E01D}"/>
+              </a:ext>
+            </a:extLst>
+          </p:cNvPr>
+          <p:cNvSpPr txBox="1"/>
+          <p:nvPr/>
+        </p:nvSpPr>
+        <p:spPr>
+          <a:xfrm>
+            <a:off x="838200" y="1690688"/>
+            <a:ext cx="1483360" cy="369332"/>
+          </a:xfrm>
+          <a:prstGeom prst="rect">
+            <a:avLst/>
+          </a:prstGeom>
+          <a:noFill/>
+        </p:spPr>
+        <p:txBody>
+          <a:bodyPr wrap="square" rtlCol="0">
+            <a:spAutoFit/>
+          </a:bodyPr>
+          <a:lstStyle/>
+          <a:p>
+            <a:r>
+              <a:rPr lang="en-US" dirty="0"/>
+              <a:t>Regression</a:t>
+            </a:r>
+          </a:p>
+        </p:txBody>
+      </p:sp>
+      <p:graphicFrame>
+        <p:nvGraphicFramePr>
+          <p:cNvPr id="4" name="Chart 3">
+            <a:extLst>
+              <a:ext uri="{FF2B5EF4-FFF2-40B4-BE49-F238E27FC236}">
+                <a16:creationId xmlns:a16="http://schemas.microsoft.com/office/drawing/2014/main" id="{F05DD7D0-50D1-DAA6-B1C3-D6120F749305}"/>
+              </a:ext>
+            </a:extLst>
+          </p:cNvPr>
+          <p:cNvGraphicFramePr>
+            <a:graphicFrameLocks/>
+          </p:cNvGraphicFramePr>
+          <p:nvPr/>
+        </p:nvGraphicFramePr>
+        <p:xfrm>
+          <a:off x="2565400" y="1690688"/>
+          <a:ext cx="7061200" cy="5167312"/>
+        </p:xfrm>
+        <a:graphic>
+          <a:graphicData uri="http://schemas.openxmlformats.org/drawingml/2006/chart">
+            <c:chart xmlns:c="http://schemas.openxmlformats.org/drawingml/2006/chart" xmlns:r="http://schemas.openxmlformats.org/officeDocument/2006/relationships" r:id="rId2"/>
+          </a:graphicData>
+        </a:graphic>
+      </p:graphicFrame>
+      <p:sp>
+        <p:nvSpPr>
+          <p:cNvPr id="3" name="Slide Number Placeholder 2">
+            <a:extLst>
+              <a:ext uri="{FF2B5EF4-FFF2-40B4-BE49-F238E27FC236}">
+                <a16:creationId xmlns:a16="http://schemas.microsoft.com/office/drawing/2014/main" id="{CB2DF4B3-EE61-B7B8-D800-E982BAAD1435}"/>
+              </a:ext>
+            </a:extLst>
+          </p:cNvPr>
+          <p:cNvSpPr>
+            <a:spLocks noGrp="1"/>
+          </p:cNvSpPr>
+          <p:nvPr>
+            <p:ph type="sldNum" sz="quarter" idx="12"/>
+          </p:nvPr>
+        </p:nvSpPr>
+        <p:spPr/>
+        <p:txBody>
+          <a:bodyPr/>
+          <a:lstStyle/>
+          <a:p>
+            <a:fld id="{E862C174-85D7-4478-B3BB-01728BCCC1F6}" type="slidenum">
+              <a:rPr lang="en-US" smtClean="0"/>
+              <a:t>43</a:t>
+            </a:fld>
+            <a:endParaRPr lang="en-US"/>
+          </a:p>
+        </p:txBody>
+      </p:sp>
+    </p:spTree>
+    <p:extLst>
+      <p:ext uri="{BB962C8B-B14F-4D97-AF65-F5344CB8AC3E}">
+        <p14:creationId xmlns:p14="http://schemas.microsoft.com/office/powerpoint/2010/main" val="179767796"/>
+      </p:ext>
+    </p:extLst>
+  </p:cSld>
+  <p:clrMapOvr>
+    <a:masterClrMapping/>
+  </p:clrMapOvr>
+</p:sld>
+</file>
+
+<file path=ppt/slides/slide44.xml><?xml version="1.0" encoding="utf-8"?>
+<p:sld xmlns:a="http://schemas.openxmlformats.org/drawingml/2006/main" xmlns:r="http://schemas.openxmlformats.org/officeDocument/2006/relationships" xmlns:p="http://schemas.openxmlformats.org/presentationml/2006/main">
+  <p:cSld>
+    <p:spTree>
+      <p:nvGrpSpPr>
+        <p:cNvPr id="1" name=""/>
+        <p:cNvGrpSpPr/>
+        <p:nvPr/>
+      </p:nvGrpSpPr>
+      <p:grpSpPr>
+        <a:xfrm>
+          <a:off x="0" y="0"/>
+          <a:ext cx="0" cy="0"/>
+          <a:chOff x="0" y="0"/>
+          <a:chExt cx="0" cy="0"/>
+        </a:xfrm>
+      </p:grpSpPr>
+      <p:sp>
+        <p:nvSpPr>
+          <p:cNvPr id="2" name="Title 1">
+            <a:extLst>
+              <a:ext uri="{FF2B5EF4-FFF2-40B4-BE49-F238E27FC236}">
                 <a16:creationId xmlns:a16="http://schemas.microsoft.com/office/drawing/2014/main" id="{EDB588EB-083C-4A5A-B781-796A9C8BAEEE}"/>
               </a:ext>
             </a:extLst>
@@ -21058,7 +21644,7 @@
           <a:p>
             <a:fld id="{E862C174-85D7-4478-B3BB-01728BCCC1F6}" type="slidenum">
               <a:rPr lang="en-US" smtClean="0"/>
-              <a:t>43</a:t>
+              <a:t>44</a:t>
             </a:fld>
             <a:endParaRPr lang="en-US"/>
           </a:p>
@@ -21077,7 +21663,7 @@
 </p:sld>
 </file>
 
-<file path=ppt/slides/slide44.xml><?xml version="1.0" encoding="utf-8"?>
+<file path=ppt/slides/slide45.xml><?xml version="1.0" encoding="utf-8"?>
 <p:sld xmlns:a="http://schemas.openxmlformats.org/drawingml/2006/main" xmlns:r="http://schemas.openxmlformats.org/officeDocument/2006/relationships" xmlns:p="http://schemas.openxmlformats.org/presentationml/2006/main">
   <p:cSld>
     <p:spTree>
@@ -21462,7 +22048,7 @@
           <a:p>
             <a:fld id="{E862C174-85D7-4478-B3BB-01728BCCC1F6}" type="slidenum">
               <a:rPr lang="en-US" smtClean="0"/>
-              <a:t>44</a:t>
+              <a:t>45</a:t>
             </a:fld>
             <a:endParaRPr lang="en-US"/>
           </a:p>
@@ -21481,7 +22067,7 @@
 </p:sld>
 </file>
 
-<file path=ppt/slides/slide45.xml><?xml version="1.0" encoding="utf-8"?>
+<file path=ppt/slides/slide46.xml><?xml version="1.0" encoding="utf-8"?>
 <p:sld xmlns:a="http://schemas.openxmlformats.org/drawingml/2006/main" xmlns:r="http://schemas.openxmlformats.org/officeDocument/2006/relationships" xmlns:p="http://schemas.openxmlformats.org/presentationml/2006/main">
   <p:cSld>
     <p:spTree>
@@ -21947,7 +22533,7 @@
           <a:p>
             <a:fld id="{E862C174-85D7-4478-B3BB-01728BCCC1F6}" type="slidenum">
               <a:rPr lang="en-US" smtClean="0"/>
-              <a:t>45</a:t>
+              <a:t>46</a:t>
             </a:fld>
             <a:endParaRPr lang="en-US"/>
           </a:p>
@@ -21966,7 +22552,7 @@
 </p:sld>
 </file>
 
-<file path=ppt/slides/slide46.xml><?xml version="1.0" encoding="utf-8"?>
+<file path=ppt/slides/slide47.xml><?xml version="1.0" encoding="utf-8"?>
 <p:sld xmlns:a="http://schemas.openxmlformats.org/drawingml/2006/main" xmlns:r="http://schemas.openxmlformats.org/officeDocument/2006/relationships" xmlns:p="http://schemas.openxmlformats.org/presentationml/2006/main">
   <p:cSld>
     <p:spTree>
@@ -22058,7 +22644,7 @@
           <a:p>
             <a:fld id="{E862C174-85D7-4478-B3BB-01728BCCC1F6}" type="slidenum">
               <a:rPr lang="en-US" smtClean="0"/>
-              <a:t>46</a:t>
+              <a:t>47</a:t>
             </a:fld>
             <a:endParaRPr lang="en-US"/>
           </a:p>
@@ -22077,7 +22663,7 @@
 </p:sld>
 </file>
 
-<file path=ppt/slides/slide47.xml><?xml version="1.0" encoding="utf-8"?>
+<file path=ppt/slides/slide48.xml><?xml version="1.0" encoding="utf-8"?>
 <p:sld xmlns:a="http://schemas.openxmlformats.org/drawingml/2006/main" xmlns:r="http://schemas.openxmlformats.org/officeDocument/2006/relationships" xmlns:p="http://schemas.openxmlformats.org/presentationml/2006/main">
   <p:cSld>
     <p:spTree>
@@ -22389,7 +22975,7 @@
           <a:p>
             <a:fld id="{E862C174-85D7-4478-B3BB-01728BCCC1F6}" type="slidenum">
               <a:rPr lang="en-US" smtClean="0"/>
-              <a:t>47</a:t>
+              <a:t>48</a:t>
             </a:fld>
             <a:endParaRPr lang="en-US"/>
           </a:p>
@@ -22408,7 +22994,7 @@
 </p:sld>
 </file>
 
-<file path=ppt/slides/slide48.xml><?xml version="1.0" encoding="utf-8"?>
+<file path=ppt/slides/slide49.xml><?xml version="1.0" encoding="utf-8"?>
 <p:sld xmlns:a="http://schemas.openxmlformats.org/drawingml/2006/main" xmlns:r="http://schemas.openxmlformats.org/officeDocument/2006/relationships" xmlns:p="http://schemas.openxmlformats.org/presentationml/2006/main">
   <p:cSld>
     <p:spTree>
@@ -22504,7 +23090,7 @@
           <a:p>
             <a:fld id="{E862C174-85D7-4478-B3BB-01728BCCC1F6}" type="slidenum">
               <a:rPr lang="en-US" smtClean="0"/>
-              <a:t>48</a:t>
+              <a:t>49</a:t>
             </a:fld>
             <a:endParaRPr lang="en-US"/>
           </a:p>
@@ -22523,7 +23109,192 @@
 </p:sld>
 </file>
 
-<file path=ppt/slides/slide49.xml><?xml version="1.0" encoding="utf-8"?>
+<file path=ppt/slides/slide5.xml><?xml version="1.0" encoding="utf-8"?>
+<p:sld xmlns:a="http://schemas.openxmlformats.org/drawingml/2006/main" xmlns:r="http://schemas.openxmlformats.org/officeDocument/2006/relationships" xmlns:p="http://schemas.openxmlformats.org/presentationml/2006/main">
+  <p:cSld>
+    <p:spTree>
+      <p:nvGrpSpPr>
+        <p:cNvPr id="1" name=""/>
+        <p:cNvGrpSpPr/>
+        <p:nvPr/>
+      </p:nvGrpSpPr>
+      <p:grpSpPr>
+        <a:xfrm>
+          <a:off x="0" y="0"/>
+          <a:ext cx="0" cy="0"/>
+          <a:chOff x="0" y="0"/>
+          <a:chExt cx="0" cy="0"/>
+        </a:xfrm>
+      </p:grpSpPr>
+      <p:sp>
+        <p:nvSpPr>
+          <p:cNvPr id="2" name="Title 1">
+            <a:extLst>
+              <a:ext uri="{FF2B5EF4-FFF2-40B4-BE49-F238E27FC236}">
+                <a16:creationId xmlns:a16="http://schemas.microsoft.com/office/drawing/2014/main" id="{3920311E-BF0B-03EB-B6B4-E15FDFED8003}"/>
+              </a:ext>
+            </a:extLst>
+          </p:cNvPr>
+          <p:cNvSpPr>
+            <a:spLocks noGrp="1"/>
+          </p:cNvSpPr>
+          <p:nvPr>
+            <p:ph type="title"/>
+          </p:nvPr>
+        </p:nvSpPr>
+        <p:spPr/>
+        <p:txBody>
+          <a:bodyPr/>
+          <a:lstStyle/>
+          <a:p>
+            <a:r>
+              <a:rPr lang="en-US" dirty="0">
+                <a:cs typeface="Calibri Light"/>
+              </a:rPr>
+              <a:t>Machine Learning 2 Outline</a:t>
+            </a:r>
+            <a:endParaRPr lang="en-US" dirty="0"/>
+          </a:p>
+        </p:txBody>
+      </p:sp>
+      <p:sp>
+        <p:nvSpPr>
+          <p:cNvPr id="3" name="Content Placeholder 2">
+            <a:extLst>
+              <a:ext uri="{FF2B5EF4-FFF2-40B4-BE49-F238E27FC236}">
+                <a16:creationId xmlns:a16="http://schemas.microsoft.com/office/drawing/2014/main" id="{B83A2C39-ADEF-3C26-39FF-488AE4FF2707}"/>
+              </a:ext>
+            </a:extLst>
+          </p:cNvPr>
+          <p:cNvSpPr>
+            <a:spLocks noGrp="1"/>
+          </p:cNvSpPr>
+          <p:nvPr>
+            <p:ph idx="1"/>
+          </p:nvPr>
+        </p:nvSpPr>
+        <p:spPr/>
+        <p:txBody>
+          <a:bodyPr vert="horz" lIns="91440" tIns="45720" rIns="91440" bIns="45720" rtlCol="0" anchor="t">
+            <a:normAutofit/>
+          </a:bodyPr>
+          <a:lstStyle/>
+          <a:p>
+            <a:r>
+              <a:rPr lang="en-US" dirty="0"/>
+              <a:t>Model-based vs. Instance-based Learning</a:t>
+            </a:r>
+          </a:p>
+          <a:p>
+            <a:r>
+              <a:rPr lang="en-US" dirty="0"/>
+              <a:t>Shallow vs. Deep Learning</a:t>
+            </a:r>
+            <a:endParaRPr lang="en-US" dirty="0">
+              <a:cs typeface="Calibri"/>
+            </a:endParaRPr>
+          </a:p>
+          <a:p>
+            <a:r>
+              <a:rPr lang="en-US" dirty="0"/>
+              <a:t>Fundamental Algorithms</a:t>
+            </a:r>
+          </a:p>
+          <a:p>
+            <a:pPr lvl="1"/>
+            <a:r>
+              <a:rPr lang="en-US" dirty="0"/>
+              <a:t>Linear Regression</a:t>
+            </a:r>
+            <a:endParaRPr lang="en-US" dirty="0">
+              <a:cs typeface="Calibri"/>
+            </a:endParaRPr>
+          </a:p>
+          <a:p>
+            <a:pPr lvl="1"/>
+            <a:r>
+              <a:rPr lang="en-US" dirty="0"/>
+              <a:t>Logistic Regression</a:t>
+            </a:r>
+            <a:endParaRPr lang="en-US" dirty="0">
+              <a:cs typeface="Calibri"/>
+            </a:endParaRPr>
+          </a:p>
+          <a:p>
+            <a:pPr lvl="1"/>
+            <a:r>
+              <a:rPr lang="en-US" dirty="0"/>
+              <a:t>Decision Tree</a:t>
+            </a:r>
+            <a:endParaRPr lang="en-US" dirty="0">
+              <a:cs typeface="Calibri"/>
+            </a:endParaRPr>
+          </a:p>
+          <a:p>
+            <a:pPr lvl="1"/>
+            <a:r>
+              <a:rPr lang="en-US" dirty="0"/>
+              <a:t>Support Vector Machines</a:t>
+            </a:r>
+            <a:endParaRPr lang="en-US" dirty="0">
+              <a:cs typeface="Calibri"/>
+            </a:endParaRPr>
+          </a:p>
+          <a:p>
+            <a:pPr lvl="1"/>
+            <a:r>
+              <a:rPr lang="en-US" dirty="0"/>
+              <a:t>k-Nearest Neighbors</a:t>
+            </a:r>
+            <a:endParaRPr lang="en-US" dirty="0">
+              <a:cs typeface="Calibri"/>
+            </a:endParaRPr>
+          </a:p>
+        </p:txBody>
+      </p:sp>
+      <p:sp>
+        <p:nvSpPr>
+          <p:cNvPr id="4" name="Slide Number Placeholder 3">
+            <a:extLst>
+              <a:ext uri="{FF2B5EF4-FFF2-40B4-BE49-F238E27FC236}">
+                <a16:creationId xmlns:a16="http://schemas.microsoft.com/office/drawing/2014/main" id="{C1E051F1-0366-061A-4906-1E72DB103A57}"/>
+              </a:ext>
+            </a:extLst>
+          </p:cNvPr>
+          <p:cNvSpPr>
+            <a:spLocks noGrp="1"/>
+          </p:cNvSpPr>
+          <p:nvPr>
+            <p:ph type="sldNum" sz="quarter" idx="12"/>
+          </p:nvPr>
+        </p:nvSpPr>
+        <p:spPr/>
+        <p:txBody>
+          <a:bodyPr/>
+          <a:lstStyle/>
+          <a:p>
+            <a:fld id="{E862C174-85D7-4478-B3BB-01728BCCC1F6}" type="slidenum">
+              <a:rPr lang="en-US" smtClean="0"/>
+              <a:t>5</a:t>
+            </a:fld>
+            <a:endParaRPr lang="en-US"/>
+          </a:p>
+        </p:txBody>
+      </p:sp>
+    </p:spTree>
+    <p:extLst>
+      <p:ext uri="{BB962C8B-B14F-4D97-AF65-F5344CB8AC3E}">
+        <p14:creationId xmlns:p14="http://schemas.microsoft.com/office/powerpoint/2010/main" val="1430545923"/>
+      </p:ext>
+    </p:extLst>
+  </p:cSld>
+  <p:clrMapOvr>
+    <a:masterClrMapping/>
+  </p:clrMapOvr>
+</p:sld>
+</file>
+
+<file path=ppt/slides/slide50.xml><?xml version="1.0" encoding="utf-8"?>
 <p:sld xmlns:a="http://schemas.openxmlformats.org/drawingml/2006/main" xmlns:r="http://schemas.openxmlformats.org/officeDocument/2006/relationships" xmlns:p="http://schemas.openxmlformats.org/presentationml/2006/main">
   <p:cSld>
     <p:spTree>
@@ -22911,7 +23682,7 @@
           <a:p>
             <a:fld id="{E862C174-85D7-4478-B3BB-01728BCCC1F6}" type="slidenum">
               <a:rPr lang="en-US" smtClean="0"/>
-              <a:t>49</a:t>
+              <a:t>50</a:t>
             </a:fld>
             <a:endParaRPr lang="en-US"/>
           </a:p>
@@ -22930,192 +23701,7 @@
 </p:sld>
 </file>
 
-<file path=ppt/slides/slide5.xml><?xml version="1.0" encoding="utf-8"?>
-<p:sld xmlns:a="http://schemas.openxmlformats.org/drawingml/2006/main" xmlns:r="http://schemas.openxmlformats.org/officeDocument/2006/relationships" xmlns:p="http://schemas.openxmlformats.org/presentationml/2006/main">
-  <p:cSld>
-    <p:spTree>
-      <p:nvGrpSpPr>
-        <p:cNvPr id="1" name=""/>
-        <p:cNvGrpSpPr/>
-        <p:nvPr/>
-      </p:nvGrpSpPr>
-      <p:grpSpPr>
-        <a:xfrm>
-          <a:off x="0" y="0"/>
-          <a:ext cx="0" cy="0"/>
-          <a:chOff x="0" y="0"/>
-          <a:chExt cx="0" cy="0"/>
-        </a:xfrm>
-      </p:grpSpPr>
-      <p:sp>
-        <p:nvSpPr>
-          <p:cNvPr id="2" name="Title 1">
-            <a:extLst>
-              <a:ext uri="{FF2B5EF4-FFF2-40B4-BE49-F238E27FC236}">
-                <a16:creationId xmlns:a16="http://schemas.microsoft.com/office/drawing/2014/main" id="{3920311E-BF0B-03EB-B6B4-E15FDFED8003}"/>
-              </a:ext>
-            </a:extLst>
-          </p:cNvPr>
-          <p:cNvSpPr>
-            <a:spLocks noGrp="1"/>
-          </p:cNvSpPr>
-          <p:nvPr>
-            <p:ph type="title"/>
-          </p:nvPr>
-        </p:nvSpPr>
-        <p:spPr/>
-        <p:txBody>
-          <a:bodyPr/>
-          <a:lstStyle/>
-          <a:p>
-            <a:r>
-              <a:rPr lang="en-US" dirty="0">
-                <a:cs typeface="Calibri Light"/>
-              </a:rPr>
-              <a:t>Machine Learning 2 Outline</a:t>
-            </a:r>
-            <a:endParaRPr lang="en-US" dirty="0"/>
-          </a:p>
-        </p:txBody>
-      </p:sp>
-      <p:sp>
-        <p:nvSpPr>
-          <p:cNvPr id="3" name="Content Placeholder 2">
-            <a:extLst>
-              <a:ext uri="{FF2B5EF4-FFF2-40B4-BE49-F238E27FC236}">
-                <a16:creationId xmlns:a16="http://schemas.microsoft.com/office/drawing/2014/main" id="{B83A2C39-ADEF-3C26-39FF-488AE4FF2707}"/>
-              </a:ext>
-            </a:extLst>
-          </p:cNvPr>
-          <p:cNvSpPr>
-            <a:spLocks noGrp="1"/>
-          </p:cNvSpPr>
-          <p:nvPr>
-            <p:ph idx="1"/>
-          </p:nvPr>
-        </p:nvSpPr>
-        <p:spPr/>
-        <p:txBody>
-          <a:bodyPr vert="horz" lIns="91440" tIns="45720" rIns="91440" bIns="45720" rtlCol="0" anchor="t">
-            <a:normAutofit/>
-          </a:bodyPr>
-          <a:lstStyle/>
-          <a:p>
-            <a:r>
-              <a:rPr lang="en-US" dirty="0"/>
-              <a:t>Model-based vs. Instance-based Learning</a:t>
-            </a:r>
-          </a:p>
-          <a:p>
-            <a:r>
-              <a:rPr lang="en-US" dirty="0"/>
-              <a:t>Shallow vs. Deep Learning</a:t>
-            </a:r>
-            <a:endParaRPr lang="en-US" dirty="0">
-              <a:cs typeface="Calibri"/>
-            </a:endParaRPr>
-          </a:p>
-          <a:p>
-            <a:r>
-              <a:rPr lang="en-US" dirty="0"/>
-              <a:t>Fundamental Algorithms</a:t>
-            </a:r>
-          </a:p>
-          <a:p>
-            <a:pPr lvl="1"/>
-            <a:r>
-              <a:rPr lang="en-US" dirty="0"/>
-              <a:t>Linear Regression</a:t>
-            </a:r>
-            <a:endParaRPr lang="en-US" dirty="0">
-              <a:cs typeface="Calibri"/>
-            </a:endParaRPr>
-          </a:p>
-          <a:p>
-            <a:pPr lvl="1"/>
-            <a:r>
-              <a:rPr lang="en-US" dirty="0"/>
-              <a:t>Logistic Regression</a:t>
-            </a:r>
-            <a:endParaRPr lang="en-US" dirty="0">
-              <a:cs typeface="Calibri"/>
-            </a:endParaRPr>
-          </a:p>
-          <a:p>
-            <a:pPr lvl="1"/>
-            <a:r>
-              <a:rPr lang="en-US" dirty="0"/>
-              <a:t>Decision Tree</a:t>
-            </a:r>
-            <a:endParaRPr lang="en-US" dirty="0">
-              <a:cs typeface="Calibri"/>
-            </a:endParaRPr>
-          </a:p>
-          <a:p>
-            <a:pPr lvl="1"/>
-            <a:r>
-              <a:rPr lang="en-US" dirty="0"/>
-              <a:t>Support Vector Machines</a:t>
-            </a:r>
-            <a:endParaRPr lang="en-US" dirty="0">
-              <a:cs typeface="Calibri"/>
-            </a:endParaRPr>
-          </a:p>
-          <a:p>
-            <a:pPr lvl="1"/>
-            <a:r>
-              <a:rPr lang="en-US" dirty="0"/>
-              <a:t>k-Nearest Neighbors</a:t>
-            </a:r>
-            <a:endParaRPr lang="en-US" dirty="0">
-              <a:cs typeface="Calibri"/>
-            </a:endParaRPr>
-          </a:p>
-        </p:txBody>
-      </p:sp>
-      <p:sp>
-        <p:nvSpPr>
-          <p:cNvPr id="4" name="Slide Number Placeholder 3">
-            <a:extLst>
-              <a:ext uri="{FF2B5EF4-FFF2-40B4-BE49-F238E27FC236}">
-                <a16:creationId xmlns:a16="http://schemas.microsoft.com/office/drawing/2014/main" id="{C1E051F1-0366-061A-4906-1E72DB103A57}"/>
-              </a:ext>
-            </a:extLst>
-          </p:cNvPr>
-          <p:cNvSpPr>
-            <a:spLocks noGrp="1"/>
-          </p:cNvSpPr>
-          <p:nvPr>
-            <p:ph type="sldNum" sz="quarter" idx="12"/>
-          </p:nvPr>
-        </p:nvSpPr>
-        <p:spPr/>
-        <p:txBody>
-          <a:bodyPr/>
-          <a:lstStyle/>
-          <a:p>
-            <a:fld id="{E862C174-85D7-4478-B3BB-01728BCCC1F6}" type="slidenum">
-              <a:rPr lang="en-US" smtClean="0"/>
-              <a:t>5</a:t>
-            </a:fld>
-            <a:endParaRPr lang="en-US"/>
-          </a:p>
-        </p:txBody>
-      </p:sp>
-    </p:spTree>
-    <p:extLst>
-      <p:ext uri="{BB962C8B-B14F-4D97-AF65-F5344CB8AC3E}">
-        <p14:creationId xmlns:p14="http://schemas.microsoft.com/office/powerpoint/2010/main" val="1430545923"/>
-      </p:ext>
-    </p:extLst>
-  </p:cSld>
-  <p:clrMapOvr>
-    <a:masterClrMapping/>
-  </p:clrMapOvr>
-</p:sld>
-</file>
-
-<file path=ppt/slides/slide50.xml><?xml version="1.0" encoding="utf-8"?>
+<file path=ppt/slides/slide51.xml><?xml version="1.0" encoding="utf-8"?>
 <p:sld xmlns:a="http://schemas.openxmlformats.org/drawingml/2006/main" xmlns:r="http://schemas.openxmlformats.org/officeDocument/2006/relationships" xmlns:p="http://schemas.openxmlformats.org/presentationml/2006/main">
   <p:cSld>
     <p:spTree>
@@ -23503,7 +24089,7 @@
           <a:p>
             <a:fld id="{E862C174-85D7-4478-B3BB-01728BCCC1F6}" type="slidenum">
               <a:rPr lang="en-US" smtClean="0"/>
-              <a:t>50</a:t>
+              <a:t>51</a:t>
             </a:fld>
             <a:endParaRPr lang="en-US"/>
           </a:p>
@@ -23522,7 +24108,7 @@
 </p:sld>
 </file>
 
-<file path=ppt/slides/slide51.xml><?xml version="1.0" encoding="utf-8"?>
+<file path=ppt/slides/slide52.xml><?xml version="1.0" encoding="utf-8"?>
 <p:sld xmlns:a="http://schemas.openxmlformats.org/drawingml/2006/main" xmlns:r="http://schemas.openxmlformats.org/officeDocument/2006/relationships" xmlns:p="http://schemas.openxmlformats.org/presentationml/2006/main">
   <p:cSld>
     <p:spTree>
@@ -23910,7 +24496,7 @@
           <a:p>
             <a:fld id="{E862C174-85D7-4478-B3BB-01728BCCC1F6}" type="slidenum">
               <a:rPr lang="en-US" smtClean="0"/>
-              <a:t>51</a:t>
+              <a:t>52</a:t>
             </a:fld>
             <a:endParaRPr lang="en-US"/>
           </a:p>
@@ -23929,7 +24515,7 @@
 </p:sld>
 </file>
 
-<file path=ppt/slides/slide52.xml><?xml version="1.0" encoding="utf-8"?>
+<file path=ppt/slides/slide53.xml><?xml version="1.0" encoding="utf-8"?>
 <p:sld xmlns:a="http://schemas.openxmlformats.org/drawingml/2006/main" xmlns:r="http://schemas.openxmlformats.org/officeDocument/2006/relationships" xmlns:p="http://schemas.openxmlformats.org/presentationml/2006/main">
   <p:cSld>
     <p:spTree>
@@ -24317,7 +24903,7 @@
           <a:p>
             <a:fld id="{E862C174-85D7-4478-B3BB-01728BCCC1F6}" type="slidenum">
               <a:rPr lang="en-US" smtClean="0"/>
-              <a:t>52</a:t>
+              <a:t>53</a:t>
             </a:fld>
             <a:endParaRPr lang="en-US"/>
           </a:p>
@@ -24336,7 +24922,7 @@
 </p:sld>
 </file>
 
-<file path=ppt/slides/slide53.xml><?xml version="1.0" encoding="utf-8"?>
+<file path=ppt/slides/slide54.xml><?xml version="1.0" encoding="utf-8"?>
 <p:sld xmlns:a="http://schemas.openxmlformats.org/drawingml/2006/main" xmlns:r="http://schemas.openxmlformats.org/officeDocument/2006/relationships" xmlns:p="http://schemas.openxmlformats.org/presentationml/2006/main">
   <p:cSld>
     <p:spTree>
@@ -24454,7 +25040,7 @@
 </p:sld>
 </file>
 
-<file path=ppt/slides/slide54.xml><?xml version="1.0" encoding="utf-8"?>
+<file path=ppt/slides/slide55.xml><?xml version="1.0" encoding="utf-8"?>
 <p:sld xmlns:a="http://schemas.openxmlformats.org/drawingml/2006/main" xmlns:r="http://schemas.openxmlformats.org/officeDocument/2006/relationships" xmlns:p="http://schemas.openxmlformats.org/presentationml/2006/main">
   <p:cSld>
     <p:spTree>
@@ -24803,7 +25389,7 @@
           <a:p>
             <a:fld id="{E862C174-85D7-4478-B3BB-01728BCCC1F6}" type="slidenum">
               <a:rPr lang="en-US" smtClean="0"/>
-              <a:t>54</a:t>
+              <a:t>55</a:t>
             </a:fld>
             <a:endParaRPr lang="en-US"/>
           </a:p>
@@ -24858,7 +25444,7 @@
 </p:sld>
 </file>
 
-<file path=ppt/slides/slide55.xml><?xml version="1.0" encoding="utf-8"?>
+<file path=ppt/slides/slide56.xml><?xml version="1.0" encoding="utf-8"?>
 <p:sld xmlns:a="http://schemas.openxmlformats.org/drawingml/2006/main" xmlns:r="http://schemas.openxmlformats.org/officeDocument/2006/relationships" xmlns:p="http://schemas.openxmlformats.org/presentationml/2006/main">
   <p:cSld>
     <p:spTree>
@@ -25054,7 +25640,7 @@
           <a:p>
             <a:fld id="{E862C174-85D7-4478-B3BB-01728BCCC1F6}" type="slidenum">
               <a:rPr lang="en-US" smtClean="0"/>
-              <a:t>55</a:t>
+              <a:t>56</a:t>
             </a:fld>
             <a:endParaRPr lang="en-US"/>
           </a:p>
@@ -25064,163 +25650,6 @@
     <p:extLst>
       <p:ext uri="{BB962C8B-B14F-4D97-AF65-F5344CB8AC3E}">
         <p14:creationId xmlns:p14="http://schemas.microsoft.com/office/powerpoint/2010/main" val="48893385"/>
-      </p:ext>
-    </p:extLst>
-  </p:cSld>
-  <p:clrMapOvr>
-    <a:masterClrMapping/>
-  </p:clrMapOvr>
-</p:sld>
-</file>
-
-<file path=ppt/slides/slide56.xml><?xml version="1.0" encoding="utf-8"?>
-<p:sld xmlns:a="http://schemas.openxmlformats.org/drawingml/2006/main" xmlns:r="http://schemas.openxmlformats.org/officeDocument/2006/relationships" xmlns:p="http://schemas.openxmlformats.org/presentationml/2006/main">
-  <p:cSld>
-    <p:spTree>
-      <p:nvGrpSpPr>
-        <p:cNvPr id="1" name=""/>
-        <p:cNvGrpSpPr/>
-        <p:nvPr/>
-      </p:nvGrpSpPr>
-      <p:grpSpPr>
-        <a:xfrm>
-          <a:off x="0" y="0"/>
-          <a:ext cx="0" cy="0"/>
-          <a:chOff x="0" y="0"/>
-          <a:chExt cx="0" cy="0"/>
-        </a:xfrm>
-      </p:grpSpPr>
-      <p:sp>
-        <p:nvSpPr>
-          <p:cNvPr id="2" name="Title 1">
-            <a:extLst>
-              <a:ext uri="{FF2B5EF4-FFF2-40B4-BE49-F238E27FC236}">
-                <a16:creationId xmlns:a16="http://schemas.microsoft.com/office/drawing/2014/main" id="{6A072550-7EA0-3EEC-E833-71BE5E52836B}"/>
-              </a:ext>
-            </a:extLst>
-          </p:cNvPr>
-          <p:cNvSpPr>
-            <a:spLocks noGrp="1"/>
-          </p:cNvSpPr>
-          <p:nvPr>
-            <p:ph type="title"/>
-          </p:nvPr>
-        </p:nvSpPr>
-        <p:spPr/>
-        <p:txBody>
-          <a:bodyPr/>
-          <a:lstStyle/>
-          <a:p>
-            <a:r>
-              <a:rPr lang="en-US" dirty="0"/>
-              <a:t>SVM</a:t>
-            </a:r>
-          </a:p>
-        </p:txBody>
-      </p:sp>
-      <p:sp>
-        <p:nvSpPr>
-          <p:cNvPr id="3" name="Content Placeholder 2">
-            <a:extLst>
-              <a:ext uri="{FF2B5EF4-FFF2-40B4-BE49-F238E27FC236}">
-                <a16:creationId xmlns:a16="http://schemas.microsoft.com/office/drawing/2014/main" id="{8DBCF8B3-229A-1A13-55B4-99D11EF203D6}"/>
-              </a:ext>
-            </a:extLst>
-          </p:cNvPr>
-          <p:cNvSpPr>
-            <a:spLocks noGrp="1"/>
-          </p:cNvSpPr>
-          <p:nvPr>
-            <p:ph idx="1"/>
-          </p:nvPr>
-        </p:nvSpPr>
-        <p:spPr/>
-        <p:txBody>
-          <a:bodyPr/>
-          <a:lstStyle/>
-          <a:p>
-            <a:r>
-              <a:rPr lang="en-US" dirty="0"/>
-              <a:t>What if there’s noise in the data and no hyperplane can perfectly separate positive examples from negative ones?</a:t>
-            </a:r>
-          </a:p>
-          <a:p>
-            <a:r>
-              <a:rPr lang="en-US" dirty="0"/>
-              <a:t>What if the data cannot be separated using a plane, but could be separated by a higher-order polynomial?</a:t>
-            </a:r>
-          </a:p>
-        </p:txBody>
-      </p:sp>
-      <p:pic>
-        <p:nvPicPr>
-          <p:cNvPr id="4" name="Content Placeholder 4" descr="A graph of different sizes of cases&#10;&#10;Description automatically generated with medium confidence">
-            <a:extLst>
-              <a:ext uri="{FF2B5EF4-FFF2-40B4-BE49-F238E27FC236}">
-                <a16:creationId xmlns:a16="http://schemas.microsoft.com/office/drawing/2014/main" id="{3E5F6C83-B42D-9FB8-9155-06832FCCCB3E}"/>
-              </a:ext>
-            </a:extLst>
-          </p:cNvPr>
-          <p:cNvPicPr>
-            <a:picLocks noChangeAspect="1"/>
-          </p:cNvPicPr>
-          <p:nvPr/>
-        </p:nvPicPr>
-        <p:blipFill>
-          <a:blip r:embed="rId2">
-            <a:extLst>
-              <a:ext uri="{28A0092B-C50C-407E-A947-70E740481C1C}">
-                <a14:useLocalDpi xmlns:a14="http://schemas.microsoft.com/office/drawing/2010/main" val="0"/>
-              </a:ext>
-            </a:extLst>
-          </a:blip>
-          <a:stretch>
-            <a:fillRect/>
-          </a:stretch>
-        </p:blipFill>
-        <p:spPr>
-          <a:xfrm>
-            <a:off x="2687560" y="3559251"/>
-            <a:ext cx="6816880" cy="3077523"/>
-          </a:xfrm>
-          <a:prstGeom prst="rect">
-            <a:avLst/>
-          </a:prstGeom>
-        </p:spPr>
-      </p:pic>
-      <p:sp>
-        <p:nvSpPr>
-          <p:cNvPr id="5" name="Slide Number Placeholder 4">
-            <a:extLst>
-              <a:ext uri="{FF2B5EF4-FFF2-40B4-BE49-F238E27FC236}">
-                <a16:creationId xmlns:a16="http://schemas.microsoft.com/office/drawing/2014/main" id="{13CA2108-DA1C-70D0-5531-C56ACEEC42E6}"/>
-              </a:ext>
-            </a:extLst>
-          </p:cNvPr>
-          <p:cNvSpPr>
-            <a:spLocks noGrp="1"/>
-          </p:cNvSpPr>
-          <p:nvPr>
-            <p:ph type="sldNum" sz="quarter" idx="12"/>
-          </p:nvPr>
-        </p:nvSpPr>
-        <p:spPr/>
-        <p:txBody>
-          <a:bodyPr/>
-          <a:lstStyle/>
-          <a:p>
-            <a:fld id="{E862C174-85D7-4478-B3BB-01728BCCC1F6}" type="slidenum">
-              <a:rPr lang="en-US" smtClean="0"/>
-              <a:t>56</a:t>
-            </a:fld>
-            <a:endParaRPr lang="en-US"/>
-          </a:p>
-        </p:txBody>
-      </p:sp>
-    </p:spTree>
-    <p:extLst>
-      <p:ext uri="{BB962C8B-B14F-4D97-AF65-F5344CB8AC3E}">
-        <p14:creationId xmlns:p14="http://schemas.microsoft.com/office/powerpoint/2010/main" val="1660813464"/>
       </p:ext>
     </p:extLst>
   </p:cSld>
@@ -25252,7 +25681,7 @@
           <p:cNvPr id="2" name="Title 1">
             <a:extLst>
               <a:ext uri="{FF2B5EF4-FFF2-40B4-BE49-F238E27FC236}">
-                <a16:creationId xmlns:a16="http://schemas.microsoft.com/office/drawing/2014/main" id="{15AF5CCF-9D76-13EA-B5DE-35F44AA7E187}"/>
+                <a16:creationId xmlns:a16="http://schemas.microsoft.com/office/drawing/2014/main" id="{6A072550-7EA0-3EEC-E833-71BE5E52836B}"/>
               </a:ext>
             </a:extLst>
           </p:cNvPr>
@@ -25270,26 +25699,58 @@
           <a:p>
             <a:r>
               <a:rPr lang="en-US" dirty="0"/>
-              <a:t>SVM: Support Vectors</a:t>
+              <a:t>SVM</a:t>
+            </a:r>
+          </a:p>
+        </p:txBody>
+      </p:sp>
+      <p:sp>
+        <p:nvSpPr>
+          <p:cNvPr id="3" name="Content Placeholder 2">
+            <a:extLst>
+              <a:ext uri="{FF2B5EF4-FFF2-40B4-BE49-F238E27FC236}">
+                <a16:creationId xmlns:a16="http://schemas.microsoft.com/office/drawing/2014/main" id="{8DBCF8B3-229A-1A13-55B4-99D11EF203D6}"/>
+              </a:ext>
+            </a:extLst>
+          </p:cNvPr>
+          <p:cNvSpPr>
+            <a:spLocks noGrp="1"/>
+          </p:cNvSpPr>
+          <p:nvPr>
+            <p:ph idx="1"/>
+          </p:nvPr>
+        </p:nvSpPr>
+        <p:spPr/>
+        <p:txBody>
+          <a:bodyPr/>
+          <a:lstStyle/>
+          <a:p>
+            <a:r>
+              <a:rPr lang="en-US" dirty="0"/>
+              <a:t>What if there’s noise in the data and no hyperplane can perfectly separate positive examples from negative ones?</a:t>
+            </a:r>
+          </a:p>
+          <a:p>
+            <a:r>
+              <a:rPr lang="en-US" dirty="0"/>
+              <a:t>What if the data cannot be separated using a plane, but could be separated by a higher-order polynomial?</a:t>
             </a:r>
           </a:p>
         </p:txBody>
       </p:sp>
       <p:pic>
         <p:nvPicPr>
-          <p:cNvPr id="5" name="Content Placeholder 4" descr="A diagram of a support line&#10;&#10;Description automatically generated">
-            <a:extLst>
-              <a:ext uri="{FF2B5EF4-FFF2-40B4-BE49-F238E27FC236}">
-                <a16:creationId xmlns:a16="http://schemas.microsoft.com/office/drawing/2014/main" id="{A333181E-8797-2A76-BDBB-E015335B8B79}"/>
+          <p:cNvPr id="4" name="Content Placeholder 4" descr="A graph of different sizes of cases&#10;&#10;Description automatically generated with medium confidence">
+            <a:extLst>
+              <a:ext uri="{FF2B5EF4-FFF2-40B4-BE49-F238E27FC236}">
+                <a16:creationId xmlns:a16="http://schemas.microsoft.com/office/drawing/2014/main" id="{3E5F6C83-B42D-9FB8-9155-06832FCCCB3E}"/>
               </a:ext>
             </a:extLst>
           </p:cNvPr>
           <p:cNvPicPr>
-            <a:picLocks noGrp="1" noChangeAspect="1"/>
+            <a:picLocks noChangeAspect="1"/>
           </p:cNvPicPr>
-          <p:nvPr>
-            <p:ph idx="1"/>
-          </p:nvPr>
+          <p:nvPr/>
         </p:nvPicPr>
         <p:blipFill>
           <a:blip r:embed="rId2">
@@ -25305,52 +25766,20 @@
         </p:blipFill>
         <p:spPr>
           <a:xfrm>
-            <a:off x="4067175" y="2629694"/>
-            <a:ext cx="4057650" cy="2743200"/>
-          </a:xfrm>
-        </p:spPr>
-      </p:pic>
-      <p:sp>
-        <p:nvSpPr>
-          <p:cNvPr id="6" name="TextBox 5">
-            <a:extLst>
-              <a:ext uri="{FF2B5EF4-FFF2-40B4-BE49-F238E27FC236}">
-                <a16:creationId xmlns:a16="http://schemas.microsoft.com/office/drawing/2014/main" id="{1C2E2CBE-C509-E7E4-4B36-8741A68FFE26}"/>
-              </a:ext>
-            </a:extLst>
-          </p:cNvPr>
-          <p:cNvSpPr txBox="1"/>
-          <p:nvPr/>
-        </p:nvSpPr>
-        <p:spPr>
-          <a:xfrm>
-            <a:off x="6329680" y="6363335"/>
-            <a:ext cx="5770880" cy="276999"/>
+            <a:off x="2687560" y="3559251"/>
+            <a:ext cx="6816880" cy="3077523"/>
           </a:xfrm>
           <a:prstGeom prst="rect">
             <a:avLst/>
           </a:prstGeom>
-          <a:noFill/>
         </p:spPr>
-        <p:txBody>
-          <a:bodyPr wrap="square" rtlCol="0">
-            <a:spAutoFit/>
-          </a:bodyPr>
-          <a:lstStyle/>
-          <a:p>
-            <a:r>
-              <a:rPr lang="en-US" sz="1200" dirty="0"/>
-              <a:t>https://www.kdnuggets.com/2016/07/support-vector-machines-simple-explanation.html</a:t>
-            </a:r>
-          </a:p>
-        </p:txBody>
-      </p:sp>
-      <p:sp>
-        <p:nvSpPr>
-          <p:cNvPr id="3" name="Slide Number Placeholder 2">
-            <a:extLst>
-              <a:ext uri="{FF2B5EF4-FFF2-40B4-BE49-F238E27FC236}">
-                <a16:creationId xmlns:a16="http://schemas.microsoft.com/office/drawing/2014/main" id="{BE58EBC4-F73A-A405-A22D-43D3CDED8E4F}"/>
+      </p:pic>
+      <p:sp>
+        <p:nvSpPr>
+          <p:cNvPr id="5" name="Slide Number Placeholder 4">
+            <a:extLst>
+              <a:ext uri="{FF2B5EF4-FFF2-40B4-BE49-F238E27FC236}">
+                <a16:creationId xmlns:a16="http://schemas.microsoft.com/office/drawing/2014/main" id="{13CA2108-DA1C-70D0-5531-C56ACEEC42E6}"/>
               </a:ext>
             </a:extLst>
           </p:cNvPr>
@@ -25377,7 +25806,7 @@
     </p:spTree>
     <p:extLst>
       <p:ext uri="{BB962C8B-B14F-4D97-AF65-F5344CB8AC3E}">
-        <p14:creationId xmlns:p14="http://schemas.microsoft.com/office/powerpoint/2010/main" val="2874268730"/>
+        <p14:creationId xmlns:p14="http://schemas.microsoft.com/office/powerpoint/2010/main" val="1660813464"/>
       </p:ext>
     </p:extLst>
   </p:cSld>
@@ -25409,7 +25838,7 @@
           <p:cNvPr id="2" name="Title 1">
             <a:extLst>
               <a:ext uri="{FF2B5EF4-FFF2-40B4-BE49-F238E27FC236}">
-                <a16:creationId xmlns:a16="http://schemas.microsoft.com/office/drawing/2014/main" id="{F1557162-B9D6-2314-359F-AFA0530B96CF}"/>
+                <a16:creationId xmlns:a16="http://schemas.microsoft.com/office/drawing/2014/main" id="{15AF5CCF-9D76-13EA-B5DE-35F44AA7E187}"/>
               </a:ext>
             </a:extLst>
           </p:cNvPr>
@@ -25427,17 +25856,17 @@
           <a:p>
             <a:r>
               <a:rPr lang="en-US" dirty="0"/>
-              <a:t>SVM: Plane</a:t>
+              <a:t>SVM: Support Vectors</a:t>
             </a:r>
           </a:p>
         </p:txBody>
       </p:sp>
       <p:pic>
         <p:nvPicPr>
-          <p:cNvPr id="5" name="Content Placeholder 4" descr="A diagram of a line with circles and arrows&#10;&#10;Description automatically generated">
-            <a:extLst>
-              <a:ext uri="{FF2B5EF4-FFF2-40B4-BE49-F238E27FC236}">
-                <a16:creationId xmlns:a16="http://schemas.microsoft.com/office/drawing/2014/main" id="{A94AF90E-8EA6-C8A4-B9DC-7D8768C50D00}"/>
+          <p:cNvPr id="5" name="Content Placeholder 4" descr="A diagram of a support line&#10;&#10;Description automatically generated">
+            <a:extLst>
+              <a:ext uri="{FF2B5EF4-FFF2-40B4-BE49-F238E27FC236}">
+                <a16:creationId xmlns:a16="http://schemas.microsoft.com/office/drawing/2014/main" id="{A333181E-8797-2A76-BDBB-E015335B8B79}"/>
               </a:ext>
             </a:extLst>
           </p:cNvPr>
@@ -25449,7 +25878,7 @@
           </p:nvPr>
         </p:nvPicPr>
         <p:blipFill>
-          <a:blip r:embed="rId3">
+          <a:blip r:embed="rId2">
             <a:extLst>
               <a:ext uri="{28A0092B-C50C-407E-A947-70E740481C1C}">
                 <a14:useLocalDpi xmlns:a14="http://schemas.microsoft.com/office/drawing/2010/main" val="0"/>
@@ -25462,8 +25891,8 @@
         </p:blipFill>
         <p:spPr>
           <a:xfrm>
-            <a:off x="2881312" y="2320131"/>
-            <a:ext cx="6429375" cy="3362325"/>
+            <a:off x="4067175" y="2629694"/>
+            <a:ext cx="4057650" cy="2743200"/>
           </a:xfrm>
         </p:spPr>
       </p:pic>
@@ -25472,7 +25901,7 @@
           <p:cNvPr id="6" name="TextBox 5">
             <a:extLst>
               <a:ext uri="{FF2B5EF4-FFF2-40B4-BE49-F238E27FC236}">
-                <a16:creationId xmlns:a16="http://schemas.microsoft.com/office/drawing/2014/main" id="{F1596EDE-6276-0252-CC91-0A7865BC4E43}"/>
+                <a16:creationId xmlns:a16="http://schemas.microsoft.com/office/drawing/2014/main" id="{1C2E2CBE-C509-E7E4-4B36-8741A68FFE26}"/>
               </a:ext>
             </a:extLst>
           </p:cNvPr>
@@ -25507,7 +25936,7 @@
           <p:cNvPr id="3" name="Slide Number Placeholder 2">
             <a:extLst>
               <a:ext uri="{FF2B5EF4-FFF2-40B4-BE49-F238E27FC236}">
-                <a16:creationId xmlns:a16="http://schemas.microsoft.com/office/drawing/2014/main" id="{9EF2A118-148E-FFC0-2277-2E81829EBE99}"/>
+                <a16:creationId xmlns:a16="http://schemas.microsoft.com/office/drawing/2014/main" id="{BE58EBC4-F73A-A405-A22D-43D3CDED8E4F}"/>
               </a:ext>
             </a:extLst>
           </p:cNvPr>
@@ -25534,7 +25963,7 @@
     </p:spTree>
     <p:extLst>
       <p:ext uri="{BB962C8B-B14F-4D97-AF65-F5344CB8AC3E}">
-        <p14:creationId xmlns:p14="http://schemas.microsoft.com/office/powerpoint/2010/main" val="4109125148"/>
+        <p14:creationId xmlns:p14="http://schemas.microsoft.com/office/powerpoint/2010/main" val="2874268730"/>
       </p:ext>
     </p:extLst>
   </p:cSld>
@@ -25566,7 +25995,7 @@
           <p:cNvPr id="2" name="Title 1">
             <a:extLst>
               <a:ext uri="{FF2B5EF4-FFF2-40B4-BE49-F238E27FC236}">
-                <a16:creationId xmlns:a16="http://schemas.microsoft.com/office/drawing/2014/main" id="{90EFA674-D133-AE3D-BC96-44AEE754CC4E}"/>
+                <a16:creationId xmlns:a16="http://schemas.microsoft.com/office/drawing/2014/main" id="{F1557162-B9D6-2314-359F-AFA0530B96CF}"/>
               </a:ext>
             </a:extLst>
           </p:cNvPr>
@@ -25584,17 +26013,17 @@
           <a:p>
             <a:r>
               <a:rPr lang="en-US" dirty="0"/>
-              <a:t>Not linearly separable</a:t>
+              <a:t>SVM: Plane</a:t>
             </a:r>
           </a:p>
         </p:txBody>
       </p:sp>
       <p:pic>
         <p:nvPicPr>
-          <p:cNvPr id="5" name="Content Placeholder 4" descr="A group of blue and green dots&#10;&#10;Description automatically generated">
-            <a:extLst>
-              <a:ext uri="{FF2B5EF4-FFF2-40B4-BE49-F238E27FC236}">
-                <a16:creationId xmlns:a16="http://schemas.microsoft.com/office/drawing/2014/main" id="{3DC6CDC9-C17A-B0E5-6879-4FD371192A99}"/>
+          <p:cNvPr id="5" name="Content Placeholder 4" descr="A diagram of a line with circles and arrows&#10;&#10;Description automatically generated">
+            <a:extLst>
+              <a:ext uri="{FF2B5EF4-FFF2-40B4-BE49-F238E27FC236}">
+                <a16:creationId xmlns:a16="http://schemas.microsoft.com/office/drawing/2014/main" id="{A94AF90E-8EA6-C8A4-B9DC-7D8768C50D00}"/>
               </a:ext>
             </a:extLst>
           </p:cNvPr>
@@ -25606,7 +26035,7 @@
           </p:nvPr>
         </p:nvPicPr>
         <p:blipFill>
-          <a:blip r:embed="rId2">
+          <a:blip r:embed="rId3">
             <a:extLst>
               <a:ext uri="{28A0092B-C50C-407E-A947-70E740481C1C}">
                 <a14:useLocalDpi xmlns:a14="http://schemas.microsoft.com/office/drawing/2010/main" val="0"/>
@@ -25629,7 +26058,7 @@
           <p:cNvPr id="6" name="TextBox 5">
             <a:extLst>
               <a:ext uri="{FF2B5EF4-FFF2-40B4-BE49-F238E27FC236}">
-                <a16:creationId xmlns:a16="http://schemas.microsoft.com/office/drawing/2014/main" id="{F21E991D-844E-242E-5E51-1FAF3F8F342D}"/>
+                <a16:creationId xmlns:a16="http://schemas.microsoft.com/office/drawing/2014/main" id="{F1596EDE-6276-0252-CC91-0A7865BC4E43}"/>
               </a:ext>
             </a:extLst>
           </p:cNvPr>
@@ -25664,7 +26093,7 @@
           <p:cNvPr id="3" name="Slide Number Placeholder 2">
             <a:extLst>
               <a:ext uri="{FF2B5EF4-FFF2-40B4-BE49-F238E27FC236}">
-                <a16:creationId xmlns:a16="http://schemas.microsoft.com/office/drawing/2014/main" id="{5FBA814D-20A7-B49F-58DD-039876FAAA43}"/>
+                <a16:creationId xmlns:a16="http://schemas.microsoft.com/office/drawing/2014/main" id="{9EF2A118-148E-FFC0-2277-2E81829EBE99}"/>
               </a:ext>
             </a:extLst>
           </p:cNvPr>
@@ -25691,7 +26120,7 @@
     </p:spTree>
     <p:extLst>
       <p:ext uri="{BB962C8B-B14F-4D97-AF65-F5344CB8AC3E}">
-        <p14:creationId xmlns:p14="http://schemas.microsoft.com/office/powerpoint/2010/main" val="1755092168"/>
+        <p14:creationId xmlns:p14="http://schemas.microsoft.com/office/powerpoint/2010/main" val="4109125148"/>
       </p:ext>
     </p:extLst>
   </p:cSld>
@@ -25855,7 +26284,7 @@
           <p:cNvPr id="2" name="Title 1">
             <a:extLst>
               <a:ext uri="{FF2B5EF4-FFF2-40B4-BE49-F238E27FC236}">
-                <a16:creationId xmlns:a16="http://schemas.microsoft.com/office/drawing/2014/main" id="{D56CE693-701B-A715-57E9-BA343CEA0C27}"/>
+                <a16:creationId xmlns:a16="http://schemas.microsoft.com/office/drawing/2014/main" id="{90EFA674-D133-AE3D-BC96-44AEE754CC4E}"/>
               </a:ext>
             </a:extLst>
           </p:cNvPr>
@@ -25873,17 +26302,17 @@
           <a:p>
             <a:r>
               <a:rPr lang="en-US" dirty="0"/>
-              <a:t>Kernels</a:t>
+              <a:t>Not linearly separable</a:t>
             </a:r>
           </a:p>
         </p:txBody>
       </p:sp>
       <p:pic>
         <p:nvPicPr>
-          <p:cNvPr id="5" name="Content Placeholder 4" descr="A drawing of a cube with dots and arrows&#10;&#10;Description automatically generated">
-            <a:extLst>
-              <a:ext uri="{FF2B5EF4-FFF2-40B4-BE49-F238E27FC236}">
-                <a16:creationId xmlns:a16="http://schemas.microsoft.com/office/drawing/2014/main" id="{E24E94A8-8F72-238D-6E93-B31B8B1D4603}"/>
+          <p:cNvPr id="5" name="Content Placeholder 4" descr="A group of blue and green dots&#10;&#10;Description automatically generated">
+            <a:extLst>
+              <a:ext uri="{FF2B5EF4-FFF2-40B4-BE49-F238E27FC236}">
+                <a16:creationId xmlns:a16="http://schemas.microsoft.com/office/drawing/2014/main" id="{3DC6CDC9-C17A-B0E5-6879-4FD371192A99}"/>
               </a:ext>
             </a:extLst>
           </p:cNvPr>
@@ -25918,7 +26347,7 @@
           <p:cNvPr id="6" name="TextBox 5">
             <a:extLst>
               <a:ext uri="{FF2B5EF4-FFF2-40B4-BE49-F238E27FC236}">
-                <a16:creationId xmlns:a16="http://schemas.microsoft.com/office/drawing/2014/main" id="{51CF8928-F1AA-FD5D-469E-A1CB8350890B}"/>
+                <a16:creationId xmlns:a16="http://schemas.microsoft.com/office/drawing/2014/main" id="{F21E991D-844E-242E-5E51-1FAF3F8F342D}"/>
               </a:ext>
             </a:extLst>
           </p:cNvPr>
@@ -25953,7 +26382,7 @@
           <p:cNvPr id="3" name="Slide Number Placeholder 2">
             <a:extLst>
               <a:ext uri="{FF2B5EF4-FFF2-40B4-BE49-F238E27FC236}">
-                <a16:creationId xmlns:a16="http://schemas.microsoft.com/office/drawing/2014/main" id="{6E27406C-243B-EEB0-D874-9AE06CB529E3}"/>
+                <a16:creationId xmlns:a16="http://schemas.microsoft.com/office/drawing/2014/main" id="{5FBA814D-20A7-B49F-58DD-039876FAAA43}"/>
               </a:ext>
             </a:extLst>
           </p:cNvPr>
@@ -25980,7 +26409,7 @@
     </p:spTree>
     <p:extLst>
       <p:ext uri="{BB962C8B-B14F-4D97-AF65-F5344CB8AC3E}">
-        <p14:creationId xmlns:p14="http://schemas.microsoft.com/office/powerpoint/2010/main" val="163888688"/>
+        <p14:creationId xmlns:p14="http://schemas.microsoft.com/office/powerpoint/2010/main" val="1755092168"/>
       </p:ext>
     </p:extLst>
   </p:cSld>
@@ -26012,7 +26441,7 @@
           <p:cNvPr id="2" name="Title 1">
             <a:extLst>
               <a:ext uri="{FF2B5EF4-FFF2-40B4-BE49-F238E27FC236}">
-                <a16:creationId xmlns:a16="http://schemas.microsoft.com/office/drawing/2014/main" id="{F6C37856-3334-56BB-AE4A-CDE0B7F8D1C3}"/>
+                <a16:creationId xmlns:a16="http://schemas.microsoft.com/office/drawing/2014/main" id="{D56CE693-701B-A715-57E9-BA343CEA0C27}"/>
               </a:ext>
             </a:extLst>
           </p:cNvPr>
@@ -26030,17 +26459,17 @@
           <a:p>
             <a:r>
               <a:rPr lang="en-US" dirty="0"/>
-              <a:t>Linear Kernel</a:t>
+              <a:t>Kernels</a:t>
             </a:r>
           </a:p>
         </p:txBody>
       </p:sp>
       <p:pic>
         <p:nvPicPr>
-          <p:cNvPr id="9" name="Content Placeholder 8" descr="A diagram of a line graph&#10;&#10;Description automatically generated with medium confidence">
-            <a:extLst>
-              <a:ext uri="{FF2B5EF4-FFF2-40B4-BE49-F238E27FC236}">
-                <a16:creationId xmlns:a16="http://schemas.microsoft.com/office/drawing/2014/main" id="{89E050FB-A1E6-DB11-534B-970D7E76B0C3}"/>
+          <p:cNvPr id="5" name="Content Placeholder 4" descr="A drawing of a cube with dots and arrows&#10;&#10;Description automatically generated">
+            <a:extLst>
+              <a:ext uri="{FF2B5EF4-FFF2-40B4-BE49-F238E27FC236}">
+                <a16:creationId xmlns:a16="http://schemas.microsoft.com/office/drawing/2014/main" id="{E24E94A8-8F72-238D-6E93-B31B8B1D4603}"/>
               </a:ext>
             </a:extLst>
           </p:cNvPr>
@@ -26065,17 +26494,17 @@
         </p:blipFill>
         <p:spPr>
           <a:xfrm>
-            <a:off x="4081462" y="2567781"/>
-            <a:ext cx="4029075" cy="2867025"/>
+            <a:off x="2881312" y="2320131"/>
+            <a:ext cx="6429375" cy="3362325"/>
           </a:xfrm>
         </p:spPr>
       </p:pic>
       <p:sp>
         <p:nvSpPr>
-          <p:cNvPr id="10" name="TextBox 9">
-            <a:extLst>
-              <a:ext uri="{FF2B5EF4-FFF2-40B4-BE49-F238E27FC236}">
-                <a16:creationId xmlns:a16="http://schemas.microsoft.com/office/drawing/2014/main" id="{59FA2177-507F-378D-68B6-56EF2FD03D0D}"/>
+          <p:cNvPr id="6" name="TextBox 5">
+            <a:extLst>
+              <a:ext uri="{FF2B5EF4-FFF2-40B4-BE49-F238E27FC236}">
+                <a16:creationId xmlns:a16="http://schemas.microsoft.com/office/drawing/2014/main" id="{51CF8928-F1AA-FD5D-469E-A1CB8350890B}"/>
               </a:ext>
             </a:extLst>
           </p:cNvPr>
@@ -26084,8 +26513,8 @@
         </p:nvSpPr>
         <p:spPr>
           <a:xfrm>
-            <a:off x="5791200" y="6363335"/>
-            <a:ext cx="6309360" cy="276999"/>
+            <a:off x="6329680" y="6363335"/>
+            <a:ext cx="5770880" cy="276999"/>
           </a:xfrm>
           <a:prstGeom prst="rect">
             <a:avLst/>
@@ -26100,7 +26529,7 @@
           <a:p>
             <a:r>
               <a:rPr lang="en-US" sz="1200" dirty="0"/>
-              <a:t>https://www.kaggle.com/code/residentmario/kernels-and-support-vector-machine-regularization</a:t>
+              <a:t>https://www.kdnuggets.com/2016/07/support-vector-machines-simple-explanation.html</a:t>
             </a:r>
           </a:p>
         </p:txBody>
@@ -26110,7 +26539,7 @@
           <p:cNvPr id="3" name="Slide Number Placeholder 2">
             <a:extLst>
               <a:ext uri="{FF2B5EF4-FFF2-40B4-BE49-F238E27FC236}">
-                <a16:creationId xmlns:a16="http://schemas.microsoft.com/office/drawing/2014/main" id="{956385C1-3390-22CC-68A1-A53D3430387D}"/>
+                <a16:creationId xmlns:a16="http://schemas.microsoft.com/office/drawing/2014/main" id="{6E27406C-243B-EEB0-D874-9AE06CB529E3}"/>
               </a:ext>
             </a:extLst>
           </p:cNvPr>
@@ -26137,7 +26566,7 @@
     </p:spTree>
     <p:extLst>
       <p:ext uri="{BB962C8B-B14F-4D97-AF65-F5344CB8AC3E}">
-        <p14:creationId xmlns:p14="http://schemas.microsoft.com/office/powerpoint/2010/main" val="1970839961"/>
+        <p14:creationId xmlns:p14="http://schemas.microsoft.com/office/powerpoint/2010/main" val="163888688"/>
       </p:ext>
     </p:extLst>
   </p:cSld>
@@ -26169,7 +26598,7 @@
           <p:cNvPr id="2" name="Title 1">
             <a:extLst>
               <a:ext uri="{FF2B5EF4-FFF2-40B4-BE49-F238E27FC236}">
-                <a16:creationId xmlns:a16="http://schemas.microsoft.com/office/drawing/2014/main" id="{329431AA-D5EF-5D37-4DCD-850AD8C6751C}"/>
+                <a16:creationId xmlns:a16="http://schemas.microsoft.com/office/drawing/2014/main" id="{F6C37856-3334-56BB-AE4A-CDE0B7F8D1C3}"/>
               </a:ext>
             </a:extLst>
           </p:cNvPr>
@@ -26187,17 +26616,17 @@
           <a:p>
             <a:r>
               <a:rPr lang="en-US" dirty="0"/>
-              <a:t>Polynomial Kernel</a:t>
+              <a:t>Linear Kernel</a:t>
             </a:r>
           </a:p>
         </p:txBody>
       </p:sp>
       <p:pic>
         <p:nvPicPr>
-          <p:cNvPr id="6" name="Content Placeholder 5" descr="A diagram of a curve&#10;&#10;Description automatically generated with medium confidence">
-            <a:extLst>
-              <a:ext uri="{FF2B5EF4-FFF2-40B4-BE49-F238E27FC236}">
-                <a16:creationId xmlns:a16="http://schemas.microsoft.com/office/drawing/2014/main" id="{48789844-5969-CC26-4E92-7962005DDD07}"/>
+          <p:cNvPr id="9" name="Content Placeholder 8" descr="A diagram of a line graph&#10;&#10;Description automatically generated with medium confidence">
+            <a:extLst>
+              <a:ext uri="{FF2B5EF4-FFF2-40B4-BE49-F238E27FC236}">
+                <a16:creationId xmlns:a16="http://schemas.microsoft.com/office/drawing/2014/main" id="{89E050FB-A1E6-DB11-534B-970D7E76B0C3}"/>
               </a:ext>
             </a:extLst>
           </p:cNvPr>
@@ -26229,10 +26658,10 @@
       </p:pic>
       <p:sp>
         <p:nvSpPr>
-          <p:cNvPr id="4" name="TextBox 3">
-            <a:extLst>
-              <a:ext uri="{FF2B5EF4-FFF2-40B4-BE49-F238E27FC236}">
-                <a16:creationId xmlns:a16="http://schemas.microsoft.com/office/drawing/2014/main" id="{4D7D2290-AF19-F37B-C46F-947D45DA9667}"/>
+          <p:cNvPr id="10" name="TextBox 9">
+            <a:extLst>
+              <a:ext uri="{FF2B5EF4-FFF2-40B4-BE49-F238E27FC236}">
+                <a16:creationId xmlns:a16="http://schemas.microsoft.com/office/drawing/2014/main" id="{59FA2177-507F-378D-68B6-56EF2FD03D0D}"/>
               </a:ext>
             </a:extLst>
           </p:cNvPr>
@@ -26267,7 +26696,7 @@
           <p:cNvPr id="3" name="Slide Number Placeholder 2">
             <a:extLst>
               <a:ext uri="{FF2B5EF4-FFF2-40B4-BE49-F238E27FC236}">
-                <a16:creationId xmlns:a16="http://schemas.microsoft.com/office/drawing/2014/main" id="{82FBC9E7-B713-928A-3FC6-EA1F22511BBA}"/>
+                <a16:creationId xmlns:a16="http://schemas.microsoft.com/office/drawing/2014/main" id="{956385C1-3390-22CC-68A1-A53D3430387D}"/>
               </a:ext>
             </a:extLst>
           </p:cNvPr>
@@ -26294,7 +26723,7 @@
     </p:spTree>
     <p:extLst>
       <p:ext uri="{BB962C8B-B14F-4D97-AF65-F5344CB8AC3E}">
-        <p14:creationId xmlns:p14="http://schemas.microsoft.com/office/powerpoint/2010/main" val="1766349912"/>
+        <p14:creationId xmlns:p14="http://schemas.microsoft.com/office/powerpoint/2010/main" val="1970839961"/>
       </p:ext>
     </p:extLst>
   </p:cSld>
@@ -26326,7 +26755,7 @@
           <p:cNvPr id="2" name="Title 1">
             <a:extLst>
               <a:ext uri="{FF2B5EF4-FFF2-40B4-BE49-F238E27FC236}">
-                <a16:creationId xmlns:a16="http://schemas.microsoft.com/office/drawing/2014/main" id="{CA0007B9-E2C6-DB3B-FD80-2769CB021252}"/>
+                <a16:creationId xmlns:a16="http://schemas.microsoft.com/office/drawing/2014/main" id="{329431AA-D5EF-5D37-4DCD-850AD8C6751C}"/>
               </a:ext>
             </a:extLst>
           </p:cNvPr>
@@ -26344,17 +26773,17 @@
           <a:p>
             <a:r>
               <a:rPr lang="en-US" dirty="0"/>
-              <a:t>RBF Kernel</a:t>
+              <a:t>Polynomial Kernel</a:t>
             </a:r>
           </a:p>
         </p:txBody>
       </p:sp>
       <p:pic>
         <p:nvPicPr>
-          <p:cNvPr id="7" name="Content Placeholder 6" descr="A diagram of a line of different colored circles&#10;&#10;Description automatically generated with medium confidence">
-            <a:extLst>
-              <a:ext uri="{FF2B5EF4-FFF2-40B4-BE49-F238E27FC236}">
-                <a16:creationId xmlns:a16="http://schemas.microsoft.com/office/drawing/2014/main" id="{DAFB706F-BF40-595E-0682-E110B3337783}"/>
+          <p:cNvPr id="6" name="Content Placeholder 5" descr="A diagram of a curve&#10;&#10;Description automatically generated with medium confidence">
+            <a:extLst>
+              <a:ext uri="{FF2B5EF4-FFF2-40B4-BE49-F238E27FC236}">
+                <a16:creationId xmlns:a16="http://schemas.microsoft.com/office/drawing/2014/main" id="{48789844-5969-CC26-4E92-7962005DDD07}"/>
               </a:ext>
             </a:extLst>
           </p:cNvPr>
@@ -26386,10 +26815,10 @@
       </p:pic>
       <p:sp>
         <p:nvSpPr>
-          <p:cNvPr id="5" name="TextBox 4">
-            <a:extLst>
-              <a:ext uri="{FF2B5EF4-FFF2-40B4-BE49-F238E27FC236}">
-                <a16:creationId xmlns:a16="http://schemas.microsoft.com/office/drawing/2014/main" id="{9FA13FAA-AD01-3736-053C-1ECA4DCAA4BC}"/>
+          <p:cNvPr id="4" name="TextBox 3">
+            <a:extLst>
+              <a:ext uri="{FF2B5EF4-FFF2-40B4-BE49-F238E27FC236}">
+                <a16:creationId xmlns:a16="http://schemas.microsoft.com/office/drawing/2014/main" id="{4D7D2290-AF19-F37B-C46F-947D45DA9667}"/>
               </a:ext>
             </a:extLst>
           </p:cNvPr>
@@ -26421,56 +26850,10 @@
       </p:sp>
       <p:sp>
         <p:nvSpPr>
-          <p:cNvPr id="8" name="TextBox 7">
-            <a:extLst>
-              <a:ext uri="{FF2B5EF4-FFF2-40B4-BE49-F238E27FC236}">
-                <a16:creationId xmlns:a16="http://schemas.microsoft.com/office/drawing/2014/main" id="{BFA8640E-D20D-FD24-7D0A-7B6A7E1D1225}"/>
-              </a:ext>
-            </a:extLst>
-          </p:cNvPr>
-          <p:cNvSpPr txBox="1"/>
-          <p:nvPr/>
-        </p:nvSpPr>
-        <p:spPr>
-          <a:xfrm>
-            <a:off x="721360" y="1564640"/>
-            <a:ext cx="4622800" cy="646331"/>
-          </a:xfrm>
-          <a:prstGeom prst="rect">
-            <a:avLst/>
-          </a:prstGeom>
-          <a:noFill/>
-        </p:spPr>
-        <p:txBody>
-          <a:bodyPr wrap="square" rtlCol="0">
-            <a:spAutoFit/>
-          </a:bodyPr>
-          <a:lstStyle/>
-          <a:p>
-            <a:r>
-              <a:rPr lang="en-US" dirty="0"/>
-              <a:t>- Radial Basis Function (Gaussian)</a:t>
-            </a:r>
-          </a:p>
-          <a:p>
-            <a:r>
-              <a:rPr lang="en-US" dirty="0"/>
-              <a:t>- default in </a:t>
-            </a:r>
-            <a:r>
-              <a:rPr lang="en-US" i="1" dirty="0" err="1"/>
-              <a:t>sklearn</a:t>
-            </a:r>
-            <a:endParaRPr lang="en-US" i="1" dirty="0"/>
-          </a:p>
-        </p:txBody>
-      </p:sp>
-      <p:sp>
-        <p:nvSpPr>
           <p:cNvPr id="3" name="Slide Number Placeholder 2">
             <a:extLst>
               <a:ext uri="{FF2B5EF4-FFF2-40B4-BE49-F238E27FC236}">
-                <a16:creationId xmlns:a16="http://schemas.microsoft.com/office/drawing/2014/main" id="{5D2593B7-B147-695A-8261-244FD4E1783D}"/>
+                <a16:creationId xmlns:a16="http://schemas.microsoft.com/office/drawing/2014/main" id="{82FBC9E7-B713-928A-3FC6-EA1F22511BBA}"/>
               </a:ext>
             </a:extLst>
           </p:cNvPr>
@@ -26497,7 +26880,7 @@
     </p:spTree>
     <p:extLst>
       <p:ext uri="{BB962C8B-B14F-4D97-AF65-F5344CB8AC3E}">
-        <p14:creationId xmlns:p14="http://schemas.microsoft.com/office/powerpoint/2010/main" val="175105071"/>
+        <p14:creationId xmlns:p14="http://schemas.microsoft.com/office/powerpoint/2010/main" val="1766349912"/>
       </p:ext>
     </p:extLst>
   </p:cSld>
@@ -26529,6 +26912,209 @@
           <p:cNvPr id="2" name="Title 1">
             <a:extLst>
               <a:ext uri="{FF2B5EF4-FFF2-40B4-BE49-F238E27FC236}">
+                <a16:creationId xmlns:a16="http://schemas.microsoft.com/office/drawing/2014/main" id="{CA0007B9-E2C6-DB3B-FD80-2769CB021252}"/>
+              </a:ext>
+            </a:extLst>
+          </p:cNvPr>
+          <p:cNvSpPr>
+            <a:spLocks noGrp="1"/>
+          </p:cNvSpPr>
+          <p:nvPr>
+            <p:ph type="title"/>
+          </p:nvPr>
+        </p:nvSpPr>
+        <p:spPr/>
+        <p:txBody>
+          <a:bodyPr/>
+          <a:lstStyle/>
+          <a:p>
+            <a:r>
+              <a:rPr lang="en-US" dirty="0"/>
+              <a:t>RBF Kernel</a:t>
+            </a:r>
+          </a:p>
+        </p:txBody>
+      </p:sp>
+      <p:pic>
+        <p:nvPicPr>
+          <p:cNvPr id="7" name="Content Placeholder 6" descr="A diagram of a line of different colored circles&#10;&#10;Description automatically generated with medium confidence">
+            <a:extLst>
+              <a:ext uri="{FF2B5EF4-FFF2-40B4-BE49-F238E27FC236}">
+                <a16:creationId xmlns:a16="http://schemas.microsoft.com/office/drawing/2014/main" id="{DAFB706F-BF40-595E-0682-E110B3337783}"/>
+              </a:ext>
+            </a:extLst>
+          </p:cNvPr>
+          <p:cNvPicPr>
+            <a:picLocks noGrp="1" noChangeAspect="1"/>
+          </p:cNvPicPr>
+          <p:nvPr>
+            <p:ph idx="1"/>
+          </p:nvPr>
+        </p:nvPicPr>
+        <p:blipFill>
+          <a:blip r:embed="rId2">
+            <a:extLst>
+              <a:ext uri="{28A0092B-C50C-407E-A947-70E740481C1C}">
+                <a14:useLocalDpi xmlns:a14="http://schemas.microsoft.com/office/drawing/2010/main" val="0"/>
+              </a:ext>
+            </a:extLst>
+          </a:blip>
+          <a:stretch>
+            <a:fillRect/>
+          </a:stretch>
+        </p:blipFill>
+        <p:spPr>
+          <a:xfrm>
+            <a:off x="4081462" y="2567781"/>
+            <a:ext cx="4029075" cy="2867025"/>
+          </a:xfrm>
+        </p:spPr>
+      </p:pic>
+      <p:sp>
+        <p:nvSpPr>
+          <p:cNvPr id="5" name="TextBox 4">
+            <a:extLst>
+              <a:ext uri="{FF2B5EF4-FFF2-40B4-BE49-F238E27FC236}">
+                <a16:creationId xmlns:a16="http://schemas.microsoft.com/office/drawing/2014/main" id="{9FA13FAA-AD01-3736-053C-1ECA4DCAA4BC}"/>
+              </a:ext>
+            </a:extLst>
+          </p:cNvPr>
+          <p:cNvSpPr txBox="1"/>
+          <p:nvPr/>
+        </p:nvSpPr>
+        <p:spPr>
+          <a:xfrm>
+            <a:off x="5791200" y="6363335"/>
+            <a:ext cx="6309360" cy="276999"/>
+          </a:xfrm>
+          <a:prstGeom prst="rect">
+            <a:avLst/>
+          </a:prstGeom>
+          <a:noFill/>
+        </p:spPr>
+        <p:txBody>
+          <a:bodyPr wrap="square" rtlCol="0">
+            <a:spAutoFit/>
+          </a:bodyPr>
+          <a:lstStyle/>
+          <a:p>
+            <a:r>
+              <a:rPr lang="en-US" sz="1200" dirty="0"/>
+              <a:t>https://www.kaggle.com/code/residentmario/kernels-and-support-vector-machine-regularization</a:t>
+            </a:r>
+          </a:p>
+        </p:txBody>
+      </p:sp>
+      <p:sp>
+        <p:nvSpPr>
+          <p:cNvPr id="8" name="TextBox 7">
+            <a:extLst>
+              <a:ext uri="{FF2B5EF4-FFF2-40B4-BE49-F238E27FC236}">
+                <a16:creationId xmlns:a16="http://schemas.microsoft.com/office/drawing/2014/main" id="{BFA8640E-D20D-FD24-7D0A-7B6A7E1D1225}"/>
+              </a:ext>
+            </a:extLst>
+          </p:cNvPr>
+          <p:cNvSpPr txBox="1"/>
+          <p:nvPr/>
+        </p:nvSpPr>
+        <p:spPr>
+          <a:xfrm>
+            <a:off x="721360" y="1564640"/>
+            <a:ext cx="4622800" cy="646331"/>
+          </a:xfrm>
+          <a:prstGeom prst="rect">
+            <a:avLst/>
+          </a:prstGeom>
+          <a:noFill/>
+        </p:spPr>
+        <p:txBody>
+          <a:bodyPr wrap="square" rtlCol="0">
+            <a:spAutoFit/>
+          </a:bodyPr>
+          <a:lstStyle/>
+          <a:p>
+            <a:r>
+              <a:rPr lang="en-US" dirty="0"/>
+              <a:t>- Radial Basis Function (Gaussian)</a:t>
+            </a:r>
+          </a:p>
+          <a:p>
+            <a:r>
+              <a:rPr lang="en-US" dirty="0"/>
+              <a:t>- default in </a:t>
+            </a:r>
+            <a:r>
+              <a:rPr lang="en-US" i="1" dirty="0" err="1"/>
+              <a:t>sklearn</a:t>
+            </a:r>
+            <a:endParaRPr lang="en-US" i="1" dirty="0"/>
+          </a:p>
+        </p:txBody>
+      </p:sp>
+      <p:sp>
+        <p:nvSpPr>
+          <p:cNvPr id="3" name="Slide Number Placeholder 2">
+            <a:extLst>
+              <a:ext uri="{FF2B5EF4-FFF2-40B4-BE49-F238E27FC236}">
+                <a16:creationId xmlns:a16="http://schemas.microsoft.com/office/drawing/2014/main" id="{5D2593B7-B147-695A-8261-244FD4E1783D}"/>
+              </a:ext>
+            </a:extLst>
+          </p:cNvPr>
+          <p:cNvSpPr>
+            <a:spLocks noGrp="1"/>
+          </p:cNvSpPr>
+          <p:nvPr>
+            <p:ph type="sldNum" sz="quarter" idx="12"/>
+          </p:nvPr>
+        </p:nvSpPr>
+        <p:spPr/>
+        <p:txBody>
+          <a:bodyPr/>
+          <a:lstStyle/>
+          <a:p>
+            <a:fld id="{E862C174-85D7-4478-B3BB-01728BCCC1F6}" type="slidenum">
+              <a:rPr lang="en-US" smtClean="0"/>
+              <a:t>64</a:t>
+            </a:fld>
+            <a:endParaRPr lang="en-US"/>
+          </a:p>
+        </p:txBody>
+      </p:sp>
+    </p:spTree>
+    <p:extLst>
+      <p:ext uri="{BB962C8B-B14F-4D97-AF65-F5344CB8AC3E}">
+        <p14:creationId xmlns:p14="http://schemas.microsoft.com/office/powerpoint/2010/main" val="175105071"/>
+      </p:ext>
+    </p:extLst>
+  </p:cSld>
+  <p:clrMapOvr>
+    <a:masterClrMapping/>
+  </p:clrMapOvr>
+</p:sld>
+</file>
+
+<file path=ppt/slides/slide65.xml><?xml version="1.0" encoding="utf-8"?>
+<p:sld xmlns:a="http://schemas.openxmlformats.org/drawingml/2006/main" xmlns:r="http://schemas.openxmlformats.org/officeDocument/2006/relationships" xmlns:p="http://schemas.openxmlformats.org/presentationml/2006/main">
+  <p:cSld>
+    <p:spTree>
+      <p:nvGrpSpPr>
+        <p:cNvPr id="1" name=""/>
+        <p:cNvGrpSpPr/>
+        <p:nvPr/>
+      </p:nvGrpSpPr>
+      <p:grpSpPr>
+        <a:xfrm>
+          <a:off x="0" y="0"/>
+          <a:ext cx="0" cy="0"/>
+          <a:chOff x="0" y="0"/>
+          <a:chExt cx="0" cy="0"/>
+        </a:xfrm>
+      </p:grpSpPr>
+      <p:sp>
+        <p:nvSpPr>
+          <p:cNvPr id="2" name="Title 1">
+            <a:extLst>
+              <a:ext uri="{FF2B5EF4-FFF2-40B4-BE49-F238E27FC236}">
                 <a16:creationId xmlns:a16="http://schemas.microsoft.com/office/drawing/2014/main" id="{01749A61-DE13-7340-428B-CBE43E9966C7}"/>
               </a:ext>
             </a:extLst>
@@ -26610,7 +27196,7 @@
           <a:p>
             <a:fld id="{E862C174-85D7-4478-B3BB-01728BCCC1F6}" type="slidenum">
               <a:rPr lang="en-US" smtClean="0"/>
-              <a:t>64</a:t>
+              <a:t>65</a:t>
             </a:fld>
             <a:endParaRPr lang="en-US"/>
           </a:p>
@@ -26664,7 +27250,7 @@
 </p:sld>
 </file>
 
-<file path=ppt/slides/slide65.xml><?xml version="1.0" encoding="utf-8"?>
+<file path=ppt/slides/slide66.xml><?xml version="1.0" encoding="utf-8"?>
 <p:sld xmlns:a="http://schemas.openxmlformats.org/drawingml/2006/main" xmlns:r="http://schemas.openxmlformats.org/officeDocument/2006/relationships" xmlns:p="http://schemas.openxmlformats.org/presentationml/2006/main">
   <p:cSld>
     <p:spTree>
@@ -27088,7 +27674,7 @@
           <a:p>
             <a:fld id="{E862C174-85D7-4478-B3BB-01728BCCC1F6}" type="slidenum">
               <a:rPr lang="en-US" smtClean="0"/>
-              <a:t>65</a:t>
+              <a:t>66</a:t>
             </a:fld>
             <a:endParaRPr lang="en-US"/>
           </a:p>
@@ -27107,7 +27693,7 @@
 </p:sld>
 </file>
 
-<file path=ppt/slides/slide66.xml><?xml version="1.0" encoding="utf-8"?>
+<file path=ppt/slides/slide67.xml><?xml version="1.0" encoding="utf-8"?>
 <p:sld xmlns:a="http://schemas.openxmlformats.org/drawingml/2006/main" xmlns:r="http://schemas.openxmlformats.org/officeDocument/2006/relationships" xmlns:p="http://schemas.openxmlformats.org/presentationml/2006/main">
   <p:cSld>
     <p:spTree>
@@ -27245,7 +27831,7 @@
           <a:p>
             <a:fld id="{E862C174-85D7-4478-B3BB-01728BCCC1F6}" type="slidenum">
               <a:rPr lang="en-US" smtClean="0"/>
-              <a:t>66</a:t>
+              <a:t>67</a:t>
             </a:fld>
             <a:endParaRPr lang="en-US"/>
           </a:p>
@@ -27264,7 +27850,7 @@
 </p:sld>
 </file>
 
-<file path=ppt/slides/slide67.xml><?xml version="1.0" encoding="utf-8"?>
+<file path=ppt/slides/slide68.xml><?xml version="1.0" encoding="utf-8"?>
 <p:sld xmlns:a="http://schemas.openxmlformats.org/drawingml/2006/main" xmlns:r="http://schemas.openxmlformats.org/officeDocument/2006/relationships" xmlns:p="http://schemas.openxmlformats.org/presentationml/2006/main">
   <p:cSld>
     <p:spTree>
@@ -27608,7 +28194,7 @@
           <a:p>
             <a:fld id="{E862C174-85D7-4478-B3BB-01728BCCC1F6}" type="slidenum">
               <a:rPr lang="en-US" smtClean="0"/>
-              <a:t>67</a:t>
+              <a:t>68</a:t>
             </a:fld>
             <a:endParaRPr lang="en-US"/>
           </a:p>
@@ -27627,7 +28213,7 @@
 </p:sld>
 </file>
 
-<file path=ppt/slides/slide68.xml><?xml version="1.0" encoding="utf-8"?>
+<file path=ppt/slides/slide69.xml><?xml version="1.0" encoding="utf-8"?>
 <p:sld xmlns:a="http://schemas.openxmlformats.org/drawingml/2006/main" xmlns:r="http://schemas.openxmlformats.org/officeDocument/2006/relationships" xmlns:p="http://schemas.openxmlformats.org/presentationml/2006/main">
   <p:cSld>
     <p:spTree>
@@ -27747,7 +28333,7 @@
           <a:p>
             <a:fld id="{E862C174-85D7-4478-B3BB-01728BCCC1F6}" type="slidenum">
               <a:rPr lang="en-US" smtClean="0"/>
-              <a:t>68</a:t>
+              <a:t>69</a:t>
             </a:fld>
             <a:endParaRPr lang="en-US"/>
           </a:p>
@@ -28010,7 +28596,7 @@
 </p:sld>
 </file>
 
-<file path=ppt/slides/slide69.xml><?xml version="1.0" encoding="utf-8"?>
+<file path=ppt/slides/slide7.xml><?xml version="1.0" encoding="utf-8"?>
 <p:sld xmlns:a="http://schemas.openxmlformats.org/drawingml/2006/main" xmlns:r="http://schemas.openxmlformats.org/officeDocument/2006/relationships" xmlns:p="http://schemas.openxmlformats.org/presentationml/2006/main">
   <p:cSld>
     <p:spTree>
@@ -28032,7 +28618,7 @@
           <p:cNvPr id="2" name="Title 1">
             <a:extLst>
               <a:ext uri="{FF2B5EF4-FFF2-40B4-BE49-F238E27FC236}">
-                <a16:creationId xmlns:a16="http://schemas.microsoft.com/office/drawing/2014/main" id="{1F7708B5-D524-191A-DADF-F3B53D89A7B9}"/>
+                <a16:creationId xmlns:a16="http://schemas.microsoft.com/office/drawing/2014/main" id="{23F20A29-1B27-8FAA-E353-7F9A25E64CB3}"/>
               </a:ext>
             </a:extLst>
           </p:cNvPr>
@@ -28049,9 +28635,12 @@
           <a:lstStyle/>
           <a:p>
             <a:r>
-              <a:rPr lang="en-US" dirty="0"/>
-              <a:t>Decision Trees</a:t>
-            </a:r>
+              <a:rPr lang="en-US" dirty="0">
+                <a:cs typeface="Calibri Light"/>
+              </a:rPr>
+              <a:t>Machine Learning 2 Outline</a:t>
+            </a:r>
+            <a:endParaRPr lang="en-US" dirty="0"/>
           </a:p>
         </p:txBody>
       </p:sp>
@@ -28060,7 +28649,7 @@
           <p:cNvPr id="3" name="Content Placeholder 2">
             <a:extLst>
               <a:ext uri="{FF2B5EF4-FFF2-40B4-BE49-F238E27FC236}">
-                <a16:creationId xmlns:a16="http://schemas.microsoft.com/office/drawing/2014/main" id="{EE1EF052-158A-7083-9024-D37CFE396895}"/>
+                <a16:creationId xmlns:a16="http://schemas.microsoft.com/office/drawing/2014/main" id="{9610ED39-8753-3608-7057-5879528F349B}"/>
               </a:ext>
             </a:extLst>
           </p:cNvPr>
@@ -28073,10 +28662,32 @@
         </p:nvSpPr>
         <p:spPr/>
         <p:txBody>
-          <a:bodyPr/>
-          <a:lstStyle/>
-          <a:p>
-            <a:endParaRPr lang="en-US" dirty="0"/>
+          <a:bodyPr vert="horz" lIns="91440" tIns="45720" rIns="91440" bIns="45720" rtlCol="0" anchor="t">
+            <a:normAutofit/>
+          </a:bodyPr>
+          <a:lstStyle/>
+          <a:p>
+            <a:r>
+              <a:rPr lang="en-US" dirty="0"/>
+              <a:t>Tutorials</a:t>
+            </a:r>
+          </a:p>
+          <a:p>
+            <a:pPr lvl="1"/>
+            <a:r>
+              <a:rPr lang="en-US" dirty="0"/>
+              <a:t>Linear Regression (using scikit-learn library)</a:t>
+            </a:r>
+          </a:p>
+          <a:p>
+            <a:pPr lvl="1"/>
+            <a:r>
+              <a:rPr lang="en-US" dirty="0"/>
+              <a:t>SVM (using scikit-learn library)</a:t>
+            </a:r>
+            <a:endParaRPr lang="en-US" dirty="0">
+              <a:cs typeface="Calibri"/>
+            </a:endParaRPr>
           </a:p>
         </p:txBody>
       </p:sp>
@@ -28085,7 +28696,7 @@
           <p:cNvPr id="4" name="Slide Number Placeholder 3">
             <a:extLst>
               <a:ext uri="{FF2B5EF4-FFF2-40B4-BE49-F238E27FC236}">
-                <a16:creationId xmlns:a16="http://schemas.microsoft.com/office/drawing/2014/main" id="{11C44C4F-ABC4-C46F-56DF-9746D6A5DBE4}"/>
+                <a16:creationId xmlns:a16="http://schemas.microsoft.com/office/drawing/2014/main" id="{F16F6576-5A6F-C88E-D763-AF330D119D28}"/>
               </a:ext>
             </a:extLst>
           </p:cNvPr>
@@ -28103,7 +28714,119 @@
           <a:p>
             <a:fld id="{E862C174-85D7-4478-B3BB-01728BCCC1F6}" type="slidenum">
               <a:rPr lang="en-US" smtClean="0"/>
-              <a:t>69</a:t>
+              <a:t>7</a:t>
+            </a:fld>
+            <a:endParaRPr lang="en-US"/>
+          </a:p>
+        </p:txBody>
+      </p:sp>
+    </p:spTree>
+    <p:extLst>
+      <p:ext uri="{BB962C8B-B14F-4D97-AF65-F5344CB8AC3E}">
+        <p14:creationId xmlns:p14="http://schemas.microsoft.com/office/powerpoint/2010/main" val="2067799708"/>
+      </p:ext>
+    </p:extLst>
+  </p:cSld>
+  <p:clrMapOvr>
+    <a:masterClrMapping/>
+  </p:clrMapOvr>
+</p:sld>
+</file>
+
+<file path=ppt/slides/slide70.xml><?xml version="1.0" encoding="utf-8"?>
+<p:sld xmlns:a="http://schemas.openxmlformats.org/drawingml/2006/main" xmlns:r="http://schemas.openxmlformats.org/officeDocument/2006/relationships" xmlns:p="http://schemas.openxmlformats.org/presentationml/2006/main">
+  <p:cSld>
+    <p:spTree>
+      <p:nvGrpSpPr>
+        <p:cNvPr id="1" name=""/>
+        <p:cNvGrpSpPr/>
+        <p:nvPr/>
+      </p:nvGrpSpPr>
+      <p:grpSpPr>
+        <a:xfrm>
+          <a:off x="0" y="0"/>
+          <a:ext cx="0" cy="0"/>
+          <a:chOff x="0" y="0"/>
+          <a:chExt cx="0" cy="0"/>
+        </a:xfrm>
+      </p:grpSpPr>
+      <p:sp>
+        <p:nvSpPr>
+          <p:cNvPr id="2" name="Title 1">
+            <a:extLst>
+              <a:ext uri="{FF2B5EF4-FFF2-40B4-BE49-F238E27FC236}">
+                <a16:creationId xmlns:a16="http://schemas.microsoft.com/office/drawing/2014/main" id="{1F7708B5-D524-191A-DADF-F3B53D89A7B9}"/>
+              </a:ext>
+            </a:extLst>
+          </p:cNvPr>
+          <p:cNvSpPr>
+            <a:spLocks noGrp="1"/>
+          </p:cNvSpPr>
+          <p:nvPr>
+            <p:ph type="title"/>
+          </p:nvPr>
+        </p:nvSpPr>
+        <p:spPr/>
+        <p:txBody>
+          <a:bodyPr/>
+          <a:lstStyle/>
+          <a:p>
+            <a:r>
+              <a:rPr lang="en-US" dirty="0"/>
+              <a:t>Decision Trees</a:t>
+            </a:r>
+          </a:p>
+        </p:txBody>
+      </p:sp>
+      <p:sp>
+        <p:nvSpPr>
+          <p:cNvPr id="3" name="Content Placeholder 2">
+            <a:extLst>
+              <a:ext uri="{FF2B5EF4-FFF2-40B4-BE49-F238E27FC236}">
+                <a16:creationId xmlns:a16="http://schemas.microsoft.com/office/drawing/2014/main" id="{EE1EF052-158A-7083-9024-D37CFE396895}"/>
+              </a:ext>
+            </a:extLst>
+          </p:cNvPr>
+          <p:cNvSpPr>
+            <a:spLocks noGrp="1"/>
+          </p:cNvSpPr>
+          <p:nvPr>
+            <p:ph idx="1"/>
+          </p:nvPr>
+        </p:nvSpPr>
+        <p:spPr/>
+        <p:txBody>
+          <a:bodyPr/>
+          <a:lstStyle/>
+          <a:p>
+            <a:endParaRPr lang="en-US" dirty="0"/>
+          </a:p>
+        </p:txBody>
+      </p:sp>
+      <p:sp>
+        <p:nvSpPr>
+          <p:cNvPr id="4" name="Slide Number Placeholder 3">
+            <a:extLst>
+              <a:ext uri="{FF2B5EF4-FFF2-40B4-BE49-F238E27FC236}">
+                <a16:creationId xmlns:a16="http://schemas.microsoft.com/office/drawing/2014/main" id="{11C44C4F-ABC4-C46F-56DF-9746D6A5DBE4}"/>
+              </a:ext>
+            </a:extLst>
+          </p:cNvPr>
+          <p:cNvSpPr>
+            <a:spLocks noGrp="1"/>
+          </p:cNvSpPr>
+          <p:nvPr>
+            <p:ph type="sldNum" sz="quarter" idx="12"/>
+          </p:nvPr>
+        </p:nvSpPr>
+        <p:spPr/>
+        <p:txBody>
+          <a:bodyPr/>
+          <a:lstStyle/>
+          <a:p>
+            <a:fld id="{E862C174-85D7-4478-B3BB-01728BCCC1F6}" type="slidenum">
+              <a:rPr lang="en-US" smtClean="0"/>
+              <a:t>70</a:t>
             </a:fld>
             <a:endParaRPr lang="en-US"/>
           </a:p>
@@ -28781,272 +29504,6 @@
 </p:sld>
 </file>
 
-<file path=ppt/slides/slide7.xml><?xml version="1.0" encoding="utf-8"?>
-<p:sld xmlns:a="http://schemas.openxmlformats.org/drawingml/2006/main" xmlns:r="http://schemas.openxmlformats.org/officeDocument/2006/relationships" xmlns:p="http://schemas.openxmlformats.org/presentationml/2006/main">
-  <p:cSld>
-    <p:spTree>
-      <p:nvGrpSpPr>
-        <p:cNvPr id="1" name=""/>
-        <p:cNvGrpSpPr/>
-        <p:nvPr/>
-      </p:nvGrpSpPr>
-      <p:grpSpPr>
-        <a:xfrm>
-          <a:off x="0" y="0"/>
-          <a:ext cx="0" cy="0"/>
-          <a:chOff x="0" y="0"/>
-          <a:chExt cx="0" cy="0"/>
-        </a:xfrm>
-      </p:grpSpPr>
-      <p:sp>
-        <p:nvSpPr>
-          <p:cNvPr id="2" name="Title 1">
-            <a:extLst>
-              <a:ext uri="{FF2B5EF4-FFF2-40B4-BE49-F238E27FC236}">
-                <a16:creationId xmlns:a16="http://schemas.microsoft.com/office/drawing/2014/main" id="{23F20A29-1B27-8FAA-E353-7F9A25E64CB3}"/>
-              </a:ext>
-            </a:extLst>
-          </p:cNvPr>
-          <p:cNvSpPr>
-            <a:spLocks noGrp="1"/>
-          </p:cNvSpPr>
-          <p:nvPr>
-            <p:ph type="title"/>
-          </p:nvPr>
-        </p:nvSpPr>
-        <p:spPr/>
-        <p:txBody>
-          <a:bodyPr/>
-          <a:lstStyle/>
-          <a:p>
-            <a:r>
-              <a:rPr lang="en-US" dirty="0">
-                <a:cs typeface="Calibri Light"/>
-              </a:rPr>
-              <a:t>Machine Learning 2 Outline</a:t>
-            </a:r>
-            <a:endParaRPr lang="en-US" dirty="0"/>
-          </a:p>
-        </p:txBody>
-      </p:sp>
-      <p:sp>
-        <p:nvSpPr>
-          <p:cNvPr id="3" name="Content Placeholder 2">
-            <a:extLst>
-              <a:ext uri="{FF2B5EF4-FFF2-40B4-BE49-F238E27FC236}">
-                <a16:creationId xmlns:a16="http://schemas.microsoft.com/office/drawing/2014/main" id="{9610ED39-8753-3608-7057-5879528F349B}"/>
-              </a:ext>
-            </a:extLst>
-          </p:cNvPr>
-          <p:cNvSpPr>
-            <a:spLocks noGrp="1"/>
-          </p:cNvSpPr>
-          <p:nvPr>
-            <p:ph idx="1"/>
-          </p:nvPr>
-        </p:nvSpPr>
-        <p:spPr/>
-        <p:txBody>
-          <a:bodyPr vert="horz" lIns="91440" tIns="45720" rIns="91440" bIns="45720" rtlCol="0" anchor="t">
-            <a:normAutofit/>
-          </a:bodyPr>
-          <a:lstStyle/>
-          <a:p>
-            <a:r>
-              <a:rPr lang="en-US" dirty="0"/>
-              <a:t>Tutorials</a:t>
-            </a:r>
-          </a:p>
-          <a:p>
-            <a:pPr lvl="1"/>
-            <a:r>
-              <a:rPr lang="en-US" dirty="0"/>
-              <a:t>Linear Regression (using scikit-learn library)</a:t>
-            </a:r>
-          </a:p>
-          <a:p>
-            <a:pPr lvl="1"/>
-            <a:r>
-              <a:rPr lang="en-US" dirty="0"/>
-              <a:t>SVM (using scikit-learn library)</a:t>
-            </a:r>
-            <a:endParaRPr lang="en-US" dirty="0">
-              <a:cs typeface="Calibri"/>
-            </a:endParaRPr>
-          </a:p>
-        </p:txBody>
-      </p:sp>
-      <p:sp>
-        <p:nvSpPr>
-          <p:cNvPr id="4" name="Slide Number Placeholder 3">
-            <a:extLst>
-              <a:ext uri="{FF2B5EF4-FFF2-40B4-BE49-F238E27FC236}">
-                <a16:creationId xmlns:a16="http://schemas.microsoft.com/office/drawing/2014/main" id="{F16F6576-5A6F-C88E-D763-AF330D119D28}"/>
-              </a:ext>
-            </a:extLst>
-          </p:cNvPr>
-          <p:cNvSpPr>
-            <a:spLocks noGrp="1"/>
-          </p:cNvSpPr>
-          <p:nvPr>
-            <p:ph type="sldNum" sz="quarter" idx="12"/>
-          </p:nvPr>
-        </p:nvSpPr>
-        <p:spPr/>
-        <p:txBody>
-          <a:bodyPr/>
-          <a:lstStyle/>
-          <a:p>
-            <a:fld id="{E862C174-85D7-4478-B3BB-01728BCCC1F6}" type="slidenum">
-              <a:rPr lang="en-US" smtClean="0"/>
-              <a:t>7</a:t>
-            </a:fld>
-            <a:endParaRPr lang="en-US"/>
-          </a:p>
-        </p:txBody>
-      </p:sp>
-    </p:spTree>
-    <p:extLst>
-      <p:ext uri="{BB962C8B-B14F-4D97-AF65-F5344CB8AC3E}">
-        <p14:creationId xmlns:p14="http://schemas.microsoft.com/office/powerpoint/2010/main" val="2067799708"/>
-      </p:ext>
-    </p:extLst>
-  </p:cSld>
-  <p:clrMapOvr>
-    <a:masterClrMapping/>
-  </p:clrMapOvr>
-</p:sld>
-</file>
-
-<file path=ppt/slides/slide70.xml><?xml version="1.0" encoding="utf-8"?>
-<p:sld xmlns:a="http://schemas.openxmlformats.org/drawingml/2006/main" xmlns:r="http://schemas.openxmlformats.org/officeDocument/2006/relationships" xmlns:p="http://schemas.openxmlformats.org/presentationml/2006/main">
-  <p:cSld>
-    <p:spTree>
-      <p:nvGrpSpPr>
-        <p:cNvPr id="1" name=""/>
-        <p:cNvGrpSpPr/>
-        <p:nvPr/>
-      </p:nvGrpSpPr>
-      <p:grpSpPr>
-        <a:xfrm>
-          <a:off x="0" y="0"/>
-          <a:ext cx="0" cy="0"/>
-          <a:chOff x="0" y="0"/>
-          <a:chExt cx="0" cy="0"/>
-        </a:xfrm>
-      </p:grpSpPr>
-      <p:sp>
-        <p:nvSpPr>
-          <p:cNvPr id="2" name="Title 1">
-            <a:extLst>
-              <a:ext uri="{FF2B5EF4-FFF2-40B4-BE49-F238E27FC236}">
-                <a16:creationId xmlns:a16="http://schemas.microsoft.com/office/drawing/2014/main" id="{DB297836-542E-1209-A004-88C229B0EE5E}"/>
-              </a:ext>
-            </a:extLst>
-          </p:cNvPr>
-          <p:cNvSpPr>
-            <a:spLocks noGrp="1"/>
-          </p:cNvSpPr>
-          <p:nvPr>
-            <p:ph type="title"/>
-          </p:nvPr>
-        </p:nvSpPr>
-        <p:spPr/>
-        <p:txBody>
-          <a:bodyPr/>
-          <a:lstStyle/>
-          <a:p>
-            <a:r>
-              <a:rPr lang="en-US" dirty="0"/>
-              <a:t>Neural Networks and Deep Learning</a:t>
-            </a:r>
-          </a:p>
-        </p:txBody>
-      </p:sp>
-      <p:sp>
-        <p:nvSpPr>
-          <p:cNvPr id="3" name="Content Placeholder 2">
-            <a:extLst>
-              <a:ext uri="{FF2B5EF4-FFF2-40B4-BE49-F238E27FC236}">
-                <a16:creationId xmlns:a16="http://schemas.microsoft.com/office/drawing/2014/main" id="{54090262-2A97-5BEE-932D-1D40AD71FB60}"/>
-              </a:ext>
-            </a:extLst>
-          </p:cNvPr>
-          <p:cNvSpPr>
-            <a:spLocks noGrp="1"/>
-          </p:cNvSpPr>
-          <p:nvPr>
-            <p:ph idx="1"/>
-          </p:nvPr>
-        </p:nvSpPr>
-        <p:spPr/>
-        <p:txBody>
-          <a:bodyPr/>
-          <a:lstStyle/>
-          <a:p>
-            <a:r>
-              <a:rPr lang="en-US" dirty="0"/>
-              <a:t>Neural Networks</a:t>
-            </a:r>
-          </a:p>
-          <a:p>
-            <a:pPr lvl="1"/>
-            <a:r>
-              <a:rPr lang="en-US" dirty="0"/>
-              <a:t>Feed-forward Neural Networks</a:t>
-            </a:r>
-          </a:p>
-          <a:p>
-            <a:pPr lvl="1"/>
-            <a:r>
-              <a:rPr lang="en-US" dirty="0"/>
-              <a:t>Multilayer Perceptron (MLP)</a:t>
-            </a:r>
-          </a:p>
-        </p:txBody>
-      </p:sp>
-      <p:sp>
-        <p:nvSpPr>
-          <p:cNvPr id="4" name="Slide Number Placeholder 3">
-            <a:extLst>
-              <a:ext uri="{FF2B5EF4-FFF2-40B4-BE49-F238E27FC236}">
-                <a16:creationId xmlns:a16="http://schemas.microsoft.com/office/drawing/2014/main" id="{572B80E4-39FF-E5DD-D879-B51EC1ABCF31}"/>
-              </a:ext>
-            </a:extLst>
-          </p:cNvPr>
-          <p:cNvSpPr>
-            <a:spLocks noGrp="1"/>
-          </p:cNvSpPr>
-          <p:nvPr>
-            <p:ph type="sldNum" sz="quarter" idx="12"/>
-          </p:nvPr>
-        </p:nvSpPr>
-        <p:spPr/>
-        <p:txBody>
-          <a:bodyPr/>
-          <a:lstStyle/>
-          <a:p>
-            <a:fld id="{E862C174-85D7-4478-B3BB-01728BCCC1F6}" type="slidenum">
-              <a:rPr lang="en-US" smtClean="0"/>
-              <a:t>70</a:t>
-            </a:fld>
-            <a:endParaRPr lang="en-US"/>
-          </a:p>
-        </p:txBody>
-      </p:sp>
-    </p:spTree>
-    <p:extLst>
-      <p:ext uri="{BB962C8B-B14F-4D97-AF65-F5344CB8AC3E}">
-        <p14:creationId xmlns:p14="http://schemas.microsoft.com/office/powerpoint/2010/main" val="1878353004"/>
-      </p:ext>
-    </p:extLst>
-  </p:cSld>
-  <p:clrMapOvr>
-    <a:masterClrMapping/>
-  </p:clrMapOvr>
-</p:sld>
-</file>
-
 <file path=ppt/slides/slide71.xml><?xml version="1.0" encoding="utf-8"?>
 <p:sld xmlns:a="http://schemas.openxmlformats.org/drawingml/2006/main" xmlns:r="http://schemas.openxmlformats.org/officeDocument/2006/relationships" xmlns:p="http://schemas.openxmlformats.org/presentationml/2006/main">
   <p:cSld>
@@ -29069,7 +29526,7 @@
           <p:cNvPr id="2" name="Title 1">
             <a:extLst>
               <a:ext uri="{FF2B5EF4-FFF2-40B4-BE49-F238E27FC236}">
-                <a16:creationId xmlns:a16="http://schemas.microsoft.com/office/drawing/2014/main" id="{FFEC451E-6560-508B-6CC2-934EDEEE38AF}"/>
+                <a16:creationId xmlns:a16="http://schemas.microsoft.com/office/drawing/2014/main" id="{DB297836-542E-1209-A004-88C229B0EE5E}"/>
               </a:ext>
             </a:extLst>
           </p:cNvPr>
@@ -29087,97 +29544,59 @@
           <a:p>
             <a:r>
               <a:rPr lang="en-US" dirty="0"/>
+              <a:t>Neural Networks and Deep Learning</a:t>
+            </a:r>
+          </a:p>
+        </p:txBody>
+      </p:sp>
+      <p:sp>
+        <p:nvSpPr>
+          <p:cNvPr id="3" name="Content Placeholder 2">
+            <a:extLst>
+              <a:ext uri="{FF2B5EF4-FFF2-40B4-BE49-F238E27FC236}">
+                <a16:creationId xmlns:a16="http://schemas.microsoft.com/office/drawing/2014/main" id="{54090262-2A97-5BEE-932D-1D40AD71FB60}"/>
+              </a:ext>
+            </a:extLst>
+          </p:cNvPr>
+          <p:cNvSpPr>
+            <a:spLocks noGrp="1"/>
+          </p:cNvSpPr>
+          <p:nvPr>
+            <p:ph idx="1"/>
+          </p:nvPr>
+        </p:nvSpPr>
+        <p:spPr/>
+        <p:txBody>
+          <a:bodyPr/>
+          <a:lstStyle/>
+          <a:p>
+            <a:r>
+              <a:rPr lang="en-US" dirty="0"/>
               <a:t>Neural Networks</a:t>
             </a:r>
           </a:p>
-        </p:txBody>
-      </p:sp>
-      <p:pic>
-        <p:nvPicPr>
-          <p:cNvPr id="5" name="Content Placeholder 4" descr="A diagram of a network&#10;&#10;Description automatically generated">
-            <a:extLst>
-              <a:ext uri="{FF2B5EF4-FFF2-40B4-BE49-F238E27FC236}">
-                <a16:creationId xmlns:a16="http://schemas.microsoft.com/office/drawing/2014/main" id="{0C5B6CD6-1291-64CD-0CB5-32CAE923B069}"/>
-              </a:ext>
-            </a:extLst>
-          </p:cNvPr>
-          <p:cNvPicPr>
-            <a:picLocks noGrp="1" noChangeAspect="1"/>
-          </p:cNvPicPr>
-          <p:nvPr>
-            <p:ph idx="1"/>
-          </p:nvPr>
-        </p:nvPicPr>
-        <p:blipFill>
-          <a:blip r:embed="rId2">
-            <a:extLst>
-              <a:ext uri="{28A0092B-C50C-407E-A947-70E740481C1C}">
-                <a14:useLocalDpi xmlns:a14="http://schemas.microsoft.com/office/drawing/2010/main" val="0"/>
-              </a:ext>
-            </a:extLst>
-          </a:blip>
-          <a:stretch>
-            <a:fillRect/>
-          </a:stretch>
-        </p:blipFill>
-        <p:spPr>
-          <a:xfrm>
-            <a:off x="2948105" y="1825625"/>
-            <a:ext cx="6295789" cy="4351338"/>
-          </a:xfrm>
-        </p:spPr>
-      </p:pic>
-      <p:sp>
-        <p:nvSpPr>
-          <p:cNvPr id="6" name="TextBox 5">
-            <a:extLst>
-              <a:ext uri="{FF2B5EF4-FFF2-40B4-BE49-F238E27FC236}">
-                <a16:creationId xmlns:a16="http://schemas.microsoft.com/office/drawing/2014/main" id="{58ADDB43-0527-8D13-CCBF-4167F91DC83C}"/>
-              </a:ext>
-            </a:extLst>
-          </p:cNvPr>
-          <p:cNvSpPr txBox="1"/>
-          <p:nvPr/>
-        </p:nvSpPr>
-        <p:spPr>
-          <a:xfrm>
-            <a:off x="462116" y="6311900"/>
-            <a:ext cx="11523407" cy="276999"/>
-          </a:xfrm>
-          <a:prstGeom prst="rect">
-            <a:avLst/>
-          </a:prstGeom>
-          <a:noFill/>
-        </p:spPr>
-        <p:txBody>
-          <a:bodyPr wrap="square" rtlCol="0">
-            <a:spAutoFit/>
-          </a:bodyPr>
-          <a:lstStyle/>
-          <a:p>
-            <a:r>
-              <a:rPr lang="en-US" sz="1200" dirty="0"/>
-              <a:t>Figure from: </a:t>
-            </a:r>
-            <a:r>
-              <a:rPr lang="en-US" sz="1200" dirty="0">
-                <a:hlinkClick r:id="rId3"/>
-              </a:rPr>
-              <a:t>https://www.sciencelearn.org.nz/images/5156-neural-network-diagram</a:t>
-            </a:r>
-            <a:r>
-              <a:rPr lang="en-US" sz="1200" dirty="0"/>
-              <a:t> </a:t>
-            </a:r>
-          </a:p>
-        </p:txBody>
-      </p:sp>
-      <p:sp>
-        <p:nvSpPr>
-          <p:cNvPr id="3" name="Slide Number Placeholder 2">
-            <a:extLst>
-              <a:ext uri="{FF2B5EF4-FFF2-40B4-BE49-F238E27FC236}">
-                <a16:creationId xmlns:a16="http://schemas.microsoft.com/office/drawing/2014/main" id="{57403E8D-05DB-4B42-0ACD-8D98D01A74D0}"/>
+          <a:p>
+            <a:pPr lvl="1"/>
+            <a:r>
+              <a:rPr lang="en-US" dirty="0"/>
+              <a:t>Feed-forward Neural Networks</a:t>
+            </a:r>
+          </a:p>
+          <a:p>
+            <a:pPr lvl="1"/>
+            <a:r>
+              <a:rPr lang="en-US" dirty="0"/>
+              <a:t>Multilayer Perceptron (MLP)</a:t>
+            </a:r>
+          </a:p>
+        </p:txBody>
+      </p:sp>
+      <p:sp>
+        <p:nvSpPr>
+          <p:cNvPr id="4" name="Slide Number Placeholder 3">
+            <a:extLst>
+              <a:ext uri="{FF2B5EF4-FFF2-40B4-BE49-F238E27FC236}">
+                <a16:creationId xmlns:a16="http://schemas.microsoft.com/office/drawing/2014/main" id="{572B80E4-39FF-E5DD-D879-B51EC1ABCF31}"/>
               </a:ext>
             </a:extLst>
           </p:cNvPr>
@@ -29204,7 +29623,7 @@
     </p:spTree>
     <p:extLst>
       <p:ext uri="{BB962C8B-B14F-4D97-AF65-F5344CB8AC3E}">
-        <p14:creationId xmlns:p14="http://schemas.microsoft.com/office/powerpoint/2010/main" val="3373626673"/>
+        <p14:creationId xmlns:p14="http://schemas.microsoft.com/office/powerpoint/2010/main" val="1878353004"/>
       </p:ext>
     </p:extLst>
   </p:cSld>
@@ -29236,7 +29655,7 @@
           <p:cNvPr id="2" name="Title 1">
             <a:extLst>
               <a:ext uri="{FF2B5EF4-FFF2-40B4-BE49-F238E27FC236}">
-                <a16:creationId xmlns:a16="http://schemas.microsoft.com/office/drawing/2014/main" id="{064FC15C-5399-4679-271C-70EDD341D87D}"/>
+                <a16:creationId xmlns:a16="http://schemas.microsoft.com/office/drawing/2014/main" id="{FFEC451E-6560-508B-6CC2-934EDEEE38AF}"/>
               </a:ext>
             </a:extLst>
           </p:cNvPr>
@@ -29254,17 +29673,17 @@
           <a:p>
             <a:r>
               <a:rPr lang="en-US" dirty="0"/>
-              <a:t>Multilayer Perceptron</a:t>
+              <a:t>Neural Networks</a:t>
             </a:r>
           </a:p>
         </p:txBody>
       </p:sp>
       <p:pic>
         <p:nvPicPr>
-          <p:cNvPr id="5" name="Content Placeholder 4" descr="A diagram of a algorithm&#10;&#10;Description automatically generated">
-            <a:extLst>
-              <a:ext uri="{FF2B5EF4-FFF2-40B4-BE49-F238E27FC236}">
-                <a16:creationId xmlns:a16="http://schemas.microsoft.com/office/drawing/2014/main" id="{C83E1B70-E023-6795-88A2-2E53FA8EDC0B}"/>
+          <p:cNvPr id="5" name="Content Placeholder 4" descr="A diagram of a network&#10;&#10;Description automatically generated">
+            <a:extLst>
+              <a:ext uri="{FF2B5EF4-FFF2-40B4-BE49-F238E27FC236}">
+                <a16:creationId xmlns:a16="http://schemas.microsoft.com/office/drawing/2014/main" id="{0C5B6CD6-1291-64CD-0CB5-32CAE923B069}"/>
               </a:ext>
             </a:extLst>
           </p:cNvPr>
@@ -29289,8 +29708,8 @@
         </p:blipFill>
         <p:spPr>
           <a:xfrm>
-            <a:off x="2014537" y="2005806"/>
-            <a:ext cx="8162925" cy="3990975"/>
+            <a:off x="2948105" y="1825625"/>
+            <a:ext cx="6295789" cy="4351338"/>
           </a:xfrm>
         </p:spPr>
       </p:pic>
@@ -29299,7 +29718,7 @@
           <p:cNvPr id="6" name="TextBox 5">
             <a:extLst>
               <a:ext uri="{FF2B5EF4-FFF2-40B4-BE49-F238E27FC236}">
-                <a16:creationId xmlns:a16="http://schemas.microsoft.com/office/drawing/2014/main" id="{9F2B7731-DAF5-C545-E323-7AA1F3A29605}"/>
+                <a16:creationId xmlns:a16="http://schemas.microsoft.com/office/drawing/2014/main" id="{58ADDB43-0527-8D13-CCBF-4167F91DC83C}"/>
               </a:ext>
             </a:extLst>
           </p:cNvPr>
@@ -29308,8 +29727,8 @@
         </p:nvSpPr>
         <p:spPr>
           <a:xfrm>
-            <a:off x="8681884" y="6204155"/>
-            <a:ext cx="3077497" cy="276999"/>
+            <a:off x="462116" y="6311900"/>
+            <a:ext cx="11523407" cy="276999"/>
           </a:xfrm>
           <a:prstGeom prst="rect">
             <a:avLst/>
@@ -29324,7 +29743,17 @@
           <a:p>
             <a:r>
               <a:rPr lang="en-US" sz="1200" dirty="0"/>
-              <a:t>The Hundred-Page Machine Learning Book</a:t>
+              <a:t>Figure from: </a:t>
+            </a:r>
+            <a:r>
+              <a:rPr lang="en-US" sz="1200" dirty="0">
+                <a:hlinkClick r:id="rId3"/>
+              </a:rPr>
+              <a:t>https://www.sciencelearn.org.nz/images/5156-neural-network-diagram</a:t>
+            </a:r>
+            <a:r>
+              <a:rPr lang="en-US" sz="1200" dirty="0"/>
+              <a:t> </a:t>
             </a:r>
           </a:p>
         </p:txBody>
@@ -29334,7 +29763,7 @@
           <p:cNvPr id="3" name="Slide Number Placeholder 2">
             <a:extLst>
               <a:ext uri="{FF2B5EF4-FFF2-40B4-BE49-F238E27FC236}">
-                <a16:creationId xmlns:a16="http://schemas.microsoft.com/office/drawing/2014/main" id="{2E653DB1-2014-36BD-BAFD-BE944380BEAF}"/>
+                <a16:creationId xmlns:a16="http://schemas.microsoft.com/office/drawing/2014/main" id="{57403E8D-05DB-4B42-0ACD-8D98D01A74D0}"/>
               </a:ext>
             </a:extLst>
           </p:cNvPr>
@@ -29361,7 +29790,7 @@
     </p:spTree>
     <p:extLst>
       <p:ext uri="{BB962C8B-B14F-4D97-AF65-F5344CB8AC3E}">
-        <p14:creationId xmlns:p14="http://schemas.microsoft.com/office/powerpoint/2010/main" val="2072982581"/>
+        <p14:creationId xmlns:p14="http://schemas.microsoft.com/office/powerpoint/2010/main" val="3373626673"/>
       </p:ext>
     </p:extLst>
   </p:cSld>
@@ -29393,7 +29822,7 @@
           <p:cNvPr id="2" name="Title 1">
             <a:extLst>
               <a:ext uri="{FF2B5EF4-FFF2-40B4-BE49-F238E27FC236}">
-                <a16:creationId xmlns:a16="http://schemas.microsoft.com/office/drawing/2014/main" id="{BBC3213E-63D4-D164-9FE9-98EE1B44C3B8}"/>
+                <a16:creationId xmlns:a16="http://schemas.microsoft.com/office/drawing/2014/main" id="{064FC15C-5399-4679-271C-70EDD341D87D}"/>
               </a:ext>
             </a:extLst>
           </p:cNvPr>
@@ -29411,59 +29840,87 @@
           <a:p>
             <a:r>
               <a:rPr lang="en-US" dirty="0"/>
-              <a:t>Neural Networks and Back Propagation</a:t>
-            </a:r>
-          </a:p>
-        </p:txBody>
-      </p:sp>
-      <p:sp>
-        <p:nvSpPr>
-          <p:cNvPr id="3" name="Content Placeholder 2">
-            <a:extLst>
-              <a:ext uri="{FF2B5EF4-FFF2-40B4-BE49-F238E27FC236}">
-                <a16:creationId xmlns:a16="http://schemas.microsoft.com/office/drawing/2014/main" id="{0D702A7E-2BB7-6641-51A6-32B414EA5140}"/>
-              </a:ext>
-            </a:extLst>
-          </p:cNvPr>
-          <p:cNvSpPr>
-            <a:spLocks noGrp="1"/>
-          </p:cNvSpPr>
+              <a:t>Multilayer Perceptron</a:t>
+            </a:r>
+          </a:p>
+        </p:txBody>
+      </p:sp>
+      <p:pic>
+        <p:nvPicPr>
+          <p:cNvPr id="5" name="Content Placeholder 4" descr="A diagram of a algorithm&#10;&#10;Description automatically generated">
+            <a:extLst>
+              <a:ext uri="{FF2B5EF4-FFF2-40B4-BE49-F238E27FC236}">
+                <a16:creationId xmlns:a16="http://schemas.microsoft.com/office/drawing/2014/main" id="{C83E1B70-E023-6795-88A2-2E53FA8EDC0B}"/>
+              </a:ext>
+            </a:extLst>
+          </p:cNvPr>
+          <p:cNvPicPr>
+            <a:picLocks noGrp="1" noChangeAspect="1"/>
+          </p:cNvPicPr>
           <p:nvPr>
             <p:ph idx="1"/>
           </p:nvPr>
-        </p:nvSpPr>
-        <p:spPr/>
-        <p:txBody>
-          <a:bodyPr/>
-          <a:lstStyle/>
-          <a:p>
-            <a:r>
-              <a:rPr lang="en-US" dirty="0"/>
-              <a:t>If you have time, watch this tutorial on neural nets and back propagation:</a:t>
-            </a:r>
-          </a:p>
-          <a:p>
-            <a:pPr lvl="1"/>
-            <a:r>
-              <a:rPr lang="en-US" dirty="0">
-                <a:hlinkClick r:id="rId2"/>
-              </a:rPr>
-              <a:t>https://www.youtube.com/watch?v=VMj-3S1tku0</a:t>
-            </a:r>
-            <a:endParaRPr lang="en-US" dirty="0"/>
-          </a:p>
-          <a:p>
-            <a:pPr lvl="1"/>
-            <a:endParaRPr lang="en-US" dirty="0"/>
-          </a:p>
-        </p:txBody>
-      </p:sp>
-      <p:sp>
-        <p:nvSpPr>
-          <p:cNvPr id="4" name="Slide Number Placeholder 3">
-            <a:extLst>
-              <a:ext uri="{FF2B5EF4-FFF2-40B4-BE49-F238E27FC236}">
-                <a16:creationId xmlns:a16="http://schemas.microsoft.com/office/drawing/2014/main" id="{5589F84B-1B10-4E02-2152-E6574306ECEA}"/>
+        </p:nvPicPr>
+        <p:blipFill>
+          <a:blip r:embed="rId2">
+            <a:extLst>
+              <a:ext uri="{28A0092B-C50C-407E-A947-70E740481C1C}">
+                <a14:useLocalDpi xmlns:a14="http://schemas.microsoft.com/office/drawing/2010/main" val="0"/>
+              </a:ext>
+            </a:extLst>
+          </a:blip>
+          <a:stretch>
+            <a:fillRect/>
+          </a:stretch>
+        </p:blipFill>
+        <p:spPr>
+          <a:xfrm>
+            <a:off x="2014537" y="2005806"/>
+            <a:ext cx="8162925" cy="3990975"/>
+          </a:xfrm>
+        </p:spPr>
+      </p:pic>
+      <p:sp>
+        <p:nvSpPr>
+          <p:cNvPr id="6" name="TextBox 5">
+            <a:extLst>
+              <a:ext uri="{FF2B5EF4-FFF2-40B4-BE49-F238E27FC236}">
+                <a16:creationId xmlns:a16="http://schemas.microsoft.com/office/drawing/2014/main" id="{9F2B7731-DAF5-C545-E323-7AA1F3A29605}"/>
+              </a:ext>
+            </a:extLst>
+          </p:cNvPr>
+          <p:cNvSpPr txBox="1"/>
+          <p:nvPr/>
+        </p:nvSpPr>
+        <p:spPr>
+          <a:xfrm>
+            <a:off x="8681884" y="6204155"/>
+            <a:ext cx="3077497" cy="276999"/>
+          </a:xfrm>
+          <a:prstGeom prst="rect">
+            <a:avLst/>
+          </a:prstGeom>
+          <a:noFill/>
+        </p:spPr>
+        <p:txBody>
+          <a:bodyPr wrap="square" rtlCol="0">
+            <a:spAutoFit/>
+          </a:bodyPr>
+          <a:lstStyle/>
+          <a:p>
+            <a:r>
+              <a:rPr lang="en-US" sz="1200" dirty="0"/>
+              <a:t>The Hundred-Page Machine Learning Book</a:t>
+            </a:r>
+          </a:p>
+        </p:txBody>
+      </p:sp>
+      <p:sp>
+        <p:nvSpPr>
+          <p:cNvPr id="3" name="Slide Number Placeholder 2">
+            <a:extLst>
+              <a:ext uri="{FF2B5EF4-FFF2-40B4-BE49-F238E27FC236}">
+                <a16:creationId xmlns:a16="http://schemas.microsoft.com/office/drawing/2014/main" id="{2E653DB1-2014-36BD-BAFD-BE944380BEAF}"/>
               </a:ext>
             </a:extLst>
           </p:cNvPr>
@@ -29490,7 +29947,7 @@
     </p:spTree>
     <p:extLst>
       <p:ext uri="{BB962C8B-B14F-4D97-AF65-F5344CB8AC3E}">
-        <p14:creationId xmlns:p14="http://schemas.microsoft.com/office/powerpoint/2010/main" val="2200160723"/>
+        <p14:creationId xmlns:p14="http://schemas.microsoft.com/office/powerpoint/2010/main" val="2072982581"/>
       </p:ext>
     </p:extLst>
   </p:cSld>
@@ -29522,7 +29979,7 @@
           <p:cNvPr id="2" name="Title 1">
             <a:extLst>
               <a:ext uri="{FF2B5EF4-FFF2-40B4-BE49-F238E27FC236}">
-                <a16:creationId xmlns:a16="http://schemas.microsoft.com/office/drawing/2014/main" id="{31CB9B5A-0410-01C8-2908-F234B9366A1B}"/>
+                <a16:creationId xmlns:a16="http://schemas.microsoft.com/office/drawing/2014/main" id="{BBC3213E-63D4-D164-9FE9-98EE1B44C3B8}"/>
               </a:ext>
             </a:extLst>
           </p:cNvPr>
@@ -29540,7 +29997,7 @@
           <a:p>
             <a:r>
               <a:rPr lang="en-US" dirty="0"/>
-              <a:t>Deep Learning</a:t>
+              <a:t>Neural Networks and Back Propagation</a:t>
             </a:r>
           </a:p>
         </p:txBody>
@@ -29550,7 +30007,7 @@
           <p:cNvPr id="3" name="Content Placeholder 2">
             <a:extLst>
               <a:ext uri="{FF2B5EF4-FFF2-40B4-BE49-F238E27FC236}">
-                <a16:creationId xmlns:a16="http://schemas.microsoft.com/office/drawing/2014/main" id="{807646EC-1F77-033A-A9E1-D5453D6BF046}"/>
+                <a16:creationId xmlns:a16="http://schemas.microsoft.com/office/drawing/2014/main" id="{0D702A7E-2BB7-6641-51A6-32B414EA5140}"/>
               </a:ext>
             </a:extLst>
           </p:cNvPr>
@@ -29568,24 +30025,21 @@
           <a:p>
             <a:r>
               <a:rPr lang="en-US" dirty="0"/>
-              <a:t>Deep Learning</a:t>
+              <a:t>If you have time, watch this tutorial on neural nets and back propagation:</a:t>
             </a:r>
           </a:p>
           <a:p>
             <a:pPr lvl="1"/>
             <a:r>
-              <a:rPr lang="en-US" dirty="0"/>
-              <a:t>Convolution Neural Network (CNN)</a:t>
-            </a:r>
+              <a:rPr lang="en-US" dirty="0">
+                <a:hlinkClick r:id="rId2"/>
+              </a:rPr>
+              <a:t>https://www.youtube.com/watch?v=VMj-3S1tku0</a:t>
+            </a:r>
+            <a:endParaRPr lang="en-US" dirty="0"/>
           </a:p>
           <a:p>
             <a:pPr lvl="1"/>
-            <a:r>
-              <a:rPr lang="en-US" dirty="0"/>
-              <a:t>Long Short-Term Memory (LSTM)</a:t>
-            </a:r>
-          </a:p>
-          <a:p>
             <a:endParaRPr lang="en-US" dirty="0"/>
           </a:p>
         </p:txBody>
@@ -29595,7 +30049,7 @@
           <p:cNvPr id="4" name="Slide Number Placeholder 3">
             <a:extLst>
               <a:ext uri="{FF2B5EF4-FFF2-40B4-BE49-F238E27FC236}">
-                <a16:creationId xmlns:a16="http://schemas.microsoft.com/office/drawing/2014/main" id="{5624493D-E983-E92F-EA28-59F4719C4EBB}"/>
+                <a16:creationId xmlns:a16="http://schemas.microsoft.com/office/drawing/2014/main" id="{5589F84B-1B10-4E02-2152-E6574306ECEA}"/>
               </a:ext>
             </a:extLst>
           </p:cNvPr>
@@ -29622,7 +30076,7 @@
     </p:spTree>
     <p:extLst>
       <p:ext uri="{BB962C8B-B14F-4D97-AF65-F5344CB8AC3E}">
-        <p14:creationId xmlns:p14="http://schemas.microsoft.com/office/powerpoint/2010/main" val="3529253293"/>
+        <p14:creationId xmlns:p14="http://schemas.microsoft.com/office/powerpoint/2010/main" val="2200160723"/>
       </p:ext>
     </p:extLst>
   </p:cSld>
@@ -29654,7 +30108,7 @@
           <p:cNvPr id="2" name="Title 1">
             <a:extLst>
               <a:ext uri="{FF2B5EF4-FFF2-40B4-BE49-F238E27FC236}">
-                <a16:creationId xmlns:a16="http://schemas.microsoft.com/office/drawing/2014/main" id="{543DB9E0-D248-6B75-8C9D-041311FC340F}"/>
+                <a16:creationId xmlns:a16="http://schemas.microsoft.com/office/drawing/2014/main" id="{31CB9B5A-0410-01C8-2908-F234B9366A1B}"/>
               </a:ext>
             </a:extLst>
           </p:cNvPr>
@@ -29672,7 +30126,7 @@
           <a:p>
             <a:r>
               <a:rPr lang="en-US" dirty="0"/>
-              <a:t>Linear Regression</a:t>
+              <a:t>Deep Learning</a:t>
             </a:r>
           </a:p>
         </p:txBody>
@@ -29682,7 +30136,7 @@
           <p:cNvPr id="3" name="Content Placeholder 2">
             <a:extLst>
               <a:ext uri="{FF2B5EF4-FFF2-40B4-BE49-F238E27FC236}">
-                <a16:creationId xmlns:a16="http://schemas.microsoft.com/office/drawing/2014/main" id="{1DA7B60F-CB4A-6489-6C91-41DA27E701B9}"/>
+                <a16:creationId xmlns:a16="http://schemas.microsoft.com/office/drawing/2014/main" id="{807646EC-1F77-033A-A9E1-D5453D6BF046}"/>
               </a:ext>
             </a:extLst>
           </p:cNvPr>
@@ -29700,47 +30154,26 @@
           <a:p>
             <a:r>
               <a:rPr lang="en-US" dirty="0"/>
-              <a:t>Tutorial (</a:t>
-            </a:r>
-            <a:r>
-              <a:rPr lang="en-US" dirty="0" err="1"/>
-              <a:t>Jupyter</a:t>
-            </a:r>
+              <a:t>Deep Learning</a:t>
+            </a:r>
+          </a:p>
+          <a:p>
+            <a:pPr lvl="1"/>
             <a:r>
               <a:rPr lang="en-US" dirty="0"/>
-              <a:t> Notebook)</a:t>
+              <a:t>Convolution Neural Network (CNN)</a:t>
             </a:r>
           </a:p>
           <a:p>
             <a:pPr lvl="1"/>
             <a:r>
-              <a:rPr lang="en-US" dirty="0">
-                <a:hlinkClick r:id="rId2"/>
-              </a:rPr>
-              <a:t>https://colab.research.google.com/drive/1Xcgnkm2GxOBJtLxnTAx5vztnw4cOsWgm?usp=sharing</a:t>
-            </a:r>
+              <a:rPr lang="en-US" dirty="0"/>
+              <a:t>Long Short-Term Memory (LSTM)</a:t>
+            </a:r>
+          </a:p>
+          <a:p>
             <a:endParaRPr lang="en-US" dirty="0"/>
           </a:p>
-          <a:p>
-            <a:r>
-              <a:rPr lang="en-US" dirty="0"/>
-              <a:t>Useful resources</a:t>
-            </a:r>
-          </a:p>
-          <a:p>
-            <a:pPr lvl="1"/>
-            <a:r>
-              <a:rPr lang="en-US" dirty="0"/>
-              <a:t>Animation</a:t>
-            </a:r>
-          </a:p>
-          <a:p>
-            <a:pPr lvl="1"/>
-            <a:r>
-              <a:rPr lang="en-US" dirty="0"/>
-              <a:t>https://mlu-explain.github.io/linear-regression/</a:t>
-            </a:r>
-          </a:p>
         </p:txBody>
       </p:sp>
       <p:sp>
@@ -29748,7 +30181,7 @@
           <p:cNvPr id="4" name="Slide Number Placeholder 3">
             <a:extLst>
               <a:ext uri="{FF2B5EF4-FFF2-40B4-BE49-F238E27FC236}">
-                <a16:creationId xmlns:a16="http://schemas.microsoft.com/office/drawing/2014/main" id="{AF85802A-79E9-1FE0-4699-B99F75ABF06F}"/>
+                <a16:creationId xmlns:a16="http://schemas.microsoft.com/office/drawing/2014/main" id="{5624493D-E983-E92F-EA28-59F4719C4EBB}"/>
               </a:ext>
             </a:extLst>
           </p:cNvPr>
@@ -29775,7 +30208,7 @@
     </p:spTree>
     <p:extLst>
       <p:ext uri="{BB962C8B-B14F-4D97-AF65-F5344CB8AC3E}">
-        <p14:creationId xmlns:p14="http://schemas.microsoft.com/office/powerpoint/2010/main" val="1764844861"/>
+        <p14:creationId xmlns:p14="http://schemas.microsoft.com/office/powerpoint/2010/main" val="3529253293"/>
       </p:ext>
     </p:extLst>
   </p:cSld>
@@ -29807,7 +30240,7 @@
           <p:cNvPr id="2" name="Title 1">
             <a:extLst>
               <a:ext uri="{FF2B5EF4-FFF2-40B4-BE49-F238E27FC236}">
-                <a16:creationId xmlns:a16="http://schemas.microsoft.com/office/drawing/2014/main" id="{9BE0C099-2993-62EC-D85F-5DEBA9DFA634}"/>
+                <a16:creationId xmlns:a16="http://schemas.microsoft.com/office/drawing/2014/main" id="{543DB9E0-D248-6B75-8C9D-041311FC340F}"/>
               </a:ext>
             </a:extLst>
           </p:cNvPr>
@@ -29825,7 +30258,7 @@
           <a:p>
             <a:r>
               <a:rPr lang="en-US" dirty="0"/>
-              <a:t>SVM tutorial</a:t>
+              <a:t>Linear Regression</a:t>
             </a:r>
           </a:p>
         </p:txBody>
@@ -29835,7 +30268,7 @@
           <p:cNvPr id="3" name="Content Placeholder 2">
             <a:extLst>
               <a:ext uri="{FF2B5EF4-FFF2-40B4-BE49-F238E27FC236}">
-                <a16:creationId xmlns:a16="http://schemas.microsoft.com/office/drawing/2014/main" id="{E1BC0502-9372-EA71-78EF-EE67D2EA85EA}"/>
+                <a16:creationId xmlns:a16="http://schemas.microsoft.com/office/drawing/2014/main" id="{1DA7B60F-CB4A-6489-6C91-41DA27E701B9}"/>
               </a:ext>
             </a:extLst>
           </p:cNvPr>
@@ -29852,12 +30285,16 @@
           <a:lstStyle/>
           <a:p>
             <a:r>
+              <a:rPr lang="en-US" dirty="0"/>
+              <a:t>Tutorial (</a:t>
+            </a:r>
+            <a:r>
               <a:rPr lang="en-US" dirty="0" err="1"/>
               <a:t>Jupyter</a:t>
             </a:r>
             <a:r>
               <a:rPr lang="en-US" dirty="0"/>
-              <a:t> Notebook based on</a:t>
+              <a:t> Notebook)</a:t>
             </a:r>
           </a:p>
           <a:p>
@@ -29866,23 +30303,29 @@
               <a:rPr lang="en-US" dirty="0">
                 <a:hlinkClick r:id="rId2"/>
               </a:rPr>
-              <a:t>https://scikit-learn.org/stable/auto_examples/classification/plot_digits_classification.html</a:t>
+              <a:t>https://colab.research.google.com/drive/1Xcgnkm2GxOBJtLxnTAx5vztnw4cOsWgm?usp=sharing</a:t>
             </a:r>
             <a:endParaRPr lang="en-US" dirty="0"/>
           </a:p>
           <a:p>
+            <a:r>
+              <a:rPr lang="en-US" dirty="0"/>
+              <a:t>Useful resources</a:t>
+            </a:r>
+          </a:p>
+          <a:p>
             <a:pPr lvl="1"/>
             <a:r>
-              <a:rPr lang="en-US" dirty="0">
-                <a:hlinkClick r:id="rId3"/>
-              </a:rPr>
-              <a:t>https://colab.research.google.com/drive/1Xcgnkm2GxOBJtLxnTAx5vztnw4cOsWgm?usp=sharing</a:t>
-            </a:r>
-            <a:endParaRPr lang="en-US" dirty="0"/>
+              <a:rPr lang="en-US" dirty="0"/>
+              <a:t>Animation</a:t>
+            </a:r>
           </a:p>
           <a:p>
             <a:pPr lvl="1"/>
-            <a:endParaRPr lang="en-US" dirty="0"/>
+            <a:r>
+              <a:rPr lang="en-US" dirty="0"/>
+              <a:t>https://mlu-explain.github.io/linear-regression/</a:t>
+            </a:r>
           </a:p>
         </p:txBody>
       </p:sp>
@@ -29891,7 +30334,7 @@
           <p:cNvPr id="4" name="Slide Number Placeholder 3">
             <a:extLst>
               <a:ext uri="{FF2B5EF4-FFF2-40B4-BE49-F238E27FC236}">
-                <a16:creationId xmlns:a16="http://schemas.microsoft.com/office/drawing/2014/main" id="{99857AFB-2AF4-6C1C-098C-A2C55C7CA6C1}"/>
+                <a16:creationId xmlns:a16="http://schemas.microsoft.com/office/drawing/2014/main" id="{AF85802A-79E9-1FE0-4699-B99F75ABF06F}"/>
               </a:ext>
             </a:extLst>
           </p:cNvPr>
@@ -29918,7 +30361,7 @@
     </p:spTree>
     <p:extLst>
       <p:ext uri="{BB962C8B-B14F-4D97-AF65-F5344CB8AC3E}">
-        <p14:creationId xmlns:p14="http://schemas.microsoft.com/office/powerpoint/2010/main" val="1723433812"/>
+        <p14:creationId xmlns:p14="http://schemas.microsoft.com/office/powerpoint/2010/main" val="1764844861"/>
       </p:ext>
     </p:extLst>
   </p:cSld>
@@ -29950,6 +30393,149 @@
           <p:cNvPr id="2" name="Title 1">
             <a:extLst>
               <a:ext uri="{FF2B5EF4-FFF2-40B4-BE49-F238E27FC236}">
+                <a16:creationId xmlns:a16="http://schemas.microsoft.com/office/drawing/2014/main" id="{9BE0C099-2993-62EC-D85F-5DEBA9DFA634}"/>
+              </a:ext>
+            </a:extLst>
+          </p:cNvPr>
+          <p:cNvSpPr>
+            <a:spLocks noGrp="1"/>
+          </p:cNvSpPr>
+          <p:nvPr>
+            <p:ph type="title"/>
+          </p:nvPr>
+        </p:nvSpPr>
+        <p:spPr/>
+        <p:txBody>
+          <a:bodyPr/>
+          <a:lstStyle/>
+          <a:p>
+            <a:r>
+              <a:rPr lang="en-US" dirty="0"/>
+              <a:t>SVM tutorial</a:t>
+            </a:r>
+          </a:p>
+        </p:txBody>
+      </p:sp>
+      <p:sp>
+        <p:nvSpPr>
+          <p:cNvPr id="3" name="Content Placeholder 2">
+            <a:extLst>
+              <a:ext uri="{FF2B5EF4-FFF2-40B4-BE49-F238E27FC236}">
+                <a16:creationId xmlns:a16="http://schemas.microsoft.com/office/drawing/2014/main" id="{E1BC0502-9372-EA71-78EF-EE67D2EA85EA}"/>
+              </a:ext>
+            </a:extLst>
+          </p:cNvPr>
+          <p:cNvSpPr>
+            <a:spLocks noGrp="1"/>
+          </p:cNvSpPr>
+          <p:nvPr>
+            <p:ph idx="1"/>
+          </p:nvPr>
+        </p:nvSpPr>
+        <p:spPr/>
+        <p:txBody>
+          <a:bodyPr/>
+          <a:lstStyle/>
+          <a:p>
+            <a:r>
+              <a:rPr lang="en-US" dirty="0" err="1"/>
+              <a:t>Jupyter</a:t>
+            </a:r>
+            <a:r>
+              <a:rPr lang="en-US" dirty="0"/>
+              <a:t> Notebook based on</a:t>
+            </a:r>
+          </a:p>
+          <a:p>
+            <a:pPr lvl="1"/>
+            <a:r>
+              <a:rPr lang="en-US" dirty="0">
+                <a:hlinkClick r:id="rId2"/>
+              </a:rPr>
+              <a:t>https://scikit-learn.org/stable/auto_examples/classification/plot_digits_classification.html</a:t>
+            </a:r>
+            <a:endParaRPr lang="en-US" dirty="0"/>
+          </a:p>
+          <a:p>
+            <a:pPr lvl="1"/>
+            <a:r>
+              <a:rPr lang="en-US" dirty="0">
+                <a:hlinkClick r:id="rId3"/>
+              </a:rPr>
+              <a:t>https://colab.research.google.com/drive/1Xcgnkm2GxOBJtLxnTAx5vztnw4cOsWgm?usp=sharing</a:t>
+            </a:r>
+            <a:endParaRPr lang="en-US" dirty="0"/>
+          </a:p>
+          <a:p>
+            <a:pPr lvl="1"/>
+            <a:endParaRPr lang="en-US" dirty="0"/>
+          </a:p>
+        </p:txBody>
+      </p:sp>
+      <p:sp>
+        <p:nvSpPr>
+          <p:cNvPr id="4" name="Slide Number Placeholder 3">
+            <a:extLst>
+              <a:ext uri="{FF2B5EF4-FFF2-40B4-BE49-F238E27FC236}">
+                <a16:creationId xmlns:a16="http://schemas.microsoft.com/office/drawing/2014/main" id="{99857AFB-2AF4-6C1C-098C-A2C55C7CA6C1}"/>
+              </a:ext>
+            </a:extLst>
+          </p:cNvPr>
+          <p:cNvSpPr>
+            <a:spLocks noGrp="1"/>
+          </p:cNvSpPr>
+          <p:nvPr>
+            <p:ph type="sldNum" sz="quarter" idx="12"/>
+          </p:nvPr>
+        </p:nvSpPr>
+        <p:spPr/>
+        <p:txBody>
+          <a:bodyPr/>
+          <a:lstStyle/>
+          <a:p>
+            <a:fld id="{E862C174-85D7-4478-B3BB-01728BCCC1F6}" type="slidenum">
+              <a:rPr lang="en-US" smtClean="0"/>
+              <a:t>77</a:t>
+            </a:fld>
+            <a:endParaRPr lang="en-US"/>
+          </a:p>
+        </p:txBody>
+      </p:sp>
+    </p:spTree>
+    <p:extLst>
+      <p:ext uri="{BB962C8B-B14F-4D97-AF65-F5344CB8AC3E}">
+        <p14:creationId xmlns:p14="http://schemas.microsoft.com/office/powerpoint/2010/main" val="1723433812"/>
+      </p:ext>
+    </p:extLst>
+  </p:cSld>
+  <p:clrMapOvr>
+    <a:masterClrMapping/>
+  </p:clrMapOvr>
+</p:sld>
+</file>
+
+<file path=ppt/slides/slide78.xml><?xml version="1.0" encoding="utf-8"?>
+<p:sld xmlns:a="http://schemas.openxmlformats.org/drawingml/2006/main" xmlns:r="http://schemas.openxmlformats.org/officeDocument/2006/relationships" xmlns:p="http://schemas.openxmlformats.org/presentationml/2006/main">
+  <p:cSld>
+    <p:spTree>
+      <p:nvGrpSpPr>
+        <p:cNvPr id="1" name=""/>
+        <p:cNvGrpSpPr/>
+        <p:nvPr/>
+      </p:nvGrpSpPr>
+      <p:grpSpPr>
+        <a:xfrm>
+          <a:off x="0" y="0"/>
+          <a:ext cx="0" cy="0"/>
+          <a:chOff x="0" y="0"/>
+          <a:chExt cx="0" cy="0"/>
+        </a:xfrm>
+      </p:grpSpPr>
+      <p:sp>
+        <p:nvSpPr>
+          <p:cNvPr id="2" name="Title 1">
+            <a:extLst>
+              <a:ext uri="{FF2B5EF4-FFF2-40B4-BE49-F238E27FC236}">
                 <a16:creationId xmlns:a16="http://schemas.microsoft.com/office/drawing/2014/main" id="{550958E8-6FE2-E571-823D-09F1A8CD8EA1}"/>
               </a:ext>
             </a:extLst>
@@ -30079,7 +30665,7 @@
           <a:p>
             <a:fld id="{E862C174-85D7-4478-B3BB-01728BCCC1F6}" type="slidenum">
               <a:rPr lang="en-US" smtClean="0"/>
-              <a:t>77</a:t>
+              <a:t>78</a:t>
             </a:fld>
             <a:endParaRPr lang="en-US"/>
           </a:p>
@@ -30333,7 +30919,7 @@
           <a:p>
             <a:r>
               <a:rPr lang="en-US" dirty="0"/>
-              <a:t>Precision, recall, accuracy</a:t>
+              <a:t>Precision, recall, accuracy, F1-score</a:t>
             </a:r>
           </a:p>
         </p:txBody>
@@ -31083,30 +31669,9 @@
 </file>
 
 <file path=customXml/item1.xml><?xml version="1.0" encoding="utf-8"?>
-<p:properties xmlns:p="http://schemas.microsoft.com/office/2006/metadata/properties" xmlns:xsi="http://www.w3.org/2001/XMLSchema-instance" xmlns:pc="http://schemas.microsoft.com/office/infopath/2007/PartnerControls">
-  <documentManagement>
-    <lcf76f155ced4ddcb4097134ff3c332f xmlns="8b08ac72-ae5d-42df-afd9-fd4e69ddc1c9">
-      <Terms xmlns="http://schemas.microsoft.com/office/infopath/2007/PartnerControls"/>
-    </lcf76f155ced4ddcb4097134ff3c332f>
-    <TaxCatchAll xmlns="fe959906-0040-4a7f-ad24-d5674ccd0412"/>
-  </documentManagement>
-</p:properties>
-</file>
-
-<file path=customXml/item2.xml><?xml version="1.0" encoding="utf-8"?>
-<?mso-contentType ?>
-<FormTemplates xmlns="http://schemas.microsoft.com/sharepoint/v3/contenttype/forms">
-  <Display>DocumentLibraryForm</Display>
-  <Edit>DocumentLibraryForm</Edit>
-  <New>DocumentLibraryForm</New>
-</FormTemplates>
-</file>
-
-<file path=customXml/item3.xml><?xml version="1.0" encoding="utf-8"?>
-<ct:contentTypeSchema xmlns:ct="http://schemas.microsoft.com/office/2006/metadata/contentType" xmlns:ma="http://schemas.microsoft.com/office/2006/metadata/properties/metaAttributes" ct:_="" ma:_="" ma:contentTypeName="Document" ma:contentTypeID="0x010100CC5ED37141D9714D8D3CAC8B46802CEB" ma:contentTypeVersion="12" ma:contentTypeDescription="Create a new document." ma:contentTypeScope="" ma:versionID="7bd1f6bfc2b5e7893fe1d75f91ae7f30">
-  <xsd:schema xmlns:xsd="http://www.w3.org/2001/XMLSchema" xmlns:xs="http://www.w3.org/2001/XMLSchema" xmlns:p="http://schemas.microsoft.com/office/2006/metadata/properties" xmlns:ns2="8b08ac72-ae5d-42df-afd9-fd4e69ddc1c9" xmlns:ns3="fe959906-0040-4a7f-ad24-d5674ccd0412" targetNamespace="http://schemas.microsoft.com/office/2006/metadata/properties" ma:root="true" ma:fieldsID="821dd6939caa17bf092a660f6f65dc32" ns2:_="" ns3:_="">
+<ct:contentTypeSchema xmlns:ct="http://schemas.microsoft.com/office/2006/metadata/contentType" xmlns:ma="http://schemas.microsoft.com/office/2006/metadata/properties/metaAttributes" ct:_="" ma:_="" ma:contentTypeName="Document" ma:contentTypeID="0x010100CC5ED37141D9714D8D3CAC8B46802CEB" ma:contentTypeVersion="9" ma:contentTypeDescription="Create a new document." ma:contentTypeScope="" ma:versionID="1823226f651ee43a22574c19e7e4afae">
+  <xsd:schema xmlns:xsd="http://www.w3.org/2001/XMLSchema" xmlns:xs="http://www.w3.org/2001/XMLSchema" xmlns:p="http://schemas.microsoft.com/office/2006/metadata/properties" xmlns:ns2="8b08ac72-ae5d-42df-afd9-fd4e69ddc1c9" targetNamespace="http://schemas.microsoft.com/office/2006/metadata/properties" ma:root="true" ma:fieldsID="cc42f32948ac4ffce0f549b893693309" ns2:_="">
     <xsd:import namespace="8b08ac72-ae5d-42df-afd9-fd4e69ddc1c9"/>
-    <xsd:import namespace="fe959906-0040-4a7f-ad24-d5674ccd0412"/>
     <xsd:element name="properties">
       <xsd:complexType>
         <xsd:sequence>
@@ -31122,8 +31687,6 @@
                 <xsd:element ref="ns2:MediaServiceGenerationTime" minOccurs="0"/>
                 <xsd:element ref="ns2:MediaServiceEventHashCode" minOccurs="0"/>
                 <xsd:element ref="ns2:MediaServiceObjectDetectorVersions" minOccurs="0"/>
-                <xsd:element ref="ns2:lcf76f155ced4ddcb4097134ff3c332f" minOccurs="0"/>
-                <xsd:element ref="ns3:TaxCatchAll" minOccurs="0"/>
               </xsd:all>
             </xsd:complexType>
           </xsd:element>
@@ -31182,28 +31745,6 @@
       <xsd:simpleType>
         <xsd:restriction base="dms:Text"/>
       </xsd:simpleType>
-    </xsd:element>
-    <xsd:element name="lcf76f155ced4ddcb4097134ff3c332f" ma:index="18" nillable="true" ma:taxonomy="true" ma:internalName="lcf76f155ced4ddcb4097134ff3c332f" ma:taxonomyFieldName="MediaServiceImageTags" ma:displayName="Image Tags" ma:readOnly="false" ma:fieldId="{5cf76f15-5ced-4ddc-b409-7134ff3c332f}" ma:taxonomyMulti="true" ma:sspId="d71e4e8f-6a1f-4875-a71b-ff038a1f7ee8" ma:termSetId="09814cd3-568e-fe90-9814-8d621ff8fb84" ma:anchorId="fba54fb3-c3e1-fe81-a776-ca4b69148c4d" ma:open="true" ma:isKeyword="false">
-      <xsd:complexType>
-        <xsd:sequence>
-          <xsd:element ref="pc:Terms" minOccurs="0" maxOccurs="1"/>
-        </xsd:sequence>
-      </xsd:complexType>
-    </xsd:element>
-  </xsd:schema>
-  <xsd:schema xmlns:xsd="http://www.w3.org/2001/XMLSchema" xmlns:xs="http://www.w3.org/2001/XMLSchema" xmlns:dms="http://schemas.microsoft.com/office/2006/documentManagement/types" xmlns:pc="http://schemas.microsoft.com/office/infopath/2007/PartnerControls" targetNamespace="fe959906-0040-4a7f-ad24-d5674ccd0412" elementFormDefault="qualified">
-    <xsd:import namespace="http://schemas.microsoft.com/office/2006/documentManagement/types"/>
-    <xsd:import namespace="http://schemas.microsoft.com/office/infopath/2007/PartnerControls"/>
-    <xsd:element name="TaxCatchAll" ma:index="19" nillable="true" ma:displayName="Taxonomy Catch All Column" ma:hidden="true" ma:list="{45142125-a0be-415c-aab8-a6d03ae2946f}" ma:internalName="TaxCatchAll" ma:showField="CatchAllData" ma:web="fe959906-0040-4a7f-ad24-d5674ccd0412">
-      <xsd:complexType>
-        <xsd:complexContent>
-          <xsd:extension base="dms:MultiChoiceLookup">
-            <xsd:sequence>
-              <xsd:element name="Value" type="dms:Lookup" maxOccurs="unbounded" minOccurs="0" nillable="true"/>
-            </xsd:sequence>
-          </xsd:extension>
-        </xsd:complexContent>
-      </xsd:complexType>
     </xsd:element>
   </xsd:schema>
   <xsd:schema xmlns="http://schemas.openxmlformats.org/package/2006/metadata/core-properties" xmlns:xsd="http://www.w3.org/2001/XMLSchema" xmlns:xsi="http://www.w3.org/2001/XMLSchema-instance" xmlns:dc="http://purl.org/dc/elements/1.1/" xmlns:dcterms="http://purl.org/dc/terms/" xmlns:odoc="http://schemas.microsoft.com/internal/obd" targetNamespace="http://schemas.openxmlformats.org/package/2006/metadata/core-properties" elementFormDefault="qualified" attributeFormDefault="unqualified" blockDefault="#all">
@@ -31305,46 +31846,59 @@
 </ct:contentTypeSchema>
 </file>
 
+<file path=customXml/item2.xml><?xml version="1.0" encoding="utf-8"?>
+<p:properties xmlns:p="http://schemas.microsoft.com/office/2006/metadata/properties" xmlns:xsi="http://www.w3.org/2001/XMLSchema-instance" xmlns:pc="http://schemas.microsoft.com/office/infopath/2007/PartnerControls">
+  <documentManagement/>
+</p:properties>
+</file>
+
+<file path=customXml/item3.xml><?xml version="1.0" encoding="utf-8"?>
+<?mso-contentType ?>
+<FormTemplates xmlns="http://schemas.microsoft.com/sharepoint/v3/contenttype/forms">
+  <Display>DocumentLibraryForm</Display>
+  <Edit>DocumentLibraryForm</Edit>
+  <New>DocumentLibraryForm</New>
+</FormTemplates>
+</file>
+
 <file path=customXml/itemProps1.xml><?xml version="1.0" encoding="utf-8"?>
-<ds:datastoreItem xmlns:ds="http://schemas.openxmlformats.org/officeDocument/2006/customXml" ds:itemID="{9D5DB865-10A3-4D9C-B6B2-8CC8C6FA5CE8}">
+<ds:datastoreItem xmlns:ds="http://schemas.openxmlformats.org/officeDocument/2006/customXml" ds:itemID="{C88A8952-F0E2-4C35-92DC-E6A31915AEB4}">
   <ds:schemaRefs>
+    <ds:schemaRef ds:uri="8b08ac72-ae5d-42df-afd9-fd4e69ddc1c9"/>
+    <ds:schemaRef ds:uri="http://purl.org/dc/elements/1.1/"/>
     <ds:schemaRef ds:uri="http://purl.org/dc/terms/"/>
+    <ds:schemaRef ds:uri="http://schemas.microsoft.com/internal/obd"/>
     <ds:schemaRef ds:uri="http://schemas.microsoft.com/office/2006/documentManagement/types"/>
+    <ds:schemaRef ds:uri="http://schemas.microsoft.com/office/2006/metadata/contentType"/>
+    <ds:schemaRef ds:uri="http://schemas.microsoft.com/office/2006/metadata/properties"/>
+    <ds:schemaRef ds:uri="http://schemas.microsoft.com/office/2006/metadata/properties/metaAttributes"/>
     <ds:schemaRef ds:uri="http://schemas.microsoft.com/office/infopath/2007/PartnerControls"/>
-    <ds:schemaRef ds:uri="http://purl.org/dc/dcmitype/"/>
-    <ds:schemaRef ds:uri="http://www.w3.org/XML/1998/namespace"/>
-    <ds:schemaRef ds:uri="http://purl.org/dc/elements/1.1/"/>
     <ds:schemaRef ds:uri="http://schemas.openxmlformats.org/package/2006/metadata/core-properties"/>
-    <ds:schemaRef ds:uri="fe959906-0040-4a7f-ad24-d5674ccd0412"/>
-    <ds:schemaRef ds:uri="8b08ac72-ae5d-42df-afd9-fd4e69ddc1c9"/>
-    <ds:schemaRef ds:uri="http://schemas.microsoft.com/office/2006/metadata/properties"/>
+    <ds:schemaRef ds:uri="http://www.w3.org/2001/XMLSchema"/>
   </ds:schemaRefs>
 </ds:datastoreItem>
 </file>
 
 <file path=customXml/itemProps2.xml><?xml version="1.0" encoding="utf-8"?>
+<ds:datastoreItem xmlns:ds="http://schemas.openxmlformats.org/officeDocument/2006/customXml" ds:itemID="{9D5DB865-10A3-4D9C-B6B2-8CC8C6FA5CE8}">
+  <ds:schemaRefs>
+    <ds:schemaRef ds:uri="http://purl.org/dc/elements/1.1/"/>
+    <ds:schemaRef ds:uri="http://purl.org/dc/terms/"/>
+    <ds:schemaRef ds:uri="http://schemas.microsoft.com/office/infopath/2007/PartnerControls"/>
+    <ds:schemaRef ds:uri="8b08ac72-ae5d-42df-afd9-fd4e69ddc1c9"/>
+    <ds:schemaRef ds:uri="http://purl.org/dc/dcmitype/"/>
+    <ds:schemaRef ds:uri="http://schemas.openxmlformats.org/package/2006/metadata/core-properties"/>
+    <ds:schemaRef ds:uri="http://schemas.microsoft.com/office/2006/documentManagement/types"/>
+    <ds:schemaRef ds:uri="http://schemas.microsoft.com/office/2006/metadata/properties"/>
+    <ds:schemaRef ds:uri="http://www.w3.org/XML/1998/namespace"/>
+  </ds:schemaRefs>
+</ds:datastoreItem>
+</file>
+
+<file path=customXml/itemProps3.xml><?xml version="1.0" encoding="utf-8"?>
 <ds:datastoreItem xmlns:ds="http://schemas.openxmlformats.org/officeDocument/2006/customXml" ds:itemID="{0876085F-8D01-4EFD-B2F4-AB269F1ECCDA}">
   <ds:schemaRefs>
     <ds:schemaRef ds:uri="http://schemas.microsoft.com/sharepoint/v3/contenttype/forms"/>
   </ds:schemaRefs>
 </ds:datastoreItem>
-</file>
-
-<file path=customXml/itemProps3.xml><?xml version="1.0" encoding="utf-8"?>
-<ds:datastoreItem xmlns:ds="http://schemas.openxmlformats.org/officeDocument/2006/customXml" ds:itemID="{8823E5B6-4094-41B5-867E-88366CF72F10}">
-  <ds:schemaRefs>
-    <ds:schemaRef ds:uri="http://schemas.microsoft.com/office/2006/metadata/contentType"/>
-    <ds:schemaRef ds:uri="http://schemas.microsoft.com/office/2006/metadata/properties/metaAttributes"/>
-    <ds:schemaRef ds:uri="http://www.w3.org/2001/XMLSchema"/>
-    <ds:schemaRef ds:uri="http://schemas.microsoft.com/office/2006/metadata/properties"/>
-    <ds:schemaRef ds:uri="8b08ac72-ae5d-42df-afd9-fd4e69ddc1c9"/>
-    <ds:schemaRef ds:uri="fe959906-0040-4a7f-ad24-d5674ccd0412"/>
-    <ds:schemaRef ds:uri="http://schemas.microsoft.com/office/2006/documentManagement/types"/>
-    <ds:schemaRef ds:uri="http://schemas.microsoft.com/office/infopath/2007/PartnerControls"/>
-    <ds:schemaRef ds:uri="http://schemas.openxmlformats.org/package/2006/metadata/core-properties"/>
-    <ds:schemaRef ds:uri="http://purl.org/dc/elements/1.1/"/>
-    <ds:schemaRef ds:uri="http://purl.org/dc/terms/"/>
-    <ds:schemaRef ds:uri="http://schemas.microsoft.com/internal/obd"/>
-  </ds:schemaRefs>
-</ds:datastoreItem>
 </file>
--- a/static/docs/ml2.pptx
+++ b/static/docs/ml2.pptx
@@ -5,7 +5,7 @@
     <p:sldMasterId id="2147483648" r:id="rId4"/>
   </p:sldMasterIdLst>
   <p:notesMasterIdLst>
-    <p:notesMasterId r:id="rId83"/>
+    <p:notesMasterId r:id="rId88"/>
   </p:notesMasterIdLst>
   <p:sldIdLst>
     <p:sldId id="256" r:id="rId5"/>
@@ -61,31 +61,36 @@
     <p:sldId id="613" r:id="rId55"/>
     <p:sldId id="614" r:id="rId56"/>
     <p:sldId id="615" r:id="rId57"/>
-    <p:sldId id="298" r:id="rId58"/>
-    <p:sldId id="664" r:id="rId59"/>
-    <p:sldId id="665" r:id="rId60"/>
-    <p:sldId id="629" r:id="rId61"/>
-    <p:sldId id="638" r:id="rId62"/>
-    <p:sldId id="639" r:id="rId63"/>
-    <p:sldId id="640" r:id="rId64"/>
-    <p:sldId id="641" r:id="rId65"/>
-    <p:sldId id="644" r:id="rId66"/>
-    <p:sldId id="642" r:id="rId67"/>
-    <p:sldId id="643" r:id="rId68"/>
-    <p:sldId id="663" r:id="rId69"/>
-    <p:sldId id="627" r:id="rId70"/>
-    <p:sldId id="626" r:id="rId71"/>
-    <p:sldId id="630" r:id="rId72"/>
-    <p:sldId id="666" r:id="rId73"/>
-    <p:sldId id="667" r:id="rId74"/>
-    <p:sldId id="596" r:id="rId75"/>
-    <p:sldId id="597" r:id="rId76"/>
-    <p:sldId id="661" r:id="rId77"/>
-    <p:sldId id="662" r:id="rId78"/>
-    <p:sldId id="598" r:id="rId79"/>
-    <p:sldId id="595" r:id="rId80"/>
-    <p:sldId id="592" r:id="rId81"/>
-    <p:sldId id="624" r:id="rId82"/>
+    <p:sldId id="669" r:id="rId58"/>
+    <p:sldId id="672" r:id="rId59"/>
+    <p:sldId id="671" r:id="rId60"/>
+    <p:sldId id="298" r:id="rId61"/>
+    <p:sldId id="664" r:id="rId62"/>
+    <p:sldId id="665" r:id="rId63"/>
+    <p:sldId id="673" r:id="rId64"/>
+    <p:sldId id="674" r:id="rId65"/>
+    <p:sldId id="629" r:id="rId66"/>
+    <p:sldId id="638" r:id="rId67"/>
+    <p:sldId id="639" r:id="rId68"/>
+    <p:sldId id="640" r:id="rId69"/>
+    <p:sldId id="641" r:id="rId70"/>
+    <p:sldId id="644" r:id="rId71"/>
+    <p:sldId id="642" r:id="rId72"/>
+    <p:sldId id="643" r:id="rId73"/>
+    <p:sldId id="663" r:id="rId74"/>
+    <p:sldId id="627" r:id="rId75"/>
+    <p:sldId id="626" r:id="rId76"/>
+    <p:sldId id="630" r:id="rId77"/>
+    <p:sldId id="666" r:id="rId78"/>
+    <p:sldId id="667" r:id="rId79"/>
+    <p:sldId id="596" r:id="rId80"/>
+    <p:sldId id="597" r:id="rId81"/>
+    <p:sldId id="661" r:id="rId82"/>
+    <p:sldId id="662" r:id="rId83"/>
+    <p:sldId id="598" r:id="rId84"/>
+    <p:sldId id="595" r:id="rId85"/>
+    <p:sldId id="592" r:id="rId86"/>
+    <p:sldId id="624" r:id="rId87"/>
   </p:sldIdLst>
   <p:sldSz cx="12192000" cy="6858000"/>
   <p:notesSz cx="6858000" cy="9144000"/>
@@ -5891,6 +5896,393 @@
 </file>
 
 <file path=ppt/charts/chart7.xml><?xml version="1.0" encoding="utf-8"?>
+<c:chartSpace xmlns:c="http://schemas.openxmlformats.org/drawingml/2006/chart" xmlns:a="http://schemas.openxmlformats.org/drawingml/2006/main" xmlns:r="http://schemas.openxmlformats.org/officeDocument/2006/relationships" xmlns:c16r2="http://schemas.microsoft.com/office/drawing/2015/06/chart">
+  <c:date1904 val="0"/>
+  <c:lang val="en-US"/>
+  <c:roundedCorners val="0"/>
+  <mc:AlternateContent xmlns:mc="http://schemas.openxmlformats.org/markup-compatibility/2006">
+    <mc:Choice xmlns:c14="http://schemas.microsoft.com/office/drawing/2007/8/2/chart" Requires="c14">
+      <c14:style val="102"/>
+    </mc:Choice>
+    <mc:Fallback>
+      <c:style val="2"/>
+    </mc:Fallback>
+  </mc:AlternateContent>
+  <c:chart>
+    <c:autoTitleDeleted val="1"/>
+    <c:plotArea>
+      <c:layout/>
+      <c:scatterChart>
+        <c:scatterStyle val="lineMarker"/>
+        <c:varyColors val="0"/>
+        <c:ser>
+          <c:idx val="0"/>
+          <c:order val="0"/>
+          <c:tx>
+            <c:strRef>
+              <c:f>Sheet1!$B$1</c:f>
+              <c:strCache>
+                <c:ptCount val="1"/>
+                <c:pt idx="0">
+                  <c:v>Tumor Size</c:v>
+                </c:pt>
+              </c:strCache>
+            </c:strRef>
+          </c:tx>
+          <c:spPr>
+            <a:ln w="19050" cap="rnd">
+              <a:noFill/>
+              <a:round/>
+            </a:ln>
+            <a:effectLst/>
+          </c:spPr>
+          <c:marker>
+            <c:symbol val="circle"/>
+            <c:size val="5"/>
+            <c:spPr>
+              <a:solidFill>
+                <a:schemeClr val="accent1"/>
+              </a:solidFill>
+              <a:ln w="9525">
+                <a:solidFill>
+                  <a:schemeClr val="accent1"/>
+                </a:solidFill>
+              </a:ln>
+              <a:effectLst/>
+            </c:spPr>
+          </c:marker>
+          <c:xVal>
+            <c:numRef>
+              <c:f>Sheet1!$A$2:$A$4</c:f>
+              <c:numCache>
+                <c:formatCode>General</c:formatCode>
+                <c:ptCount val="3"/>
+                <c:pt idx="0">
+                  <c:v>1</c:v>
+                </c:pt>
+                <c:pt idx="1">
+                  <c:v>2</c:v>
+                </c:pt>
+                <c:pt idx="2">
+                  <c:v>3</c:v>
+                </c:pt>
+              </c:numCache>
+            </c:numRef>
+          </c:xVal>
+          <c:yVal>
+            <c:numRef>
+              <c:f>Sheet1!$B$2:$B$4</c:f>
+              <c:numCache>
+                <c:formatCode>General</c:formatCode>
+                <c:ptCount val="3"/>
+                <c:pt idx="0">
+                  <c:v>1.8</c:v>
+                </c:pt>
+                <c:pt idx="1">
+                  <c:v>0.7</c:v>
+                </c:pt>
+                <c:pt idx="2">
+                  <c:v>0.3</c:v>
+                </c:pt>
+              </c:numCache>
+            </c:numRef>
+          </c:yVal>
+          <c:smooth val="0"/>
+          <c:extLst>
+            <c:ext xmlns:c16="http://schemas.microsoft.com/office/drawing/2014/chart" uri="{C3380CC4-5D6E-409C-BE32-E72D297353CC}">
+              <c16:uniqueId val="{00000000-A5C9-44A7-B1CF-046624A3E219}"/>
+            </c:ext>
+          </c:extLst>
+        </c:ser>
+        <c:dLbls>
+          <c:showLegendKey val="0"/>
+          <c:showVal val="0"/>
+          <c:showCatName val="0"/>
+          <c:showSerName val="0"/>
+          <c:showPercent val="0"/>
+          <c:showBubbleSize val="0"/>
+        </c:dLbls>
+        <c:axId val="1475742304"/>
+        <c:axId val="1392528832"/>
+      </c:scatterChart>
+      <c:valAx>
+        <c:axId val="1475742304"/>
+        <c:scaling>
+          <c:orientation val="minMax"/>
+        </c:scaling>
+        <c:delete val="0"/>
+        <c:axPos val="b"/>
+        <c:majorGridlines>
+          <c:spPr>
+            <a:ln w="9525" cap="flat" cmpd="sng" algn="ctr">
+              <a:solidFill>
+                <a:schemeClr val="tx1">
+                  <a:lumMod val="15000"/>
+                  <a:lumOff val="85000"/>
+                </a:schemeClr>
+              </a:solidFill>
+              <a:round/>
+            </a:ln>
+            <a:effectLst/>
+          </c:spPr>
+        </c:majorGridlines>
+        <c:title>
+          <c:tx>
+            <c:rich>
+              <a:bodyPr rot="0" spcFirstLastPara="1" vertOverflow="ellipsis" vert="horz" wrap="square" anchor="ctr" anchorCtr="1"/>
+              <a:lstStyle/>
+              <a:p>
+                <a:pPr>
+                  <a:defRPr sz="1000" b="0" i="0" u="none" strike="noStrike" kern="1200" baseline="0">
+                    <a:solidFill>
+                      <a:schemeClr val="tx1">
+                        <a:lumMod val="65000"/>
+                        <a:lumOff val="35000"/>
+                      </a:schemeClr>
+                    </a:solidFill>
+                    <a:latin typeface="+mn-lt"/>
+                    <a:ea typeface="+mn-ea"/>
+                    <a:cs typeface="+mn-cs"/>
+                  </a:defRPr>
+                </a:pPr>
+                <a:r>
+                  <a:rPr lang="en-US"/>
+                  <a:t>Patient</a:t>
+                </a:r>
+              </a:p>
+            </c:rich>
+          </c:tx>
+          <c:overlay val="0"/>
+          <c:spPr>
+            <a:noFill/>
+            <a:ln>
+              <a:noFill/>
+            </a:ln>
+            <a:effectLst/>
+          </c:spPr>
+          <c:txPr>
+            <a:bodyPr rot="0" spcFirstLastPara="1" vertOverflow="ellipsis" vert="horz" wrap="square" anchor="ctr" anchorCtr="1"/>
+            <a:lstStyle/>
+            <a:p>
+              <a:pPr>
+                <a:defRPr sz="1000" b="0" i="0" u="none" strike="noStrike" kern="1200" baseline="0">
+                  <a:solidFill>
+                    <a:schemeClr val="tx1">
+                      <a:lumMod val="65000"/>
+                      <a:lumOff val="35000"/>
+                    </a:schemeClr>
+                  </a:solidFill>
+                  <a:latin typeface="+mn-lt"/>
+                  <a:ea typeface="+mn-ea"/>
+                  <a:cs typeface="+mn-cs"/>
+                </a:defRPr>
+              </a:pPr>
+              <a:endParaRPr lang="en-US"/>
+            </a:p>
+          </c:txPr>
+        </c:title>
+        <c:numFmt formatCode="General" sourceLinked="1"/>
+        <c:majorTickMark val="none"/>
+        <c:minorTickMark val="none"/>
+        <c:tickLblPos val="nextTo"/>
+        <c:spPr>
+          <a:noFill/>
+          <a:ln w="9525" cap="flat" cmpd="sng" algn="ctr">
+            <a:solidFill>
+              <a:schemeClr val="tx1">
+                <a:lumMod val="25000"/>
+                <a:lumOff val="75000"/>
+              </a:schemeClr>
+            </a:solidFill>
+            <a:round/>
+          </a:ln>
+          <a:effectLst/>
+        </c:spPr>
+        <c:txPr>
+          <a:bodyPr rot="-60000000" spcFirstLastPara="1" vertOverflow="ellipsis" vert="horz" wrap="square" anchor="ctr" anchorCtr="1"/>
+          <a:lstStyle/>
+          <a:p>
+            <a:pPr>
+              <a:defRPr sz="900" b="0" i="0" u="none" strike="noStrike" kern="1200" baseline="0">
+                <a:solidFill>
+                  <a:schemeClr val="tx1">
+                    <a:lumMod val="65000"/>
+                    <a:lumOff val="35000"/>
+                  </a:schemeClr>
+                </a:solidFill>
+                <a:latin typeface="+mn-lt"/>
+                <a:ea typeface="+mn-ea"/>
+                <a:cs typeface="+mn-cs"/>
+              </a:defRPr>
+            </a:pPr>
+            <a:endParaRPr lang="en-US"/>
+          </a:p>
+        </c:txPr>
+        <c:crossAx val="1392528832"/>
+        <c:crosses val="autoZero"/>
+        <c:crossBetween val="midCat"/>
+        <c:majorUnit val="1"/>
+      </c:valAx>
+      <c:valAx>
+        <c:axId val="1392528832"/>
+        <c:scaling>
+          <c:orientation val="minMax"/>
+        </c:scaling>
+        <c:delete val="0"/>
+        <c:axPos val="l"/>
+        <c:majorGridlines>
+          <c:spPr>
+            <a:ln w="9525" cap="flat" cmpd="sng" algn="ctr">
+              <a:solidFill>
+                <a:schemeClr val="tx1">
+                  <a:lumMod val="15000"/>
+                  <a:lumOff val="85000"/>
+                </a:schemeClr>
+              </a:solidFill>
+              <a:round/>
+            </a:ln>
+            <a:effectLst/>
+          </c:spPr>
+        </c:majorGridlines>
+        <c:title>
+          <c:tx>
+            <c:rich>
+              <a:bodyPr rot="-5400000" spcFirstLastPara="1" vertOverflow="ellipsis" vert="horz" wrap="square" anchor="ctr" anchorCtr="1"/>
+              <a:lstStyle/>
+              <a:p>
+                <a:pPr>
+                  <a:defRPr sz="1000" b="0" i="0" u="none" strike="noStrike" kern="1200" baseline="0">
+                    <a:solidFill>
+                      <a:schemeClr val="tx1">
+                        <a:lumMod val="65000"/>
+                        <a:lumOff val="35000"/>
+                      </a:schemeClr>
+                    </a:solidFill>
+                    <a:latin typeface="+mn-lt"/>
+                    <a:ea typeface="+mn-ea"/>
+                    <a:cs typeface="+mn-cs"/>
+                  </a:defRPr>
+                </a:pPr>
+                <a:r>
+                  <a:rPr lang="en-US"/>
+                  <a:t>Tumor Size</a:t>
+                </a:r>
+              </a:p>
+            </c:rich>
+          </c:tx>
+          <c:overlay val="0"/>
+          <c:spPr>
+            <a:noFill/>
+            <a:ln>
+              <a:noFill/>
+            </a:ln>
+            <a:effectLst/>
+          </c:spPr>
+          <c:txPr>
+            <a:bodyPr rot="-5400000" spcFirstLastPara="1" vertOverflow="ellipsis" vert="horz" wrap="square" anchor="ctr" anchorCtr="1"/>
+            <a:lstStyle/>
+            <a:p>
+              <a:pPr>
+                <a:defRPr sz="1000" b="0" i="0" u="none" strike="noStrike" kern="1200" baseline="0">
+                  <a:solidFill>
+                    <a:schemeClr val="tx1">
+                      <a:lumMod val="65000"/>
+                      <a:lumOff val="35000"/>
+                    </a:schemeClr>
+                  </a:solidFill>
+                  <a:latin typeface="+mn-lt"/>
+                  <a:ea typeface="+mn-ea"/>
+                  <a:cs typeface="+mn-cs"/>
+                </a:defRPr>
+              </a:pPr>
+              <a:endParaRPr lang="en-US"/>
+            </a:p>
+          </c:txPr>
+        </c:title>
+        <c:numFmt formatCode="General" sourceLinked="1"/>
+        <c:majorTickMark val="none"/>
+        <c:minorTickMark val="none"/>
+        <c:tickLblPos val="nextTo"/>
+        <c:spPr>
+          <a:noFill/>
+          <a:ln w="9525" cap="flat" cmpd="sng" algn="ctr">
+            <a:solidFill>
+              <a:schemeClr val="tx1">
+                <a:lumMod val="25000"/>
+                <a:lumOff val="75000"/>
+              </a:schemeClr>
+            </a:solidFill>
+            <a:round/>
+          </a:ln>
+          <a:effectLst/>
+        </c:spPr>
+        <c:txPr>
+          <a:bodyPr rot="-60000000" spcFirstLastPara="1" vertOverflow="ellipsis" vert="horz" wrap="square" anchor="ctr" anchorCtr="1"/>
+          <a:lstStyle/>
+          <a:p>
+            <a:pPr>
+              <a:defRPr sz="900" b="0" i="0" u="none" strike="noStrike" kern="1200" baseline="0">
+                <a:solidFill>
+                  <a:schemeClr val="tx1">
+                    <a:lumMod val="65000"/>
+                    <a:lumOff val="35000"/>
+                  </a:schemeClr>
+                </a:solidFill>
+                <a:latin typeface="+mn-lt"/>
+                <a:ea typeface="+mn-ea"/>
+                <a:cs typeface="+mn-cs"/>
+              </a:defRPr>
+            </a:pPr>
+            <a:endParaRPr lang="en-US"/>
+          </a:p>
+        </c:txPr>
+        <c:crossAx val="1475742304"/>
+        <c:crosses val="autoZero"/>
+        <c:crossBetween val="midCat"/>
+      </c:valAx>
+      <c:spPr>
+        <a:noFill/>
+        <a:ln>
+          <a:noFill/>
+        </a:ln>
+        <a:effectLst/>
+      </c:spPr>
+    </c:plotArea>
+    <c:plotVisOnly val="1"/>
+    <c:dispBlanksAs val="gap"/>
+    <c:extLst>
+      <c:ext xmlns:c16r3="http://schemas.microsoft.com/office/drawing/2017/03/chart" uri="{56B9EC1D-385E-4148-901F-78D8002777C0}">
+        <c16r3:dataDisplayOptions16>
+          <c16r3:dispNaAsBlank val="1"/>
+        </c16r3:dataDisplayOptions16>
+      </c:ext>
+    </c:extLst>
+    <c:showDLblsOverMax val="0"/>
+  </c:chart>
+  <c:spPr>
+    <a:noFill/>
+    <a:ln>
+      <a:noFill/>
+    </a:ln>
+    <a:effectLst/>
+  </c:spPr>
+  <c:txPr>
+    <a:bodyPr/>
+    <a:lstStyle/>
+    <a:p>
+      <a:pPr>
+        <a:defRPr/>
+      </a:pPr>
+      <a:endParaRPr lang="en-US"/>
+    </a:p>
+  </c:txPr>
+  <c:externalData r:id="rId3">
+    <c:autoUpdate val="0"/>
+  </c:externalData>
+</c:chartSpace>
+</file>
+
+<file path=ppt/charts/chart8.xml><?xml version="1.0" encoding="utf-8"?>
 <c:chartSpace xmlns:c="http://schemas.openxmlformats.org/drawingml/2006/chart" xmlns:a="http://schemas.openxmlformats.org/drawingml/2006/main" xmlns:r="http://schemas.openxmlformats.org/officeDocument/2006/relationships" xmlns:c16r2="http://schemas.microsoft.com/office/drawing/2015/06/chart">
   <c:date1904 val="0"/>
   <c:lang val="en-US"/>
@@ -6596,6 +6988,46 @@
 </file>
 
 <file path=ppt/charts/colors7.xml><?xml version="1.0" encoding="utf-8"?>
+<cs:colorStyle xmlns:cs="http://schemas.microsoft.com/office/drawing/2012/chartStyle" xmlns:a="http://schemas.openxmlformats.org/drawingml/2006/main" meth="cycle" id="10">
+  <a:schemeClr val="accent1"/>
+  <a:schemeClr val="accent2"/>
+  <a:schemeClr val="accent3"/>
+  <a:schemeClr val="accent4"/>
+  <a:schemeClr val="accent5"/>
+  <a:schemeClr val="accent6"/>
+  <cs:variation/>
+  <cs:variation>
+    <a:lumMod val="60000"/>
+  </cs:variation>
+  <cs:variation>
+    <a:lumMod val="80000"/>
+    <a:lumOff val="20000"/>
+  </cs:variation>
+  <cs:variation>
+    <a:lumMod val="80000"/>
+  </cs:variation>
+  <cs:variation>
+    <a:lumMod val="60000"/>
+    <a:lumOff val="40000"/>
+  </cs:variation>
+  <cs:variation>
+    <a:lumMod val="50000"/>
+  </cs:variation>
+  <cs:variation>
+    <a:lumMod val="70000"/>
+    <a:lumOff val="30000"/>
+  </cs:variation>
+  <cs:variation>
+    <a:lumMod val="70000"/>
+  </cs:variation>
+  <cs:variation>
+    <a:lumMod val="50000"/>
+    <a:lumOff val="50000"/>
+  </cs:variation>
+</cs:colorStyle>
+</file>
+
+<file path=ppt/charts/colors8.xml><?xml version="1.0" encoding="utf-8"?>
 <cs:colorStyle xmlns:cs="http://schemas.microsoft.com/office/drawing/2012/chartStyle" xmlns:a="http://schemas.openxmlformats.org/drawingml/2006/main" meth="cycle" id="10">
   <a:schemeClr val="accent1"/>
   <a:schemeClr val="accent2"/>
@@ -10247,6 +10679,522 @@
 </cs:chartStyle>
 </file>
 
+<file path=ppt/charts/style8.xml><?xml version="1.0" encoding="utf-8"?>
+<cs:chartStyle xmlns:cs="http://schemas.microsoft.com/office/drawing/2012/chartStyle" xmlns:a="http://schemas.openxmlformats.org/drawingml/2006/main" id="240">
+  <cs:axisTitle>
+    <cs:lnRef idx="0"/>
+    <cs:fillRef idx="0"/>
+    <cs:effectRef idx="0"/>
+    <cs:fontRef idx="minor">
+      <a:schemeClr val="tx1">
+        <a:lumMod val="65000"/>
+        <a:lumOff val="35000"/>
+      </a:schemeClr>
+    </cs:fontRef>
+    <cs:defRPr sz="1000" kern="1200"/>
+  </cs:axisTitle>
+  <cs:categoryAxis>
+    <cs:lnRef idx="0"/>
+    <cs:fillRef idx="0"/>
+    <cs:effectRef idx="0"/>
+    <cs:fontRef idx="minor">
+      <a:schemeClr val="tx1">
+        <a:lumMod val="65000"/>
+        <a:lumOff val="35000"/>
+      </a:schemeClr>
+    </cs:fontRef>
+    <cs:spPr>
+      <a:ln w="9525" cap="flat" cmpd="sng" algn="ctr">
+        <a:solidFill>
+          <a:schemeClr val="tx1">
+            <a:lumMod val="25000"/>
+            <a:lumOff val="75000"/>
+          </a:schemeClr>
+        </a:solidFill>
+        <a:round/>
+      </a:ln>
+    </cs:spPr>
+    <cs:defRPr sz="900" kern="1200"/>
+  </cs:categoryAxis>
+  <cs:chartArea mods="allowNoFillOverride allowNoLineOverride">
+    <cs:lnRef idx="0"/>
+    <cs:fillRef idx="0"/>
+    <cs:effectRef idx="0"/>
+    <cs:fontRef idx="minor">
+      <a:schemeClr val="tx1"/>
+    </cs:fontRef>
+    <cs:spPr>
+      <a:solidFill>
+        <a:schemeClr val="bg1"/>
+      </a:solidFill>
+      <a:ln w="9525" cap="flat" cmpd="sng" algn="ctr">
+        <a:solidFill>
+          <a:schemeClr val="tx1">
+            <a:lumMod val="15000"/>
+            <a:lumOff val="85000"/>
+          </a:schemeClr>
+        </a:solidFill>
+        <a:round/>
+      </a:ln>
+    </cs:spPr>
+    <cs:defRPr sz="1000" kern="1200"/>
+  </cs:chartArea>
+  <cs:dataLabel>
+    <cs:lnRef idx="0"/>
+    <cs:fillRef idx="0"/>
+    <cs:effectRef idx="0"/>
+    <cs:fontRef idx="minor">
+      <a:schemeClr val="tx1">
+        <a:lumMod val="75000"/>
+        <a:lumOff val="25000"/>
+      </a:schemeClr>
+    </cs:fontRef>
+    <cs:defRPr sz="900" kern="1200"/>
+  </cs:dataLabel>
+  <cs:dataLabelCallout>
+    <cs:lnRef idx="0"/>
+    <cs:fillRef idx="0"/>
+    <cs:effectRef idx="0"/>
+    <cs:fontRef idx="minor">
+      <a:schemeClr val="dk1">
+        <a:lumMod val="65000"/>
+        <a:lumOff val="35000"/>
+      </a:schemeClr>
+    </cs:fontRef>
+    <cs:spPr>
+      <a:solidFill>
+        <a:schemeClr val="lt1"/>
+      </a:solidFill>
+      <a:ln>
+        <a:solidFill>
+          <a:schemeClr val="dk1">
+            <a:lumMod val="25000"/>
+            <a:lumOff val="75000"/>
+          </a:schemeClr>
+        </a:solidFill>
+      </a:ln>
+    </cs:spPr>
+    <cs:defRPr sz="900" kern="1200"/>
+    <cs:bodyPr rot="0" spcFirstLastPara="1" vertOverflow="clip" horzOverflow="clip" vert="horz" wrap="square" lIns="36576" tIns="18288" rIns="36576" bIns="18288" anchor="ctr" anchorCtr="1">
+      <a:spAutoFit/>
+    </cs:bodyPr>
+  </cs:dataLabelCallout>
+  <cs:dataPoint>
+    <cs:lnRef idx="0"/>
+    <cs:fillRef idx="1">
+      <cs:styleClr val="auto"/>
+    </cs:fillRef>
+    <cs:effectRef idx="0"/>
+    <cs:fontRef idx="minor">
+      <a:schemeClr val="tx1"/>
+    </cs:fontRef>
+  </cs:dataPoint>
+  <cs:dataPoint3D>
+    <cs:lnRef idx="0"/>
+    <cs:fillRef idx="1">
+      <cs:styleClr val="auto"/>
+    </cs:fillRef>
+    <cs:effectRef idx="0"/>
+    <cs:fontRef idx="minor">
+      <a:schemeClr val="tx1"/>
+    </cs:fontRef>
+  </cs:dataPoint3D>
+  <cs:dataPointLine>
+    <cs:lnRef idx="0">
+      <cs:styleClr val="auto"/>
+    </cs:lnRef>
+    <cs:fillRef idx="1"/>
+    <cs:effectRef idx="0"/>
+    <cs:fontRef idx="minor">
+      <a:schemeClr val="tx1"/>
+    </cs:fontRef>
+    <cs:spPr>
+      <a:ln w="19050" cap="rnd">
+        <a:solidFill>
+          <a:schemeClr val="phClr"/>
+        </a:solidFill>
+        <a:round/>
+      </a:ln>
+    </cs:spPr>
+  </cs:dataPointLine>
+  <cs:dataPointMarker>
+    <cs:lnRef idx="0">
+      <cs:styleClr val="auto"/>
+    </cs:lnRef>
+    <cs:fillRef idx="1">
+      <cs:styleClr val="auto"/>
+    </cs:fillRef>
+    <cs:effectRef idx="0"/>
+    <cs:fontRef idx="minor">
+      <a:schemeClr val="tx1"/>
+    </cs:fontRef>
+    <cs:spPr>
+      <a:ln w="9525">
+        <a:solidFill>
+          <a:schemeClr val="phClr"/>
+        </a:solidFill>
+      </a:ln>
+    </cs:spPr>
+  </cs:dataPointMarker>
+  <cs:dataPointMarkerLayout symbol="circle" size="5"/>
+  <cs:dataPointWireframe>
+    <cs:lnRef idx="0">
+      <cs:styleClr val="auto"/>
+    </cs:lnRef>
+    <cs:fillRef idx="0"/>
+    <cs:effectRef idx="0"/>
+    <cs:fontRef idx="minor">
+      <a:schemeClr val="dk1"/>
+    </cs:fontRef>
+    <cs:spPr>
+      <a:ln w="9525" cap="rnd">
+        <a:solidFill>
+          <a:schemeClr val="phClr"/>
+        </a:solidFill>
+        <a:round/>
+      </a:ln>
+    </cs:spPr>
+  </cs:dataPointWireframe>
+  <cs:dataTable>
+    <cs:lnRef idx="0"/>
+    <cs:fillRef idx="0"/>
+    <cs:effectRef idx="0"/>
+    <cs:fontRef idx="minor">
+      <a:schemeClr val="tx1">
+        <a:lumMod val="65000"/>
+        <a:lumOff val="35000"/>
+      </a:schemeClr>
+    </cs:fontRef>
+    <cs:spPr>
+      <a:noFill/>
+      <a:ln w="9525" cap="flat" cmpd="sng" algn="ctr">
+        <a:solidFill>
+          <a:schemeClr val="tx1">
+            <a:lumMod val="15000"/>
+            <a:lumOff val="85000"/>
+          </a:schemeClr>
+        </a:solidFill>
+        <a:round/>
+      </a:ln>
+    </cs:spPr>
+    <cs:defRPr sz="900" kern="1200"/>
+  </cs:dataTable>
+  <cs:downBar>
+    <cs:lnRef idx="0"/>
+    <cs:fillRef idx="0"/>
+    <cs:effectRef idx="0"/>
+    <cs:fontRef idx="minor">
+      <a:schemeClr val="tx1"/>
+    </cs:fontRef>
+    <cs:spPr>
+      <a:solidFill>
+        <a:schemeClr val="dk1">
+          <a:lumMod val="75000"/>
+          <a:lumOff val="25000"/>
+        </a:schemeClr>
+      </a:solidFill>
+      <a:ln w="9525" cap="flat" cmpd="sng" algn="ctr">
+        <a:solidFill>
+          <a:schemeClr val="tx1">
+            <a:lumMod val="65000"/>
+            <a:lumOff val="35000"/>
+          </a:schemeClr>
+        </a:solidFill>
+        <a:round/>
+      </a:ln>
+    </cs:spPr>
+  </cs:downBar>
+  <cs:dropLine>
+    <cs:lnRef idx="0"/>
+    <cs:fillRef idx="0"/>
+    <cs:effectRef idx="0"/>
+    <cs:fontRef idx="minor">
+      <a:schemeClr val="tx1"/>
+    </cs:fontRef>
+    <cs:spPr>
+      <a:ln w="9525" cap="flat" cmpd="sng" algn="ctr">
+        <a:solidFill>
+          <a:schemeClr val="tx1">
+            <a:lumMod val="35000"/>
+            <a:lumOff val="65000"/>
+          </a:schemeClr>
+        </a:solidFill>
+        <a:round/>
+      </a:ln>
+    </cs:spPr>
+  </cs:dropLine>
+  <cs:errorBar>
+    <cs:lnRef idx="0"/>
+    <cs:fillRef idx="0"/>
+    <cs:effectRef idx="0"/>
+    <cs:fontRef idx="minor">
+      <a:schemeClr val="tx1"/>
+    </cs:fontRef>
+    <cs:spPr>
+      <a:ln w="9525" cap="flat" cmpd="sng" algn="ctr">
+        <a:solidFill>
+          <a:schemeClr val="tx1">
+            <a:lumMod val="65000"/>
+            <a:lumOff val="35000"/>
+          </a:schemeClr>
+        </a:solidFill>
+        <a:round/>
+      </a:ln>
+    </cs:spPr>
+  </cs:errorBar>
+  <cs:floor>
+    <cs:lnRef idx="0"/>
+    <cs:fillRef idx="0"/>
+    <cs:effectRef idx="0"/>
+    <cs:fontRef idx="minor">
+      <a:schemeClr val="tx1"/>
+    </cs:fontRef>
+    <cs:spPr>
+      <a:noFill/>
+      <a:ln>
+        <a:noFill/>
+      </a:ln>
+    </cs:spPr>
+  </cs:floor>
+  <cs:gridlineMajor>
+    <cs:lnRef idx="0"/>
+    <cs:fillRef idx="0"/>
+    <cs:effectRef idx="0"/>
+    <cs:fontRef idx="minor">
+      <a:schemeClr val="tx1"/>
+    </cs:fontRef>
+    <cs:spPr>
+      <a:ln w="9525" cap="flat" cmpd="sng" algn="ctr">
+        <a:solidFill>
+          <a:schemeClr val="tx1">
+            <a:lumMod val="15000"/>
+            <a:lumOff val="85000"/>
+          </a:schemeClr>
+        </a:solidFill>
+        <a:round/>
+      </a:ln>
+    </cs:spPr>
+  </cs:gridlineMajor>
+  <cs:gridlineMinor>
+    <cs:lnRef idx="0"/>
+    <cs:fillRef idx="0"/>
+    <cs:effectRef idx="0"/>
+    <cs:fontRef idx="minor">
+      <a:schemeClr val="tx1"/>
+    </cs:fontRef>
+    <cs:spPr>
+      <a:ln w="9525" cap="flat" cmpd="sng" algn="ctr">
+        <a:solidFill>
+          <a:schemeClr val="tx1">
+            <a:lumMod val="5000"/>
+            <a:lumOff val="95000"/>
+          </a:schemeClr>
+        </a:solidFill>
+        <a:round/>
+      </a:ln>
+    </cs:spPr>
+  </cs:gridlineMinor>
+  <cs:hiLoLine>
+    <cs:lnRef idx="0"/>
+    <cs:fillRef idx="0"/>
+    <cs:effectRef idx="0"/>
+    <cs:fontRef idx="minor">
+      <a:schemeClr val="tx1"/>
+    </cs:fontRef>
+    <cs:spPr>
+      <a:ln w="9525" cap="flat" cmpd="sng" algn="ctr">
+        <a:solidFill>
+          <a:schemeClr val="tx1">
+            <a:lumMod val="50000"/>
+            <a:lumOff val="50000"/>
+          </a:schemeClr>
+        </a:solidFill>
+        <a:round/>
+      </a:ln>
+    </cs:spPr>
+  </cs:hiLoLine>
+  <cs:leaderLine>
+    <cs:lnRef idx="0"/>
+    <cs:fillRef idx="0"/>
+    <cs:effectRef idx="0"/>
+    <cs:fontRef idx="minor">
+      <a:schemeClr val="tx1"/>
+    </cs:fontRef>
+    <cs:spPr>
+      <a:ln w="9525" cap="flat" cmpd="sng" algn="ctr">
+        <a:solidFill>
+          <a:schemeClr val="tx1">
+            <a:lumMod val="35000"/>
+            <a:lumOff val="65000"/>
+          </a:schemeClr>
+        </a:solidFill>
+        <a:round/>
+      </a:ln>
+    </cs:spPr>
+  </cs:leaderLine>
+  <cs:legend>
+    <cs:lnRef idx="0"/>
+    <cs:fillRef idx="0"/>
+    <cs:effectRef idx="0"/>
+    <cs:fontRef idx="minor">
+      <a:schemeClr val="tx1">
+        <a:lumMod val="65000"/>
+        <a:lumOff val="35000"/>
+      </a:schemeClr>
+    </cs:fontRef>
+    <cs:defRPr sz="900" kern="1200"/>
+  </cs:legend>
+  <cs:plotArea mods="allowNoFillOverride allowNoLineOverride">
+    <cs:lnRef idx="0"/>
+    <cs:fillRef idx="0"/>
+    <cs:effectRef idx="0"/>
+    <cs:fontRef idx="minor">
+      <a:schemeClr val="tx1"/>
+    </cs:fontRef>
+  </cs:plotArea>
+  <cs:plotArea3D mods="allowNoFillOverride allowNoLineOverride">
+    <cs:lnRef idx="0"/>
+    <cs:fillRef idx="0"/>
+    <cs:effectRef idx="0"/>
+    <cs:fontRef idx="minor">
+      <a:schemeClr val="tx1"/>
+    </cs:fontRef>
+  </cs:plotArea3D>
+  <cs:seriesAxis>
+    <cs:lnRef idx="0"/>
+    <cs:fillRef idx="0"/>
+    <cs:effectRef idx="0"/>
+    <cs:fontRef idx="minor">
+      <a:schemeClr val="tx1">
+        <a:lumMod val="65000"/>
+        <a:lumOff val="35000"/>
+      </a:schemeClr>
+    </cs:fontRef>
+    <cs:defRPr sz="900" kern="1200"/>
+  </cs:seriesAxis>
+  <cs:seriesLine>
+    <cs:lnRef idx="0"/>
+    <cs:fillRef idx="0"/>
+    <cs:effectRef idx="0"/>
+    <cs:fontRef idx="minor">
+      <a:schemeClr val="tx1"/>
+    </cs:fontRef>
+    <cs:spPr>
+      <a:ln w="9525" cap="flat" cmpd="sng" algn="ctr">
+        <a:solidFill>
+          <a:schemeClr val="tx1">
+            <a:lumMod val="35000"/>
+            <a:lumOff val="65000"/>
+          </a:schemeClr>
+        </a:solidFill>
+        <a:round/>
+      </a:ln>
+    </cs:spPr>
+  </cs:seriesLine>
+  <cs:title>
+    <cs:lnRef idx="0"/>
+    <cs:fillRef idx="0"/>
+    <cs:effectRef idx="0"/>
+    <cs:fontRef idx="minor">
+      <a:schemeClr val="tx1">
+        <a:lumMod val="65000"/>
+        <a:lumOff val="35000"/>
+      </a:schemeClr>
+    </cs:fontRef>
+    <cs:defRPr sz="1400" b="0" kern="1200" spc="0" baseline="0"/>
+  </cs:title>
+  <cs:trendline>
+    <cs:lnRef idx="0">
+      <cs:styleClr val="auto"/>
+    </cs:lnRef>
+    <cs:fillRef idx="0"/>
+    <cs:effectRef idx="0"/>
+    <cs:fontRef idx="minor">
+      <a:schemeClr val="tx1"/>
+    </cs:fontRef>
+    <cs:spPr>
+      <a:ln w="19050" cap="rnd">
+        <a:solidFill>
+          <a:schemeClr val="phClr"/>
+        </a:solidFill>
+        <a:prstDash val="sysDot"/>
+      </a:ln>
+    </cs:spPr>
+  </cs:trendline>
+  <cs:trendlineLabel>
+    <cs:lnRef idx="0"/>
+    <cs:fillRef idx="0"/>
+    <cs:effectRef idx="0"/>
+    <cs:fontRef idx="minor">
+      <a:schemeClr val="tx1">
+        <a:lumMod val="65000"/>
+        <a:lumOff val="35000"/>
+      </a:schemeClr>
+    </cs:fontRef>
+    <cs:defRPr sz="900" kern="1200"/>
+  </cs:trendlineLabel>
+  <cs:upBar>
+    <cs:lnRef idx="0"/>
+    <cs:fillRef idx="0"/>
+    <cs:effectRef idx="0"/>
+    <cs:fontRef idx="minor">
+      <a:schemeClr val="tx1"/>
+    </cs:fontRef>
+    <cs:spPr>
+      <a:solidFill>
+        <a:schemeClr val="lt1"/>
+      </a:solidFill>
+      <a:ln w="9525" cap="flat" cmpd="sng" algn="ctr">
+        <a:solidFill>
+          <a:schemeClr val="tx1">
+            <a:lumMod val="65000"/>
+            <a:lumOff val="35000"/>
+          </a:schemeClr>
+        </a:solidFill>
+        <a:round/>
+      </a:ln>
+    </cs:spPr>
+  </cs:upBar>
+  <cs:valueAxis>
+    <cs:lnRef idx="0"/>
+    <cs:fillRef idx="0"/>
+    <cs:effectRef idx="0"/>
+    <cs:fontRef idx="minor">
+      <a:schemeClr val="tx1">
+        <a:lumMod val="65000"/>
+        <a:lumOff val="35000"/>
+      </a:schemeClr>
+    </cs:fontRef>
+    <cs:spPr>
+      <a:ln w="9525" cap="flat" cmpd="sng" algn="ctr">
+        <a:solidFill>
+          <a:schemeClr val="tx1">
+            <a:lumMod val="25000"/>
+            <a:lumOff val="75000"/>
+          </a:schemeClr>
+        </a:solidFill>
+        <a:round/>
+      </a:ln>
+    </cs:spPr>
+    <cs:defRPr sz="900" kern="1200"/>
+  </cs:valueAxis>
+  <cs:wall>
+    <cs:lnRef idx="0"/>
+    <cs:fillRef idx="0"/>
+    <cs:effectRef idx="0"/>
+    <cs:fontRef idx="minor">
+      <a:schemeClr val="tx1"/>
+    </cs:fontRef>
+    <cs:spPr>
+      <a:noFill/>
+      <a:ln>
+        <a:noFill/>
+      </a:ln>
+    </cs:spPr>
+  </cs:wall>
+</cs:chartStyle>
+</file>
+
 <file path=ppt/ink/ink1.xml><?xml version="1.0" encoding="utf-8"?>
 <inkml:ink xmlns:inkml="http://www.w3.org/2003/InkML">
   <inkml:definitions>
@@ -10626,7 +11574,7 @@
           <a:p>
             <a:fld id="{C686E9C8-05B0-4550-9CA7-2F66FB508315}" type="datetimeFigureOut">
               <a:rPr lang="en-US" smtClean="0"/>
-              <a:t>10/16/23</a:t>
+              <a:t>10/17/2023</a:t>
             </a:fld>
             <a:endParaRPr lang="en-US"/>
           </a:p>
@@ -11649,7 +12597,7 @@
           <a:p>
             <a:fld id="{17FCA3B4-5883-484F-82A4-A1FC0CC12C10}" type="slidenum">
               <a:rPr lang="en-US" smtClean="0"/>
-              <a:t>59</a:t>
+              <a:t>64</a:t>
             </a:fld>
             <a:endParaRPr lang="en-US"/>
           </a:p>
@@ -11815,7 +12763,7 @@
           <a:p>
             <a:fld id="{A9CCB1B0-0E4E-4A0C-A8F8-A725E1CC2C73}" type="datetime1">
               <a:rPr lang="en-US" smtClean="0"/>
-              <a:t>10/16/23</a:t>
+              <a:t>10/17/2023</a:t>
             </a:fld>
             <a:endParaRPr lang="en-US"/>
           </a:p>
@@ -12013,7 +12961,7 @@
           <a:p>
             <a:fld id="{85196F6B-6DF9-44B3-94A1-CC5C7639FCC4}" type="datetime1">
               <a:rPr lang="en-US" smtClean="0"/>
-              <a:t>10/16/23</a:t>
+              <a:t>10/17/2023</a:t>
             </a:fld>
             <a:endParaRPr lang="en-US"/>
           </a:p>
@@ -12221,7 +13169,7 @@
           <a:p>
             <a:fld id="{E2B4B5B2-F71E-4B94-97E3-978FD7AEDD20}" type="datetime1">
               <a:rPr lang="en-US" smtClean="0"/>
-              <a:t>10/16/23</a:t>
+              <a:t>10/17/2023</a:t>
             </a:fld>
             <a:endParaRPr lang="en-US"/>
           </a:p>
@@ -12419,7 +13367,7 @@
           <a:p>
             <a:fld id="{AD2395EE-958F-4EAE-8E5C-178F4FB6D64C}" type="datetime1">
               <a:rPr lang="en-US" smtClean="0"/>
-              <a:t>10/16/23</a:t>
+              <a:t>10/17/2023</a:t>
             </a:fld>
             <a:endParaRPr lang="en-US"/>
           </a:p>
@@ -12694,7 +13642,7 @@
           <a:p>
             <a:fld id="{9C2B6189-DC1B-4995-8935-5710E3A163C5}" type="datetime1">
               <a:rPr lang="en-US" smtClean="0"/>
-              <a:t>10/16/23</a:t>
+              <a:t>10/17/2023</a:t>
             </a:fld>
             <a:endParaRPr lang="en-US"/>
           </a:p>
@@ -12959,7 +13907,7 @@
           <a:p>
             <a:fld id="{1DCFC677-C72D-4FAB-A88B-1523A3A21F63}" type="datetime1">
               <a:rPr lang="en-US" smtClean="0"/>
-              <a:t>10/16/23</a:t>
+              <a:t>10/17/2023</a:t>
             </a:fld>
             <a:endParaRPr lang="en-US"/>
           </a:p>
@@ -13371,7 +14319,7 @@
           <a:p>
             <a:fld id="{67746F24-8EC2-4DEA-818E-2164D252F117}" type="datetime1">
               <a:rPr lang="en-US" smtClean="0"/>
-              <a:t>10/16/23</a:t>
+              <a:t>10/17/2023</a:t>
             </a:fld>
             <a:endParaRPr lang="en-US"/>
           </a:p>
@@ -13512,7 +14460,7 @@
           <a:p>
             <a:fld id="{E7C8C0FC-E549-434B-A3C7-7F0E6262B69A}" type="datetime1">
               <a:rPr lang="en-US" smtClean="0"/>
-              <a:t>10/16/23</a:t>
+              <a:t>10/17/2023</a:t>
             </a:fld>
             <a:endParaRPr lang="en-US"/>
           </a:p>
@@ -13625,7 +14573,7 @@
           <a:p>
             <a:fld id="{9D4C232A-DCA5-4F77-A4CB-3E599AC97027}" type="datetime1">
               <a:rPr lang="en-US" smtClean="0"/>
-              <a:t>10/16/23</a:t>
+              <a:t>10/17/2023</a:t>
             </a:fld>
             <a:endParaRPr lang="en-US"/>
           </a:p>
@@ -13936,7 +14884,7 @@
           <a:p>
             <a:fld id="{9C880C66-54CF-424A-82BE-378F1517EB54}" type="datetime1">
               <a:rPr lang="en-US" smtClean="0"/>
-              <a:t>10/16/23</a:t>
+              <a:t>10/17/2023</a:t>
             </a:fld>
             <a:endParaRPr lang="en-US"/>
           </a:p>
@@ -14224,7 +15172,7 @@
           <a:p>
             <a:fld id="{0A122CB3-6964-41E2-8E7B-8E7B61BAB65D}" type="datetime1">
               <a:rPr lang="en-US" smtClean="0"/>
-              <a:t>10/16/23</a:t>
+              <a:t>10/17/2023</a:t>
             </a:fld>
             <a:endParaRPr lang="en-US"/>
           </a:p>
@@ -14465,7 +15413,7 @@
           <a:p>
             <a:fld id="{0DE101EE-D253-4DB3-8E3E-D697B25F8B4B}" type="datetime1">
               <a:rPr lang="en-US" smtClean="0"/>
-              <a:t>10/16/23</a:t>
+              <a:t>10/17/2023</a:t>
             </a:fld>
             <a:endParaRPr lang="en-US"/>
           </a:p>
@@ -24944,6 +25892,603 @@
           <p:cNvPr id="2" name="Title 1">
             <a:extLst>
               <a:ext uri="{FF2B5EF4-FFF2-40B4-BE49-F238E27FC236}">
+                <a16:creationId xmlns:a16="http://schemas.microsoft.com/office/drawing/2014/main" id="{A7DDAD17-AE0D-C6A9-C8CF-46F87D3AEDDF}"/>
+              </a:ext>
+            </a:extLst>
+          </p:cNvPr>
+          <p:cNvSpPr>
+            <a:spLocks noGrp="1"/>
+          </p:cNvSpPr>
+          <p:nvPr>
+            <p:ph type="title"/>
+          </p:nvPr>
+        </p:nvSpPr>
+        <p:spPr/>
+        <p:txBody>
+          <a:bodyPr/>
+          <a:lstStyle/>
+          <a:p>
+            <a:r>
+              <a:rPr lang="en-US" dirty="0"/>
+              <a:t>Logistic Regression</a:t>
+            </a:r>
+          </a:p>
+        </p:txBody>
+      </p:sp>
+      <p:graphicFrame>
+        <p:nvGraphicFramePr>
+          <p:cNvPr id="5" name="Content Placeholder 4">
+            <a:extLst>
+              <a:ext uri="{FF2B5EF4-FFF2-40B4-BE49-F238E27FC236}">
+                <a16:creationId xmlns:a16="http://schemas.microsoft.com/office/drawing/2014/main" id="{B73EF830-DADE-ACF8-4E1F-2AD8EC95DEDB}"/>
+              </a:ext>
+            </a:extLst>
+          </p:cNvPr>
+          <p:cNvGraphicFramePr>
+            <a:graphicFrameLocks noGrp="1"/>
+          </p:cNvGraphicFramePr>
+          <p:nvPr>
+            <p:ph idx="1"/>
+            <p:extLst>
+              <p:ext uri="{D42A27DB-BD31-4B8C-83A1-F6EECF244321}">
+                <p14:modId xmlns:p14="http://schemas.microsoft.com/office/powerpoint/2010/main" val="3414748806"/>
+              </p:ext>
+            </p:extLst>
+          </p:nvPr>
+        </p:nvGraphicFramePr>
+        <p:xfrm>
+          <a:off x="838200" y="1825625"/>
+          <a:ext cx="10515597" cy="1483360"/>
+        </p:xfrm>
+        <a:graphic>
+          <a:graphicData uri="http://schemas.openxmlformats.org/drawingml/2006/table">
+            <a:tbl>
+              <a:tblPr firstRow="1" bandRow="1">
+                <a:tableStyleId>{5C22544A-7EE6-4342-B048-85BDC9FD1C3A}</a:tableStyleId>
+              </a:tblPr>
+              <a:tblGrid>
+                <a:gridCol w="3505199">
+                  <a:extLst>
+                    <a:ext uri="{9D8B030D-6E8A-4147-A177-3AD203B41FA5}">
+                      <a16:colId xmlns:a16="http://schemas.microsoft.com/office/drawing/2014/main" val="1691984271"/>
+                    </a:ext>
+                  </a:extLst>
+                </a:gridCol>
+                <a:gridCol w="3505199">
+                  <a:extLst>
+                    <a:ext uri="{9D8B030D-6E8A-4147-A177-3AD203B41FA5}">
+                      <a16:colId xmlns:a16="http://schemas.microsoft.com/office/drawing/2014/main" val="1881303402"/>
+                    </a:ext>
+                  </a:extLst>
+                </a:gridCol>
+                <a:gridCol w="3505199">
+                  <a:extLst>
+                    <a:ext uri="{9D8B030D-6E8A-4147-A177-3AD203B41FA5}">
+                      <a16:colId xmlns:a16="http://schemas.microsoft.com/office/drawing/2014/main" val="2661291147"/>
+                    </a:ext>
+                  </a:extLst>
+                </a:gridCol>
+              </a:tblGrid>
+              <a:tr h="370840">
+                <a:tc>
+                  <a:txBody>
+                    <a:bodyPr/>
+                    <a:lstStyle/>
+                    <a:p>
+                      <a:r>
+                        <a:rPr lang="en-US" dirty="0"/>
+                        <a:t>Patient No.</a:t>
+                      </a:r>
+                    </a:p>
+                  </a:txBody>
+                  <a:tcPr/>
+                </a:tc>
+                <a:tc>
+                  <a:txBody>
+                    <a:bodyPr/>
+                    <a:lstStyle/>
+                    <a:p>
+                      <a:r>
+                        <a:rPr lang="en-US" dirty="0"/>
+                        <a:t>Tumor Size</a:t>
+                      </a:r>
+                    </a:p>
+                  </a:txBody>
+                  <a:tcPr/>
+                </a:tc>
+                <a:tc>
+                  <a:txBody>
+                    <a:bodyPr/>
+                    <a:lstStyle/>
+                    <a:p>
+                      <a:r>
+                        <a:rPr lang="en-US" dirty="0"/>
+                        <a:t>Malignant</a:t>
+                      </a:r>
+                    </a:p>
+                  </a:txBody>
+                  <a:tcPr/>
+                </a:tc>
+                <a:extLst>
+                  <a:ext uri="{0D108BD9-81ED-4DB2-BD59-A6C34878D82A}">
+                    <a16:rowId xmlns:a16="http://schemas.microsoft.com/office/drawing/2014/main" val="1174411412"/>
+                  </a:ext>
+                </a:extLst>
+              </a:tr>
+              <a:tr h="370840">
+                <a:tc>
+                  <a:txBody>
+                    <a:bodyPr/>
+                    <a:lstStyle/>
+                    <a:p>
+                      <a:r>
+                        <a:rPr lang="en-US" dirty="0"/>
+                        <a:t>1</a:t>
+                      </a:r>
+                    </a:p>
+                  </a:txBody>
+                  <a:tcPr/>
+                </a:tc>
+                <a:tc>
+                  <a:txBody>
+                    <a:bodyPr/>
+                    <a:lstStyle/>
+                    <a:p>
+                      <a:r>
+                        <a:rPr lang="en-US" dirty="0"/>
+                        <a:t>1.8</a:t>
+                      </a:r>
+                    </a:p>
+                  </a:txBody>
+                  <a:tcPr/>
+                </a:tc>
+                <a:tc>
+                  <a:txBody>
+                    <a:bodyPr/>
+                    <a:lstStyle/>
+                    <a:p>
+                      <a:r>
+                        <a:rPr lang="en-US" dirty="0"/>
+                        <a:t>1</a:t>
+                      </a:r>
+                    </a:p>
+                  </a:txBody>
+                  <a:tcPr/>
+                </a:tc>
+                <a:extLst>
+                  <a:ext uri="{0D108BD9-81ED-4DB2-BD59-A6C34878D82A}">
+                    <a16:rowId xmlns:a16="http://schemas.microsoft.com/office/drawing/2014/main" val="2493038040"/>
+                  </a:ext>
+                </a:extLst>
+              </a:tr>
+              <a:tr h="370840">
+                <a:tc>
+                  <a:txBody>
+                    <a:bodyPr/>
+                    <a:lstStyle/>
+                    <a:p>
+                      <a:r>
+                        <a:rPr lang="en-US" dirty="0"/>
+                        <a:t>2</a:t>
+                      </a:r>
+                    </a:p>
+                  </a:txBody>
+                  <a:tcPr/>
+                </a:tc>
+                <a:tc>
+                  <a:txBody>
+                    <a:bodyPr/>
+                    <a:lstStyle/>
+                    <a:p>
+                      <a:r>
+                        <a:rPr lang="en-US" dirty="0"/>
+                        <a:t>0.7</a:t>
+                      </a:r>
+                    </a:p>
+                  </a:txBody>
+                  <a:tcPr/>
+                </a:tc>
+                <a:tc>
+                  <a:txBody>
+                    <a:bodyPr/>
+                    <a:lstStyle/>
+                    <a:p>
+                      <a:r>
+                        <a:rPr lang="en-US" dirty="0"/>
+                        <a:t>0</a:t>
+                      </a:r>
+                    </a:p>
+                  </a:txBody>
+                  <a:tcPr/>
+                </a:tc>
+                <a:extLst>
+                  <a:ext uri="{0D108BD9-81ED-4DB2-BD59-A6C34878D82A}">
+                    <a16:rowId xmlns:a16="http://schemas.microsoft.com/office/drawing/2014/main" val="712842930"/>
+                  </a:ext>
+                </a:extLst>
+              </a:tr>
+              <a:tr h="370840">
+                <a:tc>
+                  <a:txBody>
+                    <a:bodyPr/>
+                    <a:lstStyle/>
+                    <a:p>
+                      <a:r>
+                        <a:rPr lang="en-US" dirty="0"/>
+                        <a:t>3</a:t>
+                      </a:r>
+                    </a:p>
+                  </a:txBody>
+                  <a:tcPr/>
+                </a:tc>
+                <a:tc>
+                  <a:txBody>
+                    <a:bodyPr/>
+                    <a:lstStyle/>
+                    <a:p>
+                      <a:r>
+                        <a:rPr lang="en-US" dirty="0"/>
+                        <a:t>0.3</a:t>
+                      </a:r>
+                    </a:p>
+                  </a:txBody>
+                  <a:tcPr/>
+                </a:tc>
+                <a:tc>
+                  <a:txBody>
+                    <a:bodyPr/>
+                    <a:lstStyle/>
+                    <a:p>
+                      <a:r>
+                        <a:rPr lang="en-US" dirty="0"/>
+                        <a:t>0</a:t>
+                      </a:r>
+                    </a:p>
+                  </a:txBody>
+                  <a:tcPr/>
+                </a:tc>
+                <a:extLst>
+                  <a:ext uri="{0D108BD9-81ED-4DB2-BD59-A6C34878D82A}">
+                    <a16:rowId xmlns:a16="http://schemas.microsoft.com/office/drawing/2014/main" val="540248810"/>
+                  </a:ext>
+                </a:extLst>
+              </a:tr>
+            </a:tbl>
+          </a:graphicData>
+        </a:graphic>
+      </p:graphicFrame>
+      <p:sp>
+        <p:nvSpPr>
+          <p:cNvPr id="4" name="Slide Number Placeholder 3">
+            <a:extLst>
+              <a:ext uri="{FF2B5EF4-FFF2-40B4-BE49-F238E27FC236}">
+                <a16:creationId xmlns:a16="http://schemas.microsoft.com/office/drawing/2014/main" id="{3D80D0FD-D9BC-6387-7CD7-1C311FFC406C}"/>
+              </a:ext>
+            </a:extLst>
+          </p:cNvPr>
+          <p:cNvSpPr>
+            <a:spLocks noGrp="1"/>
+          </p:cNvSpPr>
+          <p:nvPr>
+            <p:ph type="sldNum" sz="quarter" idx="12"/>
+          </p:nvPr>
+        </p:nvSpPr>
+        <p:spPr/>
+        <p:txBody>
+          <a:bodyPr/>
+          <a:lstStyle/>
+          <a:p>
+            <a:fld id="{E862C174-85D7-4478-B3BB-01728BCCC1F6}" type="slidenum">
+              <a:rPr lang="en-US" smtClean="0"/>
+              <a:t>54</a:t>
+            </a:fld>
+            <a:endParaRPr lang="en-US"/>
+          </a:p>
+        </p:txBody>
+      </p:sp>
+    </p:spTree>
+    <p:extLst>
+      <p:ext uri="{BB962C8B-B14F-4D97-AF65-F5344CB8AC3E}">
+        <p14:creationId xmlns:p14="http://schemas.microsoft.com/office/powerpoint/2010/main" val="2705833656"/>
+      </p:ext>
+    </p:extLst>
+  </p:cSld>
+  <p:clrMapOvr>
+    <a:masterClrMapping/>
+  </p:clrMapOvr>
+</p:sld>
+</file>
+
+<file path=ppt/slides/slide55.xml><?xml version="1.0" encoding="utf-8"?>
+<p:sld xmlns:a="http://schemas.openxmlformats.org/drawingml/2006/main" xmlns:r="http://schemas.openxmlformats.org/officeDocument/2006/relationships" xmlns:p="http://schemas.openxmlformats.org/presentationml/2006/main">
+  <p:cSld>
+    <p:spTree>
+      <p:nvGrpSpPr>
+        <p:cNvPr id="1" name=""/>
+        <p:cNvGrpSpPr/>
+        <p:nvPr/>
+      </p:nvGrpSpPr>
+      <p:grpSpPr>
+        <a:xfrm>
+          <a:off x="0" y="0"/>
+          <a:ext cx="0" cy="0"/>
+          <a:chOff x="0" y="0"/>
+          <a:chExt cx="0" cy="0"/>
+        </a:xfrm>
+      </p:grpSpPr>
+      <p:sp>
+        <p:nvSpPr>
+          <p:cNvPr id="2" name="Title 1">
+            <a:extLst>
+              <a:ext uri="{FF2B5EF4-FFF2-40B4-BE49-F238E27FC236}">
+                <a16:creationId xmlns:a16="http://schemas.microsoft.com/office/drawing/2014/main" id="{84301337-DF9D-8CEF-7B38-9A54627858D9}"/>
+              </a:ext>
+            </a:extLst>
+          </p:cNvPr>
+          <p:cNvSpPr>
+            <a:spLocks noGrp="1"/>
+          </p:cNvSpPr>
+          <p:nvPr>
+            <p:ph type="title"/>
+          </p:nvPr>
+        </p:nvSpPr>
+        <p:spPr/>
+        <p:txBody>
+          <a:bodyPr/>
+          <a:lstStyle/>
+          <a:p>
+            <a:r>
+              <a:rPr lang="en-US" dirty="0"/>
+              <a:t>Plotting the data</a:t>
+            </a:r>
+          </a:p>
+        </p:txBody>
+      </p:sp>
+      <p:sp>
+        <p:nvSpPr>
+          <p:cNvPr id="4" name="Slide Number Placeholder 3">
+            <a:extLst>
+              <a:ext uri="{FF2B5EF4-FFF2-40B4-BE49-F238E27FC236}">
+                <a16:creationId xmlns:a16="http://schemas.microsoft.com/office/drawing/2014/main" id="{9C3B954E-FAEF-A41C-3730-1D917109DAD1}"/>
+              </a:ext>
+            </a:extLst>
+          </p:cNvPr>
+          <p:cNvSpPr>
+            <a:spLocks noGrp="1"/>
+          </p:cNvSpPr>
+          <p:nvPr>
+            <p:ph type="sldNum" sz="quarter" idx="12"/>
+          </p:nvPr>
+        </p:nvSpPr>
+        <p:spPr/>
+        <p:txBody>
+          <a:bodyPr/>
+          <a:lstStyle/>
+          <a:p>
+            <a:fld id="{E862C174-85D7-4478-B3BB-01728BCCC1F6}" type="slidenum">
+              <a:rPr lang="en-US" smtClean="0"/>
+              <a:t>55</a:t>
+            </a:fld>
+            <a:endParaRPr lang="en-US"/>
+          </a:p>
+        </p:txBody>
+      </p:sp>
+      <p:graphicFrame>
+        <p:nvGraphicFramePr>
+          <p:cNvPr id="6" name="Chart 5">
+            <a:extLst>
+              <a:ext uri="{FF2B5EF4-FFF2-40B4-BE49-F238E27FC236}">
+                <a16:creationId xmlns:a16="http://schemas.microsoft.com/office/drawing/2014/main" id="{B2D8E7C7-DB07-9EF7-D422-2AB27A65D806}"/>
+              </a:ext>
+            </a:extLst>
+          </p:cNvPr>
+          <p:cNvGraphicFramePr>
+            <a:graphicFrameLocks/>
+          </p:cNvGraphicFramePr>
+          <p:nvPr>
+            <p:extLst>
+              <p:ext uri="{D42A27DB-BD31-4B8C-83A1-F6EECF244321}">
+                <p14:modId xmlns:p14="http://schemas.microsoft.com/office/powerpoint/2010/main" val="290676654"/>
+              </p:ext>
+            </p:extLst>
+          </p:nvPr>
+        </p:nvGraphicFramePr>
+        <p:xfrm>
+          <a:off x="2313940" y="1690688"/>
+          <a:ext cx="7564120" cy="4572000"/>
+        </p:xfrm>
+        <a:graphic>
+          <a:graphicData uri="http://schemas.openxmlformats.org/drawingml/2006/chart">
+            <c:chart xmlns:c="http://schemas.openxmlformats.org/drawingml/2006/chart" xmlns:r="http://schemas.openxmlformats.org/officeDocument/2006/relationships" r:id="rId2"/>
+          </a:graphicData>
+        </a:graphic>
+      </p:graphicFrame>
+    </p:spTree>
+    <p:extLst>
+      <p:ext uri="{BB962C8B-B14F-4D97-AF65-F5344CB8AC3E}">
+        <p14:creationId xmlns:p14="http://schemas.microsoft.com/office/powerpoint/2010/main" val="3612343347"/>
+      </p:ext>
+    </p:extLst>
+  </p:cSld>
+  <p:clrMapOvr>
+    <a:masterClrMapping/>
+  </p:clrMapOvr>
+</p:sld>
+</file>
+
+<file path=ppt/slides/slide56.xml><?xml version="1.0" encoding="utf-8"?>
+<p:sld xmlns:a="http://schemas.openxmlformats.org/drawingml/2006/main" xmlns:r="http://schemas.openxmlformats.org/officeDocument/2006/relationships" xmlns:p="http://schemas.openxmlformats.org/presentationml/2006/main">
+  <p:cSld>
+    <p:spTree>
+      <p:nvGrpSpPr>
+        <p:cNvPr id="1" name=""/>
+        <p:cNvGrpSpPr/>
+        <p:nvPr/>
+      </p:nvGrpSpPr>
+      <p:grpSpPr>
+        <a:xfrm>
+          <a:off x="0" y="0"/>
+          <a:ext cx="0" cy="0"/>
+          <a:chOff x="0" y="0"/>
+          <a:chExt cx="0" cy="0"/>
+        </a:xfrm>
+      </p:grpSpPr>
+      <p:sp>
+        <p:nvSpPr>
+          <p:cNvPr id="2" name="Title 1">
+            <a:extLst>
+              <a:ext uri="{FF2B5EF4-FFF2-40B4-BE49-F238E27FC236}">
+                <a16:creationId xmlns:a16="http://schemas.microsoft.com/office/drawing/2014/main" id="{1CD2255A-19BF-DF87-3204-51388181580B}"/>
+              </a:ext>
+            </a:extLst>
+          </p:cNvPr>
+          <p:cNvSpPr>
+            <a:spLocks noGrp="1"/>
+          </p:cNvSpPr>
+          <p:nvPr>
+            <p:ph type="title"/>
+          </p:nvPr>
+        </p:nvSpPr>
+        <p:spPr/>
+        <p:txBody>
+          <a:bodyPr/>
+          <a:lstStyle/>
+          <a:p>
+            <a:r>
+              <a:rPr lang="en-US" dirty="0"/>
+              <a:t>Plotting the data</a:t>
+            </a:r>
+          </a:p>
+        </p:txBody>
+      </p:sp>
+      <p:sp>
+        <p:nvSpPr>
+          <p:cNvPr id="3" name="Content Placeholder 2">
+            <a:extLst>
+              <a:ext uri="{FF2B5EF4-FFF2-40B4-BE49-F238E27FC236}">
+                <a16:creationId xmlns:a16="http://schemas.microsoft.com/office/drawing/2014/main" id="{351836ED-D4E3-EFEA-ACC7-07C6F1B800DB}"/>
+              </a:ext>
+            </a:extLst>
+          </p:cNvPr>
+          <p:cNvSpPr>
+            <a:spLocks noGrp="1"/>
+          </p:cNvSpPr>
+          <p:nvPr>
+            <p:ph idx="1"/>
+          </p:nvPr>
+        </p:nvSpPr>
+        <p:spPr/>
+        <p:txBody>
+          <a:bodyPr/>
+          <a:lstStyle/>
+          <a:p>
+            <a:r>
+              <a:rPr lang="en-US" dirty="0"/>
+              <a:t>In most real-world cases, there will be more than one features.</a:t>
+            </a:r>
+          </a:p>
+        </p:txBody>
+      </p:sp>
+      <p:sp>
+        <p:nvSpPr>
+          <p:cNvPr id="4" name="Slide Number Placeholder 3">
+            <a:extLst>
+              <a:ext uri="{FF2B5EF4-FFF2-40B4-BE49-F238E27FC236}">
+                <a16:creationId xmlns:a16="http://schemas.microsoft.com/office/drawing/2014/main" id="{171478DD-6756-F654-A397-405F08870D20}"/>
+              </a:ext>
+            </a:extLst>
+          </p:cNvPr>
+          <p:cNvSpPr>
+            <a:spLocks noGrp="1"/>
+          </p:cNvSpPr>
+          <p:nvPr>
+            <p:ph type="sldNum" sz="quarter" idx="12"/>
+          </p:nvPr>
+        </p:nvSpPr>
+        <p:spPr/>
+        <p:txBody>
+          <a:bodyPr/>
+          <a:lstStyle/>
+          <a:p>
+            <a:fld id="{E862C174-85D7-4478-B3BB-01728BCCC1F6}" type="slidenum">
+              <a:rPr lang="en-US" smtClean="0"/>
+              <a:t>56</a:t>
+            </a:fld>
+            <a:endParaRPr lang="en-US"/>
+          </a:p>
+        </p:txBody>
+      </p:sp>
+      <p:pic>
+        <p:nvPicPr>
+          <p:cNvPr id="6" name="Picture 5" descr="A graph with orange and blue dots&#10;&#10;Description automatically generated">
+            <a:extLst>
+              <a:ext uri="{FF2B5EF4-FFF2-40B4-BE49-F238E27FC236}">
+                <a16:creationId xmlns:a16="http://schemas.microsoft.com/office/drawing/2014/main" id="{AF5CBC87-EA55-4C13-069E-7C7D326E8C44}"/>
+              </a:ext>
+            </a:extLst>
+          </p:cNvPr>
+          <p:cNvPicPr>
+            <a:picLocks noChangeAspect="1"/>
+          </p:cNvPicPr>
+          <p:nvPr/>
+        </p:nvPicPr>
+        <p:blipFill>
+          <a:blip r:embed="rId2">
+            <a:extLst>
+              <a:ext uri="{28A0092B-C50C-407E-A947-70E740481C1C}">
+                <a14:useLocalDpi xmlns:a14="http://schemas.microsoft.com/office/drawing/2010/main" val="0"/>
+              </a:ext>
+            </a:extLst>
+          </a:blip>
+          <a:stretch>
+            <a:fillRect/>
+          </a:stretch>
+        </p:blipFill>
+        <p:spPr>
+          <a:xfrm>
+            <a:off x="1625600" y="2286000"/>
+            <a:ext cx="9144000" cy="4572000"/>
+          </a:xfrm>
+          <a:prstGeom prst="rect">
+            <a:avLst/>
+          </a:prstGeom>
+        </p:spPr>
+      </p:pic>
+    </p:spTree>
+    <p:extLst>
+      <p:ext uri="{BB962C8B-B14F-4D97-AF65-F5344CB8AC3E}">
+        <p14:creationId xmlns:p14="http://schemas.microsoft.com/office/powerpoint/2010/main" val="907201951"/>
+      </p:ext>
+    </p:extLst>
+  </p:cSld>
+  <p:clrMapOvr>
+    <a:masterClrMapping/>
+  </p:clrMapOvr>
+</p:sld>
+</file>
+
+<file path=ppt/slides/slide57.xml><?xml version="1.0" encoding="utf-8"?>
+<p:sld xmlns:a="http://schemas.openxmlformats.org/drawingml/2006/main" xmlns:r="http://schemas.openxmlformats.org/officeDocument/2006/relationships" xmlns:p="http://schemas.openxmlformats.org/presentationml/2006/main">
+  <p:cSld>
+    <p:spTree>
+      <p:nvGrpSpPr>
+        <p:cNvPr id="1" name=""/>
+        <p:cNvGrpSpPr/>
+        <p:nvPr/>
+      </p:nvGrpSpPr>
+      <p:grpSpPr>
+        <a:xfrm>
+          <a:off x="0" y="0"/>
+          <a:ext cx="0" cy="0"/>
+          <a:chOff x="0" y="0"/>
+          <a:chExt cx="0" cy="0"/>
+        </a:xfrm>
+      </p:grpSpPr>
+      <p:sp>
+        <p:nvSpPr>
+          <p:cNvPr id="2" name="Title 1">
+            <a:extLst>
+              <a:ext uri="{FF2B5EF4-FFF2-40B4-BE49-F238E27FC236}">
                 <a16:creationId xmlns:a16="http://schemas.microsoft.com/office/drawing/2014/main" id="{7E061ABE-3883-D25A-94DA-AA6EF26C0AD1}"/>
               </a:ext>
             </a:extLst>
@@ -25040,7 +26585,7 @@
 </p:sld>
 </file>
 
-<file path=ppt/slides/slide55.xml><?xml version="1.0" encoding="utf-8"?>
+<file path=ppt/slides/slide58.xml><?xml version="1.0" encoding="utf-8"?>
 <p:sld xmlns:a="http://schemas.openxmlformats.org/drawingml/2006/main" xmlns:r="http://schemas.openxmlformats.org/officeDocument/2006/relationships" xmlns:p="http://schemas.openxmlformats.org/presentationml/2006/main">
   <p:cSld>
     <p:spTree>
@@ -25389,7 +26934,7 @@
           <a:p>
             <a:fld id="{E862C174-85D7-4478-B3BB-01728BCCC1F6}" type="slidenum">
               <a:rPr lang="en-US" smtClean="0"/>
-              <a:t>55</a:t>
+              <a:t>58</a:t>
             </a:fld>
             <a:endParaRPr lang="en-US"/>
           </a:p>
@@ -25444,7 +26989,7 @@
 </p:sld>
 </file>
 
-<file path=ppt/slides/slide56.xml><?xml version="1.0" encoding="utf-8"?>
+<file path=ppt/slides/slide59.xml><?xml version="1.0" encoding="utf-8"?>
 <p:sld xmlns:a="http://schemas.openxmlformats.org/drawingml/2006/main" xmlns:r="http://schemas.openxmlformats.org/officeDocument/2006/relationships" xmlns:p="http://schemas.openxmlformats.org/presentationml/2006/main">
   <p:cSld>
     <p:spTree>
@@ -25640,7 +27185,7 @@
           <a:p>
             <a:fld id="{E862C174-85D7-4478-B3BB-01728BCCC1F6}" type="slidenum">
               <a:rPr lang="en-US" smtClean="0"/>
-              <a:t>56</a:t>
+              <a:t>59</a:t>
             </a:fld>
             <a:endParaRPr lang="en-US"/>
           </a:p>
@@ -25650,477 +27195,6 @@
     <p:extLst>
       <p:ext uri="{BB962C8B-B14F-4D97-AF65-F5344CB8AC3E}">
         <p14:creationId xmlns:p14="http://schemas.microsoft.com/office/powerpoint/2010/main" val="48893385"/>
-      </p:ext>
-    </p:extLst>
-  </p:cSld>
-  <p:clrMapOvr>
-    <a:masterClrMapping/>
-  </p:clrMapOvr>
-</p:sld>
-</file>
-
-<file path=ppt/slides/slide57.xml><?xml version="1.0" encoding="utf-8"?>
-<p:sld xmlns:a="http://schemas.openxmlformats.org/drawingml/2006/main" xmlns:r="http://schemas.openxmlformats.org/officeDocument/2006/relationships" xmlns:p="http://schemas.openxmlformats.org/presentationml/2006/main">
-  <p:cSld>
-    <p:spTree>
-      <p:nvGrpSpPr>
-        <p:cNvPr id="1" name=""/>
-        <p:cNvGrpSpPr/>
-        <p:nvPr/>
-      </p:nvGrpSpPr>
-      <p:grpSpPr>
-        <a:xfrm>
-          <a:off x="0" y="0"/>
-          <a:ext cx="0" cy="0"/>
-          <a:chOff x="0" y="0"/>
-          <a:chExt cx="0" cy="0"/>
-        </a:xfrm>
-      </p:grpSpPr>
-      <p:sp>
-        <p:nvSpPr>
-          <p:cNvPr id="2" name="Title 1">
-            <a:extLst>
-              <a:ext uri="{FF2B5EF4-FFF2-40B4-BE49-F238E27FC236}">
-                <a16:creationId xmlns:a16="http://schemas.microsoft.com/office/drawing/2014/main" id="{6A072550-7EA0-3EEC-E833-71BE5E52836B}"/>
-              </a:ext>
-            </a:extLst>
-          </p:cNvPr>
-          <p:cNvSpPr>
-            <a:spLocks noGrp="1"/>
-          </p:cNvSpPr>
-          <p:nvPr>
-            <p:ph type="title"/>
-          </p:nvPr>
-        </p:nvSpPr>
-        <p:spPr/>
-        <p:txBody>
-          <a:bodyPr/>
-          <a:lstStyle/>
-          <a:p>
-            <a:r>
-              <a:rPr lang="en-US" dirty="0"/>
-              <a:t>SVM</a:t>
-            </a:r>
-          </a:p>
-        </p:txBody>
-      </p:sp>
-      <p:sp>
-        <p:nvSpPr>
-          <p:cNvPr id="3" name="Content Placeholder 2">
-            <a:extLst>
-              <a:ext uri="{FF2B5EF4-FFF2-40B4-BE49-F238E27FC236}">
-                <a16:creationId xmlns:a16="http://schemas.microsoft.com/office/drawing/2014/main" id="{8DBCF8B3-229A-1A13-55B4-99D11EF203D6}"/>
-              </a:ext>
-            </a:extLst>
-          </p:cNvPr>
-          <p:cNvSpPr>
-            <a:spLocks noGrp="1"/>
-          </p:cNvSpPr>
-          <p:nvPr>
-            <p:ph idx="1"/>
-          </p:nvPr>
-        </p:nvSpPr>
-        <p:spPr/>
-        <p:txBody>
-          <a:bodyPr/>
-          <a:lstStyle/>
-          <a:p>
-            <a:r>
-              <a:rPr lang="en-US" dirty="0"/>
-              <a:t>What if there’s noise in the data and no hyperplane can perfectly separate positive examples from negative ones?</a:t>
-            </a:r>
-          </a:p>
-          <a:p>
-            <a:r>
-              <a:rPr lang="en-US" dirty="0"/>
-              <a:t>What if the data cannot be separated using a plane, but could be separated by a higher-order polynomial?</a:t>
-            </a:r>
-          </a:p>
-        </p:txBody>
-      </p:sp>
-      <p:pic>
-        <p:nvPicPr>
-          <p:cNvPr id="4" name="Content Placeholder 4" descr="A graph of different sizes of cases&#10;&#10;Description automatically generated with medium confidence">
-            <a:extLst>
-              <a:ext uri="{FF2B5EF4-FFF2-40B4-BE49-F238E27FC236}">
-                <a16:creationId xmlns:a16="http://schemas.microsoft.com/office/drawing/2014/main" id="{3E5F6C83-B42D-9FB8-9155-06832FCCCB3E}"/>
-              </a:ext>
-            </a:extLst>
-          </p:cNvPr>
-          <p:cNvPicPr>
-            <a:picLocks noChangeAspect="1"/>
-          </p:cNvPicPr>
-          <p:nvPr/>
-        </p:nvPicPr>
-        <p:blipFill>
-          <a:blip r:embed="rId2">
-            <a:extLst>
-              <a:ext uri="{28A0092B-C50C-407E-A947-70E740481C1C}">
-                <a14:useLocalDpi xmlns:a14="http://schemas.microsoft.com/office/drawing/2010/main" val="0"/>
-              </a:ext>
-            </a:extLst>
-          </a:blip>
-          <a:stretch>
-            <a:fillRect/>
-          </a:stretch>
-        </p:blipFill>
-        <p:spPr>
-          <a:xfrm>
-            <a:off x="2687560" y="3559251"/>
-            <a:ext cx="6816880" cy="3077523"/>
-          </a:xfrm>
-          <a:prstGeom prst="rect">
-            <a:avLst/>
-          </a:prstGeom>
-        </p:spPr>
-      </p:pic>
-      <p:sp>
-        <p:nvSpPr>
-          <p:cNvPr id="5" name="Slide Number Placeholder 4">
-            <a:extLst>
-              <a:ext uri="{FF2B5EF4-FFF2-40B4-BE49-F238E27FC236}">
-                <a16:creationId xmlns:a16="http://schemas.microsoft.com/office/drawing/2014/main" id="{13CA2108-DA1C-70D0-5531-C56ACEEC42E6}"/>
-              </a:ext>
-            </a:extLst>
-          </p:cNvPr>
-          <p:cNvSpPr>
-            <a:spLocks noGrp="1"/>
-          </p:cNvSpPr>
-          <p:nvPr>
-            <p:ph type="sldNum" sz="quarter" idx="12"/>
-          </p:nvPr>
-        </p:nvSpPr>
-        <p:spPr/>
-        <p:txBody>
-          <a:bodyPr/>
-          <a:lstStyle/>
-          <a:p>
-            <a:fld id="{E862C174-85D7-4478-B3BB-01728BCCC1F6}" type="slidenum">
-              <a:rPr lang="en-US" smtClean="0"/>
-              <a:t>57</a:t>
-            </a:fld>
-            <a:endParaRPr lang="en-US"/>
-          </a:p>
-        </p:txBody>
-      </p:sp>
-    </p:spTree>
-    <p:extLst>
-      <p:ext uri="{BB962C8B-B14F-4D97-AF65-F5344CB8AC3E}">
-        <p14:creationId xmlns:p14="http://schemas.microsoft.com/office/powerpoint/2010/main" val="1660813464"/>
-      </p:ext>
-    </p:extLst>
-  </p:cSld>
-  <p:clrMapOvr>
-    <a:masterClrMapping/>
-  </p:clrMapOvr>
-</p:sld>
-</file>
-
-<file path=ppt/slides/slide58.xml><?xml version="1.0" encoding="utf-8"?>
-<p:sld xmlns:a="http://schemas.openxmlformats.org/drawingml/2006/main" xmlns:r="http://schemas.openxmlformats.org/officeDocument/2006/relationships" xmlns:p="http://schemas.openxmlformats.org/presentationml/2006/main">
-  <p:cSld>
-    <p:spTree>
-      <p:nvGrpSpPr>
-        <p:cNvPr id="1" name=""/>
-        <p:cNvGrpSpPr/>
-        <p:nvPr/>
-      </p:nvGrpSpPr>
-      <p:grpSpPr>
-        <a:xfrm>
-          <a:off x="0" y="0"/>
-          <a:ext cx="0" cy="0"/>
-          <a:chOff x="0" y="0"/>
-          <a:chExt cx="0" cy="0"/>
-        </a:xfrm>
-      </p:grpSpPr>
-      <p:sp>
-        <p:nvSpPr>
-          <p:cNvPr id="2" name="Title 1">
-            <a:extLst>
-              <a:ext uri="{FF2B5EF4-FFF2-40B4-BE49-F238E27FC236}">
-                <a16:creationId xmlns:a16="http://schemas.microsoft.com/office/drawing/2014/main" id="{15AF5CCF-9D76-13EA-B5DE-35F44AA7E187}"/>
-              </a:ext>
-            </a:extLst>
-          </p:cNvPr>
-          <p:cNvSpPr>
-            <a:spLocks noGrp="1"/>
-          </p:cNvSpPr>
-          <p:nvPr>
-            <p:ph type="title"/>
-          </p:nvPr>
-        </p:nvSpPr>
-        <p:spPr/>
-        <p:txBody>
-          <a:bodyPr/>
-          <a:lstStyle/>
-          <a:p>
-            <a:r>
-              <a:rPr lang="en-US" dirty="0"/>
-              <a:t>SVM: Support Vectors</a:t>
-            </a:r>
-          </a:p>
-        </p:txBody>
-      </p:sp>
-      <p:pic>
-        <p:nvPicPr>
-          <p:cNvPr id="5" name="Content Placeholder 4" descr="A diagram of a support line&#10;&#10;Description automatically generated">
-            <a:extLst>
-              <a:ext uri="{FF2B5EF4-FFF2-40B4-BE49-F238E27FC236}">
-                <a16:creationId xmlns:a16="http://schemas.microsoft.com/office/drawing/2014/main" id="{A333181E-8797-2A76-BDBB-E015335B8B79}"/>
-              </a:ext>
-            </a:extLst>
-          </p:cNvPr>
-          <p:cNvPicPr>
-            <a:picLocks noGrp="1" noChangeAspect="1"/>
-          </p:cNvPicPr>
-          <p:nvPr>
-            <p:ph idx="1"/>
-          </p:nvPr>
-        </p:nvPicPr>
-        <p:blipFill>
-          <a:blip r:embed="rId2">
-            <a:extLst>
-              <a:ext uri="{28A0092B-C50C-407E-A947-70E740481C1C}">
-                <a14:useLocalDpi xmlns:a14="http://schemas.microsoft.com/office/drawing/2010/main" val="0"/>
-              </a:ext>
-            </a:extLst>
-          </a:blip>
-          <a:stretch>
-            <a:fillRect/>
-          </a:stretch>
-        </p:blipFill>
-        <p:spPr>
-          <a:xfrm>
-            <a:off x="4067175" y="2629694"/>
-            <a:ext cx="4057650" cy="2743200"/>
-          </a:xfrm>
-        </p:spPr>
-      </p:pic>
-      <p:sp>
-        <p:nvSpPr>
-          <p:cNvPr id="6" name="TextBox 5">
-            <a:extLst>
-              <a:ext uri="{FF2B5EF4-FFF2-40B4-BE49-F238E27FC236}">
-                <a16:creationId xmlns:a16="http://schemas.microsoft.com/office/drawing/2014/main" id="{1C2E2CBE-C509-E7E4-4B36-8741A68FFE26}"/>
-              </a:ext>
-            </a:extLst>
-          </p:cNvPr>
-          <p:cNvSpPr txBox="1"/>
-          <p:nvPr/>
-        </p:nvSpPr>
-        <p:spPr>
-          <a:xfrm>
-            <a:off x="6329680" y="6363335"/>
-            <a:ext cx="5770880" cy="276999"/>
-          </a:xfrm>
-          <a:prstGeom prst="rect">
-            <a:avLst/>
-          </a:prstGeom>
-          <a:noFill/>
-        </p:spPr>
-        <p:txBody>
-          <a:bodyPr wrap="square" rtlCol="0">
-            <a:spAutoFit/>
-          </a:bodyPr>
-          <a:lstStyle/>
-          <a:p>
-            <a:r>
-              <a:rPr lang="en-US" sz="1200" dirty="0"/>
-              <a:t>https://www.kdnuggets.com/2016/07/support-vector-machines-simple-explanation.html</a:t>
-            </a:r>
-          </a:p>
-        </p:txBody>
-      </p:sp>
-      <p:sp>
-        <p:nvSpPr>
-          <p:cNvPr id="3" name="Slide Number Placeholder 2">
-            <a:extLst>
-              <a:ext uri="{FF2B5EF4-FFF2-40B4-BE49-F238E27FC236}">
-                <a16:creationId xmlns:a16="http://schemas.microsoft.com/office/drawing/2014/main" id="{BE58EBC4-F73A-A405-A22D-43D3CDED8E4F}"/>
-              </a:ext>
-            </a:extLst>
-          </p:cNvPr>
-          <p:cNvSpPr>
-            <a:spLocks noGrp="1"/>
-          </p:cNvSpPr>
-          <p:nvPr>
-            <p:ph type="sldNum" sz="quarter" idx="12"/>
-          </p:nvPr>
-        </p:nvSpPr>
-        <p:spPr/>
-        <p:txBody>
-          <a:bodyPr/>
-          <a:lstStyle/>
-          <a:p>
-            <a:fld id="{E862C174-85D7-4478-B3BB-01728BCCC1F6}" type="slidenum">
-              <a:rPr lang="en-US" smtClean="0"/>
-              <a:t>58</a:t>
-            </a:fld>
-            <a:endParaRPr lang="en-US"/>
-          </a:p>
-        </p:txBody>
-      </p:sp>
-    </p:spTree>
-    <p:extLst>
-      <p:ext uri="{BB962C8B-B14F-4D97-AF65-F5344CB8AC3E}">
-        <p14:creationId xmlns:p14="http://schemas.microsoft.com/office/powerpoint/2010/main" val="2874268730"/>
-      </p:ext>
-    </p:extLst>
-  </p:cSld>
-  <p:clrMapOvr>
-    <a:masterClrMapping/>
-  </p:clrMapOvr>
-</p:sld>
-</file>
-
-<file path=ppt/slides/slide59.xml><?xml version="1.0" encoding="utf-8"?>
-<p:sld xmlns:a="http://schemas.openxmlformats.org/drawingml/2006/main" xmlns:r="http://schemas.openxmlformats.org/officeDocument/2006/relationships" xmlns:p="http://schemas.openxmlformats.org/presentationml/2006/main">
-  <p:cSld>
-    <p:spTree>
-      <p:nvGrpSpPr>
-        <p:cNvPr id="1" name=""/>
-        <p:cNvGrpSpPr/>
-        <p:nvPr/>
-      </p:nvGrpSpPr>
-      <p:grpSpPr>
-        <a:xfrm>
-          <a:off x="0" y="0"/>
-          <a:ext cx="0" cy="0"/>
-          <a:chOff x="0" y="0"/>
-          <a:chExt cx="0" cy="0"/>
-        </a:xfrm>
-      </p:grpSpPr>
-      <p:sp>
-        <p:nvSpPr>
-          <p:cNvPr id="2" name="Title 1">
-            <a:extLst>
-              <a:ext uri="{FF2B5EF4-FFF2-40B4-BE49-F238E27FC236}">
-                <a16:creationId xmlns:a16="http://schemas.microsoft.com/office/drawing/2014/main" id="{F1557162-B9D6-2314-359F-AFA0530B96CF}"/>
-              </a:ext>
-            </a:extLst>
-          </p:cNvPr>
-          <p:cNvSpPr>
-            <a:spLocks noGrp="1"/>
-          </p:cNvSpPr>
-          <p:nvPr>
-            <p:ph type="title"/>
-          </p:nvPr>
-        </p:nvSpPr>
-        <p:spPr/>
-        <p:txBody>
-          <a:bodyPr/>
-          <a:lstStyle/>
-          <a:p>
-            <a:r>
-              <a:rPr lang="en-US" dirty="0"/>
-              <a:t>SVM: Plane</a:t>
-            </a:r>
-          </a:p>
-        </p:txBody>
-      </p:sp>
-      <p:pic>
-        <p:nvPicPr>
-          <p:cNvPr id="5" name="Content Placeholder 4" descr="A diagram of a line with circles and arrows&#10;&#10;Description automatically generated">
-            <a:extLst>
-              <a:ext uri="{FF2B5EF4-FFF2-40B4-BE49-F238E27FC236}">
-                <a16:creationId xmlns:a16="http://schemas.microsoft.com/office/drawing/2014/main" id="{A94AF90E-8EA6-C8A4-B9DC-7D8768C50D00}"/>
-              </a:ext>
-            </a:extLst>
-          </p:cNvPr>
-          <p:cNvPicPr>
-            <a:picLocks noGrp="1" noChangeAspect="1"/>
-          </p:cNvPicPr>
-          <p:nvPr>
-            <p:ph idx="1"/>
-          </p:nvPr>
-        </p:nvPicPr>
-        <p:blipFill>
-          <a:blip r:embed="rId3">
-            <a:extLst>
-              <a:ext uri="{28A0092B-C50C-407E-A947-70E740481C1C}">
-                <a14:useLocalDpi xmlns:a14="http://schemas.microsoft.com/office/drawing/2010/main" val="0"/>
-              </a:ext>
-            </a:extLst>
-          </a:blip>
-          <a:stretch>
-            <a:fillRect/>
-          </a:stretch>
-        </p:blipFill>
-        <p:spPr>
-          <a:xfrm>
-            <a:off x="2881312" y="2320131"/>
-            <a:ext cx="6429375" cy="3362325"/>
-          </a:xfrm>
-        </p:spPr>
-      </p:pic>
-      <p:sp>
-        <p:nvSpPr>
-          <p:cNvPr id="6" name="TextBox 5">
-            <a:extLst>
-              <a:ext uri="{FF2B5EF4-FFF2-40B4-BE49-F238E27FC236}">
-                <a16:creationId xmlns:a16="http://schemas.microsoft.com/office/drawing/2014/main" id="{F1596EDE-6276-0252-CC91-0A7865BC4E43}"/>
-              </a:ext>
-            </a:extLst>
-          </p:cNvPr>
-          <p:cNvSpPr txBox="1"/>
-          <p:nvPr/>
-        </p:nvSpPr>
-        <p:spPr>
-          <a:xfrm>
-            <a:off x="6329680" y="6363335"/>
-            <a:ext cx="5770880" cy="276999"/>
-          </a:xfrm>
-          <a:prstGeom prst="rect">
-            <a:avLst/>
-          </a:prstGeom>
-          <a:noFill/>
-        </p:spPr>
-        <p:txBody>
-          <a:bodyPr wrap="square" rtlCol="0">
-            <a:spAutoFit/>
-          </a:bodyPr>
-          <a:lstStyle/>
-          <a:p>
-            <a:r>
-              <a:rPr lang="en-US" sz="1200" dirty="0"/>
-              <a:t>https://www.kdnuggets.com/2016/07/support-vector-machines-simple-explanation.html</a:t>
-            </a:r>
-          </a:p>
-        </p:txBody>
-      </p:sp>
-      <p:sp>
-        <p:nvSpPr>
-          <p:cNvPr id="3" name="Slide Number Placeholder 2">
-            <a:extLst>
-              <a:ext uri="{FF2B5EF4-FFF2-40B4-BE49-F238E27FC236}">
-                <a16:creationId xmlns:a16="http://schemas.microsoft.com/office/drawing/2014/main" id="{9EF2A118-148E-FFC0-2277-2E81829EBE99}"/>
-              </a:ext>
-            </a:extLst>
-          </p:cNvPr>
-          <p:cNvSpPr>
-            <a:spLocks noGrp="1"/>
-          </p:cNvSpPr>
-          <p:nvPr>
-            <p:ph type="sldNum" sz="quarter" idx="12"/>
-          </p:nvPr>
-        </p:nvSpPr>
-        <p:spPr/>
-        <p:txBody>
-          <a:bodyPr/>
-          <a:lstStyle/>
-          <a:p>
-            <a:fld id="{E862C174-85D7-4478-B3BB-01728BCCC1F6}" type="slidenum">
-              <a:rPr lang="en-US" smtClean="0"/>
-              <a:t>59</a:t>
-            </a:fld>
-            <a:endParaRPr lang="en-US"/>
-          </a:p>
-        </p:txBody>
-      </p:sp>
-    </p:spTree>
-    <p:extLst>
-      <p:ext uri="{BB962C8B-B14F-4D97-AF65-F5344CB8AC3E}">
-        <p14:creationId xmlns:p14="http://schemas.microsoft.com/office/powerpoint/2010/main" val="4109125148"/>
       </p:ext>
     </p:extLst>
   </p:cSld>
@@ -26284,7 +27358,7 @@
           <p:cNvPr id="2" name="Title 1">
             <a:extLst>
               <a:ext uri="{FF2B5EF4-FFF2-40B4-BE49-F238E27FC236}">
-                <a16:creationId xmlns:a16="http://schemas.microsoft.com/office/drawing/2014/main" id="{90EFA674-D133-AE3D-BC96-44AEE754CC4E}"/>
+                <a16:creationId xmlns:a16="http://schemas.microsoft.com/office/drawing/2014/main" id="{033D5DF3-ED55-1ACC-694B-94FBB71A2CB7}"/>
               </a:ext>
             </a:extLst>
           </p:cNvPr>
@@ -26302,26 +27376,101 @@
           <a:p>
             <a:r>
               <a:rPr lang="en-US" dirty="0"/>
-              <a:t>Not linearly separable</a:t>
+              <a:t>Loss Function</a:t>
             </a:r>
           </a:p>
         </p:txBody>
       </p:sp>
-      <p:pic>
-        <p:nvPicPr>
-          <p:cNvPr id="5" name="Content Placeholder 4" descr="A group of blue and green dots&#10;&#10;Description automatically generated">
-            <a:extLst>
-              <a:ext uri="{FF2B5EF4-FFF2-40B4-BE49-F238E27FC236}">
-                <a16:creationId xmlns:a16="http://schemas.microsoft.com/office/drawing/2014/main" id="{3DC6CDC9-C17A-B0E5-6879-4FD371192A99}"/>
-              </a:ext>
-            </a:extLst>
-          </p:cNvPr>
-          <p:cNvPicPr>
-            <a:picLocks noGrp="1" noChangeAspect="1"/>
-          </p:cNvPicPr>
+      <p:sp>
+        <p:nvSpPr>
+          <p:cNvPr id="3" name="Content Placeholder 2">
+            <a:extLst>
+              <a:ext uri="{FF2B5EF4-FFF2-40B4-BE49-F238E27FC236}">
+                <a16:creationId xmlns:a16="http://schemas.microsoft.com/office/drawing/2014/main" id="{408D19B6-D02D-B5F0-EFBC-A19E5EB53E98}"/>
+              </a:ext>
+            </a:extLst>
+          </p:cNvPr>
+          <p:cNvSpPr>
+            <a:spLocks noGrp="1"/>
+          </p:cNvSpPr>
           <p:nvPr>
             <p:ph idx="1"/>
           </p:nvPr>
+        </p:nvSpPr>
+        <p:spPr/>
+        <p:txBody>
+          <a:bodyPr/>
+          <a:lstStyle/>
+          <a:p>
+            <a:r>
+              <a:rPr lang="en-US" dirty="0"/>
+              <a:t>We used mean squared error (MSE) for linear regression.</a:t>
+            </a:r>
+          </a:p>
+          <a:p>
+            <a:endParaRPr lang="en-US" dirty="0"/>
+          </a:p>
+          <a:p>
+            <a:r>
+              <a:rPr lang="en-US" dirty="0"/>
+              <a:t>What are we going to use for logistic regression?</a:t>
+            </a:r>
+          </a:p>
+          <a:p>
+            <a:pPr lvl="1"/>
+            <a:r>
+              <a:rPr lang="en-US" dirty="0"/>
+              <a:t>Maximum likelihood</a:t>
+            </a:r>
+          </a:p>
+          <a:p>
+            <a:pPr lvl="2"/>
+            <a:endParaRPr lang="en-US" dirty="0"/>
+          </a:p>
+        </p:txBody>
+      </p:sp>
+      <p:sp>
+        <p:nvSpPr>
+          <p:cNvPr id="4" name="Slide Number Placeholder 3">
+            <a:extLst>
+              <a:ext uri="{FF2B5EF4-FFF2-40B4-BE49-F238E27FC236}">
+                <a16:creationId xmlns:a16="http://schemas.microsoft.com/office/drawing/2014/main" id="{04B6DDD3-83E0-24AE-FEF4-B21425F972C1}"/>
+              </a:ext>
+            </a:extLst>
+          </p:cNvPr>
+          <p:cNvSpPr>
+            <a:spLocks noGrp="1"/>
+          </p:cNvSpPr>
+          <p:nvPr>
+            <p:ph type="sldNum" sz="quarter" idx="12"/>
+          </p:nvPr>
+        </p:nvSpPr>
+        <p:spPr/>
+        <p:txBody>
+          <a:bodyPr/>
+          <a:lstStyle/>
+          <a:p>
+            <a:fld id="{E862C174-85D7-4478-B3BB-01728BCCC1F6}" type="slidenum">
+              <a:rPr lang="en-US" smtClean="0"/>
+              <a:t>60</a:t>
+            </a:fld>
+            <a:endParaRPr lang="en-US"/>
+          </a:p>
+        </p:txBody>
+      </p:sp>
+      <p:pic>
+        <p:nvPicPr>
+          <p:cNvPr id="6" name="Picture 5" descr="A math equations with black text&#10;&#10;Description automatically generated with medium confidence">
+            <a:extLst>
+              <a:ext uri="{FF2B5EF4-FFF2-40B4-BE49-F238E27FC236}">
+                <a16:creationId xmlns:a16="http://schemas.microsoft.com/office/drawing/2014/main" id="{58AB4747-7E2C-7DA2-0723-3FCF573F9140}"/>
+              </a:ext>
+            </a:extLst>
+          </p:cNvPr>
+          <p:cNvPicPr>
+            <a:picLocks noChangeAspect="1"/>
+          </p:cNvPicPr>
+          <p:nvPr/>
         </p:nvPicPr>
         <p:blipFill>
           <a:blip r:embed="rId2">
@@ -26337,79 +27486,54 @@
         </p:blipFill>
         <p:spPr>
           <a:xfrm>
-            <a:off x="2881312" y="2320131"/>
-            <a:ext cx="6429375" cy="3362325"/>
-          </a:xfrm>
-        </p:spPr>
-      </p:pic>
-      <p:sp>
-        <p:nvSpPr>
-          <p:cNvPr id="6" name="TextBox 5">
-            <a:extLst>
-              <a:ext uri="{FF2B5EF4-FFF2-40B4-BE49-F238E27FC236}">
-                <a16:creationId xmlns:a16="http://schemas.microsoft.com/office/drawing/2014/main" id="{F21E991D-844E-242E-5E51-1FAF3F8F342D}"/>
-              </a:ext>
-            </a:extLst>
-          </p:cNvPr>
-          <p:cNvSpPr txBox="1"/>
-          <p:nvPr/>
-        </p:nvSpPr>
-        <p:spPr>
-          <a:xfrm>
-            <a:off x="6329680" y="6363335"/>
-            <a:ext cx="5770880" cy="276999"/>
+            <a:off x="1223962" y="4001294"/>
+            <a:ext cx="5172075" cy="1981200"/>
           </a:xfrm>
           <a:prstGeom prst="rect">
             <a:avLst/>
           </a:prstGeom>
-          <a:noFill/>
         </p:spPr>
-        <p:txBody>
-          <a:bodyPr wrap="square" rtlCol="0">
-            <a:spAutoFit/>
-          </a:bodyPr>
-          <a:lstStyle/>
-          <a:p>
-            <a:r>
-              <a:rPr lang="en-US" sz="1200" dirty="0"/>
-              <a:t>https://www.kdnuggets.com/2016/07/support-vector-machines-simple-explanation.html</a:t>
-            </a:r>
-          </a:p>
-        </p:txBody>
-      </p:sp>
-      <p:sp>
-        <p:nvSpPr>
-          <p:cNvPr id="3" name="Slide Number Placeholder 2">
-            <a:extLst>
-              <a:ext uri="{FF2B5EF4-FFF2-40B4-BE49-F238E27FC236}">
-                <a16:creationId xmlns:a16="http://schemas.microsoft.com/office/drawing/2014/main" id="{5FBA814D-20A7-B49F-58DD-039876FAAA43}"/>
-              </a:ext>
-            </a:extLst>
-          </p:cNvPr>
-          <p:cNvSpPr>
-            <a:spLocks noGrp="1"/>
-          </p:cNvSpPr>
-          <p:nvPr>
-            <p:ph type="sldNum" sz="quarter" idx="12"/>
-          </p:nvPr>
-        </p:nvSpPr>
-        <p:spPr/>
-        <p:txBody>
-          <a:bodyPr/>
-          <a:lstStyle/>
-          <a:p>
-            <a:fld id="{E862C174-85D7-4478-B3BB-01728BCCC1F6}" type="slidenum">
-              <a:rPr lang="en-US" smtClean="0"/>
-              <a:t>60</a:t>
-            </a:fld>
-            <a:endParaRPr lang="en-US"/>
-          </a:p>
-        </p:txBody>
-      </p:sp>
+      </p:pic>
+      <p:pic>
+        <p:nvPicPr>
+          <p:cNvPr id="8" name="Picture 7" descr="A graph of a function&#10;&#10;Description automatically generated with medium confidence">
+            <a:extLst>
+              <a:ext uri="{FF2B5EF4-FFF2-40B4-BE49-F238E27FC236}">
+                <a16:creationId xmlns:a16="http://schemas.microsoft.com/office/drawing/2014/main" id="{CEB46CB5-B346-A97E-6E0B-C3BF70528BE4}"/>
+              </a:ext>
+            </a:extLst>
+          </p:cNvPr>
+          <p:cNvPicPr>
+            <a:picLocks noChangeAspect="1"/>
+          </p:cNvPicPr>
+          <p:nvPr/>
+        </p:nvPicPr>
+        <p:blipFill>
+          <a:blip r:embed="rId3">
+            <a:extLst>
+              <a:ext uri="{28A0092B-C50C-407E-A947-70E740481C1C}">
+                <a14:useLocalDpi xmlns:a14="http://schemas.microsoft.com/office/drawing/2010/main" val="0"/>
+              </a:ext>
+            </a:extLst>
+          </a:blip>
+          <a:stretch>
+            <a:fillRect/>
+          </a:stretch>
+        </p:blipFill>
+        <p:spPr>
+          <a:xfrm>
+            <a:off x="6396037" y="3538537"/>
+            <a:ext cx="5581650" cy="3000375"/>
+          </a:xfrm>
+          <a:prstGeom prst="rect">
+            <a:avLst/>
+          </a:prstGeom>
+        </p:spPr>
+      </p:pic>
     </p:spTree>
     <p:extLst>
       <p:ext uri="{BB962C8B-B14F-4D97-AF65-F5344CB8AC3E}">
-        <p14:creationId xmlns:p14="http://schemas.microsoft.com/office/powerpoint/2010/main" val="1755092168"/>
+        <p14:creationId xmlns:p14="http://schemas.microsoft.com/office/powerpoint/2010/main" val="2827805063"/>
       </p:ext>
     </p:extLst>
   </p:cSld>
@@ -26441,7 +27565,7 @@
           <p:cNvPr id="2" name="Title 1">
             <a:extLst>
               <a:ext uri="{FF2B5EF4-FFF2-40B4-BE49-F238E27FC236}">
-                <a16:creationId xmlns:a16="http://schemas.microsoft.com/office/drawing/2014/main" id="{D56CE693-701B-A715-57E9-BA343CEA0C27}"/>
+                <a16:creationId xmlns:a16="http://schemas.microsoft.com/office/drawing/2014/main" id="{775EBFB3-00D7-62B5-64B4-5372312B89D6}"/>
               </a:ext>
             </a:extLst>
           </p:cNvPr>
@@ -26459,26 +27583,81 @@
           <a:p>
             <a:r>
               <a:rPr lang="en-US" dirty="0"/>
-              <a:t>Kernels</a:t>
+              <a:t>Loss function</a:t>
             </a:r>
           </a:p>
         </p:txBody>
       </p:sp>
-      <p:pic>
-        <p:nvPicPr>
-          <p:cNvPr id="5" name="Content Placeholder 4" descr="A drawing of a cube with dots and arrows&#10;&#10;Description automatically generated">
-            <a:extLst>
-              <a:ext uri="{FF2B5EF4-FFF2-40B4-BE49-F238E27FC236}">
-                <a16:creationId xmlns:a16="http://schemas.microsoft.com/office/drawing/2014/main" id="{E24E94A8-8F72-238D-6E93-B31B8B1D4603}"/>
-              </a:ext>
-            </a:extLst>
-          </p:cNvPr>
-          <p:cNvPicPr>
-            <a:picLocks noGrp="1" noChangeAspect="1"/>
-          </p:cNvPicPr>
+      <p:sp>
+        <p:nvSpPr>
+          <p:cNvPr id="3" name="Content Placeholder 2">
+            <a:extLst>
+              <a:ext uri="{FF2B5EF4-FFF2-40B4-BE49-F238E27FC236}">
+                <a16:creationId xmlns:a16="http://schemas.microsoft.com/office/drawing/2014/main" id="{614BC1DC-F67C-866A-9445-BBF7648BD20D}"/>
+              </a:ext>
+            </a:extLst>
+          </p:cNvPr>
+          <p:cNvSpPr>
+            <a:spLocks noGrp="1"/>
+          </p:cNvSpPr>
           <p:nvPr>
             <p:ph idx="1"/>
           </p:nvPr>
+        </p:nvSpPr>
+        <p:spPr/>
+        <p:txBody>
+          <a:bodyPr/>
+          <a:lstStyle/>
+          <a:p>
+            <a:r>
+              <a:rPr lang="en-US" dirty="0"/>
+              <a:t>So the loss function for logistic regression is</a:t>
+            </a:r>
+          </a:p>
+        </p:txBody>
+      </p:sp>
+      <p:sp>
+        <p:nvSpPr>
+          <p:cNvPr id="4" name="Slide Number Placeholder 3">
+            <a:extLst>
+              <a:ext uri="{FF2B5EF4-FFF2-40B4-BE49-F238E27FC236}">
+                <a16:creationId xmlns:a16="http://schemas.microsoft.com/office/drawing/2014/main" id="{855C3642-045F-F10E-0732-C2071D5CF7B4}"/>
+              </a:ext>
+            </a:extLst>
+          </p:cNvPr>
+          <p:cNvSpPr>
+            <a:spLocks noGrp="1"/>
+          </p:cNvSpPr>
+          <p:nvPr>
+            <p:ph type="sldNum" sz="quarter" idx="12"/>
+          </p:nvPr>
+        </p:nvSpPr>
+        <p:spPr/>
+        <p:txBody>
+          <a:bodyPr/>
+          <a:lstStyle/>
+          <a:p>
+            <a:fld id="{E862C174-85D7-4478-B3BB-01728BCCC1F6}" type="slidenum">
+              <a:rPr lang="en-US" smtClean="0"/>
+              <a:t>61</a:t>
+            </a:fld>
+            <a:endParaRPr lang="en-US"/>
+          </a:p>
+        </p:txBody>
+      </p:sp>
+      <p:pic>
+        <p:nvPicPr>
+          <p:cNvPr id="6" name="Picture 5" descr="A black text with a white background&#10;&#10;Description automatically generated">
+            <a:extLst>
+              <a:ext uri="{FF2B5EF4-FFF2-40B4-BE49-F238E27FC236}">
+                <a16:creationId xmlns:a16="http://schemas.microsoft.com/office/drawing/2014/main" id="{58B3D298-0258-9475-2EC3-3E8D5EC84942}"/>
+              </a:ext>
+            </a:extLst>
+          </p:cNvPr>
+          <p:cNvPicPr>
+            <a:picLocks noChangeAspect="1"/>
+          </p:cNvPicPr>
+          <p:nvPr/>
         </p:nvPicPr>
         <p:blipFill>
           <a:blip r:embed="rId2">
@@ -26494,79 +27673,18 @@
         </p:blipFill>
         <p:spPr>
           <a:xfrm>
-            <a:off x="2881312" y="2320131"/>
-            <a:ext cx="6429375" cy="3362325"/>
-          </a:xfrm>
-        </p:spPr>
-      </p:pic>
-      <p:sp>
-        <p:nvSpPr>
-          <p:cNvPr id="6" name="TextBox 5">
-            <a:extLst>
-              <a:ext uri="{FF2B5EF4-FFF2-40B4-BE49-F238E27FC236}">
-                <a16:creationId xmlns:a16="http://schemas.microsoft.com/office/drawing/2014/main" id="{51CF8928-F1AA-FD5D-469E-A1CB8350890B}"/>
-              </a:ext>
-            </a:extLst>
-          </p:cNvPr>
-          <p:cNvSpPr txBox="1"/>
-          <p:nvPr/>
-        </p:nvSpPr>
-        <p:spPr>
-          <a:xfrm>
-            <a:off x="6329680" y="6363335"/>
-            <a:ext cx="5770880" cy="276999"/>
+            <a:off x="2790825" y="3019425"/>
+            <a:ext cx="6610350" cy="819150"/>
           </a:xfrm>
           <a:prstGeom prst="rect">
             <a:avLst/>
           </a:prstGeom>
-          <a:noFill/>
         </p:spPr>
-        <p:txBody>
-          <a:bodyPr wrap="square" rtlCol="0">
-            <a:spAutoFit/>
-          </a:bodyPr>
-          <a:lstStyle/>
-          <a:p>
-            <a:r>
-              <a:rPr lang="en-US" sz="1200" dirty="0"/>
-              <a:t>https://www.kdnuggets.com/2016/07/support-vector-machines-simple-explanation.html</a:t>
-            </a:r>
-          </a:p>
-        </p:txBody>
-      </p:sp>
-      <p:sp>
-        <p:nvSpPr>
-          <p:cNvPr id="3" name="Slide Number Placeholder 2">
-            <a:extLst>
-              <a:ext uri="{FF2B5EF4-FFF2-40B4-BE49-F238E27FC236}">
-                <a16:creationId xmlns:a16="http://schemas.microsoft.com/office/drawing/2014/main" id="{6E27406C-243B-EEB0-D874-9AE06CB529E3}"/>
-              </a:ext>
-            </a:extLst>
-          </p:cNvPr>
-          <p:cNvSpPr>
-            <a:spLocks noGrp="1"/>
-          </p:cNvSpPr>
-          <p:nvPr>
-            <p:ph type="sldNum" sz="quarter" idx="12"/>
-          </p:nvPr>
-        </p:nvSpPr>
-        <p:spPr/>
-        <p:txBody>
-          <a:bodyPr/>
-          <a:lstStyle/>
-          <a:p>
-            <a:fld id="{E862C174-85D7-4478-B3BB-01728BCCC1F6}" type="slidenum">
-              <a:rPr lang="en-US" smtClean="0"/>
-              <a:t>61</a:t>
-            </a:fld>
-            <a:endParaRPr lang="en-US"/>
-          </a:p>
-        </p:txBody>
-      </p:sp>
+      </p:pic>
     </p:spTree>
     <p:extLst>
       <p:ext uri="{BB962C8B-B14F-4D97-AF65-F5344CB8AC3E}">
-        <p14:creationId xmlns:p14="http://schemas.microsoft.com/office/powerpoint/2010/main" val="163888688"/>
+        <p14:creationId xmlns:p14="http://schemas.microsoft.com/office/powerpoint/2010/main" val="3049244521"/>
       </p:ext>
     </p:extLst>
   </p:cSld>
@@ -26598,7 +27716,7 @@
           <p:cNvPr id="2" name="Title 1">
             <a:extLst>
               <a:ext uri="{FF2B5EF4-FFF2-40B4-BE49-F238E27FC236}">
-                <a16:creationId xmlns:a16="http://schemas.microsoft.com/office/drawing/2014/main" id="{F6C37856-3334-56BB-AE4A-CDE0B7F8D1C3}"/>
+                <a16:creationId xmlns:a16="http://schemas.microsoft.com/office/drawing/2014/main" id="{6A072550-7EA0-3EEC-E833-71BE5E52836B}"/>
               </a:ext>
             </a:extLst>
           </p:cNvPr>
@@ -26616,26 +27734,58 @@
           <a:p>
             <a:r>
               <a:rPr lang="en-US" dirty="0"/>
-              <a:t>Linear Kernel</a:t>
+              <a:t>SVM</a:t>
             </a:r>
           </a:p>
         </p:txBody>
       </p:sp>
-      <p:pic>
-        <p:nvPicPr>
-          <p:cNvPr id="9" name="Content Placeholder 8" descr="A diagram of a line graph&#10;&#10;Description automatically generated with medium confidence">
-            <a:extLst>
-              <a:ext uri="{FF2B5EF4-FFF2-40B4-BE49-F238E27FC236}">
-                <a16:creationId xmlns:a16="http://schemas.microsoft.com/office/drawing/2014/main" id="{89E050FB-A1E6-DB11-534B-970D7E76B0C3}"/>
-              </a:ext>
-            </a:extLst>
-          </p:cNvPr>
-          <p:cNvPicPr>
-            <a:picLocks noGrp="1" noChangeAspect="1"/>
-          </p:cNvPicPr>
+      <p:sp>
+        <p:nvSpPr>
+          <p:cNvPr id="3" name="Content Placeholder 2">
+            <a:extLst>
+              <a:ext uri="{FF2B5EF4-FFF2-40B4-BE49-F238E27FC236}">
+                <a16:creationId xmlns:a16="http://schemas.microsoft.com/office/drawing/2014/main" id="{8DBCF8B3-229A-1A13-55B4-99D11EF203D6}"/>
+              </a:ext>
+            </a:extLst>
+          </p:cNvPr>
+          <p:cNvSpPr>
+            <a:spLocks noGrp="1"/>
+          </p:cNvSpPr>
           <p:nvPr>
             <p:ph idx="1"/>
           </p:nvPr>
+        </p:nvSpPr>
+        <p:spPr/>
+        <p:txBody>
+          <a:bodyPr/>
+          <a:lstStyle/>
+          <a:p>
+            <a:r>
+              <a:rPr lang="en-US" dirty="0"/>
+              <a:t>What if there’s noise in the data and no hyperplane can perfectly separate positive examples from negative ones?</a:t>
+            </a:r>
+          </a:p>
+          <a:p>
+            <a:r>
+              <a:rPr lang="en-US" dirty="0"/>
+              <a:t>What if the data cannot be separated using a plane, but could be separated by a higher-order polynomial?</a:t>
+            </a:r>
+          </a:p>
+        </p:txBody>
+      </p:sp>
+      <p:pic>
+        <p:nvPicPr>
+          <p:cNvPr id="4" name="Content Placeholder 4" descr="A graph of different sizes of cases&#10;&#10;Description automatically generated with medium confidence">
+            <a:extLst>
+              <a:ext uri="{FF2B5EF4-FFF2-40B4-BE49-F238E27FC236}">
+                <a16:creationId xmlns:a16="http://schemas.microsoft.com/office/drawing/2014/main" id="{3E5F6C83-B42D-9FB8-9155-06832FCCCB3E}"/>
+              </a:ext>
+            </a:extLst>
+          </p:cNvPr>
+          <p:cNvPicPr>
+            <a:picLocks noChangeAspect="1"/>
+          </p:cNvPicPr>
+          <p:nvPr/>
         </p:nvPicPr>
         <p:blipFill>
           <a:blip r:embed="rId2">
@@ -26651,52 +27801,20 @@
         </p:blipFill>
         <p:spPr>
           <a:xfrm>
-            <a:off x="4081462" y="2567781"/>
-            <a:ext cx="4029075" cy="2867025"/>
-          </a:xfrm>
-        </p:spPr>
-      </p:pic>
-      <p:sp>
-        <p:nvSpPr>
-          <p:cNvPr id="10" name="TextBox 9">
-            <a:extLst>
-              <a:ext uri="{FF2B5EF4-FFF2-40B4-BE49-F238E27FC236}">
-                <a16:creationId xmlns:a16="http://schemas.microsoft.com/office/drawing/2014/main" id="{59FA2177-507F-378D-68B6-56EF2FD03D0D}"/>
-              </a:ext>
-            </a:extLst>
-          </p:cNvPr>
-          <p:cNvSpPr txBox="1"/>
-          <p:nvPr/>
-        </p:nvSpPr>
-        <p:spPr>
-          <a:xfrm>
-            <a:off x="5791200" y="6363335"/>
-            <a:ext cx="6309360" cy="276999"/>
+            <a:off x="2687560" y="3559251"/>
+            <a:ext cx="6816880" cy="3077523"/>
           </a:xfrm>
           <a:prstGeom prst="rect">
             <a:avLst/>
           </a:prstGeom>
-          <a:noFill/>
         </p:spPr>
-        <p:txBody>
-          <a:bodyPr wrap="square" rtlCol="0">
-            <a:spAutoFit/>
-          </a:bodyPr>
-          <a:lstStyle/>
-          <a:p>
-            <a:r>
-              <a:rPr lang="en-US" sz="1200" dirty="0"/>
-              <a:t>https://www.kaggle.com/code/residentmario/kernels-and-support-vector-machine-regularization</a:t>
-            </a:r>
-          </a:p>
-        </p:txBody>
-      </p:sp>
-      <p:sp>
-        <p:nvSpPr>
-          <p:cNvPr id="3" name="Slide Number Placeholder 2">
-            <a:extLst>
-              <a:ext uri="{FF2B5EF4-FFF2-40B4-BE49-F238E27FC236}">
-                <a16:creationId xmlns:a16="http://schemas.microsoft.com/office/drawing/2014/main" id="{956385C1-3390-22CC-68A1-A53D3430387D}"/>
+      </p:pic>
+      <p:sp>
+        <p:nvSpPr>
+          <p:cNvPr id="5" name="Slide Number Placeholder 4">
+            <a:extLst>
+              <a:ext uri="{FF2B5EF4-FFF2-40B4-BE49-F238E27FC236}">
+                <a16:creationId xmlns:a16="http://schemas.microsoft.com/office/drawing/2014/main" id="{13CA2108-DA1C-70D0-5531-C56ACEEC42E6}"/>
               </a:ext>
             </a:extLst>
           </p:cNvPr>
@@ -26723,7 +27841,7 @@
     </p:spTree>
     <p:extLst>
       <p:ext uri="{BB962C8B-B14F-4D97-AF65-F5344CB8AC3E}">
-        <p14:creationId xmlns:p14="http://schemas.microsoft.com/office/powerpoint/2010/main" val="1970839961"/>
+        <p14:creationId xmlns:p14="http://schemas.microsoft.com/office/powerpoint/2010/main" val="1660813464"/>
       </p:ext>
     </p:extLst>
   </p:cSld>
@@ -26755,7 +27873,7 @@
           <p:cNvPr id="2" name="Title 1">
             <a:extLst>
               <a:ext uri="{FF2B5EF4-FFF2-40B4-BE49-F238E27FC236}">
-                <a16:creationId xmlns:a16="http://schemas.microsoft.com/office/drawing/2014/main" id="{329431AA-D5EF-5D37-4DCD-850AD8C6751C}"/>
+                <a16:creationId xmlns:a16="http://schemas.microsoft.com/office/drawing/2014/main" id="{15AF5CCF-9D76-13EA-B5DE-35F44AA7E187}"/>
               </a:ext>
             </a:extLst>
           </p:cNvPr>
@@ -26773,17 +27891,17 @@
           <a:p>
             <a:r>
               <a:rPr lang="en-US" dirty="0"/>
-              <a:t>Polynomial Kernel</a:t>
+              <a:t>SVM: Support Vectors</a:t>
             </a:r>
           </a:p>
         </p:txBody>
       </p:sp>
       <p:pic>
         <p:nvPicPr>
-          <p:cNvPr id="6" name="Content Placeholder 5" descr="A diagram of a curve&#10;&#10;Description automatically generated with medium confidence">
-            <a:extLst>
-              <a:ext uri="{FF2B5EF4-FFF2-40B4-BE49-F238E27FC236}">
-                <a16:creationId xmlns:a16="http://schemas.microsoft.com/office/drawing/2014/main" id="{48789844-5969-CC26-4E92-7962005DDD07}"/>
+          <p:cNvPr id="5" name="Content Placeholder 4" descr="A diagram of a support line&#10;&#10;Description automatically generated">
+            <a:extLst>
+              <a:ext uri="{FF2B5EF4-FFF2-40B4-BE49-F238E27FC236}">
+                <a16:creationId xmlns:a16="http://schemas.microsoft.com/office/drawing/2014/main" id="{A333181E-8797-2A76-BDBB-E015335B8B79}"/>
               </a:ext>
             </a:extLst>
           </p:cNvPr>
@@ -26808,17 +27926,17 @@
         </p:blipFill>
         <p:spPr>
           <a:xfrm>
-            <a:off x="4081462" y="2567781"/>
-            <a:ext cx="4029075" cy="2867025"/>
+            <a:off x="4067175" y="2629694"/>
+            <a:ext cx="4057650" cy="2743200"/>
           </a:xfrm>
         </p:spPr>
       </p:pic>
       <p:sp>
         <p:nvSpPr>
-          <p:cNvPr id="4" name="TextBox 3">
-            <a:extLst>
-              <a:ext uri="{FF2B5EF4-FFF2-40B4-BE49-F238E27FC236}">
-                <a16:creationId xmlns:a16="http://schemas.microsoft.com/office/drawing/2014/main" id="{4D7D2290-AF19-F37B-C46F-947D45DA9667}"/>
+          <p:cNvPr id="6" name="TextBox 5">
+            <a:extLst>
+              <a:ext uri="{FF2B5EF4-FFF2-40B4-BE49-F238E27FC236}">
+                <a16:creationId xmlns:a16="http://schemas.microsoft.com/office/drawing/2014/main" id="{1C2E2CBE-C509-E7E4-4B36-8741A68FFE26}"/>
               </a:ext>
             </a:extLst>
           </p:cNvPr>
@@ -26827,8 +27945,8 @@
         </p:nvSpPr>
         <p:spPr>
           <a:xfrm>
-            <a:off x="5791200" y="6363335"/>
-            <a:ext cx="6309360" cy="276999"/>
+            <a:off x="6329680" y="6363335"/>
+            <a:ext cx="5770880" cy="276999"/>
           </a:xfrm>
           <a:prstGeom prst="rect">
             <a:avLst/>
@@ -26843,7 +27961,7 @@
           <a:p>
             <a:r>
               <a:rPr lang="en-US" sz="1200" dirty="0"/>
-              <a:t>https://www.kaggle.com/code/residentmario/kernels-and-support-vector-machine-regularization</a:t>
+              <a:t>https://www.kdnuggets.com/2016/07/support-vector-machines-simple-explanation.html</a:t>
             </a:r>
           </a:p>
         </p:txBody>
@@ -26853,7 +27971,7 @@
           <p:cNvPr id="3" name="Slide Number Placeholder 2">
             <a:extLst>
               <a:ext uri="{FF2B5EF4-FFF2-40B4-BE49-F238E27FC236}">
-                <a16:creationId xmlns:a16="http://schemas.microsoft.com/office/drawing/2014/main" id="{82FBC9E7-B713-928A-3FC6-EA1F22511BBA}"/>
+                <a16:creationId xmlns:a16="http://schemas.microsoft.com/office/drawing/2014/main" id="{BE58EBC4-F73A-A405-A22D-43D3CDED8E4F}"/>
               </a:ext>
             </a:extLst>
           </p:cNvPr>
@@ -26880,7 +27998,7 @@
     </p:spTree>
     <p:extLst>
       <p:ext uri="{BB962C8B-B14F-4D97-AF65-F5344CB8AC3E}">
-        <p14:creationId xmlns:p14="http://schemas.microsoft.com/office/powerpoint/2010/main" val="1766349912"/>
+        <p14:creationId xmlns:p14="http://schemas.microsoft.com/office/powerpoint/2010/main" val="2874268730"/>
       </p:ext>
     </p:extLst>
   </p:cSld>
@@ -26912,7 +28030,7 @@
           <p:cNvPr id="2" name="Title 1">
             <a:extLst>
               <a:ext uri="{FF2B5EF4-FFF2-40B4-BE49-F238E27FC236}">
-                <a16:creationId xmlns:a16="http://schemas.microsoft.com/office/drawing/2014/main" id="{CA0007B9-E2C6-DB3B-FD80-2769CB021252}"/>
+                <a16:creationId xmlns:a16="http://schemas.microsoft.com/office/drawing/2014/main" id="{F1557162-B9D6-2314-359F-AFA0530B96CF}"/>
               </a:ext>
             </a:extLst>
           </p:cNvPr>
@@ -26930,17 +28048,17 @@
           <a:p>
             <a:r>
               <a:rPr lang="en-US" dirty="0"/>
-              <a:t>RBF Kernel</a:t>
+              <a:t>SVM: Plane</a:t>
             </a:r>
           </a:p>
         </p:txBody>
       </p:sp>
       <p:pic>
         <p:nvPicPr>
-          <p:cNvPr id="7" name="Content Placeholder 6" descr="A diagram of a line of different colored circles&#10;&#10;Description automatically generated with medium confidence">
-            <a:extLst>
-              <a:ext uri="{FF2B5EF4-FFF2-40B4-BE49-F238E27FC236}">
-                <a16:creationId xmlns:a16="http://schemas.microsoft.com/office/drawing/2014/main" id="{DAFB706F-BF40-595E-0682-E110B3337783}"/>
+          <p:cNvPr id="5" name="Content Placeholder 4" descr="A diagram of a line with circles and arrows&#10;&#10;Description automatically generated">
+            <a:extLst>
+              <a:ext uri="{FF2B5EF4-FFF2-40B4-BE49-F238E27FC236}">
+                <a16:creationId xmlns:a16="http://schemas.microsoft.com/office/drawing/2014/main" id="{A94AF90E-8EA6-C8A4-B9DC-7D8768C50D00}"/>
               </a:ext>
             </a:extLst>
           </p:cNvPr>
@@ -26952,7 +28070,7 @@
           </p:nvPr>
         </p:nvPicPr>
         <p:blipFill>
-          <a:blip r:embed="rId2">
+          <a:blip r:embed="rId3">
             <a:extLst>
               <a:ext uri="{28A0092B-C50C-407E-A947-70E740481C1C}">
                 <a14:useLocalDpi xmlns:a14="http://schemas.microsoft.com/office/drawing/2010/main" val="0"/>
@@ -26965,17 +28083,17 @@
         </p:blipFill>
         <p:spPr>
           <a:xfrm>
-            <a:off x="4081462" y="2567781"/>
-            <a:ext cx="4029075" cy="2867025"/>
+            <a:off x="2881312" y="2320131"/>
+            <a:ext cx="6429375" cy="3362325"/>
           </a:xfrm>
         </p:spPr>
       </p:pic>
       <p:sp>
         <p:nvSpPr>
-          <p:cNvPr id="5" name="TextBox 4">
-            <a:extLst>
-              <a:ext uri="{FF2B5EF4-FFF2-40B4-BE49-F238E27FC236}">
-                <a16:creationId xmlns:a16="http://schemas.microsoft.com/office/drawing/2014/main" id="{9FA13FAA-AD01-3736-053C-1ECA4DCAA4BC}"/>
+          <p:cNvPr id="6" name="TextBox 5">
+            <a:extLst>
+              <a:ext uri="{FF2B5EF4-FFF2-40B4-BE49-F238E27FC236}">
+                <a16:creationId xmlns:a16="http://schemas.microsoft.com/office/drawing/2014/main" id="{F1596EDE-6276-0252-CC91-0A7865BC4E43}"/>
               </a:ext>
             </a:extLst>
           </p:cNvPr>
@@ -26984,8 +28102,8 @@
         </p:nvSpPr>
         <p:spPr>
           <a:xfrm>
-            <a:off x="5791200" y="6363335"/>
-            <a:ext cx="6309360" cy="276999"/>
+            <a:off x="6329680" y="6363335"/>
+            <a:ext cx="5770880" cy="276999"/>
           </a:xfrm>
           <a:prstGeom prst="rect">
             <a:avLst/>
@@ -27000,63 +28118,17 @@
           <a:p>
             <a:r>
               <a:rPr lang="en-US" sz="1200" dirty="0"/>
-              <a:t>https://www.kaggle.com/code/residentmario/kernels-and-support-vector-machine-regularization</a:t>
+              <a:t>https://www.kdnuggets.com/2016/07/support-vector-machines-simple-explanation.html</a:t>
             </a:r>
           </a:p>
         </p:txBody>
       </p:sp>
       <p:sp>
         <p:nvSpPr>
-          <p:cNvPr id="8" name="TextBox 7">
-            <a:extLst>
-              <a:ext uri="{FF2B5EF4-FFF2-40B4-BE49-F238E27FC236}">
-                <a16:creationId xmlns:a16="http://schemas.microsoft.com/office/drawing/2014/main" id="{BFA8640E-D20D-FD24-7D0A-7B6A7E1D1225}"/>
-              </a:ext>
-            </a:extLst>
-          </p:cNvPr>
-          <p:cNvSpPr txBox="1"/>
-          <p:nvPr/>
-        </p:nvSpPr>
-        <p:spPr>
-          <a:xfrm>
-            <a:off x="721360" y="1564640"/>
-            <a:ext cx="4622800" cy="646331"/>
-          </a:xfrm>
-          <a:prstGeom prst="rect">
-            <a:avLst/>
-          </a:prstGeom>
-          <a:noFill/>
-        </p:spPr>
-        <p:txBody>
-          <a:bodyPr wrap="square" rtlCol="0">
-            <a:spAutoFit/>
-          </a:bodyPr>
-          <a:lstStyle/>
-          <a:p>
-            <a:r>
-              <a:rPr lang="en-US" dirty="0"/>
-              <a:t>- Radial Basis Function (Gaussian)</a:t>
-            </a:r>
-          </a:p>
-          <a:p>
-            <a:r>
-              <a:rPr lang="en-US" dirty="0"/>
-              <a:t>- default in </a:t>
-            </a:r>
-            <a:r>
-              <a:rPr lang="en-US" i="1" dirty="0" err="1"/>
-              <a:t>sklearn</a:t>
-            </a:r>
-            <a:endParaRPr lang="en-US" i="1" dirty="0"/>
-          </a:p>
-        </p:txBody>
-      </p:sp>
-      <p:sp>
-        <p:nvSpPr>
           <p:cNvPr id="3" name="Slide Number Placeholder 2">
             <a:extLst>
               <a:ext uri="{FF2B5EF4-FFF2-40B4-BE49-F238E27FC236}">
-                <a16:creationId xmlns:a16="http://schemas.microsoft.com/office/drawing/2014/main" id="{5D2593B7-B147-695A-8261-244FD4E1783D}"/>
+                <a16:creationId xmlns:a16="http://schemas.microsoft.com/office/drawing/2014/main" id="{9EF2A118-148E-FFC0-2277-2E81829EBE99}"/>
               </a:ext>
             </a:extLst>
           </p:cNvPr>
@@ -27083,7 +28155,7 @@
     </p:spTree>
     <p:extLst>
       <p:ext uri="{BB962C8B-B14F-4D97-AF65-F5344CB8AC3E}">
-        <p14:creationId xmlns:p14="http://schemas.microsoft.com/office/powerpoint/2010/main" val="175105071"/>
+        <p14:creationId xmlns:p14="http://schemas.microsoft.com/office/powerpoint/2010/main" val="4109125148"/>
       </p:ext>
     </p:extLst>
   </p:cSld>
@@ -27115,6 +28187,974 @@
           <p:cNvPr id="2" name="Title 1">
             <a:extLst>
               <a:ext uri="{FF2B5EF4-FFF2-40B4-BE49-F238E27FC236}">
+                <a16:creationId xmlns:a16="http://schemas.microsoft.com/office/drawing/2014/main" id="{90EFA674-D133-AE3D-BC96-44AEE754CC4E}"/>
+              </a:ext>
+            </a:extLst>
+          </p:cNvPr>
+          <p:cNvSpPr>
+            <a:spLocks noGrp="1"/>
+          </p:cNvSpPr>
+          <p:nvPr>
+            <p:ph type="title"/>
+          </p:nvPr>
+        </p:nvSpPr>
+        <p:spPr/>
+        <p:txBody>
+          <a:bodyPr/>
+          <a:lstStyle/>
+          <a:p>
+            <a:r>
+              <a:rPr lang="en-US" dirty="0"/>
+              <a:t>Not linearly separable</a:t>
+            </a:r>
+          </a:p>
+        </p:txBody>
+      </p:sp>
+      <p:pic>
+        <p:nvPicPr>
+          <p:cNvPr id="5" name="Content Placeholder 4" descr="A group of blue and green dots&#10;&#10;Description automatically generated">
+            <a:extLst>
+              <a:ext uri="{FF2B5EF4-FFF2-40B4-BE49-F238E27FC236}">
+                <a16:creationId xmlns:a16="http://schemas.microsoft.com/office/drawing/2014/main" id="{3DC6CDC9-C17A-B0E5-6879-4FD371192A99}"/>
+              </a:ext>
+            </a:extLst>
+          </p:cNvPr>
+          <p:cNvPicPr>
+            <a:picLocks noGrp="1" noChangeAspect="1"/>
+          </p:cNvPicPr>
+          <p:nvPr>
+            <p:ph idx="1"/>
+          </p:nvPr>
+        </p:nvPicPr>
+        <p:blipFill>
+          <a:blip r:embed="rId2">
+            <a:extLst>
+              <a:ext uri="{28A0092B-C50C-407E-A947-70E740481C1C}">
+                <a14:useLocalDpi xmlns:a14="http://schemas.microsoft.com/office/drawing/2010/main" val="0"/>
+              </a:ext>
+            </a:extLst>
+          </a:blip>
+          <a:stretch>
+            <a:fillRect/>
+          </a:stretch>
+        </p:blipFill>
+        <p:spPr>
+          <a:xfrm>
+            <a:off x="2881312" y="2320131"/>
+            <a:ext cx="6429375" cy="3362325"/>
+          </a:xfrm>
+        </p:spPr>
+      </p:pic>
+      <p:sp>
+        <p:nvSpPr>
+          <p:cNvPr id="6" name="TextBox 5">
+            <a:extLst>
+              <a:ext uri="{FF2B5EF4-FFF2-40B4-BE49-F238E27FC236}">
+                <a16:creationId xmlns:a16="http://schemas.microsoft.com/office/drawing/2014/main" id="{F21E991D-844E-242E-5E51-1FAF3F8F342D}"/>
+              </a:ext>
+            </a:extLst>
+          </p:cNvPr>
+          <p:cNvSpPr txBox="1"/>
+          <p:nvPr/>
+        </p:nvSpPr>
+        <p:spPr>
+          <a:xfrm>
+            <a:off x="6329680" y="6363335"/>
+            <a:ext cx="5770880" cy="276999"/>
+          </a:xfrm>
+          <a:prstGeom prst="rect">
+            <a:avLst/>
+          </a:prstGeom>
+          <a:noFill/>
+        </p:spPr>
+        <p:txBody>
+          <a:bodyPr wrap="square" rtlCol="0">
+            <a:spAutoFit/>
+          </a:bodyPr>
+          <a:lstStyle/>
+          <a:p>
+            <a:r>
+              <a:rPr lang="en-US" sz="1200" dirty="0"/>
+              <a:t>https://www.kdnuggets.com/2016/07/support-vector-machines-simple-explanation.html</a:t>
+            </a:r>
+          </a:p>
+        </p:txBody>
+      </p:sp>
+      <p:sp>
+        <p:nvSpPr>
+          <p:cNvPr id="3" name="Slide Number Placeholder 2">
+            <a:extLst>
+              <a:ext uri="{FF2B5EF4-FFF2-40B4-BE49-F238E27FC236}">
+                <a16:creationId xmlns:a16="http://schemas.microsoft.com/office/drawing/2014/main" id="{5FBA814D-20A7-B49F-58DD-039876FAAA43}"/>
+              </a:ext>
+            </a:extLst>
+          </p:cNvPr>
+          <p:cNvSpPr>
+            <a:spLocks noGrp="1"/>
+          </p:cNvSpPr>
+          <p:nvPr>
+            <p:ph type="sldNum" sz="quarter" idx="12"/>
+          </p:nvPr>
+        </p:nvSpPr>
+        <p:spPr/>
+        <p:txBody>
+          <a:bodyPr/>
+          <a:lstStyle/>
+          <a:p>
+            <a:fld id="{E862C174-85D7-4478-B3BB-01728BCCC1F6}" type="slidenum">
+              <a:rPr lang="en-US" smtClean="0"/>
+              <a:t>65</a:t>
+            </a:fld>
+            <a:endParaRPr lang="en-US"/>
+          </a:p>
+        </p:txBody>
+      </p:sp>
+    </p:spTree>
+    <p:extLst>
+      <p:ext uri="{BB962C8B-B14F-4D97-AF65-F5344CB8AC3E}">
+        <p14:creationId xmlns:p14="http://schemas.microsoft.com/office/powerpoint/2010/main" val="1755092168"/>
+      </p:ext>
+    </p:extLst>
+  </p:cSld>
+  <p:clrMapOvr>
+    <a:masterClrMapping/>
+  </p:clrMapOvr>
+</p:sld>
+</file>
+
+<file path=ppt/slides/slide66.xml><?xml version="1.0" encoding="utf-8"?>
+<p:sld xmlns:a="http://schemas.openxmlformats.org/drawingml/2006/main" xmlns:r="http://schemas.openxmlformats.org/officeDocument/2006/relationships" xmlns:p="http://schemas.openxmlformats.org/presentationml/2006/main">
+  <p:cSld>
+    <p:spTree>
+      <p:nvGrpSpPr>
+        <p:cNvPr id="1" name=""/>
+        <p:cNvGrpSpPr/>
+        <p:nvPr/>
+      </p:nvGrpSpPr>
+      <p:grpSpPr>
+        <a:xfrm>
+          <a:off x="0" y="0"/>
+          <a:ext cx="0" cy="0"/>
+          <a:chOff x="0" y="0"/>
+          <a:chExt cx="0" cy="0"/>
+        </a:xfrm>
+      </p:grpSpPr>
+      <p:sp>
+        <p:nvSpPr>
+          <p:cNvPr id="2" name="Title 1">
+            <a:extLst>
+              <a:ext uri="{FF2B5EF4-FFF2-40B4-BE49-F238E27FC236}">
+                <a16:creationId xmlns:a16="http://schemas.microsoft.com/office/drawing/2014/main" id="{D56CE693-701B-A715-57E9-BA343CEA0C27}"/>
+              </a:ext>
+            </a:extLst>
+          </p:cNvPr>
+          <p:cNvSpPr>
+            <a:spLocks noGrp="1"/>
+          </p:cNvSpPr>
+          <p:nvPr>
+            <p:ph type="title"/>
+          </p:nvPr>
+        </p:nvSpPr>
+        <p:spPr/>
+        <p:txBody>
+          <a:bodyPr/>
+          <a:lstStyle/>
+          <a:p>
+            <a:r>
+              <a:rPr lang="en-US" dirty="0"/>
+              <a:t>Kernels</a:t>
+            </a:r>
+          </a:p>
+        </p:txBody>
+      </p:sp>
+      <p:pic>
+        <p:nvPicPr>
+          <p:cNvPr id="5" name="Content Placeholder 4" descr="A drawing of a cube with dots and arrows&#10;&#10;Description automatically generated">
+            <a:extLst>
+              <a:ext uri="{FF2B5EF4-FFF2-40B4-BE49-F238E27FC236}">
+                <a16:creationId xmlns:a16="http://schemas.microsoft.com/office/drawing/2014/main" id="{E24E94A8-8F72-238D-6E93-B31B8B1D4603}"/>
+              </a:ext>
+            </a:extLst>
+          </p:cNvPr>
+          <p:cNvPicPr>
+            <a:picLocks noGrp="1" noChangeAspect="1"/>
+          </p:cNvPicPr>
+          <p:nvPr>
+            <p:ph idx="1"/>
+          </p:nvPr>
+        </p:nvPicPr>
+        <p:blipFill>
+          <a:blip r:embed="rId2">
+            <a:extLst>
+              <a:ext uri="{28A0092B-C50C-407E-A947-70E740481C1C}">
+                <a14:useLocalDpi xmlns:a14="http://schemas.microsoft.com/office/drawing/2010/main" val="0"/>
+              </a:ext>
+            </a:extLst>
+          </a:blip>
+          <a:stretch>
+            <a:fillRect/>
+          </a:stretch>
+        </p:blipFill>
+        <p:spPr>
+          <a:xfrm>
+            <a:off x="2881312" y="2320131"/>
+            <a:ext cx="6429375" cy="3362325"/>
+          </a:xfrm>
+        </p:spPr>
+      </p:pic>
+      <p:sp>
+        <p:nvSpPr>
+          <p:cNvPr id="6" name="TextBox 5">
+            <a:extLst>
+              <a:ext uri="{FF2B5EF4-FFF2-40B4-BE49-F238E27FC236}">
+                <a16:creationId xmlns:a16="http://schemas.microsoft.com/office/drawing/2014/main" id="{51CF8928-F1AA-FD5D-469E-A1CB8350890B}"/>
+              </a:ext>
+            </a:extLst>
+          </p:cNvPr>
+          <p:cNvSpPr txBox="1"/>
+          <p:nvPr/>
+        </p:nvSpPr>
+        <p:spPr>
+          <a:xfrm>
+            <a:off x="6329680" y="6363335"/>
+            <a:ext cx="5770880" cy="276999"/>
+          </a:xfrm>
+          <a:prstGeom prst="rect">
+            <a:avLst/>
+          </a:prstGeom>
+          <a:noFill/>
+        </p:spPr>
+        <p:txBody>
+          <a:bodyPr wrap="square" rtlCol="0">
+            <a:spAutoFit/>
+          </a:bodyPr>
+          <a:lstStyle/>
+          <a:p>
+            <a:r>
+              <a:rPr lang="en-US" sz="1200" dirty="0"/>
+              <a:t>https://www.kdnuggets.com/2016/07/support-vector-machines-simple-explanation.html</a:t>
+            </a:r>
+          </a:p>
+        </p:txBody>
+      </p:sp>
+      <p:sp>
+        <p:nvSpPr>
+          <p:cNvPr id="3" name="Slide Number Placeholder 2">
+            <a:extLst>
+              <a:ext uri="{FF2B5EF4-FFF2-40B4-BE49-F238E27FC236}">
+                <a16:creationId xmlns:a16="http://schemas.microsoft.com/office/drawing/2014/main" id="{6E27406C-243B-EEB0-D874-9AE06CB529E3}"/>
+              </a:ext>
+            </a:extLst>
+          </p:cNvPr>
+          <p:cNvSpPr>
+            <a:spLocks noGrp="1"/>
+          </p:cNvSpPr>
+          <p:nvPr>
+            <p:ph type="sldNum" sz="quarter" idx="12"/>
+          </p:nvPr>
+        </p:nvSpPr>
+        <p:spPr/>
+        <p:txBody>
+          <a:bodyPr/>
+          <a:lstStyle/>
+          <a:p>
+            <a:fld id="{E862C174-85D7-4478-B3BB-01728BCCC1F6}" type="slidenum">
+              <a:rPr lang="en-US" smtClean="0"/>
+              <a:t>66</a:t>
+            </a:fld>
+            <a:endParaRPr lang="en-US"/>
+          </a:p>
+        </p:txBody>
+      </p:sp>
+    </p:spTree>
+    <p:extLst>
+      <p:ext uri="{BB962C8B-B14F-4D97-AF65-F5344CB8AC3E}">
+        <p14:creationId xmlns:p14="http://schemas.microsoft.com/office/powerpoint/2010/main" val="163888688"/>
+      </p:ext>
+    </p:extLst>
+  </p:cSld>
+  <p:clrMapOvr>
+    <a:masterClrMapping/>
+  </p:clrMapOvr>
+</p:sld>
+</file>
+
+<file path=ppt/slides/slide67.xml><?xml version="1.0" encoding="utf-8"?>
+<p:sld xmlns:a="http://schemas.openxmlformats.org/drawingml/2006/main" xmlns:r="http://schemas.openxmlformats.org/officeDocument/2006/relationships" xmlns:p="http://schemas.openxmlformats.org/presentationml/2006/main">
+  <p:cSld>
+    <p:spTree>
+      <p:nvGrpSpPr>
+        <p:cNvPr id="1" name=""/>
+        <p:cNvGrpSpPr/>
+        <p:nvPr/>
+      </p:nvGrpSpPr>
+      <p:grpSpPr>
+        <a:xfrm>
+          <a:off x="0" y="0"/>
+          <a:ext cx="0" cy="0"/>
+          <a:chOff x="0" y="0"/>
+          <a:chExt cx="0" cy="0"/>
+        </a:xfrm>
+      </p:grpSpPr>
+      <p:sp>
+        <p:nvSpPr>
+          <p:cNvPr id="2" name="Title 1">
+            <a:extLst>
+              <a:ext uri="{FF2B5EF4-FFF2-40B4-BE49-F238E27FC236}">
+                <a16:creationId xmlns:a16="http://schemas.microsoft.com/office/drawing/2014/main" id="{F6C37856-3334-56BB-AE4A-CDE0B7F8D1C3}"/>
+              </a:ext>
+            </a:extLst>
+          </p:cNvPr>
+          <p:cNvSpPr>
+            <a:spLocks noGrp="1"/>
+          </p:cNvSpPr>
+          <p:nvPr>
+            <p:ph type="title"/>
+          </p:nvPr>
+        </p:nvSpPr>
+        <p:spPr/>
+        <p:txBody>
+          <a:bodyPr/>
+          <a:lstStyle/>
+          <a:p>
+            <a:r>
+              <a:rPr lang="en-US" dirty="0"/>
+              <a:t>Linear Kernel</a:t>
+            </a:r>
+          </a:p>
+        </p:txBody>
+      </p:sp>
+      <p:pic>
+        <p:nvPicPr>
+          <p:cNvPr id="9" name="Content Placeholder 8" descr="A diagram of a line graph&#10;&#10;Description automatically generated with medium confidence">
+            <a:extLst>
+              <a:ext uri="{FF2B5EF4-FFF2-40B4-BE49-F238E27FC236}">
+                <a16:creationId xmlns:a16="http://schemas.microsoft.com/office/drawing/2014/main" id="{89E050FB-A1E6-DB11-534B-970D7E76B0C3}"/>
+              </a:ext>
+            </a:extLst>
+          </p:cNvPr>
+          <p:cNvPicPr>
+            <a:picLocks noGrp="1" noChangeAspect="1"/>
+          </p:cNvPicPr>
+          <p:nvPr>
+            <p:ph idx="1"/>
+          </p:nvPr>
+        </p:nvPicPr>
+        <p:blipFill>
+          <a:blip r:embed="rId2">
+            <a:extLst>
+              <a:ext uri="{28A0092B-C50C-407E-A947-70E740481C1C}">
+                <a14:useLocalDpi xmlns:a14="http://schemas.microsoft.com/office/drawing/2010/main" val="0"/>
+              </a:ext>
+            </a:extLst>
+          </a:blip>
+          <a:stretch>
+            <a:fillRect/>
+          </a:stretch>
+        </p:blipFill>
+        <p:spPr>
+          <a:xfrm>
+            <a:off x="4081462" y="2567781"/>
+            <a:ext cx="4029075" cy="2867025"/>
+          </a:xfrm>
+        </p:spPr>
+      </p:pic>
+      <p:sp>
+        <p:nvSpPr>
+          <p:cNvPr id="10" name="TextBox 9">
+            <a:extLst>
+              <a:ext uri="{FF2B5EF4-FFF2-40B4-BE49-F238E27FC236}">
+                <a16:creationId xmlns:a16="http://schemas.microsoft.com/office/drawing/2014/main" id="{59FA2177-507F-378D-68B6-56EF2FD03D0D}"/>
+              </a:ext>
+            </a:extLst>
+          </p:cNvPr>
+          <p:cNvSpPr txBox="1"/>
+          <p:nvPr/>
+        </p:nvSpPr>
+        <p:spPr>
+          <a:xfrm>
+            <a:off x="5791200" y="6363335"/>
+            <a:ext cx="6309360" cy="276999"/>
+          </a:xfrm>
+          <a:prstGeom prst="rect">
+            <a:avLst/>
+          </a:prstGeom>
+          <a:noFill/>
+        </p:spPr>
+        <p:txBody>
+          <a:bodyPr wrap="square" rtlCol="0">
+            <a:spAutoFit/>
+          </a:bodyPr>
+          <a:lstStyle/>
+          <a:p>
+            <a:r>
+              <a:rPr lang="en-US" sz="1200" dirty="0"/>
+              <a:t>https://www.kaggle.com/code/residentmario/kernels-and-support-vector-machine-regularization</a:t>
+            </a:r>
+          </a:p>
+        </p:txBody>
+      </p:sp>
+      <p:sp>
+        <p:nvSpPr>
+          <p:cNvPr id="3" name="Slide Number Placeholder 2">
+            <a:extLst>
+              <a:ext uri="{FF2B5EF4-FFF2-40B4-BE49-F238E27FC236}">
+                <a16:creationId xmlns:a16="http://schemas.microsoft.com/office/drawing/2014/main" id="{956385C1-3390-22CC-68A1-A53D3430387D}"/>
+              </a:ext>
+            </a:extLst>
+          </p:cNvPr>
+          <p:cNvSpPr>
+            <a:spLocks noGrp="1"/>
+          </p:cNvSpPr>
+          <p:nvPr>
+            <p:ph type="sldNum" sz="quarter" idx="12"/>
+          </p:nvPr>
+        </p:nvSpPr>
+        <p:spPr/>
+        <p:txBody>
+          <a:bodyPr/>
+          <a:lstStyle/>
+          <a:p>
+            <a:fld id="{E862C174-85D7-4478-B3BB-01728BCCC1F6}" type="slidenum">
+              <a:rPr lang="en-US" smtClean="0"/>
+              <a:t>67</a:t>
+            </a:fld>
+            <a:endParaRPr lang="en-US"/>
+          </a:p>
+        </p:txBody>
+      </p:sp>
+    </p:spTree>
+    <p:extLst>
+      <p:ext uri="{BB962C8B-B14F-4D97-AF65-F5344CB8AC3E}">
+        <p14:creationId xmlns:p14="http://schemas.microsoft.com/office/powerpoint/2010/main" val="1970839961"/>
+      </p:ext>
+    </p:extLst>
+  </p:cSld>
+  <p:clrMapOvr>
+    <a:masterClrMapping/>
+  </p:clrMapOvr>
+</p:sld>
+</file>
+
+<file path=ppt/slides/slide68.xml><?xml version="1.0" encoding="utf-8"?>
+<p:sld xmlns:a="http://schemas.openxmlformats.org/drawingml/2006/main" xmlns:r="http://schemas.openxmlformats.org/officeDocument/2006/relationships" xmlns:p="http://schemas.openxmlformats.org/presentationml/2006/main">
+  <p:cSld>
+    <p:spTree>
+      <p:nvGrpSpPr>
+        <p:cNvPr id="1" name=""/>
+        <p:cNvGrpSpPr/>
+        <p:nvPr/>
+      </p:nvGrpSpPr>
+      <p:grpSpPr>
+        <a:xfrm>
+          <a:off x="0" y="0"/>
+          <a:ext cx="0" cy="0"/>
+          <a:chOff x="0" y="0"/>
+          <a:chExt cx="0" cy="0"/>
+        </a:xfrm>
+      </p:grpSpPr>
+      <p:sp>
+        <p:nvSpPr>
+          <p:cNvPr id="2" name="Title 1">
+            <a:extLst>
+              <a:ext uri="{FF2B5EF4-FFF2-40B4-BE49-F238E27FC236}">
+                <a16:creationId xmlns:a16="http://schemas.microsoft.com/office/drawing/2014/main" id="{329431AA-D5EF-5D37-4DCD-850AD8C6751C}"/>
+              </a:ext>
+            </a:extLst>
+          </p:cNvPr>
+          <p:cNvSpPr>
+            <a:spLocks noGrp="1"/>
+          </p:cNvSpPr>
+          <p:nvPr>
+            <p:ph type="title"/>
+          </p:nvPr>
+        </p:nvSpPr>
+        <p:spPr/>
+        <p:txBody>
+          <a:bodyPr/>
+          <a:lstStyle/>
+          <a:p>
+            <a:r>
+              <a:rPr lang="en-US" dirty="0"/>
+              <a:t>Polynomial Kernel</a:t>
+            </a:r>
+          </a:p>
+        </p:txBody>
+      </p:sp>
+      <p:pic>
+        <p:nvPicPr>
+          <p:cNvPr id="6" name="Content Placeholder 5" descr="A diagram of a curve&#10;&#10;Description automatically generated with medium confidence">
+            <a:extLst>
+              <a:ext uri="{FF2B5EF4-FFF2-40B4-BE49-F238E27FC236}">
+                <a16:creationId xmlns:a16="http://schemas.microsoft.com/office/drawing/2014/main" id="{48789844-5969-CC26-4E92-7962005DDD07}"/>
+              </a:ext>
+            </a:extLst>
+          </p:cNvPr>
+          <p:cNvPicPr>
+            <a:picLocks noGrp="1" noChangeAspect="1"/>
+          </p:cNvPicPr>
+          <p:nvPr>
+            <p:ph idx="1"/>
+          </p:nvPr>
+        </p:nvPicPr>
+        <p:blipFill>
+          <a:blip r:embed="rId2">
+            <a:extLst>
+              <a:ext uri="{28A0092B-C50C-407E-A947-70E740481C1C}">
+                <a14:useLocalDpi xmlns:a14="http://schemas.microsoft.com/office/drawing/2010/main" val="0"/>
+              </a:ext>
+            </a:extLst>
+          </a:blip>
+          <a:stretch>
+            <a:fillRect/>
+          </a:stretch>
+        </p:blipFill>
+        <p:spPr>
+          <a:xfrm>
+            <a:off x="4081462" y="2567781"/>
+            <a:ext cx="4029075" cy="2867025"/>
+          </a:xfrm>
+        </p:spPr>
+      </p:pic>
+      <p:sp>
+        <p:nvSpPr>
+          <p:cNvPr id="4" name="TextBox 3">
+            <a:extLst>
+              <a:ext uri="{FF2B5EF4-FFF2-40B4-BE49-F238E27FC236}">
+                <a16:creationId xmlns:a16="http://schemas.microsoft.com/office/drawing/2014/main" id="{4D7D2290-AF19-F37B-C46F-947D45DA9667}"/>
+              </a:ext>
+            </a:extLst>
+          </p:cNvPr>
+          <p:cNvSpPr txBox="1"/>
+          <p:nvPr/>
+        </p:nvSpPr>
+        <p:spPr>
+          <a:xfrm>
+            <a:off x="5791200" y="6363335"/>
+            <a:ext cx="6309360" cy="276999"/>
+          </a:xfrm>
+          <a:prstGeom prst="rect">
+            <a:avLst/>
+          </a:prstGeom>
+          <a:noFill/>
+        </p:spPr>
+        <p:txBody>
+          <a:bodyPr wrap="square" rtlCol="0">
+            <a:spAutoFit/>
+          </a:bodyPr>
+          <a:lstStyle/>
+          <a:p>
+            <a:r>
+              <a:rPr lang="en-US" sz="1200" dirty="0"/>
+              <a:t>https://www.kaggle.com/code/residentmario/kernels-and-support-vector-machine-regularization</a:t>
+            </a:r>
+          </a:p>
+        </p:txBody>
+      </p:sp>
+      <p:sp>
+        <p:nvSpPr>
+          <p:cNvPr id="3" name="Slide Number Placeholder 2">
+            <a:extLst>
+              <a:ext uri="{FF2B5EF4-FFF2-40B4-BE49-F238E27FC236}">
+                <a16:creationId xmlns:a16="http://schemas.microsoft.com/office/drawing/2014/main" id="{82FBC9E7-B713-928A-3FC6-EA1F22511BBA}"/>
+              </a:ext>
+            </a:extLst>
+          </p:cNvPr>
+          <p:cNvSpPr>
+            <a:spLocks noGrp="1"/>
+          </p:cNvSpPr>
+          <p:nvPr>
+            <p:ph type="sldNum" sz="quarter" idx="12"/>
+          </p:nvPr>
+        </p:nvSpPr>
+        <p:spPr/>
+        <p:txBody>
+          <a:bodyPr/>
+          <a:lstStyle/>
+          <a:p>
+            <a:fld id="{E862C174-85D7-4478-B3BB-01728BCCC1F6}" type="slidenum">
+              <a:rPr lang="en-US" smtClean="0"/>
+              <a:t>68</a:t>
+            </a:fld>
+            <a:endParaRPr lang="en-US"/>
+          </a:p>
+        </p:txBody>
+      </p:sp>
+    </p:spTree>
+    <p:extLst>
+      <p:ext uri="{BB962C8B-B14F-4D97-AF65-F5344CB8AC3E}">
+        <p14:creationId xmlns:p14="http://schemas.microsoft.com/office/powerpoint/2010/main" val="1766349912"/>
+      </p:ext>
+    </p:extLst>
+  </p:cSld>
+  <p:clrMapOvr>
+    <a:masterClrMapping/>
+  </p:clrMapOvr>
+</p:sld>
+</file>
+
+<file path=ppt/slides/slide69.xml><?xml version="1.0" encoding="utf-8"?>
+<p:sld xmlns:a="http://schemas.openxmlformats.org/drawingml/2006/main" xmlns:r="http://schemas.openxmlformats.org/officeDocument/2006/relationships" xmlns:p="http://schemas.openxmlformats.org/presentationml/2006/main">
+  <p:cSld>
+    <p:spTree>
+      <p:nvGrpSpPr>
+        <p:cNvPr id="1" name=""/>
+        <p:cNvGrpSpPr/>
+        <p:nvPr/>
+      </p:nvGrpSpPr>
+      <p:grpSpPr>
+        <a:xfrm>
+          <a:off x="0" y="0"/>
+          <a:ext cx="0" cy="0"/>
+          <a:chOff x="0" y="0"/>
+          <a:chExt cx="0" cy="0"/>
+        </a:xfrm>
+      </p:grpSpPr>
+      <p:sp>
+        <p:nvSpPr>
+          <p:cNvPr id="2" name="Title 1">
+            <a:extLst>
+              <a:ext uri="{FF2B5EF4-FFF2-40B4-BE49-F238E27FC236}">
+                <a16:creationId xmlns:a16="http://schemas.microsoft.com/office/drawing/2014/main" id="{CA0007B9-E2C6-DB3B-FD80-2769CB021252}"/>
+              </a:ext>
+            </a:extLst>
+          </p:cNvPr>
+          <p:cNvSpPr>
+            <a:spLocks noGrp="1"/>
+          </p:cNvSpPr>
+          <p:nvPr>
+            <p:ph type="title"/>
+          </p:nvPr>
+        </p:nvSpPr>
+        <p:spPr/>
+        <p:txBody>
+          <a:bodyPr/>
+          <a:lstStyle/>
+          <a:p>
+            <a:r>
+              <a:rPr lang="en-US" dirty="0"/>
+              <a:t>RBF Kernel</a:t>
+            </a:r>
+          </a:p>
+        </p:txBody>
+      </p:sp>
+      <p:pic>
+        <p:nvPicPr>
+          <p:cNvPr id="7" name="Content Placeholder 6" descr="A diagram of a line of different colored circles&#10;&#10;Description automatically generated with medium confidence">
+            <a:extLst>
+              <a:ext uri="{FF2B5EF4-FFF2-40B4-BE49-F238E27FC236}">
+                <a16:creationId xmlns:a16="http://schemas.microsoft.com/office/drawing/2014/main" id="{DAFB706F-BF40-595E-0682-E110B3337783}"/>
+              </a:ext>
+            </a:extLst>
+          </p:cNvPr>
+          <p:cNvPicPr>
+            <a:picLocks noGrp="1" noChangeAspect="1"/>
+          </p:cNvPicPr>
+          <p:nvPr>
+            <p:ph idx="1"/>
+          </p:nvPr>
+        </p:nvPicPr>
+        <p:blipFill>
+          <a:blip r:embed="rId2">
+            <a:extLst>
+              <a:ext uri="{28A0092B-C50C-407E-A947-70E740481C1C}">
+                <a14:useLocalDpi xmlns:a14="http://schemas.microsoft.com/office/drawing/2010/main" val="0"/>
+              </a:ext>
+            </a:extLst>
+          </a:blip>
+          <a:stretch>
+            <a:fillRect/>
+          </a:stretch>
+        </p:blipFill>
+        <p:spPr>
+          <a:xfrm>
+            <a:off x="4081462" y="2567781"/>
+            <a:ext cx="4029075" cy="2867025"/>
+          </a:xfrm>
+        </p:spPr>
+      </p:pic>
+      <p:sp>
+        <p:nvSpPr>
+          <p:cNvPr id="5" name="TextBox 4">
+            <a:extLst>
+              <a:ext uri="{FF2B5EF4-FFF2-40B4-BE49-F238E27FC236}">
+                <a16:creationId xmlns:a16="http://schemas.microsoft.com/office/drawing/2014/main" id="{9FA13FAA-AD01-3736-053C-1ECA4DCAA4BC}"/>
+              </a:ext>
+            </a:extLst>
+          </p:cNvPr>
+          <p:cNvSpPr txBox="1"/>
+          <p:nvPr/>
+        </p:nvSpPr>
+        <p:spPr>
+          <a:xfrm>
+            <a:off x="5791200" y="6363335"/>
+            <a:ext cx="6309360" cy="276999"/>
+          </a:xfrm>
+          <a:prstGeom prst="rect">
+            <a:avLst/>
+          </a:prstGeom>
+          <a:noFill/>
+        </p:spPr>
+        <p:txBody>
+          <a:bodyPr wrap="square" rtlCol="0">
+            <a:spAutoFit/>
+          </a:bodyPr>
+          <a:lstStyle/>
+          <a:p>
+            <a:r>
+              <a:rPr lang="en-US" sz="1200" dirty="0"/>
+              <a:t>https://www.kaggle.com/code/residentmario/kernels-and-support-vector-machine-regularization</a:t>
+            </a:r>
+          </a:p>
+        </p:txBody>
+      </p:sp>
+      <p:sp>
+        <p:nvSpPr>
+          <p:cNvPr id="8" name="TextBox 7">
+            <a:extLst>
+              <a:ext uri="{FF2B5EF4-FFF2-40B4-BE49-F238E27FC236}">
+                <a16:creationId xmlns:a16="http://schemas.microsoft.com/office/drawing/2014/main" id="{BFA8640E-D20D-FD24-7D0A-7B6A7E1D1225}"/>
+              </a:ext>
+            </a:extLst>
+          </p:cNvPr>
+          <p:cNvSpPr txBox="1"/>
+          <p:nvPr/>
+        </p:nvSpPr>
+        <p:spPr>
+          <a:xfrm>
+            <a:off x="721360" y="1564640"/>
+            <a:ext cx="4622800" cy="646331"/>
+          </a:xfrm>
+          <a:prstGeom prst="rect">
+            <a:avLst/>
+          </a:prstGeom>
+          <a:noFill/>
+        </p:spPr>
+        <p:txBody>
+          <a:bodyPr wrap="square" rtlCol="0">
+            <a:spAutoFit/>
+          </a:bodyPr>
+          <a:lstStyle/>
+          <a:p>
+            <a:r>
+              <a:rPr lang="en-US" dirty="0"/>
+              <a:t>- Radial Basis Function (Gaussian)</a:t>
+            </a:r>
+          </a:p>
+          <a:p>
+            <a:r>
+              <a:rPr lang="en-US" dirty="0"/>
+              <a:t>- default in </a:t>
+            </a:r>
+            <a:r>
+              <a:rPr lang="en-US" i="1" dirty="0" err="1"/>
+              <a:t>sklearn</a:t>
+            </a:r>
+            <a:endParaRPr lang="en-US" i="1" dirty="0"/>
+          </a:p>
+        </p:txBody>
+      </p:sp>
+      <p:sp>
+        <p:nvSpPr>
+          <p:cNvPr id="3" name="Slide Number Placeholder 2">
+            <a:extLst>
+              <a:ext uri="{FF2B5EF4-FFF2-40B4-BE49-F238E27FC236}">
+                <a16:creationId xmlns:a16="http://schemas.microsoft.com/office/drawing/2014/main" id="{5D2593B7-B147-695A-8261-244FD4E1783D}"/>
+              </a:ext>
+            </a:extLst>
+          </p:cNvPr>
+          <p:cNvSpPr>
+            <a:spLocks noGrp="1"/>
+          </p:cNvSpPr>
+          <p:nvPr>
+            <p:ph type="sldNum" sz="quarter" idx="12"/>
+          </p:nvPr>
+        </p:nvSpPr>
+        <p:spPr/>
+        <p:txBody>
+          <a:bodyPr/>
+          <a:lstStyle/>
+          <a:p>
+            <a:fld id="{E862C174-85D7-4478-B3BB-01728BCCC1F6}" type="slidenum">
+              <a:rPr lang="en-US" smtClean="0"/>
+              <a:t>69</a:t>
+            </a:fld>
+            <a:endParaRPr lang="en-US"/>
+          </a:p>
+        </p:txBody>
+      </p:sp>
+    </p:spTree>
+    <p:extLst>
+      <p:ext uri="{BB962C8B-B14F-4D97-AF65-F5344CB8AC3E}">
+        <p14:creationId xmlns:p14="http://schemas.microsoft.com/office/powerpoint/2010/main" val="175105071"/>
+      </p:ext>
+    </p:extLst>
+  </p:cSld>
+  <p:clrMapOvr>
+    <a:masterClrMapping/>
+  </p:clrMapOvr>
+</p:sld>
+</file>
+
+<file path=ppt/slides/slide7.xml><?xml version="1.0" encoding="utf-8"?>
+<p:sld xmlns:a="http://schemas.openxmlformats.org/drawingml/2006/main" xmlns:r="http://schemas.openxmlformats.org/officeDocument/2006/relationships" xmlns:p="http://schemas.openxmlformats.org/presentationml/2006/main">
+  <p:cSld>
+    <p:spTree>
+      <p:nvGrpSpPr>
+        <p:cNvPr id="1" name=""/>
+        <p:cNvGrpSpPr/>
+        <p:nvPr/>
+      </p:nvGrpSpPr>
+      <p:grpSpPr>
+        <a:xfrm>
+          <a:off x="0" y="0"/>
+          <a:ext cx="0" cy="0"/>
+          <a:chOff x="0" y="0"/>
+          <a:chExt cx="0" cy="0"/>
+        </a:xfrm>
+      </p:grpSpPr>
+      <p:sp>
+        <p:nvSpPr>
+          <p:cNvPr id="2" name="Title 1">
+            <a:extLst>
+              <a:ext uri="{FF2B5EF4-FFF2-40B4-BE49-F238E27FC236}">
+                <a16:creationId xmlns:a16="http://schemas.microsoft.com/office/drawing/2014/main" id="{23F20A29-1B27-8FAA-E353-7F9A25E64CB3}"/>
+              </a:ext>
+            </a:extLst>
+          </p:cNvPr>
+          <p:cNvSpPr>
+            <a:spLocks noGrp="1"/>
+          </p:cNvSpPr>
+          <p:nvPr>
+            <p:ph type="title"/>
+          </p:nvPr>
+        </p:nvSpPr>
+        <p:spPr/>
+        <p:txBody>
+          <a:bodyPr/>
+          <a:lstStyle/>
+          <a:p>
+            <a:r>
+              <a:rPr lang="en-US" dirty="0">
+                <a:cs typeface="Calibri Light"/>
+              </a:rPr>
+              <a:t>Machine Learning 2 Outline</a:t>
+            </a:r>
+            <a:endParaRPr lang="en-US" dirty="0"/>
+          </a:p>
+        </p:txBody>
+      </p:sp>
+      <p:sp>
+        <p:nvSpPr>
+          <p:cNvPr id="3" name="Content Placeholder 2">
+            <a:extLst>
+              <a:ext uri="{FF2B5EF4-FFF2-40B4-BE49-F238E27FC236}">
+                <a16:creationId xmlns:a16="http://schemas.microsoft.com/office/drawing/2014/main" id="{9610ED39-8753-3608-7057-5879528F349B}"/>
+              </a:ext>
+            </a:extLst>
+          </p:cNvPr>
+          <p:cNvSpPr>
+            <a:spLocks noGrp="1"/>
+          </p:cNvSpPr>
+          <p:nvPr>
+            <p:ph idx="1"/>
+          </p:nvPr>
+        </p:nvSpPr>
+        <p:spPr/>
+        <p:txBody>
+          <a:bodyPr vert="horz" lIns="91440" tIns="45720" rIns="91440" bIns="45720" rtlCol="0" anchor="t">
+            <a:normAutofit/>
+          </a:bodyPr>
+          <a:lstStyle/>
+          <a:p>
+            <a:r>
+              <a:rPr lang="en-US" dirty="0"/>
+              <a:t>Tutorials</a:t>
+            </a:r>
+          </a:p>
+          <a:p>
+            <a:pPr lvl="1"/>
+            <a:r>
+              <a:rPr lang="en-US" dirty="0"/>
+              <a:t>Linear Regression (using scikit-learn library)</a:t>
+            </a:r>
+          </a:p>
+          <a:p>
+            <a:pPr lvl="1"/>
+            <a:r>
+              <a:rPr lang="en-US" dirty="0"/>
+              <a:t>SVM (using scikit-learn library)</a:t>
+            </a:r>
+            <a:endParaRPr lang="en-US" dirty="0">
+              <a:cs typeface="Calibri"/>
+            </a:endParaRPr>
+          </a:p>
+        </p:txBody>
+      </p:sp>
+      <p:sp>
+        <p:nvSpPr>
+          <p:cNvPr id="4" name="Slide Number Placeholder 3">
+            <a:extLst>
+              <a:ext uri="{FF2B5EF4-FFF2-40B4-BE49-F238E27FC236}">
+                <a16:creationId xmlns:a16="http://schemas.microsoft.com/office/drawing/2014/main" id="{F16F6576-5A6F-C88E-D763-AF330D119D28}"/>
+              </a:ext>
+            </a:extLst>
+          </p:cNvPr>
+          <p:cNvSpPr>
+            <a:spLocks noGrp="1"/>
+          </p:cNvSpPr>
+          <p:nvPr>
+            <p:ph type="sldNum" sz="quarter" idx="12"/>
+          </p:nvPr>
+        </p:nvSpPr>
+        <p:spPr/>
+        <p:txBody>
+          <a:bodyPr/>
+          <a:lstStyle/>
+          <a:p>
+            <a:fld id="{E862C174-85D7-4478-B3BB-01728BCCC1F6}" type="slidenum">
+              <a:rPr lang="en-US" smtClean="0"/>
+              <a:t>7</a:t>
+            </a:fld>
+            <a:endParaRPr lang="en-US"/>
+          </a:p>
+        </p:txBody>
+      </p:sp>
+    </p:spTree>
+    <p:extLst>
+      <p:ext uri="{BB962C8B-B14F-4D97-AF65-F5344CB8AC3E}">
+        <p14:creationId xmlns:p14="http://schemas.microsoft.com/office/powerpoint/2010/main" val="2067799708"/>
+      </p:ext>
+    </p:extLst>
+  </p:cSld>
+  <p:clrMapOvr>
+    <a:masterClrMapping/>
+  </p:clrMapOvr>
+</p:sld>
+</file>
+
+<file path=ppt/slides/slide70.xml><?xml version="1.0" encoding="utf-8"?>
+<p:sld xmlns:a="http://schemas.openxmlformats.org/drawingml/2006/main" xmlns:r="http://schemas.openxmlformats.org/officeDocument/2006/relationships" xmlns:p="http://schemas.openxmlformats.org/presentationml/2006/main">
+  <p:cSld>
+    <p:spTree>
+      <p:nvGrpSpPr>
+        <p:cNvPr id="1" name=""/>
+        <p:cNvGrpSpPr/>
+        <p:nvPr/>
+      </p:nvGrpSpPr>
+      <p:grpSpPr>
+        <a:xfrm>
+          <a:off x="0" y="0"/>
+          <a:ext cx="0" cy="0"/>
+          <a:chOff x="0" y="0"/>
+          <a:chExt cx="0" cy="0"/>
+        </a:xfrm>
+      </p:grpSpPr>
+      <p:sp>
+        <p:nvSpPr>
+          <p:cNvPr id="2" name="Title 1">
+            <a:extLst>
+              <a:ext uri="{FF2B5EF4-FFF2-40B4-BE49-F238E27FC236}">
                 <a16:creationId xmlns:a16="http://schemas.microsoft.com/office/drawing/2014/main" id="{01749A61-DE13-7340-428B-CBE43E9966C7}"/>
               </a:ext>
             </a:extLst>
@@ -27196,7 +29236,7 @@
           <a:p>
             <a:fld id="{E862C174-85D7-4478-B3BB-01728BCCC1F6}" type="slidenum">
               <a:rPr lang="en-US" smtClean="0"/>
-              <a:t>65</a:t>
+              <a:t>70</a:t>
             </a:fld>
             <a:endParaRPr lang="en-US"/>
           </a:p>
@@ -27250,7 +29290,7 @@
 </p:sld>
 </file>
 
-<file path=ppt/slides/slide66.xml><?xml version="1.0" encoding="utf-8"?>
+<file path=ppt/slides/slide71.xml><?xml version="1.0" encoding="utf-8"?>
 <p:sld xmlns:a="http://schemas.openxmlformats.org/drawingml/2006/main" xmlns:r="http://schemas.openxmlformats.org/officeDocument/2006/relationships" xmlns:p="http://schemas.openxmlformats.org/presentationml/2006/main">
   <p:cSld>
     <p:spTree>
@@ -27674,7 +29714,7 @@
           <a:p>
             <a:fld id="{E862C174-85D7-4478-B3BB-01728BCCC1F6}" type="slidenum">
               <a:rPr lang="en-US" smtClean="0"/>
-              <a:t>66</a:t>
+              <a:t>71</a:t>
             </a:fld>
             <a:endParaRPr lang="en-US"/>
           </a:p>
@@ -27693,7 +29733,7 @@
 </p:sld>
 </file>
 
-<file path=ppt/slides/slide67.xml><?xml version="1.0" encoding="utf-8"?>
+<file path=ppt/slides/slide72.xml><?xml version="1.0" encoding="utf-8"?>
 <p:sld xmlns:a="http://schemas.openxmlformats.org/drawingml/2006/main" xmlns:r="http://schemas.openxmlformats.org/officeDocument/2006/relationships" xmlns:p="http://schemas.openxmlformats.org/presentationml/2006/main">
   <p:cSld>
     <p:spTree>
@@ -27831,7 +29871,7 @@
           <a:p>
             <a:fld id="{E862C174-85D7-4478-B3BB-01728BCCC1F6}" type="slidenum">
               <a:rPr lang="en-US" smtClean="0"/>
-              <a:t>67</a:t>
+              <a:t>72</a:t>
             </a:fld>
             <a:endParaRPr lang="en-US"/>
           </a:p>
@@ -27850,7 +29890,7 @@
 </p:sld>
 </file>
 
-<file path=ppt/slides/slide68.xml><?xml version="1.0" encoding="utf-8"?>
+<file path=ppt/slides/slide73.xml><?xml version="1.0" encoding="utf-8"?>
 <p:sld xmlns:a="http://schemas.openxmlformats.org/drawingml/2006/main" xmlns:r="http://schemas.openxmlformats.org/officeDocument/2006/relationships" xmlns:p="http://schemas.openxmlformats.org/presentationml/2006/main">
   <p:cSld>
     <p:spTree>
@@ -28194,7 +30234,7 @@
           <a:p>
             <a:fld id="{E862C174-85D7-4478-B3BB-01728BCCC1F6}" type="slidenum">
               <a:rPr lang="en-US" smtClean="0"/>
-              <a:t>68</a:t>
+              <a:t>73</a:t>
             </a:fld>
             <a:endParaRPr lang="en-US"/>
           </a:p>
@@ -28213,7 +30253,7 @@
 </p:sld>
 </file>
 
-<file path=ppt/slides/slide69.xml><?xml version="1.0" encoding="utf-8"?>
+<file path=ppt/slides/slide74.xml><?xml version="1.0" encoding="utf-8"?>
 <p:sld xmlns:a="http://schemas.openxmlformats.org/drawingml/2006/main" xmlns:r="http://schemas.openxmlformats.org/officeDocument/2006/relationships" xmlns:p="http://schemas.openxmlformats.org/presentationml/2006/main">
   <p:cSld>
     <p:spTree>
@@ -28333,7 +30373,7 @@
           <a:p>
             <a:fld id="{E862C174-85D7-4478-B3BB-01728BCCC1F6}" type="slidenum">
               <a:rPr lang="en-US" smtClean="0"/>
-              <a:t>69</a:t>
+              <a:t>74</a:t>
             </a:fld>
             <a:endParaRPr lang="en-US"/>
           </a:p>
@@ -28596,7 +30636,7 @@
 </p:sld>
 </file>
 
-<file path=ppt/slides/slide7.xml><?xml version="1.0" encoding="utf-8"?>
+<file path=ppt/slides/slide75.xml><?xml version="1.0" encoding="utf-8"?>
 <p:sld xmlns:a="http://schemas.openxmlformats.org/drawingml/2006/main" xmlns:r="http://schemas.openxmlformats.org/officeDocument/2006/relationships" xmlns:p="http://schemas.openxmlformats.org/presentationml/2006/main">
   <p:cSld>
     <p:spTree>
@@ -28618,7 +30658,7 @@
           <p:cNvPr id="2" name="Title 1">
             <a:extLst>
               <a:ext uri="{FF2B5EF4-FFF2-40B4-BE49-F238E27FC236}">
-                <a16:creationId xmlns:a16="http://schemas.microsoft.com/office/drawing/2014/main" id="{23F20A29-1B27-8FAA-E353-7F9A25E64CB3}"/>
+                <a16:creationId xmlns:a16="http://schemas.microsoft.com/office/drawing/2014/main" id="{1F7708B5-D524-191A-DADF-F3B53D89A7B9}"/>
               </a:ext>
             </a:extLst>
           </p:cNvPr>
@@ -28635,12 +30675,9 @@
           <a:lstStyle/>
           <a:p>
             <a:r>
-              <a:rPr lang="en-US" dirty="0">
-                <a:cs typeface="Calibri Light"/>
-              </a:rPr>
-              <a:t>Machine Learning 2 Outline</a:t>
-            </a:r>
-            <a:endParaRPr lang="en-US" dirty="0"/>
+              <a:rPr lang="en-US" dirty="0"/>
+              <a:t>Decision Trees</a:t>
+            </a:r>
           </a:p>
         </p:txBody>
       </p:sp>
@@ -28649,7 +30686,7 @@
           <p:cNvPr id="3" name="Content Placeholder 2">
             <a:extLst>
               <a:ext uri="{FF2B5EF4-FFF2-40B4-BE49-F238E27FC236}">
-                <a16:creationId xmlns:a16="http://schemas.microsoft.com/office/drawing/2014/main" id="{9610ED39-8753-3608-7057-5879528F349B}"/>
+                <a16:creationId xmlns:a16="http://schemas.microsoft.com/office/drawing/2014/main" id="{EE1EF052-158A-7083-9024-D37CFE396895}"/>
               </a:ext>
             </a:extLst>
           </p:cNvPr>
@@ -28662,32 +30699,10 @@
         </p:nvSpPr>
         <p:spPr/>
         <p:txBody>
-          <a:bodyPr vert="horz" lIns="91440" tIns="45720" rIns="91440" bIns="45720" rtlCol="0" anchor="t">
-            <a:normAutofit/>
-          </a:bodyPr>
-          <a:lstStyle/>
-          <a:p>
-            <a:r>
-              <a:rPr lang="en-US" dirty="0"/>
-              <a:t>Tutorials</a:t>
-            </a:r>
-          </a:p>
-          <a:p>
-            <a:pPr lvl="1"/>
-            <a:r>
-              <a:rPr lang="en-US" dirty="0"/>
-              <a:t>Linear Regression (using scikit-learn library)</a:t>
-            </a:r>
-          </a:p>
-          <a:p>
-            <a:pPr lvl="1"/>
-            <a:r>
-              <a:rPr lang="en-US" dirty="0"/>
-              <a:t>SVM (using scikit-learn library)</a:t>
-            </a:r>
-            <a:endParaRPr lang="en-US" dirty="0">
-              <a:cs typeface="Calibri"/>
-            </a:endParaRPr>
+          <a:bodyPr/>
+          <a:lstStyle/>
+          <a:p>
+            <a:endParaRPr lang="en-US" dirty="0"/>
           </a:p>
         </p:txBody>
       </p:sp>
@@ -28696,7 +30711,7 @@
           <p:cNvPr id="4" name="Slide Number Placeholder 3">
             <a:extLst>
               <a:ext uri="{FF2B5EF4-FFF2-40B4-BE49-F238E27FC236}">
-                <a16:creationId xmlns:a16="http://schemas.microsoft.com/office/drawing/2014/main" id="{F16F6576-5A6F-C88E-D763-AF330D119D28}"/>
+                <a16:creationId xmlns:a16="http://schemas.microsoft.com/office/drawing/2014/main" id="{11C44C4F-ABC4-C46F-56DF-9746D6A5DBE4}"/>
               </a:ext>
             </a:extLst>
           </p:cNvPr>
@@ -28714,119 +30729,7 @@
           <a:p>
             <a:fld id="{E862C174-85D7-4478-B3BB-01728BCCC1F6}" type="slidenum">
               <a:rPr lang="en-US" smtClean="0"/>
-              <a:t>7</a:t>
-            </a:fld>
-            <a:endParaRPr lang="en-US"/>
-          </a:p>
-        </p:txBody>
-      </p:sp>
-    </p:spTree>
-    <p:extLst>
-      <p:ext uri="{BB962C8B-B14F-4D97-AF65-F5344CB8AC3E}">
-        <p14:creationId xmlns:p14="http://schemas.microsoft.com/office/powerpoint/2010/main" val="2067799708"/>
-      </p:ext>
-    </p:extLst>
-  </p:cSld>
-  <p:clrMapOvr>
-    <a:masterClrMapping/>
-  </p:clrMapOvr>
-</p:sld>
-</file>
-
-<file path=ppt/slides/slide70.xml><?xml version="1.0" encoding="utf-8"?>
-<p:sld xmlns:a="http://schemas.openxmlformats.org/drawingml/2006/main" xmlns:r="http://schemas.openxmlformats.org/officeDocument/2006/relationships" xmlns:p="http://schemas.openxmlformats.org/presentationml/2006/main">
-  <p:cSld>
-    <p:spTree>
-      <p:nvGrpSpPr>
-        <p:cNvPr id="1" name=""/>
-        <p:cNvGrpSpPr/>
-        <p:nvPr/>
-      </p:nvGrpSpPr>
-      <p:grpSpPr>
-        <a:xfrm>
-          <a:off x="0" y="0"/>
-          <a:ext cx="0" cy="0"/>
-          <a:chOff x="0" y="0"/>
-          <a:chExt cx="0" cy="0"/>
-        </a:xfrm>
-      </p:grpSpPr>
-      <p:sp>
-        <p:nvSpPr>
-          <p:cNvPr id="2" name="Title 1">
-            <a:extLst>
-              <a:ext uri="{FF2B5EF4-FFF2-40B4-BE49-F238E27FC236}">
-                <a16:creationId xmlns:a16="http://schemas.microsoft.com/office/drawing/2014/main" id="{1F7708B5-D524-191A-DADF-F3B53D89A7B9}"/>
-              </a:ext>
-            </a:extLst>
-          </p:cNvPr>
-          <p:cNvSpPr>
-            <a:spLocks noGrp="1"/>
-          </p:cNvSpPr>
-          <p:nvPr>
-            <p:ph type="title"/>
-          </p:nvPr>
-        </p:nvSpPr>
-        <p:spPr/>
-        <p:txBody>
-          <a:bodyPr/>
-          <a:lstStyle/>
-          <a:p>
-            <a:r>
-              <a:rPr lang="en-US" dirty="0"/>
-              <a:t>Decision Trees</a:t>
-            </a:r>
-          </a:p>
-        </p:txBody>
-      </p:sp>
-      <p:sp>
-        <p:nvSpPr>
-          <p:cNvPr id="3" name="Content Placeholder 2">
-            <a:extLst>
-              <a:ext uri="{FF2B5EF4-FFF2-40B4-BE49-F238E27FC236}">
-                <a16:creationId xmlns:a16="http://schemas.microsoft.com/office/drawing/2014/main" id="{EE1EF052-158A-7083-9024-D37CFE396895}"/>
-              </a:ext>
-            </a:extLst>
-          </p:cNvPr>
-          <p:cNvSpPr>
-            <a:spLocks noGrp="1"/>
-          </p:cNvSpPr>
-          <p:nvPr>
-            <p:ph idx="1"/>
-          </p:nvPr>
-        </p:nvSpPr>
-        <p:spPr/>
-        <p:txBody>
-          <a:bodyPr/>
-          <a:lstStyle/>
-          <a:p>
-            <a:endParaRPr lang="en-US" dirty="0"/>
-          </a:p>
-        </p:txBody>
-      </p:sp>
-      <p:sp>
-        <p:nvSpPr>
-          <p:cNvPr id="4" name="Slide Number Placeholder 3">
-            <a:extLst>
-              <a:ext uri="{FF2B5EF4-FFF2-40B4-BE49-F238E27FC236}">
-                <a16:creationId xmlns:a16="http://schemas.microsoft.com/office/drawing/2014/main" id="{11C44C4F-ABC4-C46F-56DF-9746D6A5DBE4}"/>
-              </a:ext>
-            </a:extLst>
-          </p:cNvPr>
-          <p:cNvSpPr>
-            <a:spLocks noGrp="1"/>
-          </p:cNvSpPr>
-          <p:nvPr>
-            <p:ph type="sldNum" sz="quarter" idx="12"/>
-          </p:nvPr>
-        </p:nvSpPr>
-        <p:spPr/>
-        <p:txBody>
-          <a:bodyPr/>
-          <a:lstStyle/>
-          <a:p>
-            <a:fld id="{E862C174-85D7-4478-B3BB-01728BCCC1F6}" type="slidenum">
-              <a:rPr lang="en-US" smtClean="0"/>
-              <a:t>70</a:t>
+              <a:t>75</a:t>
             </a:fld>
             <a:endParaRPr lang="en-US"/>
           </a:p>
@@ -29504,720 +31407,6 @@
 </p:sld>
 </file>
 
-<file path=ppt/slides/slide71.xml><?xml version="1.0" encoding="utf-8"?>
-<p:sld xmlns:a="http://schemas.openxmlformats.org/drawingml/2006/main" xmlns:r="http://schemas.openxmlformats.org/officeDocument/2006/relationships" xmlns:p="http://schemas.openxmlformats.org/presentationml/2006/main">
-  <p:cSld>
-    <p:spTree>
-      <p:nvGrpSpPr>
-        <p:cNvPr id="1" name=""/>
-        <p:cNvGrpSpPr/>
-        <p:nvPr/>
-      </p:nvGrpSpPr>
-      <p:grpSpPr>
-        <a:xfrm>
-          <a:off x="0" y="0"/>
-          <a:ext cx="0" cy="0"/>
-          <a:chOff x="0" y="0"/>
-          <a:chExt cx="0" cy="0"/>
-        </a:xfrm>
-      </p:grpSpPr>
-      <p:sp>
-        <p:nvSpPr>
-          <p:cNvPr id="2" name="Title 1">
-            <a:extLst>
-              <a:ext uri="{FF2B5EF4-FFF2-40B4-BE49-F238E27FC236}">
-                <a16:creationId xmlns:a16="http://schemas.microsoft.com/office/drawing/2014/main" id="{DB297836-542E-1209-A004-88C229B0EE5E}"/>
-              </a:ext>
-            </a:extLst>
-          </p:cNvPr>
-          <p:cNvSpPr>
-            <a:spLocks noGrp="1"/>
-          </p:cNvSpPr>
-          <p:nvPr>
-            <p:ph type="title"/>
-          </p:nvPr>
-        </p:nvSpPr>
-        <p:spPr/>
-        <p:txBody>
-          <a:bodyPr/>
-          <a:lstStyle/>
-          <a:p>
-            <a:r>
-              <a:rPr lang="en-US" dirty="0"/>
-              <a:t>Neural Networks and Deep Learning</a:t>
-            </a:r>
-          </a:p>
-        </p:txBody>
-      </p:sp>
-      <p:sp>
-        <p:nvSpPr>
-          <p:cNvPr id="3" name="Content Placeholder 2">
-            <a:extLst>
-              <a:ext uri="{FF2B5EF4-FFF2-40B4-BE49-F238E27FC236}">
-                <a16:creationId xmlns:a16="http://schemas.microsoft.com/office/drawing/2014/main" id="{54090262-2A97-5BEE-932D-1D40AD71FB60}"/>
-              </a:ext>
-            </a:extLst>
-          </p:cNvPr>
-          <p:cNvSpPr>
-            <a:spLocks noGrp="1"/>
-          </p:cNvSpPr>
-          <p:nvPr>
-            <p:ph idx="1"/>
-          </p:nvPr>
-        </p:nvSpPr>
-        <p:spPr/>
-        <p:txBody>
-          <a:bodyPr/>
-          <a:lstStyle/>
-          <a:p>
-            <a:r>
-              <a:rPr lang="en-US" dirty="0"/>
-              <a:t>Neural Networks</a:t>
-            </a:r>
-          </a:p>
-          <a:p>
-            <a:pPr lvl="1"/>
-            <a:r>
-              <a:rPr lang="en-US" dirty="0"/>
-              <a:t>Feed-forward Neural Networks</a:t>
-            </a:r>
-          </a:p>
-          <a:p>
-            <a:pPr lvl="1"/>
-            <a:r>
-              <a:rPr lang="en-US" dirty="0"/>
-              <a:t>Multilayer Perceptron (MLP)</a:t>
-            </a:r>
-          </a:p>
-        </p:txBody>
-      </p:sp>
-      <p:sp>
-        <p:nvSpPr>
-          <p:cNvPr id="4" name="Slide Number Placeholder 3">
-            <a:extLst>
-              <a:ext uri="{FF2B5EF4-FFF2-40B4-BE49-F238E27FC236}">
-                <a16:creationId xmlns:a16="http://schemas.microsoft.com/office/drawing/2014/main" id="{572B80E4-39FF-E5DD-D879-B51EC1ABCF31}"/>
-              </a:ext>
-            </a:extLst>
-          </p:cNvPr>
-          <p:cNvSpPr>
-            <a:spLocks noGrp="1"/>
-          </p:cNvSpPr>
-          <p:nvPr>
-            <p:ph type="sldNum" sz="quarter" idx="12"/>
-          </p:nvPr>
-        </p:nvSpPr>
-        <p:spPr/>
-        <p:txBody>
-          <a:bodyPr/>
-          <a:lstStyle/>
-          <a:p>
-            <a:fld id="{E862C174-85D7-4478-B3BB-01728BCCC1F6}" type="slidenum">
-              <a:rPr lang="en-US" smtClean="0"/>
-              <a:t>71</a:t>
-            </a:fld>
-            <a:endParaRPr lang="en-US"/>
-          </a:p>
-        </p:txBody>
-      </p:sp>
-    </p:spTree>
-    <p:extLst>
-      <p:ext uri="{BB962C8B-B14F-4D97-AF65-F5344CB8AC3E}">
-        <p14:creationId xmlns:p14="http://schemas.microsoft.com/office/powerpoint/2010/main" val="1878353004"/>
-      </p:ext>
-    </p:extLst>
-  </p:cSld>
-  <p:clrMapOvr>
-    <a:masterClrMapping/>
-  </p:clrMapOvr>
-</p:sld>
-</file>
-
-<file path=ppt/slides/slide72.xml><?xml version="1.0" encoding="utf-8"?>
-<p:sld xmlns:a="http://schemas.openxmlformats.org/drawingml/2006/main" xmlns:r="http://schemas.openxmlformats.org/officeDocument/2006/relationships" xmlns:p="http://schemas.openxmlformats.org/presentationml/2006/main">
-  <p:cSld>
-    <p:spTree>
-      <p:nvGrpSpPr>
-        <p:cNvPr id="1" name=""/>
-        <p:cNvGrpSpPr/>
-        <p:nvPr/>
-      </p:nvGrpSpPr>
-      <p:grpSpPr>
-        <a:xfrm>
-          <a:off x="0" y="0"/>
-          <a:ext cx="0" cy="0"/>
-          <a:chOff x="0" y="0"/>
-          <a:chExt cx="0" cy="0"/>
-        </a:xfrm>
-      </p:grpSpPr>
-      <p:sp>
-        <p:nvSpPr>
-          <p:cNvPr id="2" name="Title 1">
-            <a:extLst>
-              <a:ext uri="{FF2B5EF4-FFF2-40B4-BE49-F238E27FC236}">
-                <a16:creationId xmlns:a16="http://schemas.microsoft.com/office/drawing/2014/main" id="{FFEC451E-6560-508B-6CC2-934EDEEE38AF}"/>
-              </a:ext>
-            </a:extLst>
-          </p:cNvPr>
-          <p:cNvSpPr>
-            <a:spLocks noGrp="1"/>
-          </p:cNvSpPr>
-          <p:nvPr>
-            <p:ph type="title"/>
-          </p:nvPr>
-        </p:nvSpPr>
-        <p:spPr/>
-        <p:txBody>
-          <a:bodyPr/>
-          <a:lstStyle/>
-          <a:p>
-            <a:r>
-              <a:rPr lang="en-US" dirty="0"/>
-              <a:t>Neural Networks</a:t>
-            </a:r>
-          </a:p>
-        </p:txBody>
-      </p:sp>
-      <p:pic>
-        <p:nvPicPr>
-          <p:cNvPr id="5" name="Content Placeholder 4" descr="A diagram of a network&#10;&#10;Description automatically generated">
-            <a:extLst>
-              <a:ext uri="{FF2B5EF4-FFF2-40B4-BE49-F238E27FC236}">
-                <a16:creationId xmlns:a16="http://schemas.microsoft.com/office/drawing/2014/main" id="{0C5B6CD6-1291-64CD-0CB5-32CAE923B069}"/>
-              </a:ext>
-            </a:extLst>
-          </p:cNvPr>
-          <p:cNvPicPr>
-            <a:picLocks noGrp="1" noChangeAspect="1"/>
-          </p:cNvPicPr>
-          <p:nvPr>
-            <p:ph idx="1"/>
-          </p:nvPr>
-        </p:nvPicPr>
-        <p:blipFill>
-          <a:blip r:embed="rId2">
-            <a:extLst>
-              <a:ext uri="{28A0092B-C50C-407E-A947-70E740481C1C}">
-                <a14:useLocalDpi xmlns:a14="http://schemas.microsoft.com/office/drawing/2010/main" val="0"/>
-              </a:ext>
-            </a:extLst>
-          </a:blip>
-          <a:stretch>
-            <a:fillRect/>
-          </a:stretch>
-        </p:blipFill>
-        <p:spPr>
-          <a:xfrm>
-            <a:off x="2948105" y="1825625"/>
-            <a:ext cx="6295789" cy="4351338"/>
-          </a:xfrm>
-        </p:spPr>
-      </p:pic>
-      <p:sp>
-        <p:nvSpPr>
-          <p:cNvPr id="6" name="TextBox 5">
-            <a:extLst>
-              <a:ext uri="{FF2B5EF4-FFF2-40B4-BE49-F238E27FC236}">
-                <a16:creationId xmlns:a16="http://schemas.microsoft.com/office/drawing/2014/main" id="{58ADDB43-0527-8D13-CCBF-4167F91DC83C}"/>
-              </a:ext>
-            </a:extLst>
-          </p:cNvPr>
-          <p:cNvSpPr txBox="1"/>
-          <p:nvPr/>
-        </p:nvSpPr>
-        <p:spPr>
-          <a:xfrm>
-            <a:off x="462116" y="6311900"/>
-            <a:ext cx="11523407" cy="276999"/>
-          </a:xfrm>
-          <a:prstGeom prst="rect">
-            <a:avLst/>
-          </a:prstGeom>
-          <a:noFill/>
-        </p:spPr>
-        <p:txBody>
-          <a:bodyPr wrap="square" rtlCol="0">
-            <a:spAutoFit/>
-          </a:bodyPr>
-          <a:lstStyle/>
-          <a:p>
-            <a:r>
-              <a:rPr lang="en-US" sz="1200" dirty="0"/>
-              <a:t>Figure from: </a:t>
-            </a:r>
-            <a:r>
-              <a:rPr lang="en-US" sz="1200" dirty="0">
-                <a:hlinkClick r:id="rId3"/>
-              </a:rPr>
-              <a:t>https://www.sciencelearn.org.nz/images/5156-neural-network-diagram</a:t>
-            </a:r>
-            <a:r>
-              <a:rPr lang="en-US" sz="1200" dirty="0"/>
-              <a:t> </a:t>
-            </a:r>
-          </a:p>
-        </p:txBody>
-      </p:sp>
-      <p:sp>
-        <p:nvSpPr>
-          <p:cNvPr id="3" name="Slide Number Placeholder 2">
-            <a:extLst>
-              <a:ext uri="{FF2B5EF4-FFF2-40B4-BE49-F238E27FC236}">
-                <a16:creationId xmlns:a16="http://schemas.microsoft.com/office/drawing/2014/main" id="{57403E8D-05DB-4B42-0ACD-8D98D01A74D0}"/>
-              </a:ext>
-            </a:extLst>
-          </p:cNvPr>
-          <p:cNvSpPr>
-            <a:spLocks noGrp="1"/>
-          </p:cNvSpPr>
-          <p:nvPr>
-            <p:ph type="sldNum" sz="quarter" idx="12"/>
-          </p:nvPr>
-        </p:nvSpPr>
-        <p:spPr/>
-        <p:txBody>
-          <a:bodyPr/>
-          <a:lstStyle/>
-          <a:p>
-            <a:fld id="{E862C174-85D7-4478-B3BB-01728BCCC1F6}" type="slidenum">
-              <a:rPr lang="en-US" smtClean="0"/>
-              <a:t>72</a:t>
-            </a:fld>
-            <a:endParaRPr lang="en-US"/>
-          </a:p>
-        </p:txBody>
-      </p:sp>
-    </p:spTree>
-    <p:extLst>
-      <p:ext uri="{BB962C8B-B14F-4D97-AF65-F5344CB8AC3E}">
-        <p14:creationId xmlns:p14="http://schemas.microsoft.com/office/powerpoint/2010/main" val="3373626673"/>
-      </p:ext>
-    </p:extLst>
-  </p:cSld>
-  <p:clrMapOvr>
-    <a:masterClrMapping/>
-  </p:clrMapOvr>
-</p:sld>
-</file>
-
-<file path=ppt/slides/slide73.xml><?xml version="1.0" encoding="utf-8"?>
-<p:sld xmlns:a="http://schemas.openxmlformats.org/drawingml/2006/main" xmlns:r="http://schemas.openxmlformats.org/officeDocument/2006/relationships" xmlns:p="http://schemas.openxmlformats.org/presentationml/2006/main">
-  <p:cSld>
-    <p:spTree>
-      <p:nvGrpSpPr>
-        <p:cNvPr id="1" name=""/>
-        <p:cNvGrpSpPr/>
-        <p:nvPr/>
-      </p:nvGrpSpPr>
-      <p:grpSpPr>
-        <a:xfrm>
-          <a:off x="0" y="0"/>
-          <a:ext cx="0" cy="0"/>
-          <a:chOff x="0" y="0"/>
-          <a:chExt cx="0" cy="0"/>
-        </a:xfrm>
-      </p:grpSpPr>
-      <p:sp>
-        <p:nvSpPr>
-          <p:cNvPr id="2" name="Title 1">
-            <a:extLst>
-              <a:ext uri="{FF2B5EF4-FFF2-40B4-BE49-F238E27FC236}">
-                <a16:creationId xmlns:a16="http://schemas.microsoft.com/office/drawing/2014/main" id="{064FC15C-5399-4679-271C-70EDD341D87D}"/>
-              </a:ext>
-            </a:extLst>
-          </p:cNvPr>
-          <p:cNvSpPr>
-            <a:spLocks noGrp="1"/>
-          </p:cNvSpPr>
-          <p:nvPr>
-            <p:ph type="title"/>
-          </p:nvPr>
-        </p:nvSpPr>
-        <p:spPr/>
-        <p:txBody>
-          <a:bodyPr/>
-          <a:lstStyle/>
-          <a:p>
-            <a:r>
-              <a:rPr lang="en-US" dirty="0"/>
-              <a:t>Multilayer Perceptron</a:t>
-            </a:r>
-          </a:p>
-        </p:txBody>
-      </p:sp>
-      <p:pic>
-        <p:nvPicPr>
-          <p:cNvPr id="5" name="Content Placeholder 4" descr="A diagram of a algorithm&#10;&#10;Description automatically generated">
-            <a:extLst>
-              <a:ext uri="{FF2B5EF4-FFF2-40B4-BE49-F238E27FC236}">
-                <a16:creationId xmlns:a16="http://schemas.microsoft.com/office/drawing/2014/main" id="{C83E1B70-E023-6795-88A2-2E53FA8EDC0B}"/>
-              </a:ext>
-            </a:extLst>
-          </p:cNvPr>
-          <p:cNvPicPr>
-            <a:picLocks noGrp="1" noChangeAspect="1"/>
-          </p:cNvPicPr>
-          <p:nvPr>
-            <p:ph idx="1"/>
-          </p:nvPr>
-        </p:nvPicPr>
-        <p:blipFill>
-          <a:blip r:embed="rId2">
-            <a:extLst>
-              <a:ext uri="{28A0092B-C50C-407E-A947-70E740481C1C}">
-                <a14:useLocalDpi xmlns:a14="http://schemas.microsoft.com/office/drawing/2010/main" val="0"/>
-              </a:ext>
-            </a:extLst>
-          </a:blip>
-          <a:stretch>
-            <a:fillRect/>
-          </a:stretch>
-        </p:blipFill>
-        <p:spPr>
-          <a:xfrm>
-            <a:off x="2014537" y="2005806"/>
-            <a:ext cx="8162925" cy="3990975"/>
-          </a:xfrm>
-        </p:spPr>
-      </p:pic>
-      <p:sp>
-        <p:nvSpPr>
-          <p:cNvPr id="6" name="TextBox 5">
-            <a:extLst>
-              <a:ext uri="{FF2B5EF4-FFF2-40B4-BE49-F238E27FC236}">
-                <a16:creationId xmlns:a16="http://schemas.microsoft.com/office/drawing/2014/main" id="{9F2B7731-DAF5-C545-E323-7AA1F3A29605}"/>
-              </a:ext>
-            </a:extLst>
-          </p:cNvPr>
-          <p:cNvSpPr txBox="1"/>
-          <p:nvPr/>
-        </p:nvSpPr>
-        <p:spPr>
-          <a:xfrm>
-            <a:off x="8681884" y="6204155"/>
-            <a:ext cx="3077497" cy="276999"/>
-          </a:xfrm>
-          <a:prstGeom prst="rect">
-            <a:avLst/>
-          </a:prstGeom>
-          <a:noFill/>
-        </p:spPr>
-        <p:txBody>
-          <a:bodyPr wrap="square" rtlCol="0">
-            <a:spAutoFit/>
-          </a:bodyPr>
-          <a:lstStyle/>
-          <a:p>
-            <a:r>
-              <a:rPr lang="en-US" sz="1200" dirty="0"/>
-              <a:t>The Hundred-Page Machine Learning Book</a:t>
-            </a:r>
-          </a:p>
-        </p:txBody>
-      </p:sp>
-      <p:sp>
-        <p:nvSpPr>
-          <p:cNvPr id="3" name="Slide Number Placeholder 2">
-            <a:extLst>
-              <a:ext uri="{FF2B5EF4-FFF2-40B4-BE49-F238E27FC236}">
-                <a16:creationId xmlns:a16="http://schemas.microsoft.com/office/drawing/2014/main" id="{2E653DB1-2014-36BD-BAFD-BE944380BEAF}"/>
-              </a:ext>
-            </a:extLst>
-          </p:cNvPr>
-          <p:cNvSpPr>
-            <a:spLocks noGrp="1"/>
-          </p:cNvSpPr>
-          <p:nvPr>
-            <p:ph type="sldNum" sz="quarter" idx="12"/>
-          </p:nvPr>
-        </p:nvSpPr>
-        <p:spPr/>
-        <p:txBody>
-          <a:bodyPr/>
-          <a:lstStyle/>
-          <a:p>
-            <a:fld id="{E862C174-85D7-4478-B3BB-01728BCCC1F6}" type="slidenum">
-              <a:rPr lang="en-US" smtClean="0"/>
-              <a:t>73</a:t>
-            </a:fld>
-            <a:endParaRPr lang="en-US"/>
-          </a:p>
-        </p:txBody>
-      </p:sp>
-    </p:spTree>
-    <p:extLst>
-      <p:ext uri="{BB962C8B-B14F-4D97-AF65-F5344CB8AC3E}">
-        <p14:creationId xmlns:p14="http://schemas.microsoft.com/office/powerpoint/2010/main" val="2072982581"/>
-      </p:ext>
-    </p:extLst>
-  </p:cSld>
-  <p:clrMapOvr>
-    <a:masterClrMapping/>
-  </p:clrMapOvr>
-</p:sld>
-</file>
-
-<file path=ppt/slides/slide74.xml><?xml version="1.0" encoding="utf-8"?>
-<p:sld xmlns:a="http://schemas.openxmlformats.org/drawingml/2006/main" xmlns:r="http://schemas.openxmlformats.org/officeDocument/2006/relationships" xmlns:p="http://schemas.openxmlformats.org/presentationml/2006/main">
-  <p:cSld>
-    <p:spTree>
-      <p:nvGrpSpPr>
-        <p:cNvPr id="1" name=""/>
-        <p:cNvGrpSpPr/>
-        <p:nvPr/>
-      </p:nvGrpSpPr>
-      <p:grpSpPr>
-        <a:xfrm>
-          <a:off x="0" y="0"/>
-          <a:ext cx="0" cy="0"/>
-          <a:chOff x="0" y="0"/>
-          <a:chExt cx="0" cy="0"/>
-        </a:xfrm>
-      </p:grpSpPr>
-      <p:sp>
-        <p:nvSpPr>
-          <p:cNvPr id="2" name="Title 1">
-            <a:extLst>
-              <a:ext uri="{FF2B5EF4-FFF2-40B4-BE49-F238E27FC236}">
-                <a16:creationId xmlns:a16="http://schemas.microsoft.com/office/drawing/2014/main" id="{BBC3213E-63D4-D164-9FE9-98EE1B44C3B8}"/>
-              </a:ext>
-            </a:extLst>
-          </p:cNvPr>
-          <p:cNvSpPr>
-            <a:spLocks noGrp="1"/>
-          </p:cNvSpPr>
-          <p:nvPr>
-            <p:ph type="title"/>
-          </p:nvPr>
-        </p:nvSpPr>
-        <p:spPr/>
-        <p:txBody>
-          <a:bodyPr/>
-          <a:lstStyle/>
-          <a:p>
-            <a:r>
-              <a:rPr lang="en-US" dirty="0"/>
-              <a:t>Neural Networks and Back Propagation</a:t>
-            </a:r>
-          </a:p>
-        </p:txBody>
-      </p:sp>
-      <p:sp>
-        <p:nvSpPr>
-          <p:cNvPr id="3" name="Content Placeholder 2">
-            <a:extLst>
-              <a:ext uri="{FF2B5EF4-FFF2-40B4-BE49-F238E27FC236}">
-                <a16:creationId xmlns:a16="http://schemas.microsoft.com/office/drawing/2014/main" id="{0D702A7E-2BB7-6641-51A6-32B414EA5140}"/>
-              </a:ext>
-            </a:extLst>
-          </p:cNvPr>
-          <p:cNvSpPr>
-            <a:spLocks noGrp="1"/>
-          </p:cNvSpPr>
-          <p:nvPr>
-            <p:ph idx="1"/>
-          </p:nvPr>
-        </p:nvSpPr>
-        <p:spPr/>
-        <p:txBody>
-          <a:bodyPr/>
-          <a:lstStyle/>
-          <a:p>
-            <a:r>
-              <a:rPr lang="en-US" dirty="0"/>
-              <a:t>If you have time, watch this tutorial on neural nets and back propagation:</a:t>
-            </a:r>
-          </a:p>
-          <a:p>
-            <a:pPr lvl="1"/>
-            <a:r>
-              <a:rPr lang="en-US" dirty="0">
-                <a:hlinkClick r:id="rId2"/>
-              </a:rPr>
-              <a:t>https://www.youtube.com/watch?v=VMj-3S1tku0</a:t>
-            </a:r>
-            <a:endParaRPr lang="en-US" dirty="0"/>
-          </a:p>
-          <a:p>
-            <a:pPr lvl="1"/>
-            <a:endParaRPr lang="en-US" dirty="0"/>
-          </a:p>
-        </p:txBody>
-      </p:sp>
-      <p:sp>
-        <p:nvSpPr>
-          <p:cNvPr id="4" name="Slide Number Placeholder 3">
-            <a:extLst>
-              <a:ext uri="{FF2B5EF4-FFF2-40B4-BE49-F238E27FC236}">
-                <a16:creationId xmlns:a16="http://schemas.microsoft.com/office/drawing/2014/main" id="{5589F84B-1B10-4E02-2152-E6574306ECEA}"/>
-              </a:ext>
-            </a:extLst>
-          </p:cNvPr>
-          <p:cNvSpPr>
-            <a:spLocks noGrp="1"/>
-          </p:cNvSpPr>
-          <p:nvPr>
-            <p:ph type="sldNum" sz="quarter" idx="12"/>
-          </p:nvPr>
-        </p:nvSpPr>
-        <p:spPr/>
-        <p:txBody>
-          <a:bodyPr/>
-          <a:lstStyle/>
-          <a:p>
-            <a:fld id="{E862C174-85D7-4478-B3BB-01728BCCC1F6}" type="slidenum">
-              <a:rPr lang="en-US" smtClean="0"/>
-              <a:t>74</a:t>
-            </a:fld>
-            <a:endParaRPr lang="en-US"/>
-          </a:p>
-        </p:txBody>
-      </p:sp>
-    </p:spTree>
-    <p:extLst>
-      <p:ext uri="{BB962C8B-B14F-4D97-AF65-F5344CB8AC3E}">
-        <p14:creationId xmlns:p14="http://schemas.microsoft.com/office/powerpoint/2010/main" val="2200160723"/>
-      </p:ext>
-    </p:extLst>
-  </p:cSld>
-  <p:clrMapOvr>
-    <a:masterClrMapping/>
-  </p:clrMapOvr>
-</p:sld>
-</file>
-
-<file path=ppt/slides/slide75.xml><?xml version="1.0" encoding="utf-8"?>
-<p:sld xmlns:a="http://schemas.openxmlformats.org/drawingml/2006/main" xmlns:r="http://schemas.openxmlformats.org/officeDocument/2006/relationships" xmlns:p="http://schemas.openxmlformats.org/presentationml/2006/main">
-  <p:cSld>
-    <p:spTree>
-      <p:nvGrpSpPr>
-        <p:cNvPr id="1" name=""/>
-        <p:cNvGrpSpPr/>
-        <p:nvPr/>
-      </p:nvGrpSpPr>
-      <p:grpSpPr>
-        <a:xfrm>
-          <a:off x="0" y="0"/>
-          <a:ext cx="0" cy="0"/>
-          <a:chOff x="0" y="0"/>
-          <a:chExt cx="0" cy="0"/>
-        </a:xfrm>
-      </p:grpSpPr>
-      <p:sp>
-        <p:nvSpPr>
-          <p:cNvPr id="2" name="Title 1">
-            <a:extLst>
-              <a:ext uri="{FF2B5EF4-FFF2-40B4-BE49-F238E27FC236}">
-                <a16:creationId xmlns:a16="http://schemas.microsoft.com/office/drawing/2014/main" id="{31CB9B5A-0410-01C8-2908-F234B9366A1B}"/>
-              </a:ext>
-            </a:extLst>
-          </p:cNvPr>
-          <p:cNvSpPr>
-            <a:spLocks noGrp="1"/>
-          </p:cNvSpPr>
-          <p:nvPr>
-            <p:ph type="title"/>
-          </p:nvPr>
-        </p:nvSpPr>
-        <p:spPr/>
-        <p:txBody>
-          <a:bodyPr/>
-          <a:lstStyle/>
-          <a:p>
-            <a:r>
-              <a:rPr lang="en-US" dirty="0"/>
-              <a:t>Deep Learning</a:t>
-            </a:r>
-          </a:p>
-        </p:txBody>
-      </p:sp>
-      <p:sp>
-        <p:nvSpPr>
-          <p:cNvPr id="3" name="Content Placeholder 2">
-            <a:extLst>
-              <a:ext uri="{FF2B5EF4-FFF2-40B4-BE49-F238E27FC236}">
-                <a16:creationId xmlns:a16="http://schemas.microsoft.com/office/drawing/2014/main" id="{807646EC-1F77-033A-A9E1-D5453D6BF046}"/>
-              </a:ext>
-            </a:extLst>
-          </p:cNvPr>
-          <p:cNvSpPr>
-            <a:spLocks noGrp="1"/>
-          </p:cNvSpPr>
-          <p:nvPr>
-            <p:ph idx="1"/>
-          </p:nvPr>
-        </p:nvSpPr>
-        <p:spPr/>
-        <p:txBody>
-          <a:bodyPr/>
-          <a:lstStyle/>
-          <a:p>
-            <a:r>
-              <a:rPr lang="en-US" dirty="0"/>
-              <a:t>Deep Learning</a:t>
-            </a:r>
-          </a:p>
-          <a:p>
-            <a:pPr lvl="1"/>
-            <a:r>
-              <a:rPr lang="en-US" dirty="0"/>
-              <a:t>Convolution Neural Network (CNN)</a:t>
-            </a:r>
-          </a:p>
-          <a:p>
-            <a:pPr lvl="1"/>
-            <a:r>
-              <a:rPr lang="en-US" dirty="0"/>
-              <a:t>Long Short-Term Memory (LSTM)</a:t>
-            </a:r>
-          </a:p>
-          <a:p>
-            <a:endParaRPr lang="en-US" dirty="0"/>
-          </a:p>
-        </p:txBody>
-      </p:sp>
-      <p:sp>
-        <p:nvSpPr>
-          <p:cNvPr id="4" name="Slide Number Placeholder 3">
-            <a:extLst>
-              <a:ext uri="{FF2B5EF4-FFF2-40B4-BE49-F238E27FC236}">
-                <a16:creationId xmlns:a16="http://schemas.microsoft.com/office/drawing/2014/main" id="{5624493D-E983-E92F-EA28-59F4719C4EBB}"/>
-              </a:ext>
-            </a:extLst>
-          </p:cNvPr>
-          <p:cNvSpPr>
-            <a:spLocks noGrp="1"/>
-          </p:cNvSpPr>
-          <p:nvPr>
-            <p:ph type="sldNum" sz="quarter" idx="12"/>
-          </p:nvPr>
-        </p:nvSpPr>
-        <p:spPr/>
-        <p:txBody>
-          <a:bodyPr/>
-          <a:lstStyle/>
-          <a:p>
-            <a:fld id="{E862C174-85D7-4478-B3BB-01728BCCC1F6}" type="slidenum">
-              <a:rPr lang="en-US" smtClean="0"/>
-              <a:t>75</a:t>
-            </a:fld>
-            <a:endParaRPr lang="en-US"/>
-          </a:p>
-        </p:txBody>
-      </p:sp>
-    </p:spTree>
-    <p:extLst>
-      <p:ext uri="{BB962C8B-B14F-4D97-AF65-F5344CB8AC3E}">
-        <p14:creationId xmlns:p14="http://schemas.microsoft.com/office/powerpoint/2010/main" val="3529253293"/>
-      </p:ext>
-    </p:extLst>
-  </p:cSld>
-  <p:clrMapOvr>
-    <a:masterClrMapping/>
-  </p:clrMapOvr>
-</p:sld>
-</file>
-
 <file path=ppt/slides/slide76.xml><?xml version="1.0" encoding="utf-8"?>
 <p:sld xmlns:a="http://schemas.openxmlformats.org/drawingml/2006/main" xmlns:r="http://schemas.openxmlformats.org/officeDocument/2006/relationships" xmlns:p="http://schemas.openxmlformats.org/presentationml/2006/main">
   <p:cSld>
@@ -30240,7 +31429,7 @@
           <p:cNvPr id="2" name="Title 1">
             <a:extLst>
               <a:ext uri="{FF2B5EF4-FFF2-40B4-BE49-F238E27FC236}">
-                <a16:creationId xmlns:a16="http://schemas.microsoft.com/office/drawing/2014/main" id="{543DB9E0-D248-6B75-8C9D-041311FC340F}"/>
+                <a16:creationId xmlns:a16="http://schemas.microsoft.com/office/drawing/2014/main" id="{DB297836-542E-1209-A004-88C229B0EE5E}"/>
               </a:ext>
             </a:extLst>
           </p:cNvPr>
@@ -30258,7 +31447,7 @@
           <a:p>
             <a:r>
               <a:rPr lang="en-US" dirty="0"/>
-              <a:t>Linear Regression</a:t>
+              <a:t>Neural Networks and Deep Learning</a:t>
             </a:r>
           </a:p>
         </p:txBody>
@@ -30268,7 +31457,7 @@
           <p:cNvPr id="3" name="Content Placeholder 2">
             <a:extLst>
               <a:ext uri="{FF2B5EF4-FFF2-40B4-BE49-F238E27FC236}">
-                <a16:creationId xmlns:a16="http://schemas.microsoft.com/office/drawing/2014/main" id="{1DA7B60F-CB4A-6489-6C91-41DA27E701B9}"/>
+                <a16:creationId xmlns:a16="http://schemas.microsoft.com/office/drawing/2014/main" id="{54090262-2A97-5BEE-932D-1D40AD71FB60}"/>
               </a:ext>
             </a:extLst>
           </p:cNvPr>
@@ -30286,45 +31475,21 @@
           <a:p>
             <a:r>
               <a:rPr lang="en-US" dirty="0"/>
-              <a:t>Tutorial (</a:t>
-            </a:r>
-            <a:r>
-              <a:rPr lang="en-US" dirty="0" err="1"/>
-              <a:t>Jupyter</a:t>
-            </a:r>
+              <a:t>Neural Networks</a:t>
+            </a:r>
+          </a:p>
+          <a:p>
+            <a:pPr lvl="1"/>
             <a:r>
               <a:rPr lang="en-US" dirty="0"/>
-              <a:t> Notebook)</a:t>
+              <a:t>Feed-forward Neural Networks</a:t>
             </a:r>
           </a:p>
           <a:p>
             <a:pPr lvl="1"/>
             <a:r>
-              <a:rPr lang="en-US" dirty="0">
-                <a:hlinkClick r:id="rId2"/>
-              </a:rPr>
-              <a:t>https://colab.research.google.com/drive/1Xcgnkm2GxOBJtLxnTAx5vztnw4cOsWgm?usp=sharing</a:t>
-            </a:r>
-            <a:endParaRPr lang="en-US" dirty="0"/>
-          </a:p>
-          <a:p>
-            <a:r>
               <a:rPr lang="en-US" dirty="0"/>
-              <a:t>Useful resources</a:t>
-            </a:r>
-          </a:p>
-          <a:p>
-            <a:pPr lvl="1"/>
-            <a:r>
-              <a:rPr lang="en-US" dirty="0"/>
-              <a:t>Animation</a:t>
-            </a:r>
-          </a:p>
-          <a:p>
-            <a:pPr lvl="1"/>
-            <a:r>
-              <a:rPr lang="en-US" dirty="0"/>
-              <a:t>https://mlu-explain.github.io/linear-regression/</a:t>
+              <a:t>Multilayer Perceptron (MLP)</a:t>
             </a:r>
           </a:p>
         </p:txBody>
@@ -30334,7 +31499,7 @@
           <p:cNvPr id="4" name="Slide Number Placeholder 3">
             <a:extLst>
               <a:ext uri="{FF2B5EF4-FFF2-40B4-BE49-F238E27FC236}">
-                <a16:creationId xmlns:a16="http://schemas.microsoft.com/office/drawing/2014/main" id="{AF85802A-79E9-1FE0-4699-B99F75ABF06F}"/>
+                <a16:creationId xmlns:a16="http://schemas.microsoft.com/office/drawing/2014/main" id="{572B80E4-39FF-E5DD-D879-B51EC1ABCF31}"/>
               </a:ext>
             </a:extLst>
           </p:cNvPr>
@@ -30361,7 +31526,7 @@
     </p:spTree>
     <p:extLst>
       <p:ext uri="{BB962C8B-B14F-4D97-AF65-F5344CB8AC3E}">
-        <p14:creationId xmlns:p14="http://schemas.microsoft.com/office/powerpoint/2010/main" val="1764844861"/>
+        <p14:creationId xmlns:p14="http://schemas.microsoft.com/office/powerpoint/2010/main" val="1878353004"/>
       </p:ext>
     </p:extLst>
   </p:cSld>
@@ -30393,7 +31558,7 @@
           <p:cNvPr id="2" name="Title 1">
             <a:extLst>
               <a:ext uri="{FF2B5EF4-FFF2-40B4-BE49-F238E27FC236}">
-                <a16:creationId xmlns:a16="http://schemas.microsoft.com/office/drawing/2014/main" id="{9BE0C099-2993-62EC-D85F-5DEBA9DFA634}"/>
+                <a16:creationId xmlns:a16="http://schemas.microsoft.com/office/drawing/2014/main" id="{FFEC451E-6560-508B-6CC2-934EDEEE38AF}"/>
               </a:ext>
             </a:extLst>
           </p:cNvPr>
@@ -30411,73 +31576,97 @@
           <a:p>
             <a:r>
               <a:rPr lang="en-US" dirty="0"/>
-              <a:t>SVM tutorial</a:t>
+              <a:t>Neural Networks</a:t>
             </a:r>
           </a:p>
         </p:txBody>
       </p:sp>
-      <p:sp>
-        <p:nvSpPr>
-          <p:cNvPr id="3" name="Content Placeholder 2">
-            <a:extLst>
-              <a:ext uri="{FF2B5EF4-FFF2-40B4-BE49-F238E27FC236}">
-                <a16:creationId xmlns:a16="http://schemas.microsoft.com/office/drawing/2014/main" id="{E1BC0502-9372-EA71-78EF-EE67D2EA85EA}"/>
-              </a:ext>
-            </a:extLst>
-          </p:cNvPr>
-          <p:cNvSpPr>
-            <a:spLocks noGrp="1"/>
-          </p:cNvSpPr>
+      <p:pic>
+        <p:nvPicPr>
+          <p:cNvPr id="5" name="Content Placeholder 4" descr="A diagram of a network&#10;&#10;Description automatically generated">
+            <a:extLst>
+              <a:ext uri="{FF2B5EF4-FFF2-40B4-BE49-F238E27FC236}">
+                <a16:creationId xmlns:a16="http://schemas.microsoft.com/office/drawing/2014/main" id="{0C5B6CD6-1291-64CD-0CB5-32CAE923B069}"/>
+              </a:ext>
+            </a:extLst>
+          </p:cNvPr>
+          <p:cNvPicPr>
+            <a:picLocks noGrp="1" noChangeAspect="1"/>
+          </p:cNvPicPr>
           <p:nvPr>
             <p:ph idx="1"/>
           </p:nvPr>
-        </p:nvSpPr>
-        <p:spPr/>
+        </p:nvPicPr>
+        <p:blipFill>
+          <a:blip r:embed="rId2">
+            <a:extLst>
+              <a:ext uri="{28A0092B-C50C-407E-A947-70E740481C1C}">
+                <a14:useLocalDpi xmlns:a14="http://schemas.microsoft.com/office/drawing/2010/main" val="0"/>
+              </a:ext>
+            </a:extLst>
+          </a:blip>
+          <a:stretch>
+            <a:fillRect/>
+          </a:stretch>
+        </p:blipFill>
+        <p:spPr>
+          <a:xfrm>
+            <a:off x="2948105" y="1825625"/>
+            <a:ext cx="6295789" cy="4351338"/>
+          </a:xfrm>
+        </p:spPr>
+      </p:pic>
+      <p:sp>
+        <p:nvSpPr>
+          <p:cNvPr id="6" name="TextBox 5">
+            <a:extLst>
+              <a:ext uri="{FF2B5EF4-FFF2-40B4-BE49-F238E27FC236}">
+                <a16:creationId xmlns:a16="http://schemas.microsoft.com/office/drawing/2014/main" id="{58ADDB43-0527-8D13-CCBF-4167F91DC83C}"/>
+              </a:ext>
+            </a:extLst>
+          </p:cNvPr>
+          <p:cNvSpPr txBox="1"/>
+          <p:nvPr/>
+        </p:nvSpPr>
+        <p:spPr>
+          <a:xfrm>
+            <a:off x="462116" y="6311900"/>
+            <a:ext cx="11523407" cy="276999"/>
+          </a:xfrm>
+          <a:prstGeom prst="rect">
+            <a:avLst/>
+          </a:prstGeom>
+          <a:noFill/>
+        </p:spPr>
         <p:txBody>
-          <a:bodyPr/>
-          <a:lstStyle/>
-          <a:p>
-            <a:r>
-              <a:rPr lang="en-US" dirty="0" err="1"/>
-              <a:t>Jupyter</a:t>
-            </a:r>
-            <a:r>
-              <a:rPr lang="en-US" dirty="0"/>
-              <a:t> Notebook based on</a:t>
-            </a:r>
-          </a:p>
-          <a:p>
-            <a:pPr lvl="1"/>
-            <a:r>
-              <a:rPr lang="en-US" dirty="0">
-                <a:hlinkClick r:id="rId2"/>
-              </a:rPr>
-              <a:t>https://scikit-learn.org/stable/auto_examples/classification/plot_digits_classification.html</a:t>
-            </a:r>
-            <a:endParaRPr lang="en-US" dirty="0"/>
-          </a:p>
-          <a:p>
-            <a:pPr lvl="1"/>
-            <a:r>
-              <a:rPr lang="en-US" dirty="0">
+          <a:bodyPr wrap="square" rtlCol="0">
+            <a:spAutoFit/>
+          </a:bodyPr>
+          <a:lstStyle/>
+          <a:p>
+            <a:r>
+              <a:rPr lang="en-US" sz="1200" dirty="0"/>
+              <a:t>Figure from: </a:t>
+            </a:r>
+            <a:r>
+              <a:rPr lang="en-US" sz="1200" dirty="0">
                 <a:hlinkClick r:id="rId3"/>
               </a:rPr>
-              <a:t>https://colab.research.google.com/drive/1Xcgnkm2GxOBJtLxnTAx5vztnw4cOsWgm?usp=sharing</a:t>
-            </a:r>
-            <a:endParaRPr lang="en-US" dirty="0"/>
-          </a:p>
-          <a:p>
-            <a:pPr lvl="1"/>
-            <a:endParaRPr lang="en-US" dirty="0"/>
+              <a:t>https://www.sciencelearn.org.nz/images/5156-neural-network-diagram</a:t>
+            </a:r>
+            <a:r>
+              <a:rPr lang="en-US" sz="1200" dirty="0"/>
+              <a:t> </a:t>
+            </a:r>
           </a:p>
         </p:txBody>
       </p:sp>
       <p:sp>
         <p:nvSpPr>
-          <p:cNvPr id="4" name="Slide Number Placeholder 3">
-            <a:extLst>
-              <a:ext uri="{FF2B5EF4-FFF2-40B4-BE49-F238E27FC236}">
-                <a16:creationId xmlns:a16="http://schemas.microsoft.com/office/drawing/2014/main" id="{99857AFB-2AF4-6C1C-098C-A2C55C7CA6C1}"/>
+          <p:cNvPr id="3" name="Slide Number Placeholder 2">
+            <a:extLst>
+              <a:ext uri="{FF2B5EF4-FFF2-40B4-BE49-F238E27FC236}">
+                <a16:creationId xmlns:a16="http://schemas.microsoft.com/office/drawing/2014/main" id="{57403E8D-05DB-4B42-0ACD-8D98D01A74D0}"/>
               </a:ext>
             </a:extLst>
           </p:cNvPr>
@@ -30504,7 +31693,7 @@
     </p:spTree>
     <p:extLst>
       <p:ext uri="{BB962C8B-B14F-4D97-AF65-F5344CB8AC3E}">
-        <p14:creationId xmlns:p14="http://schemas.microsoft.com/office/powerpoint/2010/main" val="1723433812"/>
+        <p14:creationId xmlns:p14="http://schemas.microsoft.com/office/powerpoint/2010/main" val="3373626673"/>
       </p:ext>
     </p:extLst>
   </p:cSld>
@@ -30536,7 +31725,7 @@
           <p:cNvPr id="2" name="Title 1">
             <a:extLst>
               <a:ext uri="{FF2B5EF4-FFF2-40B4-BE49-F238E27FC236}">
-                <a16:creationId xmlns:a16="http://schemas.microsoft.com/office/drawing/2014/main" id="{550958E8-6FE2-E571-823D-09F1A8CD8EA1}"/>
+                <a16:creationId xmlns:a16="http://schemas.microsoft.com/office/drawing/2014/main" id="{064FC15C-5399-4679-271C-70EDD341D87D}"/>
               </a:ext>
             </a:extLst>
           </p:cNvPr>
@@ -30554,17 +31743,174 @@
           <a:p>
             <a:r>
               <a:rPr lang="en-US" dirty="0"/>
-              <a:t>Code Samples</a:t>
+              <a:t>Multilayer Perceptron</a:t>
             </a:r>
           </a:p>
         </p:txBody>
       </p:sp>
+      <p:pic>
+        <p:nvPicPr>
+          <p:cNvPr id="5" name="Content Placeholder 4" descr="A diagram of a algorithm&#10;&#10;Description automatically generated">
+            <a:extLst>
+              <a:ext uri="{FF2B5EF4-FFF2-40B4-BE49-F238E27FC236}">
+                <a16:creationId xmlns:a16="http://schemas.microsoft.com/office/drawing/2014/main" id="{C83E1B70-E023-6795-88A2-2E53FA8EDC0B}"/>
+              </a:ext>
+            </a:extLst>
+          </p:cNvPr>
+          <p:cNvPicPr>
+            <a:picLocks noGrp="1" noChangeAspect="1"/>
+          </p:cNvPicPr>
+          <p:nvPr>
+            <p:ph idx="1"/>
+          </p:nvPr>
+        </p:nvPicPr>
+        <p:blipFill>
+          <a:blip r:embed="rId2">
+            <a:extLst>
+              <a:ext uri="{28A0092B-C50C-407E-A947-70E740481C1C}">
+                <a14:useLocalDpi xmlns:a14="http://schemas.microsoft.com/office/drawing/2010/main" val="0"/>
+              </a:ext>
+            </a:extLst>
+          </a:blip>
+          <a:stretch>
+            <a:fillRect/>
+          </a:stretch>
+        </p:blipFill>
+        <p:spPr>
+          <a:xfrm>
+            <a:off x="2014537" y="2005806"/>
+            <a:ext cx="8162925" cy="3990975"/>
+          </a:xfrm>
+        </p:spPr>
+      </p:pic>
+      <p:sp>
+        <p:nvSpPr>
+          <p:cNvPr id="6" name="TextBox 5">
+            <a:extLst>
+              <a:ext uri="{FF2B5EF4-FFF2-40B4-BE49-F238E27FC236}">
+                <a16:creationId xmlns:a16="http://schemas.microsoft.com/office/drawing/2014/main" id="{9F2B7731-DAF5-C545-E323-7AA1F3A29605}"/>
+              </a:ext>
+            </a:extLst>
+          </p:cNvPr>
+          <p:cNvSpPr txBox="1"/>
+          <p:nvPr/>
+        </p:nvSpPr>
+        <p:spPr>
+          <a:xfrm>
+            <a:off x="8681884" y="6204155"/>
+            <a:ext cx="3077497" cy="276999"/>
+          </a:xfrm>
+          <a:prstGeom prst="rect">
+            <a:avLst/>
+          </a:prstGeom>
+          <a:noFill/>
+        </p:spPr>
+        <p:txBody>
+          <a:bodyPr wrap="square" rtlCol="0">
+            <a:spAutoFit/>
+          </a:bodyPr>
+          <a:lstStyle/>
+          <a:p>
+            <a:r>
+              <a:rPr lang="en-US" sz="1200" dirty="0"/>
+              <a:t>The Hundred-Page Machine Learning Book</a:t>
+            </a:r>
+          </a:p>
+        </p:txBody>
+      </p:sp>
+      <p:sp>
+        <p:nvSpPr>
+          <p:cNvPr id="3" name="Slide Number Placeholder 2">
+            <a:extLst>
+              <a:ext uri="{FF2B5EF4-FFF2-40B4-BE49-F238E27FC236}">
+                <a16:creationId xmlns:a16="http://schemas.microsoft.com/office/drawing/2014/main" id="{2E653DB1-2014-36BD-BAFD-BE944380BEAF}"/>
+              </a:ext>
+            </a:extLst>
+          </p:cNvPr>
+          <p:cNvSpPr>
+            <a:spLocks noGrp="1"/>
+          </p:cNvSpPr>
+          <p:nvPr>
+            <p:ph type="sldNum" sz="quarter" idx="12"/>
+          </p:nvPr>
+        </p:nvSpPr>
+        <p:spPr/>
+        <p:txBody>
+          <a:bodyPr/>
+          <a:lstStyle/>
+          <a:p>
+            <a:fld id="{E862C174-85D7-4478-B3BB-01728BCCC1F6}" type="slidenum">
+              <a:rPr lang="en-US" smtClean="0"/>
+              <a:t>78</a:t>
+            </a:fld>
+            <a:endParaRPr lang="en-US"/>
+          </a:p>
+        </p:txBody>
+      </p:sp>
+    </p:spTree>
+    <p:extLst>
+      <p:ext uri="{BB962C8B-B14F-4D97-AF65-F5344CB8AC3E}">
+        <p14:creationId xmlns:p14="http://schemas.microsoft.com/office/powerpoint/2010/main" val="2072982581"/>
+      </p:ext>
+    </p:extLst>
+  </p:cSld>
+  <p:clrMapOvr>
+    <a:masterClrMapping/>
+  </p:clrMapOvr>
+</p:sld>
+</file>
+
+<file path=ppt/slides/slide79.xml><?xml version="1.0" encoding="utf-8"?>
+<p:sld xmlns:a="http://schemas.openxmlformats.org/drawingml/2006/main" xmlns:r="http://schemas.openxmlformats.org/officeDocument/2006/relationships" xmlns:p="http://schemas.openxmlformats.org/presentationml/2006/main">
+  <p:cSld>
+    <p:spTree>
+      <p:nvGrpSpPr>
+        <p:cNvPr id="1" name=""/>
+        <p:cNvGrpSpPr/>
+        <p:nvPr/>
+      </p:nvGrpSpPr>
+      <p:grpSpPr>
+        <a:xfrm>
+          <a:off x="0" y="0"/>
+          <a:ext cx="0" cy="0"/>
+          <a:chOff x="0" y="0"/>
+          <a:chExt cx="0" cy="0"/>
+        </a:xfrm>
+      </p:grpSpPr>
+      <p:sp>
+        <p:nvSpPr>
+          <p:cNvPr id="2" name="Title 1">
+            <a:extLst>
+              <a:ext uri="{FF2B5EF4-FFF2-40B4-BE49-F238E27FC236}">
+                <a16:creationId xmlns:a16="http://schemas.microsoft.com/office/drawing/2014/main" id="{BBC3213E-63D4-D164-9FE9-98EE1B44C3B8}"/>
+              </a:ext>
+            </a:extLst>
+          </p:cNvPr>
+          <p:cNvSpPr>
+            <a:spLocks noGrp="1"/>
+          </p:cNvSpPr>
+          <p:nvPr>
+            <p:ph type="title"/>
+          </p:nvPr>
+        </p:nvSpPr>
+        <p:spPr/>
+        <p:txBody>
+          <a:bodyPr/>
+          <a:lstStyle/>
+          <a:p>
+            <a:r>
+              <a:rPr lang="en-US" dirty="0"/>
+              <a:t>Neural Networks and Back Propagation</a:t>
+            </a:r>
+          </a:p>
+        </p:txBody>
+      </p:sp>
       <p:sp>
         <p:nvSpPr>
           <p:cNvPr id="3" name="Content Placeholder 2">
             <a:extLst>
               <a:ext uri="{FF2B5EF4-FFF2-40B4-BE49-F238E27FC236}">
-                <a16:creationId xmlns:a16="http://schemas.microsoft.com/office/drawing/2014/main" id="{0F6BCE08-8837-880A-A04A-FDC066C9292A}"/>
+                <a16:creationId xmlns:a16="http://schemas.microsoft.com/office/drawing/2014/main" id="{0D702A7E-2BB7-6641-51A6-32B414EA5140}"/>
               </a:ext>
             </a:extLst>
           </p:cNvPr>
@@ -30582,7 +31928,7 @@
           <a:p>
             <a:r>
               <a:rPr lang="en-US" dirty="0"/>
-              <a:t>Underfitting, Overfitting</a:t>
+              <a:t>If you have time, watch this tutorial on neural nets and back propagation:</a:t>
             </a:r>
           </a:p>
           <a:p>
@@ -30591,44 +31937,7 @@
               <a:rPr lang="en-US" dirty="0">
                 <a:hlinkClick r:id="rId2"/>
               </a:rPr>
-              <a:t>https://colab.research.google.com/drive/1oMWxppsnhsrU3lkEy0uzwJbcrMRUqr3C?usp=sharing</a:t>
-            </a:r>
-            <a:endParaRPr lang="en-US" dirty="0"/>
-          </a:p>
-          <a:p>
-            <a:r>
-              <a:rPr lang="en-US" dirty="0"/>
-              <a:t>Validation Curve</a:t>
-            </a:r>
-          </a:p>
-          <a:p>
-            <a:pPr lvl="1"/>
-            <a:r>
-              <a:rPr lang="en-US" dirty="0">
-                <a:hlinkClick r:id="rId3"/>
-              </a:rPr>
-              <a:t>https://colab.research.google.com/drive/171dADTSrX6sCF3Rll5SQTnpjr-KIhmut?usp=sharing</a:t>
-            </a:r>
-            <a:endParaRPr lang="en-US" dirty="0"/>
-          </a:p>
-          <a:p>
-            <a:r>
-              <a:rPr lang="en-US" dirty="0"/>
-              <a:t>Linear Regression, SVM, </a:t>
-            </a:r>
-            <a:r>
-              <a:rPr lang="en-US" dirty="0" err="1"/>
-              <a:t>kNN</a:t>
-            </a:r>
-            <a:endParaRPr lang="en-US" dirty="0"/>
-          </a:p>
-          <a:p>
-            <a:pPr lvl="1"/>
-            <a:r>
-              <a:rPr lang="en-US" dirty="0">
-                <a:hlinkClick r:id="rId4"/>
-              </a:rPr>
-              <a:t>https://colab.research.google.com/drive/1Xcgnkm2GxOBJtLxnTAx5vztnw4cOsWgm?usp=sharing</a:t>
+              <a:t>https://www.youtube.com/watch?v=VMj-3S1tku0</a:t>
             </a:r>
             <a:endParaRPr lang="en-US" dirty="0"/>
           </a:p>
@@ -30636,10 +31945,6 @@
             <a:pPr lvl="1"/>
             <a:endParaRPr lang="en-US" dirty="0"/>
           </a:p>
-          <a:p>
-            <a:pPr lvl="1"/>
-            <a:endParaRPr lang="en-US" dirty="0"/>
-          </a:p>
         </p:txBody>
       </p:sp>
       <p:sp>
@@ -30647,7 +31952,7 @@
           <p:cNvPr id="4" name="Slide Number Placeholder 3">
             <a:extLst>
               <a:ext uri="{FF2B5EF4-FFF2-40B4-BE49-F238E27FC236}">
-                <a16:creationId xmlns:a16="http://schemas.microsoft.com/office/drawing/2014/main" id="{6BED5BDC-1FCF-A130-EBE7-7F50BBA3A2E0}"/>
+                <a16:creationId xmlns:a16="http://schemas.microsoft.com/office/drawing/2014/main" id="{5589F84B-1B10-4E02-2152-E6574306ECEA}"/>
               </a:ext>
             </a:extLst>
           </p:cNvPr>
@@ -30665,7 +31970,7 @@
           <a:p>
             <a:fld id="{E862C174-85D7-4478-B3BB-01728BCCC1F6}" type="slidenum">
               <a:rPr lang="en-US" smtClean="0"/>
-              <a:t>78</a:t>
+              <a:t>79</a:t>
             </a:fld>
             <a:endParaRPr lang="en-US"/>
           </a:p>
@@ -30674,7 +31979,7 @@
     </p:spTree>
     <p:extLst>
       <p:ext uri="{BB962C8B-B14F-4D97-AF65-F5344CB8AC3E}">
-        <p14:creationId xmlns:p14="http://schemas.microsoft.com/office/powerpoint/2010/main" val="2102059636"/>
+        <p14:creationId xmlns:p14="http://schemas.microsoft.com/office/powerpoint/2010/main" val="2200160723"/>
       </p:ext>
     </p:extLst>
   </p:cSld>
@@ -30836,6 +32141,604 @@
     <p:extLst>
       <p:ext uri="{BB962C8B-B14F-4D97-AF65-F5344CB8AC3E}">
         <p14:creationId xmlns:p14="http://schemas.microsoft.com/office/powerpoint/2010/main" val="1081667036"/>
+      </p:ext>
+    </p:extLst>
+  </p:cSld>
+  <p:clrMapOvr>
+    <a:masterClrMapping/>
+  </p:clrMapOvr>
+</p:sld>
+</file>
+
+<file path=ppt/slides/slide80.xml><?xml version="1.0" encoding="utf-8"?>
+<p:sld xmlns:a="http://schemas.openxmlformats.org/drawingml/2006/main" xmlns:r="http://schemas.openxmlformats.org/officeDocument/2006/relationships" xmlns:p="http://schemas.openxmlformats.org/presentationml/2006/main">
+  <p:cSld>
+    <p:spTree>
+      <p:nvGrpSpPr>
+        <p:cNvPr id="1" name=""/>
+        <p:cNvGrpSpPr/>
+        <p:nvPr/>
+      </p:nvGrpSpPr>
+      <p:grpSpPr>
+        <a:xfrm>
+          <a:off x="0" y="0"/>
+          <a:ext cx="0" cy="0"/>
+          <a:chOff x="0" y="0"/>
+          <a:chExt cx="0" cy="0"/>
+        </a:xfrm>
+      </p:grpSpPr>
+      <p:sp>
+        <p:nvSpPr>
+          <p:cNvPr id="2" name="Title 1">
+            <a:extLst>
+              <a:ext uri="{FF2B5EF4-FFF2-40B4-BE49-F238E27FC236}">
+                <a16:creationId xmlns:a16="http://schemas.microsoft.com/office/drawing/2014/main" id="{31CB9B5A-0410-01C8-2908-F234B9366A1B}"/>
+              </a:ext>
+            </a:extLst>
+          </p:cNvPr>
+          <p:cNvSpPr>
+            <a:spLocks noGrp="1"/>
+          </p:cNvSpPr>
+          <p:nvPr>
+            <p:ph type="title"/>
+          </p:nvPr>
+        </p:nvSpPr>
+        <p:spPr/>
+        <p:txBody>
+          <a:bodyPr/>
+          <a:lstStyle/>
+          <a:p>
+            <a:r>
+              <a:rPr lang="en-US" dirty="0"/>
+              <a:t>Deep Learning</a:t>
+            </a:r>
+          </a:p>
+        </p:txBody>
+      </p:sp>
+      <p:sp>
+        <p:nvSpPr>
+          <p:cNvPr id="3" name="Content Placeholder 2">
+            <a:extLst>
+              <a:ext uri="{FF2B5EF4-FFF2-40B4-BE49-F238E27FC236}">
+                <a16:creationId xmlns:a16="http://schemas.microsoft.com/office/drawing/2014/main" id="{807646EC-1F77-033A-A9E1-D5453D6BF046}"/>
+              </a:ext>
+            </a:extLst>
+          </p:cNvPr>
+          <p:cNvSpPr>
+            <a:spLocks noGrp="1"/>
+          </p:cNvSpPr>
+          <p:nvPr>
+            <p:ph idx="1"/>
+          </p:nvPr>
+        </p:nvSpPr>
+        <p:spPr/>
+        <p:txBody>
+          <a:bodyPr/>
+          <a:lstStyle/>
+          <a:p>
+            <a:r>
+              <a:rPr lang="en-US" dirty="0"/>
+              <a:t>Deep Learning</a:t>
+            </a:r>
+          </a:p>
+          <a:p>
+            <a:pPr lvl="1"/>
+            <a:r>
+              <a:rPr lang="en-US" dirty="0"/>
+              <a:t>Convolution Neural Network (CNN)</a:t>
+            </a:r>
+          </a:p>
+          <a:p>
+            <a:pPr lvl="1"/>
+            <a:r>
+              <a:rPr lang="en-US" dirty="0"/>
+              <a:t>Long Short-Term Memory (LSTM)</a:t>
+            </a:r>
+          </a:p>
+          <a:p>
+            <a:endParaRPr lang="en-US" dirty="0"/>
+          </a:p>
+        </p:txBody>
+      </p:sp>
+      <p:sp>
+        <p:nvSpPr>
+          <p:cNvPr id="4" name="Slide Number Placeholder 3">
+            <a:extLst>
+              <a:ext uri="{FF2B5EF4-FFF2-40B4-BE49-F238E27FC236}">
+                <a16:creationId xmlns:a16="http://schemas.microsoft.com/office/drawing/2014/main" id="{5624493D-E983-E92F-EA28-59F4719C4EBB}"/>
+              </a:ext>
+            </a:extLst>
+          </p:cNvPr>
+          <p:cNvSpPr>
+            <a:spLocks noGrp="1"/>
+          </p:cNvSpPr>
+          <p:nvPr>
+            <p:ph type="sldNum" sz="quarter" idx="12"/>
+          </p:nvPr>
+        </p:nvSpPr>
+        <p:spPr/>
+        <p:txBody>
+          <a:bodyPr/>
+          <a:lstStyle/>
+          <a:p>
+            <a:fld id="{E862C174-85D7-4478-B3BB-01728BCCC1F6}" type="slidenum">
+              <a:rPr lang="en-US" smtClean="0"/>
+              <a:t>80</a:t>
+            </a:fld>
+            <a:endParaRPr lang="en-US"/>
+          </a:p>
+        </p:txBody>
+      </p:sp>
+    </p:spTree>
+    <p:extLst>
+      <p:ext uri="{BB962C8B-B14F-4D97-AF65-F5344CB8AC3E}">
+        <p14:creationId xmlns:p14="http://schemas.microsoft.com/office/powerpoint/2010/main" val="3529253293"/>
+      </p:ext>
+    </p:extLst>
+  </p:cSld>
+  <p:clrMapOvr>
+    <a:masterClrMapping/>
+  </p:clrMapOvr>
+</p:sld>
+</file>
+
+<file path=ppt/slides/slide81.xml><?xml version="1.0" encoding="utf-8"?>
+<p:sld xmlns:a="http://schemas.openxmlformats.org/drawingml/2006/main" xmlns:r="http://schemas.openxmlformats.org/officeDocument/2006/relationships" xmlns:p="http://schemas.openxmlformats.org/presentationml/2006/main">
+  <p:cSld>
+    <p:spTree>
+      <p:nvGrpSpPr>
+        <p:cNvPr id="1" name=""/>
+        <p:cNvGrpSpPr/>
+        <p:nvPr/>
+      </p:nvGrpSpPr>
+      <p:grpSpPr>
+        <a:xfrm>
+          <a:off x="0" y="0"/>
+          <a:ext cx="0" cy="0"/>
+          <a:chOff x="0" y="0"/>
+          <a:chExt cx="0" cy="0"/>
+        </a:xfrm>
+      </p:grpSpPr>
+      <p:sp>
+        <p:nvSpPr>
+          <p:cNvPr id="2" name="Title 1">
+            <a:extLst>
+              <a:ext uri="{FF2B5EF4-FFF2-40B4-BE49-F238E27FC236}">
+                <a16:creationId xmlns:a16="http://schemas.microsoft.com/office/drawing/2014/main" id="{543DB9E0-D248-6B75-8C9D-041311FC340F}"/>
+              </a:ext>
+            </a:extLst>
+          </p:cNvPr>
+          <p:cNvSpPr>
+            <a:spLocks noGrp="1"/>
+          </p:cNvSpPr>
+          <p:nvPr>
+            <p:ph type="title"/>
+          </p:nvPr>
+        </p:nvSpPr>
+        <p:spPr/>
+        <p:txBody>
+          <a:bodyPr/>
+          <a:lstStyle/>
+          <a:p>
+            <a:r>
+              <a:rPr lang="en-US" dirty="0"/>
+              <a:t>Linear Regression</a:t>
+            </a:r>
+          </a:p>
+        </p:txBody>
+      </p:sp>
+      <p:sp>
+        <p:nvSpPr>
+          <p:cNvPr id="3" name="Content Placeholder 2">
+            <a:extLst>
+              <a:ext uri="{FF2B5EF4-FFF2-40B4-BE49-F238E27FC236}">
+                <a16:creationId xmlns:a16="http://schemas.microsoft.com/office/drawing/2014/main" id="{1DA7B60F-CB4A-6489-6C91-41DA27E701B9}"/>
+              </a:ext>
+            </a:extLst>
+          </p:cNvPr>
+          <p:cNvSpPr>
+            <a:spLocks noGrp="1"/>
+          </p:cNvSpPr>
+          <p:nvPr>
+            <p:ph idx="1"/>
+          </p:nvPr>
+        </p:nvSpPr>
+        <p:spPr/>
+        <p:txBody>
+          <a:bodyPr/>
+          <a:lstStyle/>
+          <a:p>
+            <a:r>
+              <a:rPr lang="en-US" dirty="0"/>
+              <a:t>Tutorial (</a:t>
+            </a:r>
+            <a:r>
+              <a:rPr lang="en-US" dirty="0" err="1"/>
+              <a:t>Jupyter</a:t>
+            </a:r>
+            <a:r>
+              <a:rPr lang="en-US" dirty="0"/>
+              <a:t> Notebook)</a:t>
+            </a:r>
+          </a:p>
+          <a:p>
+            <a:pPr lvl="1"/>
+            <a:r>
+              <a:rPr lang="en-US" dirty="0">
+                <a:hlinkClick r:id="rId2"/>
+              </a:rPr>
+              <a:t>https://colab.research.google.com/drive/1Xcgnkm2GxOBJtLxnTAx5vztnw4cOsWgm?usp=sharing</a:t>
+            </a:r>
+            <a:endParaRPr lang="en-US" dirty="0"/>
+          </a:p>
+          <a:p>
+            <a:r>
+              <a:rPr lang="en-US" dirty="0"/>
+              <a:t>Useful resources</a:t>
+            </a:r>
+          </a:p>
+          <a:p>
+            <a:pPr lvl="1"/>
+            <a:r>
+              <a:rPr lang="en-US" dirty="0"/>
+              <a:t>Animation</a:t>
+            </a:r>
+          </a:p>
+          <a:p>
+            <a:pPr lvl="1"/>
+            <a:r>
+              <a:rPr lang="en-US" dirty="0"/>
+              <a:t>https://mlu-explain.github.io/linear-regression/</a:t>
+            </a:r>
+          </a:p>
+        </p:txBody>
+      </p:sp>
+      <p:sp>
+        <p:nvSpPr>
+          <p:cNvPr id="4" name="Slide Number Placeholder 3">
+            <a:extLst>
+              <a:ext uri="{FF2B5EF4-FFF2-40B4-BE49-F238E27FC236}">
+                <a16:creationId xmlns:a16="http://schemas.microsoft.com/office/drawing/2014/main" id="{AF85802A-79E9-1FE0-4699-B99F75ABF06F}"/>
+              </a:ext>
+            </a:extLst>
+          </p:cNvPr>
+          <p:cNvSpPr>
+            <a:spLocks noGrp="1"/>
+          </p:cNvSpPr>
+          <p:nvPr>
+            <p:ph type="sldNum" sz="quarter" idx="12"/>
+          </p:nvPr>
+        </p:nvSpPr>
+        <p:spPr/>
+        <p:txBody>
+          <a:bodyPr/>
+          <a:lstStyle/>
+          <a:p>
+            <a:fld id="{E862C174-85D7-4478-B3BB-01728BCCC1F6}" type="slidenum">
+              <a:rPr lang="en-US" smtClean="0"/>
+              <a:t>81</a:t>
+            </a:fld>
+            <a:endParaRPr lang="en-US"/>
+          </a:p>
+        </p:txBody>
+      </p:sp>
+    </p:spTree>
+    <p:extLst>
+      <p:ext uri="{BB962C8B-B14F-4D97-AF65-F5344CB8AC3E}">
+        <p14:creationId xmlns:p14="http://schemas.microsoft.com/office/powerpoint/2010/main" val="1764844861"/>
+      </p:ext>
+    </p:extLst>
+  </p:cSld>
+  <p:clrMapOvr>
+    <a:masterClrMapping/>
+  </p:clrMapOvr>
+</p:sld>
+</file>
+
+<file path=ppt/slides/slide82.xml><?xml version="1.0" encoding="utf-8"?>
+<p:sld xmlns:a="http://schemas.openxmlformats.org/drawingml/2006/main" xmlns:r="http://schemas.openxmlformats.org/officeDocument/2006/relationships" xmlns:p="http://schemas.openxmlformats.org/presentationml/2006/main">
+  <p:cSld>
+    <p:spTree>
+      <p:nvGrpSpPr>
+        <p:cNvPr id="1" name=""/>
+        <p:cNvGrpSpPr/>
+        <p:nvPr/>
+      </p:nvGrpSpPr>
+      <p:grpSpPr>
+        <a:xfrm>
+          <a:off x="0" y="0"/>
+          <a:ext cx="0" cy="0"/>
+          <a:chOff x="0" y="0"/>
+          <a:chExt cx="0" cy="0"/>
+        </a:xfrm>
+      </p:grpSpPr>
+      <p:sp>
+        <p:nvSpPr>
+          <p:cNvPr id="2" name="Title 1">
+            <a:extLst>
+              <a:ext uri="{FF2B5EF4-FFF2-40B4-BE49-F238E27FC236}">
+                <a16:creationId xmlns:a16="http://schemas.microsoft.com/office/drawing/2014/main" id="{9BE0C099-2993-62EC-D85F-5DEBA9DFA634}"/>
+              </a:ext>
+            </a:extLst>
+          </p:cNvPr>
+          <p:cNvSpPr>
+            <a:spLocks noGrp="1"/>
+          </p:cNvSpPr>
+          <p:nvPr>
+            <p:ph type="title"/>
+          </p:nvPr>
+        </p:nvSpPr>
+        <p:spPr/>
+        <p:txBody>
+          <a:bodyPr/>
+          <a:lstStyle/>
+          <a:p>
+            <a:r>
+              <a:rPr lang="en-US" dirty="0"/>
+              <a:t>SVM tutorial</a:t>
+            </a:r>
+          </a:p>
+        </p:txBody>
+      </p:sp>
+      <p:sp>
+        <p:nvSpPr>
+          <p:cNvPr id="3" name="Content Placeholder 2">
+            <a:extLst>
+              <a:ext uri="{FF2B5EF4-FFF2-40B4-BE49-F238E27FC236}">
+                <a16:creationId xmlns:a16="http://schemas.microsoft.com/office/drawing/2014/main" id="{E1BC0502-9372-EA71-78EF-EE67D2EA85EA}"/>
+              </a:ext>
+            </a:extLst>
+          </p:cNvPr>
+          <p:cNvSpPr>
+            <a:spLocks noGrp="1"/>
+          </p:cNvSpPr>
+          <p:nvPr>
+            <p:ph idx="1"/>
+          </p:nvPr>
+        </p:nvSpPr>
+        <p:spPr/>
+        <p:txBody>
+          <a:bodyPr/>
+          <a:lstStyle/>
+          <a:p>
+            <a:r>
+              <a:rPr lang="en-US" dirty="0" err="1"/>
+              <a:t>Jupyter</a:t>
+            </a:r>
+            <a:r>
+              <a:rPr lang="en-US" dirty="0"/>
+              <a:t> Notebook based on</a:t>
+            </a:r>
+          </a:p>
+          <a:p>
+            <a:pPr lvl="1"/>
+            <a:r>
+              <a:rPr lang="en-US" dirty="0">
+                <a:hlinkClick r:id="rId2"/>
+              </a:rPr>
+              <a:t>https://scikit-learn.org/stable/auto_examples/classification/plot_digits_classification.html</a:t>
+            </a:r>
+            <a:endParaRPr lang="en-US" dirty="0"/>
+          </a:p>
+          <a:p>
+            <a:pPr lvl="1"/>
+            <a:r>
+              <a:rPr lang="en-US" dirty="0">
+                <a:hlinkClick r:id="rId3"/>
+              </a:rPr>
+              <a:t>https://colab.research.google.com/drive/1Xcgnkm2GxOBJtLxnTAx5vztnw4cOsWgm?usp=sharing</a:t>
+            </a:r>
+            <a:endParaRPr lang="en-US" dirty="0"/>
+          </a:p>
+          <a:p>
+            <a:pPr lvl="1"/>
+            <a:endParaRPr lang="en-US" dirty="0"/>
+          </a:p>
+        </p:txBody>
+      </p:sp>
+      <p:sp>
+        <p:nvSpPr>
+          <p:cNvPr id="4" name="Slide Number Placeholder 3">
+            <a:extLst>
+              <a:ext uri="{FF2B5EF4-FFF2-40B4-BE49-F238E27FC236}">
+                <a16:creationId xmlns:a16="http://schemas.microsoft.com/office/drawing/2014/main" id="{99857AFB-2AF4-6C1C-098C-A2C55C7CA6C1}"/>
+              </a:ext>
+            </a:extLst>
+          </p:cNvPr>
+          <p:cNvSpPr>
+            <a:spLocks noGrp="1"/>
+          </p:cNvSpPr>
+          <p:nvPr>
+            <p:ph type="sldNum" sz="quarter" idx="12"/>
+          </p:nvPr>
+        </p:nvSpPr>
+        <p:spPr/>
+        <p:txBody>
+          <a:bodyPr/>
+          <a:lstStyle/>
+          <a:p>
+            <a:fld id="{E862C174-85D7-4478-B3BB-01728BCCC1F6}" type="slidenum">
+              <a:rPr lang="en-US" smtClean="0"/>
+              <a:t>82</a:t>
+            </a:fld>
+            <a:endParaRPr lang="en-US"/>
+          </a:p>
+        </p:txBody>
+      </p:sp>
+    </p:spTree>
+    <p:extLst>
+      <p:ext uri="{BB962C8B-B14F-4D97-AF65-F5344CB8AC3E}">
+        <p14:creationId xmlns:p14="http://schemas.microsoft.com/office/powerpoint/2010/main" val="1723433812"/>
+      </p:ext>
+    </p:extLst>
+  </p:cSld>
+  <p:clrMapOvr>
+    <a:masterClrMapping/>
+  </p:clrMapOvr>
+</p:sld>
+</file>
+
+<file path=ppt/slides/slide83.xml><?xml version="1.0" encoding="utf-8"?>
+<p:sld xmlns:a="http://schemas.openxmlformats.org/drawingml/2006/main" xmlns:r="http://schemas.openxmlformats.org/officeDocument/2006/relationships" xmlns:p="http://schemas.openxmlformats.org/presentationml/2006/main">
+  <p:cSld>
+    <p:spTree>
+      <p:nvGrpSpPr>
+        <p:cNvPr id="1" name=""/>
+        <p:cNvGrpSpPr/>
+        <p:nvPr/>
+      </p:nvGrpSpPr>
+      <p:grpSpPr>
+        <a:xfrm>
+          <a:off x="0" y="0"/>
+          <a:ext cx="0" cy="0"/>
+          <a:chOff x="0" y="0"/>
+          <a:chExt cx="0" cy="0"/>
+        </a:xfrm>
+      </p:grpSpPr>
+      <p:sp>
+        <p:nvSpPr>
+          <p:cNvPr id="2" name="Title 1">
+            <a:extLst>
+              <a:ext uri="{FF2B5EF4-FFF2-40B4-BE49-F238E27FC236}">
+                <a16:creationId xmlns:a16="http://schemas.microsoft.com/office/drawing/2014/main" id="{550958E8-6FE2-E571-823D-09F1A8CD8EA1}"/>
+              </a:ext>
+            </a:extLst>
+          </p:cNvPr>
+          <p:cNvSpPr>
+            <a:spLocks noGrp="1"/>
+          </p:cNvSpPr>
+          <p:nvPr>
+            <p:ph type="title"/>
+          </p:nvPr>
+        </p:nvSpPr>
+        <p:spPr/>
+        <p:txBody>
+          <a:bodyPr/>
+          <a:lstStyle/>
+          <a:p>
+            <a:r>
+              <a:rPr lang="en-US" dirty="0"/>
+              <a:t>Code Samples</a:t>
+            </a:r>
+          </a:p>
+        </p:txBody>
+      </p:sp>
+      <p:sp>
+        <p:nvSpPr>
+          <p:cNvPr id="3" name="Content Placeholder 2">
+            <a:extLst>
+              <a:ext uri="{FF2B5EF4-FFF2-40B4-BE49-F238E27FC236}">
+                <a16:creationId xmlns:a16="http://schemas.microsoft.com/office/drawing/2014/main" id="{0F6BCE08-8837-880A-A04A-FDC066C9292A}"/>
+              </a:ext>
+            </a:extLst>
+          </p:cNvPr>
+          <p:cNvSpPr>
+            <a:spLocks noGrp="1"/>
+          </p:cNvSpPr>
+          <p:nvPr>
+            <p:ph idx="1"/>
+          </p:nvPr>
+        </p:nvSpPr>
+        <p:spPr/>
+        <p:txBody>
+          <a:bodyPr/>
+          <a:lstStyle/>
+          <a:p>
+            <a:r>
+              <a:rPr lang="en-US" dirty="0"/>
+              <a:t>Underfitting, Overfitting</a:t>
+            </a:r>
+          </a:p>
+          <a:p>
+            <a:pPr lvl="1"/>
+            <a:r>
+              <a:rPr lang="en-US" dirty="0">
+                <a:hlinkClick r:id="rId2"/>
+              </a:rPr>
+              <a:t>https://colab.research.google.com/drive/1oMWxppsnhsrU3lkEy0uzwJbcrMRUqr3C?usp=sharing</a:t>
+            </a:r>
+            <a:endParaRPr lang="en-US" dirty="0"/>
+          </a:p>
+          <a:p>
+            <a:r>
+              <a:rPr lang="en-US" dirty="0"/>
+              <a:t>Validation Curve</a:t>
+            </a:r>
+          </a:p>
+          <a:p>
+            <a:pPr lvl="1"/>
+            <a:r>
+              <a:rPr lang="en-US" dirty="0">
+                <a:hlinkClick r:id="rId3"/>
+              </a:rPr>
+              <a:t>https://colab.research.google.com/drive/171dADTSrX6sCF3Rll5SQTnpjr-KIhmut?usp=sharing</a:t>
+            </a:r>
+            <a:endParaRPr lang="en-US" dirty="0"/>
+          </a:p>
+          <a:p>
+            <a:r>
+              <a:rPr lang="en-US" dirty="0"/>
+              <a:t>Linear Regression, SVM, </a:t>
+            </a:r>
+            <a:r>
+              <a:rPr lang="en-US" dirty="0" err="1"/>
+              <a:t>kNN</a:t>
+            </a:r>
+            <a:endParaRPr lang="en-US" dirty="0"/>
+          </a:p>
+          <a:p>
+            <a:pPr lvl="1"/>
+            <a:r>
+              <a:rPr lang="en-US" dirty="0">
+                <a:hlinkClick r:id="rId4"/>
+              </a:rPr>
+              <a:t>https://colab.research.google.com/drive/1Xcgnkm2GxOBJtLxnTAx5vztnw4cOsWgm?usp=sharing</a:t>
+            </a:r>
+            <a:endParaRPr lang="en-US" dirty="0"/>
+          </a:p>
+          <a:p>
+            <a:pPr lvl="1"/>
+            <a:endParaRPr lang="en-US" dirty="0"/>
+          </a:p>
+          <a:p>
+            <a:pPr lvl="1"/>
+            <a:endParaRPr lang="en-US" dirty="0"/>
+          </a:p>
+        </p:txBody>
+      </p:sp>
+      <p:sp>
+        <p:nvSpPr>
+          <p:cNvPr id="4" name="Slide Number Placeholder 3">
+            <a:extLst>
+              <a:ext uri="{FF2B5EF4-FFF2-40B4-BE49-F238E27FC236}">
+                <a16:creationId xmlns:a16="http://schemas.microsoft.com/office/drawing/2014/main" id="{6BED5BDC-1FCF-A130-EBE7-7F50BBA3A2E0}"/>
+              </a:ext>
+            </a:extLst>
+          </p:cNvPr>
+          <p:cNvSpPr>
+            <a:spLocks noGrp="1"/>
+          </p:cNvSpPr>
+          <p:nvPr>
+            <p:ph type="sldNum" sz="quarter" idx="12"/>
+          </p:nvPr>
+        </p:nvSpPr>
+        <p:spPr/>
+        <p:txBody>
+          <a:bodyPr/>
+          <a:lstStyle/>
+          <a:p>
+            <a:fld id="{E862C174-85D7-4478-B3BB-01728BCCC1F6}" type="slidenum">
+              <a:rPr lang="en-US" smtClean="0"/>
+              <a:t>83</a:t>
+            </a:fld>
+            <a:endParaRPr lang="en-US"/>
+          </a:p>
+        </p:txBody>
+      </p:sp>
+    </p:spTree>
+    <p:extLst>
+      <p:ext uri="{BB962C8B-B14F-4D97-AF65-F5344CB8AC3E}">
+        <p14:creationId xmlns:p14="http://schemas.microsoft.com/office/powerpoint/2010/main" val="2102059636"/>
       </p:ext>
     </p:extLst>
   </p:cSld>
@@ -31669,6 +33572,15 @@
 </file>
 
 <file path=customXml/item1.xml><?xml version="1.0" encoding="utf-8"?>
+<?mso-contentType ?>
+<FormTemplates xmlns="http://schemas.microsoft.com/sharepoint/v3/contenttype/forms">
+  <Display>DocumentLibraryForm</Display>
+  <Edit>DocumentLibraryForm</Edit>
+  <New>DocumentLibraryForm</New>
+</FormTemplates>
+</file>
+
+<file path=customXml/item2.xml><?xml version="1.0" encoding="utf-8"?>
 <ct:contentTypeSchema xmlns:ct="http://schemas.microsoft.com/office/2006/metadata/contentType" xmlns:ma="http://schemas.microsoft.com/office/2006/metadata/properties/metaAttributes" ct:_="" ma:_="" ma:contentTypeName="Document" ma:contentTypeID="0x010100CC5ED37141D9714D8D3CAC8B46802CEB" ma:contentTypeVersion="9" ma:contentTypeDescription="Create a new document." ma:contentTypeScope="" ma:versionID="1823226f651ee43a22574c19e7e4afae">
   <xsd:schema xmlns:xsd="http://www.w3.org/2001/XMLSchema" xmlns:xs="http://www.w3.org/2001/XMLSchema" xmlns:p="http://schemas.microsoft.com/office/2006/metadata/properties" xmlns:ns2="8b08ac72-ae5d-42df-afd9-fd4e69ddc1c9" targetNamespace="http://schemas.microsoft.com/office/2006/metadata/properties" ma:root="true" ma:fieldsID="cc42f32948ac4ffce0f549b893693309" ns2:_="">
     <xsd:import namespace="8b08ac72-ae5d-42df-afd9-fd4e69ddc1c9"/>
@@ -31846,22 +33758,21 @@
 </ct:contentTypeSchema>
 </file>
 
-<file path=customXml/item2.xml><?xml version="1.0" encoding="utf-8"?>
+<file path=customXml/item3.xml><?xml version="1.0" encoding="utf-8"?>
 <p:properties xmlns:p="http://schemas.microsoft.com/office/2006/metadata/properties" xmlns:xsi="http://www.w3.org/2001/XMLSchema-instance" xmlns:pc="http://schemas.microsoft.com/office/infopath/2007/PartnerControls">
   <documentManagement/>
 </p:properties>
 </file>
 
-<file path=customXml/item3.xml><?xml version="1.0" encoding="utf-8"?>
-<?mso-contentType ?>
-<FormTemplates xmlns="http://schemas.microsoft.com/sharepoint/v3/contenttype/forms">
-  <Display>DocumentLibraryForm</Display>
-  <Edit>DocumentLibraryForm</Edit>
-  <New>DocumentLibraryForm</New>
-</FormTemplates>
+<file path=customXml/itemProps1.xml><?xml version="1.0" encoding="utf-8"?>
+<ds:datastoreItem xmlns:ds="http://schemas.openxmlformats.org/officeDocument/2006/customXml" ds:itemID="{0876085F-8D01-4EFD-B2F4-AB269F1ECCDA}">
+  <ds:schemaRefs>
+    <ds:schemaRef ds:uri="http://schemas.microsoft.com/sharepoint/v3/contenttype/forms"/>
+  </ds:schemaRefs>
+</ds:datastoreItem>
 </file>
 
-<file path=customXml/itemProps1.xml><?xml version="1.0" encoding="utf-8"?>
+<file path=customXml/itemProps2.xml><?xml version="1.0" encoding="utf-8"?>
 <ds:datastoreItem xmlns:ds="http://schemas.openxmlformats.org/officeDocument/2006/customXml" ds:itemID="{C88A8952-F0E2-4C35-92DC-E6A31915AEB4}">
   <ds:schemaRefs>
     <ds:schemaRef ds:uri="8b08ac72-ae5d-42df-afd9-fd4e69ddc1c9"/>
@@ -31879,7 +33790,7 @@
 </ds:datastoreItem>
 </file>
 
-<file path=customXml/itemProps2.xml><?xml version="1.0" encoding="utf-8"?>
+<file path=customXml/itemProps3.xml><?xml version="1.0" encoding="utf-8"?>
 <ds:datastoreItem xmlns:ds="http://schemas.openxmlformats.org/officeDocument/2006/customXml" ds:itemID="{9D5DB865-10A3-4D9C-B6B2-8CC8C6FA5CE8}">
   <ds:schemaRefs>
     <ds:schemaRef ds:uri="http://purl.org/dc/elements/1.1/"/>
@@ -31893,12 +33804,4 @@
     <ds:schemaRef ds:uri="http://www.w3.org/XML/1998/namespace"/>
   </ds:schemaRefs>
 </ds:datastoreItem>
-</file>
-
-<file path=customXml/itemProps3.xml><?xml version="1.0" encoding="utf-8"?>
-<ds:datastoreItem xmlns:ds="http://schemas.openxmlformats.org/officeDocument/2006/customXml" ds:itemID="{0876085F-8D01-4EFD-B2F4-AB269F1ECCDA}">
-  <ds:schemaRefs>
-    <ds:schemaRef ds:uri="http://schemas.microsoft.com/sharepoint/v3/contenttype/forms"/>
-  </ds:schemaRefs>
-</ds:datastoreItem>
 </file>
--- a/static/docs/ml2.pptx
+++ b/static/docs/ml2.pptx
@@ -27681,6 +27681,41 @@
           </a:prstGeom>
         </p:spPr>
       </p:pic>
+      <p:sp>
+        <p:nvSpPr>
+          <p:cNvPr id="5" name="TextBox 4">
+            <a:extLst>
+              <a:ext uri="{FF2B5EF4-FFF2-40B4-BE49-F238E27FC236}">
+                <a16:creationId xmlns:a16="http://schemas.microsoft.com/office/drawing/2014/main" id="{D73DFEFD-2C3E-A8FF-0629-9F72D3D90979}"/>
+              </a:ext>
+            </a:extLst>
+          </p:cNvPr>
+          <p:cNvSpPr txBox="1"/>
+          <p:nvPr/>
+        </p:nvSpPr>
+        <p:spPr>
+          <a:xfrm>
+            <a:off x="4328160" y="5804991"/>
+            <a:ext cx="7172960" cy="307777"/>
+          </a:xfrm>
+          <a:prstGeom prst="rect">
+            <a:avLst/>
+          </a:prstGeom>
+          <a:noFill/>
+        </p:spPr>
+        <p:txBody>
+          <a:bodyPr wrap="square" rtlCol="0">
+            <a:spAutoFit/>
+          </a:bodyPr>
+          <a:lstStyle/>
+          <a:p>
+            <a:r>
+              <a:rPr lang="en-US" sz="1400" dirty="0"/>
+              <a:t>https://towardsdatascience.com/logistic-regression-and-decision-boundary-eab6e00c1e8</a:t>
+            </a:r>
+          </a:p>
+        </p:txBody>
+      </p:sp>
     </p:spTree>
     <p:extLst>
       <p:ext uri="{BB962C8B-B14F-4D97-AF65-F5344CB8AC3E}">
@@ -33572,6 +33607,12 @@
 </file>
 
 <file path=customXml/item1.xml><?xml version="1.0" encoding="utf-8"?>
+<p:properties xmlns:p="http://schemas.microsoft.com/office/2006/metadata/properties" xmlns:xsi="http://www.w3.org/2001/XMLSchema-instance" xmlns:pc="http://schemas.microsoft.com/office/infopath/2007/PartnerControls">
+  <documentManagement/>
+</p:properties>
+</file>
+
+<file path=customXml/item2.xml><?xml version="1.0" encoding="utf-8"?>
 <?mso-contentType ?>
 <FormTemplates xmlns="http://schemas.microsoft.com/sharepoint/v3/contenttype/forms">
   <Display>DocumentLibraryForm</Display>
@@ -33580,7 +33621,7 @@
 </FormTemplates>
 </file>
 
-<file path=customXml/item2.xml><?xml version="1.0" encoding="utf-8"?>
+<file path=customXml/item3.xml><?xml version="1.0" encoding="utf-8"?>
 <ct:contentTypeSchema xmlns:ct="http://schemas.microsoft.com/office/2006/metadata/contentType" xmlns:ma="http://schemas.microsoft.com/office/2006/metadata/properties/metaAttributes" ct:_="" ma:_="" ma:contentTypeName="Document" ma:contentTypeID="0x010100CC5ED37141D9714D8D3CAC8B46802CEB" ma:contentTypeVersion="9" ma:contentTypeDescription="Create a new document." ma:contentTypeScope="" ma:versionID="1823226f651ee43a22574c19e7e4afae">
   <xsd:schema xmlns:xsd="http://www.w3.org/2001/XMLSchema" xmlns:xs="http://www.w3.org/2001/XMLSchema" xmlns:p="http://schemas.microsoft.com/office/2006/metadata/properties" xmlns:ns2="8b08ac72-ae5d-42df-afd9-fd4e69ddc1c9" targetNamespace="http://schemas.microsoft.com/office/2006/metadata/properties" ma:root="true" ma:fieldsID="cc42f32948ac4ffce0f549b893693309" ns2:_="">
     <xsd:import namespace="8b08ac72-ae5d-42df-afd9-fd4e69ddc1c9"/>
@@ -33758,13 +33799,23 @@
 </ct:contentTypeSchema>
 </file>
 
-<file path=customXml/item3.xml><?xml version="1.0" encoding="utf-8"?>
-<p:properties xmlns:p="http://schemas.microsoft.com/office/2006/metadata/properties" xmlns:xsi="http://www.w3.org/2001/XMLSchema-instance" xmlns:pc="http://schemas.microsoft.com/office/infopath/2007/PartnerControls">
-  <documentManagement/>
-</p:properties>
+<file path=customXml/itemProps1.xml><?xml version="1.0" encoding="utf-8"?>
+<ds:datastoreItem xmlns:ds="http://schemas.openxmlformats.org/officeDocument/2006/customXml" ds:itemID="{9D5DB865-10A3-4D9C-B6B2-8CC8C6FA5CE8}">
+  <ds:schemaRefs>
+    <ds:schemaRef ds:uri="http://purl.org/dc/elements/1.1/"/>
+    <ds:schemaRef ds:uri="http://purl.org/dc/terms/"/>
+    <ds:schemaRef ds:uri="http://schemas.microsoft.com/office/infopath/2007/PartnerControls"/>
+    <ds:schemaRef ds:uri="8b08ac72-ae5d-42df-afd9-fd4e69ddc1c9"/>
+    <ds:schemaRef ds:uri="http://purl.org/dc/dcmitype/"/>
+    <ds:schemaRef ds:uri="http://schemas.openxmlformats.org/package/2006/metadata/core-properties"/>
+    <ds:schemaRef ds:uri="http://schemas.microsoft.com/office/2006/documentManagement/types"/>
+    <ds:schemaRef ds:uri="http://schemas.microsoft.com/office/2006/metadata/properties"/>
+    <ds:schemaRef ds:uri="http://www.w3.org/XML/1998/namespace"/>
+  </ds:schemaRefs>
+</ds:datastoreItem>
 </file>
 
-<file path=customXml/itemProps1.xml><?xml version="1.0" encoding="utf-8"?>
+<file path=customXml/itemProps2.xml><?xml version="1.0" encoding="utf-8"?>
 <ds:datastoreItem xmlns:ds="http://schemas.openxmlformats.org/officeDocument/2006/customXml" ds:itemID="{0876085F-8D01-4EFD-B2F4-AB269F1ECCDA}">
   <ds:schemaRefs>
     <ds:schemaRef ds:uri="http://schemas.microsoft.com/sharepoint/v3/contenttype/forms"/>
@@ -33772,7 +33823,7 @@
 </ds:datastoreItem>
 </file>
 
-<file path=customXml/itemProps2.xml><?xml version="1.0" encoding="utf-8"?>
+<file path=customXml/itemProps3.xml><?xml version="1.0" encoding="utf-8"?>
 <ds:datastoreItem xmlns:ds="http://schemas.openxmlformats.org/officeDocument/2006/customXml" ds:itemID="{C88A8952-F0E2-4C35-92DC-E6A31915AEB4}">
   <ds:schemaRefs>
     <ds:schemaRef ds:uri="8b08ac72-ae5d-42df-afd9-fd4e69ddc1c9"/>
@@ -33788,20 +33839,4 @@
     <ds:schemaRef ds:uri="http://www.w3.org/2001/XMLSchema"/>
   </ds:schemaRefs>
 </ds:datastoreItem>
-</file>
-
-<file path=customXml/itemProps3.xml><?xml version="1.0" encoding="utf-8"?>
-<ds:datastoreItem xmlns:ds="http://schemas.openxmlformats.org/officeDocument/2006/customXml" ds:itemID="{9D5DB865-10A3-4D9C-B6B2-8CC8C6FA5CE8}">
-  <ds:schemaRefs>
-    <ds:schemaRef ds:uri="http://purl.org/dc/elements/1.1/"/>
-    <ds:schemaRef ds:uri="http://purl.org/dc/terms/"/>
-    <ds:schemaRef ds:uri="http://schemas.microsoft.com/office/infopath/2007/PartnerControls"/>
-    <ds:schemaRef ds:uri="8b08ac72-ae5d-42df-afd9-fd4e69ddc1c9"/>
-    <ds:schemaRef ds:uri="http://purl.org/dc/dcmitype/"/>
-    <ds:schemaRef ds:uri="http://schemas.openxmlformats.org/package/2006/metadata/core-properties"/>
-    <ds:schemaRef ds:uri="http://schemas.microsoft.com/office/2006/documentManagement/types"/>
-    <ds:schemaRef ds:uri="http://schemas.microsoft.com/office/2006/metadata/properties"/>
-    <ds:schemaRef ds:uri="http://www.w3.org/XML/1998/namespace"/>
-  </ds:schemaRefs>
-</ds:datastoreItem>
 </file>